--- a/07 Thread Synchronization 2/Thread Synchronization pt 2.pptx
+++ b/07 Thread Synchronization 2/Thread Synchronization pt 2.pptx
@@ -5,7 +5,7 @@
     <p:sldMasterId id="2147483648" r:id="rId1"/>
   </p:sldMasterIdLst>
   <p:notesMasterIdLst>
-    <p:notesMasterId r:id="rId37"/>
+    <p:notesMasterId r:id="rId36"/>
   </p:notesMasterIdLst>
   <p:sldIdLst>
     <p:sldId id="256" r:id="rId2"/>
@@ -20,29 +20,28 @@
     <p:sldId id="320" r:id="rId11"/>
     <p:sldId id="319" r:id="rId12"/>
     <p:sldId id="321" r:id="rId13"/>
-    <p:sldId id="327" r:id="rId14"/>
-    <p:sldId id="349" r:id="rId15"/>
-    <p:sldId id="306" r:id="rId16"/>
-    <p:sldId id="324" r:id="rId17"/>
-    <p:sldId id="311" r:id="rId18"/>
-    <p:sldId id="323" r:id="rId19"/>
-    <p:sldId id="325" r:id="rId20"/>
-    <p:sldId id="326" r:id="rId21"/>
-    <p:sldId id="350" r:id="rId22"/>
-    <p:sldId id="328" r:id="rId23"/>
-    <p:sldId id="329" r:id="rId24"/>
-    <p:sldId id="330" r:id="rId25"/>
-    <p:sldId id="341" r:id="rId26"/>
-    <p:sldId id="342" r:id="rId27"/>
-    <p:sldId id="343" r:id="rId28"/>
-    <p:sldId id="344" r:id="rId29"/>
-    <p:sldId id="345" r:id="rId30"/>
-    <p:sldId id="287" r:id="rId31"/>
-    <p:sldId id="259" r:id="rId32"/>
-    <p:sldId id="257" r:id="rId33"/>
-    <p:sldId id="346" r:id="rId34"/>
-    <p:sldId id="347" r:id="rId35"/>
-    <p:sldId id="348" r:id="rId36"/>
+    <p:sldId id="349" r:id="rId14"/>
+    <p:sldId id="306" r:id="rId15"/>
+    <p:sldId id="324" r:id="rId16"/>
+    <p:sldId id="311" r:id="rId17"/>
+    <p:sldId id="323" r:id="rId18"/>
+    <p:sldId id="325" r:id="rId19"/>
+    <p:sldId id="326" r:id="rId20"/>
+    <p:sldId id="350" r:id="rId21"/>
+    <p:sldId id="328" r:id="rId22"/>
+    <p:sldId id="329" r:id="rId23"/>
+    <p:sldId id="330" r:id="rId24"/>
+    <p:sldId id="341" r:id="rId25"/>
+    <p:sldId id="342" r:id="rId26"/>
+    <p:sldId id="343" r:id="rId27"/>
+    <p:sldId id="344" r:id="rId28"/>
+    <p:sldId id="345" r:id="rId29"/>
+    <p:sldId id="287" r:id="rId30"/>
+    <p:sldId id="259" r:id="rId31"/>
+    <p:sldId id="257" r:id="rId32"/>
+    <p:sldId id="346" r:id="rId33"/>
+    <p:sldId id="347" r:id="rId34"/>
+    <p:sldId id="348" r:id="rId35"/>
   </p:sldIdLst>
   <p:sldSz cx="12192000" cy="6858000"/>
   <p:notesSz cx="6858000" cy="9144000"/>
@@ -231,7 +230,7 @@
           <a:p>
             <a:fld id="{C3D45B35-5990-4A22-9246-3EAB55A12994}" type="datetimeFigureOut">
               <a:rPr lang="da-DK" smtClean="0"/>
-              <a:t>31-10-2018</a:t>
+              <a:t>22.08.2023</a:t>
             </a:fld>
             <a:endParaRPr lang="da-DK"/>
           </a:p>
@@ -295,35 +294,35 @@
           <a:p>
             <a:pPr lvl="0"/>
             <a:r>
-              <a:rPr lang="en-US" smtClean="0"/>
+              <a:rPr lang="en-US"/>
               <a:t>Click to edit Master text styles</a:t>
             </a:r>
           </a:p>
           <a:p>
             <a:pPr lvl="1"/>
             <a:r>
-              <a:rPr lang="en-US" smtClean="0"/>
+              <a:rPr lang="en-US"/>
               <a:t>Second level</a:t>
             </a:r>
           </a:p>
           <a:p>
             <a:pPr lvl="2"/>
             <a:r>
-              <a:rPr lang="en-US" smtClean="0"/>
+              <a:rPr lang="en-US"/>
               <a:t>Third level</a:t>
             </a:r>
           </a:p>
           <a:p>
             <a:pPr lvl="3"/>
             <a:r>
-              <a:rPr lang="en-US" smtClean="0"/>
+              <a:rPr lang="en-US"/>
               <a:t>Fourth level</a:t>
             </a:r>
           </a:p>
           <a:p>
             <a:pPr lvl="4"/>
             <a:r>
-              <a:rPr lang="en-US" smtClean="0"/>
+              <a:rPr lang="en-US"/>
               <a:t>Fifth level</a:t>
             </a:r>
             <a:endParaRPr lang="da-DK"/>
@@ -544,83 +543,83 @@
           <a:lstStyle/>
           <a:p>
             <a:r>
-              <a:rPr lang="da-DK" dirty="0" smtClean="0"/>
+              <a:rPr lang="da-DK" dirty="0"/>
               <a:t>The Sensor</a:t>
             </a:r>
             <a:r>
-              <a:rPr lang="da-DK" baseline="0" dirty="0" smtClean="0"/>
+              <a:rPr lang="da-DK" baseline="0" dirty="0"/>
               <a:t> </a:t>
             </a:r>
             <a:r>
-              <a:rPr lang="da-DK" baseline="0" dirty="0" err="1" smtClean="0"/>
+              <a:rPr lang="da-DK" baseline="0" dirty="0" err="1"/>
               <a:t>may</a:t>
             </a:r>
             <a:r>
-              <a:rPr lang="da-DK" baseline="0" dirty="0" smtClean="0"/>
+              <a:rPr lang="da-DK" baseline="0" dirty="0"/>
               <a:t> </a:t>
             </a:r>
             <a:r>
-              <a:rPr lang="da-DK" baseline="0" dirty="0" err="1" smtClean="0"/>
+              <a:rPr lang="da-DK" baseline="0" dirty="0" err="1"/>
               <a:t>reply</a:t>
             </a:r>
             <a:r>
-              <a:rPr lang="da-DK" baseline="0" dirty="0" smtClean="0"/>
+              <a:rPr lang="da-DK" baseline="0" dirty="0"/>
               <a:t> with data </a:t>
             </a:r>
             <a:r>
-              <a:rPr lang="da-DK" baseline="0" dirty="0" err="1" smtClean="0"/>
+              <a:rPr lang="da-DK" baseline="0" dirty="0" err="1"/>
               <a:t>formatted</a:t>
             </a:r>
             <a:r>
-              <a:rPr lang="da-DK" baseline="0" dirty="0" smtClean="0"/>
+              <a:rPr lang="da-DK" baseline="0" dirty="0"/>
               <a:t> in a </a:t>
             </a:r>
             <a:r>
-              <a:rPr lang="da-DK" baseline="0" dirty="0" err="1" smtClean="0"/>
+              <a:rPr lang="da-DK" baseline="0" dirty="0" err="1"/>
               <a:t>strange</a:t>
             </a:r>
             <a:r>
-              <a:rPr lang="da-DK" baseline="0" dirty="0" smtClean="0"/>
+              <a:rPr lang="da-DK" baseline="0" dirty="0"/>
               <a:t> </a:t>
             </a:r>
             <a:r>
-              <a:rPr lang="da-DK" baseline="0" dirty="0" err="1" smtClean="0"/>
+              <a:rPr lang="da-DK" baseline="0" dirty="0" err="1"/>
               <a:t>way</a:t>
             </a:r>
             <a:r>
-              <a:rPr lang="da-DK" baseline="0" dirty="0" smtClean="0"/>
+              <a:rPr lang="da-DK" baseline="0" dirty="0"/>
               <a:t>, </a:t>
             </a:r>
             <a:r>
-              <a:rPr lang="da-DK" baseline="0" dirty="0" err="1" smtClean="0"/>
+              <a:rPr lang="da-DK" baseline="0" dirty="0" err="1"/>
               <a:t>which</a:t>
             </a:r>
             <a:r>
-              <a:rPr lang="da-DK" baseline="0" dirty="0" smtClean="0"/>
+              <a:rPr lang="da-DK" baseline="0" dirty="0"/>
               <a:t> </a:t>
             </a:r>
             <a:r>
-              <a:rPr lang="da-DK" baseline="0" dirty="0" err="1" smtClean="0"/>
+              <a:rPr lang="da-DK" baseline="0" dirty="0" err="1"/>
               <a:t>shall</a:t>
             </a:r>
             <a:r>
-              <a:rPr lang="da-DK" baseline="0" dirty="0" smtClean="0"/>
+              <a:rPr lang="da-DK" baseline="0" dirty="0"/>
               <a:t> </a:t>
             </a:r>
             <a:r>
-              <a:rPr lang="da-DK" baseline="0" dirty="0" err="1" smtClean="0"/>
+              <a:rPr lang="da-DK" baseline="0" dirty="0" err="1"/>
               <a:t>be</a:t>
             </a:r>
             <a:r>
-              <a:rPr lang="da-DK" baseline="0" dirty="0" smtClean="0"/>
+              <a:rPr lang="da-DK" baseline="0" dirty="0"/>
               <a:t> </a:t>
             </a:r>
             <a:r>
-              <a:rPr lang="da-DK" baseline="0" dirty="0" err="1" smtClean="0"/>
+              <a:rPr lang="da-DK" baseline="0" dirty="0" err="1"/>
               <a:t>tranlated</a:t>
             </a:r>
             <a:r>
-              <a:rPr lang="da-DK" baseline="0" dirty="0" smtClean="0"/>
+              <a:rPr lang="da-DK" baseline="0" dirty="0"/>
               <a:t>.</a:t>
             </a:r>
             <a:endParaRPr lang="da-DK" dirty="0"/>
@@ -708,77 +707,77 @@
           <a:lstStyle/>
           <a:p>
             <a:r>
-              <a:rPr lang="da-DK" dirty="0" err="1" smtClean="0"/>
+              <a:rPr lang="da-DK" dirty="0" err="1"/>
               <a:t>We</a:t>
             </a:r>
             <a:r>
-              <a:rPr lang="da-DK" baseline="0" dirty="0" smtClean="0"/>
+              <a:rPr lang="da-DK" baseline="0" dirty="0"/>
               <a:t> </a:t>
             </a:r>
             <a:r>
-              <a:rPr lang="da-DK" baseline="0" dirty="0" err="1" smtClean="0"/>
+              <a:rPr lang="da-DK" baseline="0" dirty="0" err="1"/>
               <a:t>looked</a:t>
             </a:r>
             <a:r>
-              <a:rPr lang="da-DK" baseline="0" dirty="0" smtClean="0"/>
+              <a:rPr lang="da-DK" baseline="0" dirty="0"/>
               <a:t> at event handles </a:t>
             </a:r>
             <a:r>
-              <a:rPr lang="da-DK" baseline="0" dirty="0" err="1" smtClean="0"/>
+              <a:rPr lang="da-DK" baseline="0" dirty="0" err="1"/>
               <a:t>some</a:t>
             </a:r>
             <a:r>
-              <a:rPr lang="da-DK" baseline="0" dirty="0" smtClean="0"/>
+              <a:rPr lang="da-DK" baseline="0" dirty="0"/>
               <a:t> </a:t>
             </a:r>
             <a:r>
-              <a:rPr lang="da-DK" baseline="0" dirty="0" err="1" smtClean="0"/>
+              <a:rPr lang="da-DK" baseline="0" dirty="0" err="1"/>
               <a:t>weeks</a:t>
             </a:r>
             <a:r>
-              <a:rPr lang="da-DK" baseline="0" dirty="0" smtClean="0"/>
+              <a:rPr lang="da-DK" baseline="0" dirty="0"/>
               <a:t> </a:t>
             </a:r>
             <a:r>
-              <a:rPr lang="da-DK" baseline="0" dirty="0" err="1" smtClean="0"/>
+              <a:rPr lang="da-DK" baseline="0" dirty="0" err="1"/>
               <a:t>ago</a:t>
             </a:r>
             <a:r>
-              <a:rPr lang="da-DK" baseline="0" dirty="0" smtClean="0"/>
+              <a:rPr lang="da-DK" baseline="0" dirty="0"/>
               <a:t>. This is repetition.</a:t>
             </a:r>
           </a:p>
           <a:p>
             <a:r>
-              <a:rPr lang="da-DK" baseline="0" dirty="0" err="1" smtClean="0"/>
+              <a:rPr lang="da-DK" baseline="0" dirty="0" err="1"/>
               <a:t>We</a:t>
             </a:r>
             <a:r>
-              <a:rPr lang="da-DK" baseline="0" dirty="0" smtClean="0"/>
+              <a:rPr lang="da-DK" baseline="0" dirty="0"/>
               <a:t> </a:t>
             </a:r>
             <a:r>
-              <a:rPr lang="da-DK" baseline="0" dirty="0" err="1" smtClean="0"/>
+              <a:rPr lang="da-DK" baseline="0" dirty="0" err="1"/>
               <a:t>will</a:t>
             </a:r>
             <a:r>
-              <a:rPr lang="da-DK" baseline="0" dirty="0" smtClean="0"/>
+              <a:rPr lang="da-DK" baseline="0" dirty="0"/>
               <a:t> </a:t>
             </a:r>
             <a:r>
-              <a:rPr lang="da-DK" baseline="0" dirty="0" err="1" smtClean="0"/>
+              <a:rPr lang="da-DK" baseline="0" dirty="0" err="1"/>
               <a:t>use</a:t>
             </a:r>
             <a:r>
-              <a:rPr lang="da-DK" baseline="0" dirty="0" smtClean="0"/>
+              <a:rPr lang="da-DK" baseline="0" dirty="0"/>
               <a:t> the </a:t>
             </a:r>
             <a:r>
-              <a:rPr lang="da-DK" baseline="0" dirty="0" err="1" smtClean="0"/>
+              <a:rPr lang="da-DK" baseline="0" dirty="0" err="1"/>
               <a:t>AutoResetEvent</a:t>
             </a:r>
             <a:r>
-              <a:rPr lang="da-DK" baseline="0" dirty="0" smtClean="0"/>
+              <a:rPr lang="da-DK" baseline="0" dirty="0"/>
               <a:t>.</a:t>
             </a:r>
             <a:endParaRPr lang="da-DK" dirty="0"/>
@@ -802,7 +801,7 @@
           <a:p>
             <a:fld id="{E41AB761-37ED-4EFA-99FC-D346B55B115C}" type="slidenum">
               <a:rPr lang="da-DK" smtClean="0"/>
-              <a:t>15</a:t>
+              <a:t>14</a:t>
             </a:fld>
             <a:endParaRPr lang="da-DK"/>
           </a:p>
@@ -886,7 +885,7 @@
           <a:p>
             <a:fld id="{E41AB761-37ED-4EFA-99FC-D346B55B115C}" type="slidenum">
               <a:rPr lang="da-DK" smtClean="0"/>
-              <a:t>16</a:t>
+              <a:t>15</a:t>
             </a:fld>
             <a:endParaRPr lang="da-DK"/>
           </a:p>
@@ -970,7 +969,7 @@
           <a:p>
             <a:fld id="{E41AB761-37ED-4EFA-99FC-D346B55B115C}" type="slidenum">
               <a:rPr lang="da-DK" smtClean="0"/>
-              <a:t>17</a:t>
+              <a:t>16</a:t>
             </a:fld>
             <a:endParaRPr lang="da-DK"/>
           </a:p>
@@ -1054,7 +1053,7 @@
           <a:p>
             <a:fld id="{E41AB761-37ED-4EFA-99FC-D346B55B115C}" type="slidenum">
               <a:rPr lang="da-DK" smtClean="0"/>
-              <a:t>18</a:t>
+              <a:t>17</a:t>
             </a:fld>
             <a:endParaRPr lang="da-DK"/>
           </a:p>
@@ -1138,7 +1137,7 @@
           <a:p>
             <a:fld id="{E41AB761-37ED-4EFA-99FC-D346B55B115C}" type="slidenum">
               <a:rPr lang="da-DK" smtClean="0"/>
-              <a:t>19</a:t>
+              <a:t>18</a:t>
             </a:fld>
             <a:endParaRPr lang="da-DK"/>
           </a:p>
@@ -1202,10 +1201,9 @@
           <a:lstStyle/>
           <a:p>
             <a:r>
-              <a:rPr lang="da-DK" dirty="0" smtClean="0"/>
+              <a:rPr lang="da-DK" dirty="0"/>
               <a:t>Det lyder lige som noget vi har brug for.</a:t>
             </a:r>
-            <a:endParaRPr lang="da-DK" dirty="0"/>
           </a:p>
         </p:txBody>
       </p:sp>
@@ -1226,7 +1224,7 @@
           <a:p>
             <a:fld id="{E41AB761-37ED-4EFA-99FC-D346B55B115C}" type="slidenum">
               <a:rPr lang="da-DK" smtClean="0"/>
-              <a:t>25</a:t>
+              <a:t>24</a:t>
             </a:fld>
             <a:endParaRPr lang="da-DK"/>
           </a:p>
@@ -1310,7 +1308,7 @@
           <a:p>
             <a:fld id="{E41AB761-37ED-4EFA-99FC-D346B55B115C}" type="slidenum">
               <a:rPr lang="da-DK" smtClean="0"/>
-              <a:t>26</a:t>
+              <a:t>25</a:t>
             </a:fld>
             <a:endParaRPr lang="da-DK"/>
           </a:p>
@@ -1374,55 +1372,55 @@
           <a:lstStyle/>
           <a:p>
             <a:r>
-              <a:rPr lang="en-US" dirty="0" smtClean="0"/>
+              <a:rPr lang="en-US" dirty="0"/>
               <a:t>// </a:t>
             </a:r>
             <a:r>
-              <a:rPr lang="en-US" dirty="0" err="1" smtClean="0"/>
+              <a:rPr lang="en-US" dirty="0" err="1"/>
               <a:t>InvalidOperationException</a:t>
             </a:r>
             <a:r>
-              <a:rPr lang="en-US" dirty="0" smtClean="0"/>
+              <a:rPr lang="en-US" dirty="0"/>
               <a:t> means that Take() was called on a completed collection.</a:t>
             </a:r>
           </a:p>
           <a:p>
             <a:r>
-              <a:rPr lang="en-US" dirty="0" smtClean="0"/>
+              <a:rPr lang="en-US" dirty="0"/>
               <a:t>// Some other thread can call </a:t>
             </a:r>
             <a:r>
-              <a:rPr lang="en-US" dirty="0" err="1" smtClean="0"/>
+              <a:rPr lang="en-US" dirty="0" err="1"/>
               <a:t>CompleteAdding</a:t>
             </a:r>
             <a:r>
-              <a:rPr lang="en-US" dirty="0" smtClean="0"/>
+              <a:rPr lang="en-US" dirty="0"/>
               <a:t> after we pass the</a:t>
             </a:r>
           </a:p>
           <a:p>
             <a:r>
-              <a:rPr lang="en-US" dirty="0" smtClean="0"/>
+              <a:rPr lang="en-US" dirty="0"/>
               <a:t>// </a:t>
             </a:r>
             <a:r>
-              <a:rPr lang="en-US" dirty="0" err="1" smtClean="0"/>
+              <a:rPr lang="en-US" dirty="0" err="1"/>
               <a:t>IsCompleted</a:t>
             </a:r>
             <a:r>
-              <a:rPr lang="en-US" dirty="0" smtClean="0"/>
+              <a:rPr lang="en-US" dirty="0"/>
               <a:t> check but before we call Take. </a:t>
             </a:r>
           </a:p>
           <a:p>
             <a:r>
-              <a:rPr lang="en-US" dirty="0" smtClean="0"/>
+              <a:rPr lang="en-US" dirty="0"/>
               <a:t>// In this example, we can simply catch the exception since the </a:t>
             </a:r>
           </a:p>
           <a:p>
             <a:r>
-              <a:rPr lang="en-US" dirty="0" smtClean="0"/>
+              <a:rPr lang="en-US" dirty="0"/>
               <a:t>// loop will break on the next iteration.</a:t>
             </a:r>
             <a:endParaRPr lang="da-DK" dirty="0"/>
@@ -1446,7 +1444,7 @@
           <a:p>
             <a:fld id="{E41AB761-37ED-4EFA-99FC-D346B55B115C}" type="slidenum">
               <a:rPr lang="da-DK" smtClean="0"/>
-              <a:t>27</a:t>
+              <a:t>26</a:t>
             </a:fld>
             <a:endParaRPr lang="da-DK"/>
           </a:p>
@@ -1530,7 +1528,7 @@
           <a:p>
             <a:fld id="{E41AB761-37ED-4EFA-99FC-D346B55B115C}" type="slidenum">
               <a:rPr lang="da-DK" smtClean="0"/>
-              <a:t>28</a:t>
+              <a:t>27</a:t>
             </a:fld>
             <a:endParaRPr lang="da-DK"/>
           </a:p>
@@ -1614,7 +1612,7 @@
           <a:p>
             <a:fld id="{E41AB761-37ED-4EFA-99FC-D346B55B115C}" type="slidenum">
               <a:rPr lang="da-DK" smtClean="0"/>
-              <a:t>29</a:t>
+              <a:t>28</a:t>
             </a:fld>
             <a:endParaRPr lang="da-DK"/>
           </a:p>
@@ -1782,7 +1780,7 @@
           <a:p>
             <a:fld id="{E41AB761-37ED-4EFA-99FC-D346B55B115C}" type="slidenum">
               <a:rPr lang="da-DK" smtClean="0"/>
-              <a:t>30</a:t>
+              <a:t>29</a:t>
             </a:fld>
             <a:endParaRPr lang="da-DK"/>
           </a:p>
@@ -1866,7 +1864,7 @@
           <a:p>
             <a:fld id="{E41AB761-37ED-4EFA-99FC-D346B55B115C}" type="slidenum">
               <a:rPr lang="da-DK" smtClean="0"/>
-              <a:t>33</a:t>
+              <a:t>32</a:t>
             </a:fld>
             <a:endParaRPr lang="da-DK"/>
           </a:p>
@@ -1950,7 +1948,7 @@
           <a:p>
             <a:fld id="{E41AB761-37ED-4EFA-99FC-D346B55B115C}" type="slidenum">
               <a:rPr lang="da-DK" smtClean="0"/>
-              <a:t>34</a:t>
+              <a:t>33</a:t>
             </a:fld>
             <a:endParaRPr lang="da-DK"/>
           </a:p>
@@ -2034,7 +2032,7 @@
           <a:p>
             <a:fld id="{E41AB761-37ED-4EFA-99FC-D346B55B115C}" type="slidenum">
               <a:rPr lang="da-DK" smtClean="0"/>
-              <a:t>35</a:t>
+              <a:t>34</a:t>
             </a:fld>
             <a:endParaRPr lang="da-DK"/>
           </a:p>
@@ -2098,31 +2096,31 @@
           <a:lstStyle/>
           <a:p>
             <a:r>
-              <a:rPr lang="da-DK" dirty="0" smtClean="0"/>
+              <a:rPr lang="da-DK" dirty="0"/>
               <a:t>But </a:t>
             </a:r>
             <a:r>
-              <a:rPr lang="da-DK" dirty="0" err="1" smtClean="0"/>
+              <a:rPr lang="da-DK" dirty="0" err="1"/>
               <a:t>every</a:t>
             </a:r>
             <a:r>
-              <a:rPr lang="da-DK" baseline="0" dirty="0" smtClean="0"/>
+              <a:rPr lang="da-DK" baseline="0" dirty="0"/>
               <a:t> </a:t>
             </a:r>
             <a:r>
-              <a:rPr lang="da-DK" baseline="0" dirty="0" err="1" smtClean="0"/>
+              <a:rPr lang="da-DK" baseline="0" dirty="0" err="1"/>
               <a:t>responsibility</a:t>
             </a:r>
             <a:r>
-              <a:rPr lang="da-DK" baseline="0" dirty="0" smtClean="0"/>
+              <a:rPr lang="da-DK" baseline="0" dirty="0"/>
               <a:t> is a </a:t>
             </a:r>
             <a:r>
-              <a:rPr lang="da-DK" baseline="0" dirty="0" err="1" smtClean="0"/>
+              <a:rPr lang="da-DK" baseline="0" dirty="0" err="1"/>
               <a:t>reason</a:t>
             </a:r>
             <a:r>
-              <a:rPr lang="da-DK" baseline="0" dirty="0" smtClean="0"/>
+              <a:rPr lang="da-DK" baseline="0" dirty="0"/>
               <a:t>.</a:t>
             </a:r>
             <a:endParaRPr lang="da-DK" dirty="0"/>
@@ -2630,59 +2628,59 @@
           <a:lstStyle/>
           <a:p>
             <a:r>
-              <a:rPr lang="da-DK" dirty="0" err="1" smtClean="0"/>
+              <a:rPr lang="da-DK" dirty="0" err="1"/>
               <a:t>Let’s</a:t>
             </a:r>
             <a:r>
-              <a:rPr lang="da-DK" dirty="0" smtClean="0"/>
+              <a:rPr lang="da-DK" dirty="0"/>
               <a:t> </a:t>
             </a:r>
             <a:r>
-              <a:rPr lang="da-DK" dirty="0" err="1" smtClean="0"/>
+              <a:rPr lang="da-DK" dirty="0" err="1"/>
               <a:t>assume</a:t>
             </a:r>
             <a:r>
-              <a:rPr lang="da-DK" dirty="0" smtClean="0"/>
+              <a:rPr lang="da-DK" dirty="0"/>
               <a:t>, </a:t>
             </a:r>
             <a:r>
-              <a:rPr lang="da-DK" dirty="0" err="1" smtClean="0"/>
+              <a:rPr lang="da-DK" dirty="0" err="1"/>
               <a:t>that</a:t>
             </a:r>
             <a:r>
-              <a:rPr lang="da-DK" dirty="0" smtClean="0"/>
+              <a:rPr lang="da-DK" dirty="0"/>
               <a:t> the </a:t>
             </a:r>
             <a:r>
-              <a:rPr lang="da-DK" dirty="0" err="1" smtClean="0"/>
+              <a:rPr lang="da-DK" dirty="0" err="1"/>
               <a:t>DataContainer</a:t>
             </a:r>
             <a:r>
-              <a:rPr lang="da-DK" dirty="0" smtClean="0"/>
+              <a:rPr lang="da-DK" dirty="0"/>
               <a:t> </a:t>
             </a:r>
             <a:r>
-              <a:rPr lang="da-DK" dirty="0" err="1" smtClean="0"/>
+              <a:rPr lang="da-DK" dirty="0" err="1"/>
               <a:t>only</a:t>
             </a:r>
             <a:r>
-              <a:rPr lang="da-DK" baseline="0" dirty="0" smtClean="0"/>
+              <a:rPr lang="da-DK" baseline="0" dirty="0"/>
               <a:t> </a:t>
             </a:r>
             <a:r>
-              <a:rPr lang="da-DK" baseline="0" dirty="0" err="1" smtClean="0"/>
+              <a:rPr lang="da-DK" baseline="0" dirty="0" err="1"/>
               <a:t>can</a:t>
             </a:r>
             <a:r>
-              <a:rPr lang="da-DK" baseline="0" dirty="0" smtClean="0"/>
+              <a:rPr lang="da-DK" baseline="0" dirty="0"/>
               <a:t> hold a single </a:t>
             </a:r>
             <a:r>
-              <a:rPr lang="da-DK" baseline="0" dirty="0" err="1" smtClean="0"/>
+              <a:rPr lang="da-DK" baseline="0" dirty="0" err="1"/>
               <a:t>value</a:t>
             </a:r>
             <a:r>
-              <a:rPr lang="da-DK" baseline="0" dirty="0" smtClean="0"/>
+              <a:rPr lang="da-DK" baseline="0" dirty="0"/>
               <a:t>.</a:t>
             </a:r>
             <a:endParaRPr lang="da-DK" dirty="0"/>
@@ -2758,7 +2756,7 @@
           <a:lstStyle/>
           <a:p>
             <a:r>
-              <a:rPr lang="en-US" smtClean="0"/>
+              <a:rPr lang="en-US"/>
               <a:t>Click to edit Master title style</a:t>
             </a:r>
             <a:endParaRPr lang="da-DK"/>
@@ -2865,10 +2863,9 @@
           <a:p>
             <a:pPr lvl="0"/>
             <a:r>
-              <a:rPr lang="en-GB" dirty="0" smtClean="0"/>
+              <a:rPr lang="en-GB" dirty="0"/>
               <a:t>Subtitle</a:t>
             </a:r>
-            <a:endParaRPr lang="en-GB" dirty="0"/>
           </a:p>
         </p:txBody>
       </p:sp>
@@ -3088,7 +3085,7 @@
               </a:defRPr>
             </a:pPr>
             <a:r>
-              <a:rPr lang="en-GB" sz="700" b="0" i="0" u="none" strike="noStrike" kern="1200" cap="all" spc="0" baseline="0" dirty="0" smtClean="0">
+              <a:rPr lang="en-GB" sz="700" b="0" i="0" u="none" strike="noStrike" kern="1200" cap="all" spc="0" baseline="0" dirty="0">
                 <a:solidFill>
                   <a:srgbClr val="FFFFFF"/>
                 </a:solidFill>
@@ -3119,7 +3116,7 @@
               </a:defRPr>
             </a:pPr>
             <a:r>
-              <a:rPr lang="en-GB" sz="700" b="0" i="0" u="none" strike="noStrike" kern="1200" cap="all" spc="0" baseline="0" dirty="0" smtClean="0">
+              <a:rPr lang="en-GB" sz="700" b="0" i="0" u="none" strike="noStrike" kern="1200" cap="all" spc="0" baseline="0" dirty="0">
                 <a:solidFill>
                   <a:srgbClr val="FFFFFF"/>
                 </a:solidFill>
@@ -3128,13 +3125,6 @@
               </a:rPr>
               <a:t>ml@ase.au.dk</a:t>
             </a:r>
-            <a:endParaRPr lang="en-GB" sz="700" b="0" i="0" u="none" strike="noStrike" kern="1200" cap="all" spc="0" baseline="0" dirty="0">
-              <a:solidFill>
-                <a:srgbClr val="FFFFFF"/>
-              </a:solidFill>
-              <a:uFillTx/>
-              <a:latin typeface="Gill Sans MT" panose="020B0502020104020203" pitchFamily="34" charset="0"/>
-            </a:endParaRPr>
           </a:p>
         </p:txBody>
       </p:sp>
@@ -3186,7 +3176,7 @@
           <a:p>
             <a:pPr lvl="0"/>
             <a:r>
-              <a:rPr lang="en-US" dirty="0" smtClean="0"/>
+              <a:rPr lang="en-US" dirty="0"/>
               <a:t>Title</a:t>
             </a:r>
           </a:p>
@@ -3247,7 +3237,7 @@
           </a:lstStyle>
           <a:p>
             <a:r>
-              <a:rPr lang="en-US" smtClean="0"/>
+              <a:rPr lang="en-US"/>
               <a:t>Click to edit Master title style</a:t>
             </a:r>
             <a:endParaRPr lang="da-DK"/>
@@ -3374,7 +3364,7 @@
           <a:p>
             <a:pPr lvl="0"/>
             <a:r>
-              <a:rPr lang="en-US" smtClean="0"/>
+              <a:rPr lang="en-US"/>
               <a:t>Click to edit Master text styles</a:t>
             </a:r>
           </a:p>
@@ -3468,7 +3458,7 @@
           <a:lstStyle/>
           <a:p>
             <a:r>
-              <a:rPr lang="en-US" smtClean="0"/>
+              <a:rPr lang="en-US"/>
               <a:t>Click to edit Master title style</a:t>
             </a:r>
             <a:endParaRPr lang="da-DK"/>
@@ -3492,35 +3482,35 @@
           <a:p>
             <a:pPr lvl="0"/>
             <a:r>
-              <a:rPr lang="en-US" smtClean="0"/>
+              <a:rPr lang="en-US"/>
               <a:t>Click to edit Master text styles</a:t>
             </a:r>
           </a:p>
           <a:p>
             <a:pPr lvl="1"/>
             <a:r>
-              <a:rPr lang="en-US" smtClean="0"/>
+              <a:rPr lang="en-US"/>
               <a:t>Second level</a:t>
             </a:r>
           </a:p>
           <a:p>
             <a:pPr lvl="2"/>
             <a:r>
-              <a:rPr lang="en-US" smtClean="0"/>
+              <a:rPr lang="en-US"/>
               <a:t>Third level</a:t>
             </a:r>
           </a:p>
           <a:p>
             <a:pPr lvl="3"/>
             <a:r>
-              <a:rPr lang="en-US" smtClean="0"/>
+              <a:rPr lang="en-US"/>
               <a:t>Fourth level</a:t>
             </a:r>
           </a:p>
           <a:p>
             <a:pPr lvl="4"/>
             <a:r>
-              <a:rPr lang="en-US" smtClean="0"/>
+              <a:rPr lang="en-US"/>
               <a:t>Fifth level</a:t>
             </a:r>
             <a:endParaRPr lang="da-DK"/>
@@ -3620,7 +3610,7 @@
           <a:lstStyle/>
           <a:p>
             <a:r>
-              <a:rPr lang="en-US" smtClean="0"/>
+              <a:rPr lang="en-US"/>
               <a:t>Click to edit Master title style</a:t>
             </a:r>
             <a:endParaRPr lang="da-DK"/>
@@ -3649,35 +3639,35 @@
           <a:p>
             <a:pPr lvl="0"/>
             <a:r>
-              <a:rPr lang="en-US" smtClean="0"/>
+              <a:rPr lang="en-US"/>
               <a:t>Click to edit Master text styles</a:t>
             </a:r>
           </a:p>
           <a:p>
             <a:pPr lvl="1"/>
             <a:r>
-              <a:rPr lang="en-US" smtClean="0"/>
+              <a:rPr lang="en-US"/>
               <a:t>Second level</a:t>
             </a:r>
           </a:p>
           <a:p>
             <a:pPr lvl="2"/>
             <a:r>
-              <a:rPr lang="en-US" smtClean="0"/>
+              <a:rPr lang="en-US"/>
               <a:t>Third level</a:t>
             </a:r>
           </a:p>
           <a:p>
             <a:pPr lvl="3"/>
             <a:r>
-              <a:rPr lang="en-US" smtClean="0"/>
+              <a:rPr lang="en-US"/>
               <a:t>Fourth level</a:t>
             </a:r>
           </a:p>
           <a:p>
             <a:pPr lvl="4"/>
             <a:r>
-              <a:rPr lang="en-US" smtClean="0"/>
+              <a:rPr lang="en-US"/>
               <a:t>Fifth level</a:t>
             </a:r>
             <a:endParaRPr lang="da-DK"/>
@@ -3772,7 +3762,7 @@
           <a:lstStyle/>
           <a:p>
             <a:r>
-              <a:rPr lang="en-US" smtClean="0"/>
+              <a:rPr lang="en-US"/>
               <a:t>Click to edit Master title style</a:t>
             </a:r>
             <a:endParaRPr lang="da-DK"/>
@@ -3986,7 +3976,7 @@
           </a:lstStyle>
           <a:p>
             <a:r>
-              <a:rPr lang="en-US" dirty="0" smtClean="0"/>
+              <a:rPr lang="en-US" dirty="0"/>
               <a:t>Click to edit Master title style</a:t>
             </a:r>
             <a:endParaRPr lang="da-DK" dirty="0"/>
@@ -4051,7 +4041,7 @@
           </a:lstStyle>
           <a:p>
             <a:r>
-              <a:rPr lang="en-US" smtClean="0"/>
+              <a:rPr lang="en-US"/>
               <a:t>Click to edit Master subtitle style</a:t>
             </a:r>
             <a:endParaRPr lang="da-DK"/>
@@ -4146,7 +4136,7 @@
           <a:lstStyle/>
           <a:p>
             <a:r>
-              <a:rPr lang="en-US" dirty="0" smtClean="0"/>
+              <a:rPr lang="en-US" dirty="0"/>
               <a:t>Click to edit Master title style</a:t>
             </a:r>
             <a:endParaRPr lang="da-DK" dirty="0"/>
@@ -4170,35 +4160,35 @@
           <a:p>
             <a:pPr lvl="0"/>
             <a:r>
-              <a:rPr lang="en-US" smtClean="0"/>
+              <a:rPr lang="en-US"/>
               <a:t>Click to edit Master text styles</a:t>
             </a:r>
           </a:p>
           <a:p>
             <a:pPr lvl="1"/>
             <a:r>
-              <a:rPr lang="en-US" smtClean="0"/>
+              <a:rPr lang="en-US"/>
               <a:t>Second level</a:t>
             </a:r>
           </a:p>
           <a:p>
             <a:pPr lvl="2"/>
             <a:r>
-              <a:rPr lang="en-US" smtClean="0"/>
+              <a:rPr lang="en-US"/>
               <a:t>Third level</a:t>
             </a:r>
           </a:p>
           <a:p>
             <a:pPr lvl="3"/>
             <a:r>
-              <a:rPr lang="en-US" smtClean="0"/>
+              <a:rPr lang="en-US"/>
               <a:t>Fourth level</a:t>
             </a:r>
           </a:p>
           <a:p>
             <a:pPr lvl="4"/>
             <a:r>
-              <a:rPr lang="en-US" smtClean="0"/>
+              <a:rPr lang="en-US"/>
               <a:t>Fifth level</a:t>
             </a:r>
             <a:endParaRPr lang="da-DK"/>
@@ -4302,7 +4292,7 @@
           </a:lstStyle>
           <a:p>
             <a:r>
-              <a:rPr lang="en-US" smtClean="0"/>
+              <a:rPr lang="en-US"/>
               <a:t>Click to edit Master title style</a:t>
             </a:r>
             <a:endParaRPr lang="da-DK"/>
@@ -4422,7 +4412,7 @@
           <a:p>
             <a:pPr lvl="0"/>
             <a:r>
-              <a:rPr lang="en-US" smtClean="0"/>
+              <a:rPr lang="en-US"/>
               <a:t>Click to edit Master text styles</a:t>
             </a:r>
           </a:p>
@@ -4516,7 +4506,7 @@
           <a:lstStyle/>
           <a:p>
             <a:r>
-              <a:rPr lang="en-US" smtClean="0"/>
+              <a:rPr lang="en-US"/>
               <a:t>Click to edit Master title style</a:t>
             </a:r>
             <a:endParaRPr lang="da-DK"/>
@@ -4545,35 +4535,35 @@
           <a:p>
             <a:pPr lvl="0"/>
             <a:r>
-              <a:rPr lang="en-US" smtClean="0"/>
+              <a:rPr lang="en-US"/>
               <a:t>Click to edit Master text styles</a:t>
             </a:r>
           </a:p>
           <a:p>
             <a:pPr lvl="1"/>
             <a:r>
-              <a:rPr lang="en-US" smtClean="0"/>
+              <a:rPr lang="en-US"/>
               <a:t>Second level</a:t>
             </a:r>
           </a:p>
           <a:p>
             <a:pPr lvl="2"/>
             <a:r>
-              <a:rPr lang="en-US" smtClean="0"/>
+              <a:rPr lang="en-US"/>
               <a:t>Third level</a:t>
             </a:r>
           </a:p>
           <a:p>
             <a:pPr lvl="3"/>
             <a:r>
-              <a:rPr lang="en-US" smtClean="0"/>
+              <a:rPr lang="en-US"/>
               <a:t>Fourth level</a:t>
             </a:r>
           </a:p>
           <a:p>
             <a:pPr lvl="4"/>
             <a:r>
-              <a:rPr lang="en-US" smtClean="0"/>
+              <a:rPr lang="en-US"/>
               <a:t>Fifth level</a:t>
             </a:r>
             <a:endParaRPr lang="da-DK"/>
@@ -4602,35 +4592,35 @@
           <a:p>
             <a:pPr lvl="0"/>
             <a:r>
-              <a:rPr lang="en-US" smtClean="0"/>
+              <a:rPr lang="en-US"/>
               <a:t>Click to edit Master text styles</a:t>
             </a:r>
           </a:p>
           <a:p>
             <a:pPr lvl="1"/>
             <a:r>
-              <a:rPr lang="en-US" smtClean="0"/>
+              <a:rPr lang="en-US"/>
               <a:t>Second level</a:t>
             </a:r>
           </a:p>
           <a:p>
             <a:pPr lvl="2"/>
             <a:r>
-              <a:rPr lang="en-US" smtClean="0"/>
+              <a:rPr lang="en-US"/>
               <a:t>Third level</a:t>
             </a:r>
           </a:p>
           <a:p>
             <a:pPr lvl="3"/>
             <a:r>
-              <a:rPr lang="en-US" smtClean="0"/>
+              <a:rPr lang="en-US"/>
               <a:t>Fourth level</a:t>
             </a:r>
           </a:p>
           <a:p>
             <a:pPr lvl="4"/>
             <a:r>
-              <a:rPr lang="en-US" smtClean="0"/>
+              <a:rPr lang="en-US"/>
               <a:t>Fifth level</a:t>
             </a:r>
             <a:endParaRPr lang="da-DK"/>
@@ -4730,7 +4720,7 @@
           <a:lstStyle/>
           <a:p>
             <a:r>
-              <a:rPr lang="en-US" smtClean="0"/>
+              <a:rPr lang="en-US"/>
               <a:t>Click to edit Master title style</a:t>
             </a:r>
             <a:endParaRPr lang="da-DK"/>
@@ -4796,7 +4786,7 @@
           <a:p>
             <a:pPr lvl="0"/>
             <a:r>
-              <a:rPr lang="en-US" smtClean="0"/>
+              <a:rPr lang="en-US"/>
               <a:t>Click to edit Master text styles</a:t>
             </a:r>
           </a:p>
@@ -4824,35 +4814,35 @@
           <a:p>
             <a:pPr lvl="0"/>
             <a:r>
-              <a:rPr lang="en-US" smtClean="0"/>
+              <a:rPr lang="en-US"/>
               <a:t>Click to edit Master text styles</a:t>
             </a:r>
           </a:p>
           <a:p>
             <a:pPr lvl="1"/>
             <a:r>
-              <a:rPr lang="en-US" smtClean="0"/>
+              <a:rPr lang="en-US"/>
               <a:t>Second level</a:t>
             </a:r>
           </a:p>
           <a:p>
             <a:pPr lvl="2"/>
             <a:r>
-              <a:rPr lang="en-US" smtClean="0"/>
+              <a:rPr lang="en-US"/>
               <a:t>Third level</a:t>
             </a:r>
           </a:p>
           <a:p>
             <a:pPr lvl="3"/>
             <a:r>
-              <a:rPr lang="en-US" smtClean="0"/>
+              <a:rPr lang="en-US"/>
               <a:t>Fourth level</a:t>
             </a:r>
           </a:p>
           <a:p>
             <a:pPr lvl="4"/>
             <a:r>
-              <a:rPr lang="en-US" smtClean="0"/>
+              <a:rPr lang="en-US"/>
               <a:t>Fifth level</a:t>
             </a:r>
             <a:endParaRPr lang="da-DK"/>
@@ -4918,7 +4908,7 @@
           <a:p>
             <a:pPr lvl="0"/>
             <a:r>
-              <a:rPr lang="en-US" smtClean="0"/>
+              <a:rPr lang="en-US"/>
               <a:t>Click to edit Master text styles</a:t>
             </a:r>
           </a:p>
@@ -4946,35 +4936,35 @@
           <a:p>
             <a:pPr lvl="0"/>
             <a:r>
-              <a:rPr lang="en-US" smtClean="0"/>
+              <a:rPr lang="en-US"/>
               <a:t>Click to edit Master text styles</a:t>
             </a:r>
           </a:p>
           <a:p>
             <a:pPr lvl="1"/>
             <a:r>
-              <a:rPr lang="en-US" smtClean="0"/>
+              <a:rPr lang="en-US"/>
               <a:t>Second level</a:t>
             </a:r>
           </a:p>
           <a:p>
             <a:pPr lvl="2"/>
             <a:r>
-              <a:rPr lang="en-US" smtClean="0"/>
+              <a:rPr lang="en-US"/>
               <a:t>Third level</a:t>
             </a:r>
           </a:p>
           <a:p>
             <a:pPr lvl="3"/>
             <a:r>
-              <a:rPr lang="en-US" smtClean="0"/>
+              <a:rPr lang="en-US"/>
               <a:t>Fourth level</a:t>
             </a:r>
           </a:p>
           <a:p>
             <a:pPr lvl="4"/>
             <a:r>
-              <a:rPr lang="en-US" smtClean="0"/>
+              <a:rPr lang="en-US"/>
               <a:t>Fifth level</a:t>
             </a:r>
             <a:endParaRPr lang="da-DK"/>
@@ -5069,7 +5059,7 @@
           <a:lstStyle/>
           <a:p>
             <a:r>
-              <a:rPr lang="en-US" smtClean="0"/>
+              <a:rPr lang="en-US"/>
               <a:t>Click to edit Master title style</a:t>
             </a:r>
             <a:endParaRPr lang="da-DK"/>
@@ -5245,7 +5235,7 @@
           </a:lstStyle>
           <a:p>
             <a:r>
-              <a:rPr lang="en-US" smtClean="0"/>
+              <a:rPr lang="en-US"/>
               <a:t>Click to edit Master title style</a:t>
             </a:r>
             <a:endParaRPr lang="da-DK"/>
@@ -5302,35 +5292,35 @@
           <a:p>
             <a:pPr lvl="0"/>
             <a:r>
-              <a:rPr lang="en-US" smtClean="0"/>
+              <a:rPr lang="en-US"/>
               <a:t>Click to edit Master text styles</a:t>
             </a:r>
           </a:p>
           <a:p>
             <a:pPr lvl="1"/>
             <a:r>
-              <a:rPr lang="en-US" smtClean="0"/>
+              <a:rPr lang="en-US"/>
               <a:t>Second level</a:t>
             </a:r>
           </a:p>
           <a:p>
             <a:pPr lvl="2"/>
             <a:r>
-              <a:rPr lang="en-US" smtClean="0"/>
+              <a:rPr lang="en-US"/>
               <a:t>Third level</a:t>
             </a:r>
           </a:p>
           <a:p>
             <a:pPr lvl="3"/>
             <a:r>
-              <a:rPr lang="en-US" smtClean="0"/>
+              <a:rPr lang="en-US"/>
               <a:t>Fourth level</a:t>
             </a:r>
           </a:p>
           <a:p>
             <a:pPr lvl="4"/>
             <a:r>
-              <a:rPr lang="en-US" smtClean="0"/>
+              <a:rPr lang="en-US"/>
               <a:t>Fifth level</a:t>
             </a:r>
             <a:endParaRPr lang="da-DK"/>
@@ -5396,7 +5386,7 @@
           <a:p>
             <a:pPr lvl="0"/>
             <a:r>
-              <a:rPr lang="en-US" smtClean="0"/>
+              <a:rPr lang="en-US"/>
               <a:t>Click to edit Master text styles</a:t>
             </a:r>
           </a:p>
@@ -5505,7 +5495,7 @@
           <a:lstStyle/>
           <a:p>
             <a:r>
-              <a:rPr lang="en-US" dirty="0" smtClean="0"/>
+              <a:rPr lang="en-US" dirty="0"/>
               <a:t>Click to edit Master title style</a:t>
             </a:r>
             <a:endParaRPr lang="da-DK" dirty="0"/>
@@ -5539,35 +5529,35 @@
           <a:p>
             <a:pPr lvl="0"/>
             <a:r>
-              <a:rPr lang="en-US" dirty="0" smtClean="0"/>
+              <a:rPr lang="en-US" dirty="0"/>
               <a:t>Click to edit Master text styles</a:t>
             </a:r>
           </a:p>
           <a:p>
             <a:pPr lvl="1"/>
             <a:r>
-              <a:rPr lang="en-US" dirty="0" smtClean="0"/>
+              <a:rPr lang="en-US" dirty="0"/>
               <a:t>Second level</a:t>
             </a:r>
           </a:p>
           <a:p>
             <a:pPr lvl="2"/>
             <a:r>
-              <a:rPr lang="en-US" dirty="0" smtClean="0"/>
+              <a:rPr lang="en-US" dirty="0"/>
               <a:t>Third level</a:t>
             </a:r>
           </a:p>
           <a:p>
             <a:pPr lvl="3"/>
             <a:r>
-              <a:rPr lang="en-US" dirty="0" smtClean="0"/>
+              <a:rPr lang="en-US" dirty="0"/>
               <a:t>Fourth level</a:t>
             </a:r>
           </a:p>
           <a:p>
             <a:pPr lvl="4"/>
             <a:r>
-              <a:rPr lang="en-US" dirty="0" smtClean="0"/>
+              <a:rPr lang="en-US" dirty="0"/>
               <a:t>Fifth level</a:t>
             </a:r>
             <a:endParaRPr lang="da-DK" dirty="0"/>
@@ -5977,25 +5967,6 @@
       </p:grpSpPr>
       <p:sp>
         <p:nvSpPr>
-          <p:cNvPr id="2" name="Title 1"/>
-          <p:cNvSpPr>
-            <a:spLocks noGrp="1"/>
-          </p:cNvSpPr>
-          <p:nvPr>
-            <p:ph type="title"/>
-          </p:nvPr>
-        </p:nvSpPr>
-        <p:spPr/>
-        <p:txBody>
-          <a:bodyPr/>
-          <a:lstStyle/>
-          <a:p>
-            <a:endParaRPr lang="da-DK"/>
-          </a:p>
-        </p:txBody>
-      </p:sp>
-      <p:sp>
-        <p:nvSpPr>
           <p:cNvPr id="3" name="Text Placeholder 2"/>
           <p:cNvSpPr>
             <a:spLocks noGrp="1"/>
@@ -6009,7 +5980,7 @@
           <a:bodyPr/>
           <a:lstStyle/>
           <a:p>
-            <a:endParaRPr lang="da-DK"/>
+            <a:endParaRPr lang="da-DK" dirty="0"/>
           </a:p>
         </p:txBody>
       </p:sp>
@@ -6029,18 +6000,17 @@
           <a:lstStyle/>
           <a:p>
             <a:r>
-              <a:rPr lang="da-DK" dirty="0" smtClean="0"/>
+              <a:rPr lang="da-DK" dirty="0"/>
               <a:t>Thread </a:t>
             </a:r>
             <a:r>
-              <a:rPr lang="da-DK" dirty="0" err="1" smtClean="0"/>
+              <a:rPr lang="da-DK" dirty="0" err="1"/>
               <a:t>synchronization</a:t>
             </a:r>
             <a:r>
-              <a:rPr lang="da-DK" dirty="0" smtClean="0"/>
+              <a:rPr lang="da-DK" dirty="0"/>
               <a:t> pt. 2</a:t>
             </a:r>
-            <a:endParaRPr lang="da-DK" dirty="0"/>
           </a:p>
         </p:txBody>
       </p:sp>
@@ -6054,13 +6024,6 @@
   <p:clrMapOvr>
     <a:masterClrMapping/>
   </p:clrMapOvr>
-  <p:timing>
-    <p:tnLst>
-      <p:par>
-        <p:cTn id="1" dur="indefinite" restart="never" nodeType="tmRoot"/>
-      </p:par>
-    </p:tnLst>
-  </p:timing>
 </p:sld>
 </file>
 
@@ -6127,31 +6090,31 @@
               <a:buNone/>
             </a:pPr>
             <a:r>
-              <a:rPr lang="da-DK" dirty="0" smtClean="0"/>
+              <a:rPr lang="da-DK" dirty="0"/>
               <a:t>The Monitor </a:t>
             </a:r>
             <a:r>
-              <a:rPr lang="da-DK" dirty="0" err="1" smtClean="0"/>
+              <a:rPr lang="da-DK" dirty="0" err="1"/>
               <a:t>consumes</a:t>
             </a:r>
             <a:r>
-              <a:rPr lang="da-DK" dirty="0" smtClean="0"/>
+              <a:rPr lang="da-DK" dirty="0"/>
               <a:t> </a:t>
             </a:r>
             <a:r>
-              <a:rPr lang="da-DK" b="1" dirty="0" smtClean="0"/>
+              <a:rPr lang="da-DK" b="1" dirty="0"/>
               <a:t>data</a:t>
             </a:r>
             <a:r>
-              <a:rPr lang="da-DK" dirty="0" smtClean="0"/>
+              <a:rPr lang="da-DK" dirty="0"/>
               <a:t>, </a:t>
             </a:r>
             <a:r>
-              <a:rPr lang="da-DK" dirty="0" err="1" smtClean="0"/>
+              <a:rPr lang="da-DK" dirty="0" err="1"/>
               <a:t>which</a:t>
             </a:r>
             <a:r>
-              <a:rPr lang="da-DK" dirty="0" smtClean="0"/>
+              <a:rPr lang="da-DK" dirty="0"/>
               <a:t> the Reader provides.</a:t>
             </a:r>
           </a:p>
@@ -6166,15 +6129,15 @@
               <a:buNone/>
             </a:pPr>
             <a:r>
-              <a:rPr lang="da-DK" dirty="0" smtClean="0"/>
+              <a:rPr lang="da-DK" dirty="0"/>
               <a:t>This is a </a:t>
             </a:r>
             <a:r>
-              <a:rPr lang="da-DK" dirty="0" err="1" smtClean="0"/>
+              <a:rPr lang="da-DK" dirty="0" err="1"/>
               <a:t>very</a:t>
             </a:r>
             <a:r>
-              <a:rPr lang="da-DK" dirty="0" smtClean="0"/>
+              <a:rPr lang="da-DK" dirty="0"/>
               <a:t> common design: Producer – Consumer.</a:t>
             </a:r>
           </a:p>
@@ -6292,13 +6255,6 @@
   <p:clrMapOvr>
     <a:masterClrMapping/>
   </p:clrMapOvr>
-  <p:timing>
-    <p:tnLst>
-      <p:par>
-        <p:cTn id="1" dur="indefinite" restart="never" nodeType="tmRoot"/>
-      </p:par>
-    </p:tnLst>
-  </p:timing>
 </p:sld>
 </file>
 
@@ -6365,31 +6321,31 @@
               <a:buNone/>
             </a:pPr>
             <a:r>
-              <a:rPr lang="da-DK" dirty="0" smtClean="0"/>
+              <a:rPr lang="da-DK" dirty="0"/>
               <a:t>The Consumer </a:t>
             </a:r>
             <a:r>
-              <a:rPr lang="da-DK" dirty="0" err="1" smtClean="0"/>
+              <a:rPr lang="da-DK" dirty="0" err="1"/>
               <a:t>consumes</a:t>
             </a:r>
             <a:r>
-              <a:rPr lang="da-DK" dirty="0" smtClean="0"/>
+              <a:rPr lang="da-DK" dirty="0"/>
               <a:t> </a:t>
             </a:r>
             <a:r>
-              <a:rPr lang="da-DK" b="1" dirty="0" smtClean="0"/>
+              <a:rPr lang="da-DK" b="1" dirty="0"/>
               <a:t>data</a:t>
             </a:r>
             <a:r>
-              <a:rPr lang="da-DK" dirty="0" smtClean="0"/>
+              <a:rPr lang="da-DK" dirty="0"/>
               <a:t>, </a:t>
             </a:r>
             <a:r>
-              <a:rPr lang="da-DK" dirty="0" err="1" smtClean="0"/>
+              <a:rPr lang="da-DK" dirty="0" err="1"/>
               <a:t>which</a:t>
             </a:r>
             <a:r>
-              <a:rPr lang="da-DK" dirty="0" smtClean="0"/>
+              <a:rPr lang="da-DK" dirty="0"/>
               <a:t> the Provider provides.</a:t>
             </a:r>
           </a:p>
@@ -6404,78 +6360,77 @@
               <a:buNone/>
             </a:pPr>
             <a:r>
-              <a:rPr lang="da-DK" dirty="0" err="1" smtClean="0"/>
+              <a:rPr lang="da-DK" dirty="0" err="1"/>
               <a:t>Let’s</a:t>
             </a:r>
             <a:r>
-              <a:rPr lang="da-DK" dirty="0" smtClean="0"/>
+              <a:rPr lang="da-DK" dirty="0"/>
               <a:t> put </a:t>
             </a:r>
             <a:r>
-              <a:rPr lang="da-DK" dirty="0" err="1" smtClean="0"/>
+              <a:rPr lang="da-DK" dirty="0" err="1"/>
               <a:t>that</a:t>
             </a:r>
             <a:r>
-              <a:rPr lang="da-DK" dirty="0" smtClean="0"/>
+              <a:rPr lang="da-DK" dirty="0"/>
               <a:t> data </a:t>
             </a:r>
             <a:r>
-              <a:rPr lang="da-DK" dirty="0" err="1" smtClean="0"/>
+              <a:rPr lang="da-DK" dirty="0" err="1"/>
               <a:t>into</a:t>
             </a:r>
             <a:r>
-              <a:rPr lang="da-DK" dirty="0" smtClean="0"/>
+              <a:rPr lang="da-DK" dirty="0"/>
               <a:t> </a:t>
             </a:r>
             <a:r>
-              <a:rPr lang="da-DK" dirty="0" err="1" smtClean="0"/>
+              <a:rPr lang="da-DK" dirty="0" err="1"/>
               <a:t>another</a:t>
             </a:r>
             <a:r>
-              <a:rPr lang="da-DK" dirty="0" smtClean="0"/>
+              <a:rPr lang="da-DK" dirty="0"/>
               <a:t> </a:t>
             </a:r>
             <a:r>
-              <a:rPr lang="da-DK" dirty="0" err="1" smtClean="0"/>
+              <a:rPr lang="da-DK" dirty="0" err="1"/>
               <a:t>object</a:t>
             </a:r>
             <a:r>
-              <a:rPr lang="da-DK" dirty="0" smtClean="0"/>
+              <a:rPr lang="da-DK" dirty="0"/>
               <a:t>, so the Consumer </a:t>
             </a:r>
             <a:r>
-              <a:rPr lang="da-DK" dirty="0" err="1" smtClean="0"/>
+              <a:rPr lang="da-DK" dirty="0" err="1"/>
               <a:t>thread</a:t>
             </a:r>
             <a:r>
-              <a:rPr lang="da-DK" dirty="0" smtClean="0"/>
+              <a:rPr lang="da-DK" dirty="0"/>
               <a:t> </a:t>
             </a:r>
             <a:r>
-              <a:rPr lang="da-DK" dirty="0" err="1" smtClean="0"/>
+              <a:rPr lang="da-DK" dirty="0" err="1"/>
               <a:t>does</a:t>
             </a:r>
             <a:r>
-              <a:rPr lang="da-DK" dirty="0" smtClean="0"/>
+              <a:rPr lang="da-DK" dirty="0"/>
               <a:t> not have to </a:t>
             </a:r>
             <a:r>
-              <a:rPr lang="da-DK" dirty="0" err="1" smtClean="0"/>
+              <a:rPr lang="da-DK" dirty="0" err="1"/>
               <a:t>know</a:t>
             </a:r>
             <a:r>
-              <a:rPr lang="da-DK" dirty="0" smtClean="0"/>
+              <a:rPr lang="da-DK" dirty="0"/>
               <a:t> the Producer </a:t>
             </a:r>
             <a:r>
-              <a:rPr lang="da-DK" dirty="0" err="1" smtClean="0"/>
+              <a:rPr lang="da-DK" dirty="0" err="1"/>
               <a:t>thread</a:t>
             </a:r>
             <a:r>
-              <a:rPr lang="da-DK" dirty="0" smtClean="0"/>
+              <a:rPr lang="da-DK" dirty="0"/>
               <a:t>.</a:t>
             </a:r>
-            <a:endParaRPr lang="da-DK" dirty="0"/>
           </a:p>
         </p:txBody>
       </p:sp>
@@ -6513,13 +6468,6 @@
   <p:clrMapOvr>
     <a:masterClrMapping/>
   </p:clrMapOvr>
-  <p:timing>
-    <p:tnLst>
-      <p:par>
-        <p:cTn id="1" dur="indefinite" restart="never" nodeType="tmRoot"/>
-      </p:par>
-    </p:tnLst>
-  </p:timing>
 </p:sld>
 </file>
 
@@ -6586,19 +6534,19 @@
               <a:buNone/>
             </a:pPr>
             <a:r>
-              <a:rPr lang="da-DK" dirty="0" smtClean="0"/>
+              <a:rPr lang="da-DK" dirty="0"/>
               <a:t>The Consumer </a:t>
             </a:r>
             <a:r>
-              <a:rPr lang="da-DK" dirty="0" err="1" smtClean="0"/>
+              <a:rPr lang="da-DK" dirty="0" err="1"/>
               <a:t>would</a:t>
             </a:r>
             <a:r>
-              <a:rPr lang="da-DK" dirty="0" smtClean="0"/>
+              <a:rPr lang="da-DK" dirty="0"/>
               <a:t> like to </a:t>
             </a:r>
             <a:r>
-              <a:rPr lang="da-DK" dirty="0" err="1" smtClean="0"/>
+              <a:rPr lang="da-DK" dirty="0" err="1"/>
               <a:t>know</a:t>
             </a:r>
             <a:r>
@@ -6606,19 +6554,19 @@
               <a:t> </a:t>
             </a:r>
             <a:r>
-              <a:rPr lang="da-DK" dirty="0" err="1" smtClean="0"/>
+              <a:rPr lang="da-DK" dirty="0" err="1"/>
               <a:t>when</a:t>
             </a:r>
             <a:r>
-              <a:rPr lang="da-DK" dirty="0" smtClean="0"/>
+              <a:rPr lang="da-DK" dirty="0"/>
               <a:t> new data is </a:t>
             </a:r>
             <a:r>
-              <a:rPr lang="da-DK" dirty="0" err="1" smtClean="0"/>
+              <a:rPr lang="da-DK" dirty="0" err="1"/>
               <a:t>available</a:t>
             </a:r>
             <a:r>
-              <a:rPr lang="da-DK" dirty="0" smtClean="0"/>
+              <a:rPr lang="da-DK" dirty="0"/>
               <a:t>.</a:t>
             </a:r>
           </a:p>
@@ -6633,66 +6581,65 @@
               <a:buNone/>
             </a:pPr>
             <a:r>
-              <a:rPr lang="da-DK" dirty="0" smtClean="0"/>
+              <a:rPr lang="da-DK" dirty="0"/>
               <a:t>The Producer </a:t>
             </a:r>
             <a:r>
-              <a:rPr lang="da-DK" dirty="0" err="1" smtClean="0"/>
+              <a:rPr lang="da-DK" dirty="0" err="1"/>
               <a:t>would</a:t>
             </a:r>
             <a:r>
-              <a:rPr lang="da-DK" dirty="0" smtClean="0"/>
+              <a:rPr lang="da-DK" dirty="0"/>
               <a:t> like to </a:t>
             </a:r>
             <a:r>
-              <a:rPr lang="da-DK" dirty="0" err="1" smtClean="0"/>
+              <a:rPr lang="da-DK" dirty="0" err="1"/>
               <a:t>know</a:t>
             </a:r>
             <a:r>
-              <a:rPr lang="da-DK" dirty="0" smtClean="0"/>
+              <a:rPr lang="da-DK" dirty="0"/>
               <a:t>, </a:t>
             </a:r>
             <a:r>
-              <a:rPr lang="da-DK" dirty="0" err="1" smtClean="0"/>
+              <a:rPr lang="da-DK" dirty="0" err="1"/>
               <a:t>if</a:t>
             </a:r>
             <a:r>
-              <a:rPr lang="da-DK" dirty="0" smtClean="0"/>
+              <a:rPr lang="da-DK" dirty="0"/>
               <a:t> the data has </a:t>
             </a:r>
             <a:r>
-              <a:rPr lang="da-DK" dirty="0" err="1" smtClean="0"/>
+              <a:rPr lang="da-DK" dirty="0" err="1"/>
               <a:t>been</a:t>
             </a:r>
             <a:r>
-              <a:rPr lang="da-DK" dirty="0" smtClean="0"/>
+              <a:rPr lang="da-DK" dirty="0"/>
               <a:t> </a:t>
             </a:r>
             <a:r>
-              <a:rPr lang="da-DK" dirty="0" err="1" smtClean="0"/>
+              <a:rPr lang="da-DK" dirty="0" err="1"/>
               <a:t>consumed</a:t>
             </a:r>
             <a:r>
-              <a:rPr lang="da-DK" dirty="0" smtClean="0"/>
+              <a:rPr lang="da-DK" dirty="0"/>
               <a:t>, so it </a:t>
             </a:r>
             <a:r>
-              <a:rPr lang="da-DK" dirty="0" err="1" smtClean="0"/>
+              <a:rPr lang="da-DK" dirty="0" err="1"/>
               <a:t>can</a:t>
             </a:r>
             <a:r>
-              <a:rPr lang="da-DK" dirty="0" smtClean="0"/>
+              <a:rPr lang="da-DK" dirty="0"/>
               <a:t> provide a new </a:t>
             </a:r>
             <a:r>
-              <a:rPr lang="da-DK" dirty="0" err="1" smtClean="0"/>
+              <a:rPr lang="da-DK" dirty="0" err="1"/>
               <a:t>value</a:t>
             </a:r>
             <a:r>
-              <a:rPr lang="da-DK" dirty="0" smtClean="0"/>
+              <a:rPr lang="da-DK" dirty="0"/>
               <a:t>.</a:t>
             </a:r>
-            <a:endParaRPr lang="da-DK" dirty="0"/>
           </a:p>
         </p:txBody>
       </p:sp>
@@ -6730,18 +6677,11 @@
   <p:clrMapOvr>
     <a:masterClrMapping/>
   </p:clrMapOvr>
-  <p:timing>
-    <p:tnLst>
-      <p:par>
-        <p:cTn id="1" dur="indefinite" restart="never" nodeType="tmRoot"/>
-      </p:par>
-    </p:tnLst>
-  </p:timing>
 </p:sld>
 </file>
 
 <file path=ppt/slides/slide13.xml><?xml version="1.0" encoding="utf-8"?>
-<p:sld xmlns:a="http://schemas.openxmlformats.org/drawingml/2006/main" xmlns:r="http://schemas.openxmlformats.org/officeDocument/2006/relationships" xmlns:p="http://schemas.openxmlformats.org/presentationml/2006/main" show="0">
+<p:sld xmlns:a="http://schemas.openxmlformats.org/drawingml/2006/main" xmlns:r="http://schemas.openxmlformats.org/officeDocument/2006/relationships" xmlns:p="http://schemas.openxmlformats.org/presentationml/2006/main">
   <p:cSld>
     <p:spTree>
       <p:nvGrpSpPr>
@@ -6759,7 +6699,7 @@
       </p:grpSpPr>
       <p:sp>
         <p:nvSpPr>
-          <p:cNvPr id="2" name="Title 1"/>
+          <p:cNvPr id="4" name="Title 3"/>
           <p:cNvSpPr>
             <a:spLocks noGrp="1"/>
           </p:cNvSpPr>
@@ -6773,8 +6713,12 @@
           <a:lstStyle/>
           <a:p>
             <a:r>
-              <a:rPr lang="da-DK" dirty="0" err="1" smtClean="0"/>
-              <a:t>Diagramming</a:t>
+              <a:rPr lang="da-DK" dirty="0"/>
+              <a:t>Thread </a:t>
+            </a:r>
+            <a:r>
+              <a:rPr lang="da-DK" dirty="0" err="1"/>
+              <a:t>synchronization</a:t>
             </a:r>
             <a:endParaRPr lang="da-DK" dirty="0"/>
           </a:p>
@@ -6782,12 +6726,12 @@
       </p:sp>
       <p:sp>
         <p:nvSpPr>
-          <p:cNvPr id="3" name="Content Placeholder 2"/>
+          <p:cNvPr id="5" name="Text Placeholder 4"/>
           <p:cNvSpPr>
             <a:spLocks noGrp="1"/>
           </p:cNvSpPr>
           <p:nvPr>
-            <p:ph idx="1"/>
+            <p:ph type="body" idx="1"/>
           </p:nvPr>
         </p:nvSpPr>
         <p:spPr/>
@@ -6802,28 +6746,13 @@
     </p:spTree>
     <p:extLst>
       <p:ext uri="{BB962C8B-B14F-4D97-AF65-F5344CB8AC3E}">
-        <p14:creationId xmlns:p14="http://schemas.microsoft.com/office/powerpoint/2010/main" val="420804101"/>
+        <p14:creationId xmlns:p14="http://schemas.microsoft.com/office/powerpoint/2010/main" val="2171881218"/>
       </p:ext>
     </p:extLst>
   </p:cSld>
   <p:clrMapOvr>
     <a:masterClrMapping/>
   </p:clrMapOvr>
-  <mc:AlternateContent xmlns:mc="http://schemas.openxmlformats.org/markup-compatibility/2006" xmlns:p14="http://schemas.microsoft.com/office/powerpoint/2010/main">
-    <mc:Choice Requires="p14">
-      <p:transition spd="slow" p14:dur="2000"/>
-    </mc:Choice>
-    <mc:Fallback xmlns="">
-      <p:transition spd="slow"/>
-    </mc:Fallback>
-  </mc:AlternateContent>
-  <p:timing>
-    <p:tnLst>
-      <p:par>
-        <p:cTn id="1" dur="indefinite" restart="never" nodeType="tmRoot"/>
-      </p:par>
-    </p:tnLst>
-  </p:timing>
 </p:sld>
 </file>
 
@@ -6846,7 +6775,7 @@
       </p:grpSpPr>
       <p:sp>
         <p:nvSpPr>
-          <p:cNvPr id="4" name="Title 3"/>
+          <p:cNvPr id="2" name="Title 1"/>
           <p:cNvSpPr>
             <a:spLocks noGrp="1"/>
           </p:cNvSpPr>
@@ -6860,12 +6789,16 @@
           <a:lstStyle/>
           <a:p>
             <a:r>
-              <a:rPr lang="da-DK" dirty="0" smtClean="0"/>
-              <a:t>Thread </a:t>
-            </a:r>
-            <a:r>
-              <a:rPr lang="da-DK" dirty="0" err="1" smtClean="0"/>
-              <a:t>synchronization</a:t>
+              <a:rPr lang="da-DK" dirty="0" err="1"/>
+              <a:t>AutoResetEvent</a:t>
+            </a:r>
+            <a:r>
+              <a:rPr lang="da-DK" dirty="0"/>
+              <a:t> and </a:t>
+            </a:r>
+            <a:r>
+              <a:rPr lang="da-DK" dirty="0" err="1"/>
+              <a:t>ManualResetEvent</a:t>
             </a:r>
             <a:endParaRPr lang="da-DK" dirty="0"/>
           </a:p>
@@ -6873,40 +6806,153 @@
       </p:sp>
       <p:sp>
         <p:nvSpPr>
-          <p:cNvPr id="5" name="Text Placeholder 4"/>
+          <p:cNvPr id="3" name="Content Placeholder 2"/>
           <p:cNvSpPr>
             <a:spLocks noGrp="1"/>
           </p:cNvSpPr>
           <p:nvPr>
-            <p:ph type="body" idx="1"/>
+            <p:ph idx="1"/>
           </p:nvPr>
         </p:nvSpPr>
-        <p:spPr/>
+        <p:spPr>
+          <a:xfrm>
+            <a:off x="838200" y="1311965"/>
+            <a:ext cx="10515599" cy="4864998"/>
+          </a:xfrm>
+        </p:spPr>
         <p:txBody>
-          <a:bodyPr/>
+          <a:bodyPr>
+            <a:normAutofit/>
+          </a:bodyPr>
           <a:lstStyle/>
           <a:p>
-            <a:endParaRPr lang="da-DK"/>
+            <a:pPr marL="0" indent="0">
+              <a:buNone/>
+            </a:pPr>
+            <a:r>
+              <a:rPr lang="da-DK" b="1" dirty="0"/>
+              <a:t>Event handles</a:t>
+            </a:r>
+            <a:r>
+              <a:rPr lang="da-DK" dirty="0"/>
+              <a:t> </a:t>
+            </a:r>
+            <a:r>
+              <a:rPr lang="da-DK" dirty="0" err="1"/>
+              <a:t>can</a:t>
+            </a:r>
+            <a:r>
+              <a:rPr lang="da-DK" dirty="0"/>
+              <a:t> </a:t>
+            </a:r>
+            <a:r>
+              <a:rPr lang="da-DK" dirty="0" err="1"/>
+              <a:t>be</a:t>
+            </a:r>
+            <a:r>
+              <a:rPr lang="da-DK" dirty="0"/>
+              <a:t> </a:t>
+            </a:r>
+            <a:r>
+              <a:rPr lang="da-DK" dirty="0" err="1"/>
+              <a:t>used</a:t>
+            </a:r>
+            <a:r>
+              <a:rPr lang="da-DK" dirty="0"/>
+              <a:t> to signal from </a:t>
+            </a:r>
+            <a:r>
+              <a:rPr lang="da-DK" dirty="0" err="1"/>
+              <a:t>one</a:t>
+            </a:r>
+            <a:r>
+              <a:rPr lang="da-DK" dirty="0"/>
+              <a:t> </a:t>
+            </a:r>
+            <a:r>
+              <a:rPr lang="da-DK" dirty="0" err="1"/>
+              <a:t>thread</a:t>
+            </a:r>
+            <a:r>
+              <a:rPr lang="da-DK" dirty="0"/>
+              <a:t> to </a:t>
+            </a:r>
+            <a:r>
+              <a:rPr lang="da-DK" dirty="0" err="1"/>
+              <a:t>another</a:t>
+            </a:r>
+            <a:r>
+              <a:rPr lang="da-DK" dirty="0"/>
+              <a:t>.</a:t>
+            </a:r>
+          </a:p>
+          <a:p>
+            <a:pPr marL="0" indent="0">
+              <a:buNone/>
+            </a:pPr>
+            <a:endParaRPr lang="da-DK" dirty="0"/>
+          </a:p>
+          <a:p>
+            <a:pPr marL="0" indent="0">
+              <a:buNone/>
+            </a:pPr>
+            <a:r>
+              <a:rPr lang="en-US" b="1" i="1" dirty="0" err="1"/>
+              <a:t>AutoResetEvent</a:t>
+            </a:r>
+            <a:r>
+              <a:rPr lang="en-US" dirty="0"/>
+              <a:t> changes from signaled to </a:t>
+            </a:r>
+            <a:r>
+              <a:rPr lang="en-US" dirty="0" err="1"/>
+              <a:t>unsignaled</a:t>
+            </a:r>
+            <a:r>
+              <a:rPr lang="en-US" dirty="0"/>
+              <a:t> automatically any time it activates a thread. </a:t>
+            </a:r>
+          </a:p>
+          <a:p>
+            <a:pPr marL="0" indent="0">
+              <a:buNone/>
+            </a:pPr>
+            <a:endParaRPr lang="en-US" dirty="0"/>
+          </a:p>
+          <a:p>
+            <a:pPr marL="0" indent="0">
+              <a:buNone/>
+            </a:pPr>
+            <a:r>
+              <a:rPr lang="en-US" b="1" i="1" dirty="0" err="1"/>
+              <a:t>ManualResetEvent</a:t>
+            </a:r>
+            <a:r>
+              <a:rPr lang="en-US" dirty="0"/>
+              <a:t> allows any number of threads to be activated by its signaled state, and will only revert to an </a:t>
+            </a:r>
+            <a:r>
+              <a:rPr lang="en-US" dirty="0" err="1"/>
+              <a:t>unsignaled</a:t>
+            </a:r>
+            <a:r>
+              <a:rPr lang="en-US" dirty="0"/>
+              <a:t> state when its Reset method is called.</a:t>
+            </a:r>
+            <a:endParaRPr lang="da-DK" dirty="0"/>
           </a:p>
         </p:txBody>
       </p:sp>
     </p:spTree>
     <p:extLst>
       <p:ext uri="{BB962C8B-B14F-4D97-AF65-F5344CB8AC3E}">
-        <p14:creationId xmlns:p14="http://schemas.microsoft.com/office/powerpoint/2010/main" val="2171881218"/>
+        <p14:creationId xmlns:p14="http://schemas.microsoft.com/office/powerpoint/2010/main" val="567901118"/>
       </p:ext>
     </p:extLst>
   </p:cSld>
   <p:clrMapOvr>
     <a:masterClrMapping/>
   </p:clrMapOvr>
-  <p:timing>
-    <p:tnLst>
-      <p:par>
-        <p:cTn id="1" dur="indefinite" restart="never" nodeType="tmRoot"/>
-      </p:par>
-    </p:tnLst>
-  </p:timing>
 </p:sld>
 </file>
 
@@ -6943,219 +6989,7 @@
           <a:lstStyle/>
           <a:p>
             <a:r>
-              <a:rPr lang="da-DK" dirty="0" err="1" smtClean="0"/>
-              <a:t>AutoResetEvent</a:t>
-            </a:r>
-            <a:r>
-              <a:rPr lang="da-DK" dirty="0" smtClean="0"/>
-              <a:t> and </a:t>
-            </a:r>
-            <a:r>
-              <a:rPr lang="da-DK" dirty="0" err="1" smtClean="0"/>
-              <a:t>ManualResetEvent</a:t>
-            </a:r>
-            <a:endParaRPr lang="da-DK" dirty="0"/>
-          </a:p>
-        </p:txBody>
-      </p:sp>
-      <p:sp>
-        <p:nvSpPr>
-          <p:cNvPr id="3" name="Content Placeholder 2"/>
-          <p:cNvSpPr>
-            <a:spLocks noGrp="1"/>
-          </p:cNvSpPr>
-          <p:nvPr>
-            <p:ph idx="1"/>
-          </p:nvPr>
-        </p:nvSpPr>
-        <p:spPr>
-          <a:xfrm>
-            <a:off x="838200" y="1311965"/>
-            <a:ext cx="10515599" cy="4864998"/>
-          </a:xfrm>
-        </p:spPr>
-        <p:txBody>
-          <a:bodyPr>
-            <a:normAutofit/>
-          </a:bodyPr>
-          <a:lstStyle/>
-          <a:p>
-            <a:pPr marL="0" indent="0">
-              <a:buNone/>
-            </a:pPr>
-            <a:r>
-              <a:rPr lang="da-DK" b="1" dirty="0" smtClean="0"/>
-              <a:t>Event handles</a:t>
-            </a:r>
-            <a:r>
-              <a:rPr lang="da-DK" dirty="0" smtClean="0"/>
-              <a:t> </a:t>
-            </a:r>
-            <a:r>
-              <a:rPr lang="da-DK" dirty="0" err="1" smtClean="0"/>
-              <a:t>can</a:t>
-            </a:r>
-            <a:r>
-              <a:rPr lang="da-DK" dirty="0" smtClean="0"/>
-              <a:t> </a:t>
-            </a:r>
-            <a:r>
-              <a:rPr lang="da-DK" dirty="0" err="1" smtClean="0"/>
-              <a:t>be</a:t>
-            </a:r>
-            <a:r>
-              <a:rPr lang="da-DK" dirty="0" smtClean="0"/>
-              <a:t> </a:t>
-            </a:r>
-            <a:r>
-              <a:rPr lang="da-DK" dirty="0" err="1" smtClean="0"/>
-              <a:t>used</a:t>
-            </a:r>
-            <a:r>
-              <a:rPr lang="da-DK" dirty="0" smtClean="0"/>
-              <a:t> to signal from </a:t>
-            </a:r>
-            <a:r>
-              <a:rPr lang="da-DK" dirty="0" err="1" smtClean="0"/>
-              <a:t>one</a:t>
-            </a:r>
-            <a:r>
-              <a:rPr lang="da-DK" dirty="0" smtClean="0"/>
-              <a:t> </a:t>
-            </a:r>
-            <a:r>
-              <a:rPr lang="da-DK" dirty="0" err="1" smtClean="0"/>
-              <a:t>thread</a:t>
-            </a:r>
-            <a:r>
-              <a:rPr lang="da-DK" dirty="0" smtClean="0"/>
-              <a:t> to </a:t>
-            </a:r>
-            <a:r>
-              <a:rPr lang="da-DK" dirty="0" err="1" smtClean="0"/>
-              <a:t>another</a:t>
-            </a:r>
-            <a:r>
-              <a:rPr lang="da-DK" dirty="0" smtClean="0"/>
-              <a:t>.</a:t>
-            </a:r>
-          </a:p>
-          <a:p>
-            <a:pPr marL="0" indent="0">
-              <a:buNone/>
-            </a:pPr>
-            <a:endParaRPr lang="da-DK" dirty="0"/>
-          </a:p>
-          <a:p>
-            <a:pPr marL="0" indent="0">
-              <a:buNone/>
-            </a:pPr>
-            <a:r>
-              <a:rPr lang="en-US" b="1" i="1" dirty="0" err="1"/>
-              <a:t>AutoResetEvent</a:t>
-            </a:r>
-            <a:r>
-              <a:rPr lang="en-US" dirty="0"/>
-              <a:t> changes from signaled to </a:t>
-            </a:r>
-            <a:r>
-              <a:rPr lang="en-US" dirty="0" err="1"/>
-              <a:t>unsignaled</a:t>
-            </a:r>
-            <a:r>
-              <a:rPr lang="en-US" dirty="0"/>
-              <a:t> automatically any time it activates a thread. </a:t>
-            </a:r>
-            <a:endParaRPr lang="en-US" dirty="0" smtClean="0"/>
-          </a:p>
-          <a:p>
-            <a:pPr marL="0" indent="0">
-              <a:buNone/>
-            </a:pPr>
-            <a:endParaRPr lang="en-US" dirty="0"/>
-          </a:p>
-          <a:p>
-            <a:pPr marL="0" indent="0">
-              <a:buNone/>
-            </a:pPr>
-            <a:r>
-              <a:rPr lang="en-US" b="1" i="1" dirty="0" err="1" smtClean="0"/>
-              <a:t>ManualResetEvent</a:t>
-            </a:r>
-            <a:r>
-              <a:rPr lang="en-US" dirty="0" smtClean="0"/>
-              <a:t> </a:t>
-            </a:r>
-            <a:r>
-              <a:rPr lang="en-US" dirty="0"/>
-              <a:t>allows any number of threads to be activated by its signaled state, and will only revert to an </a:t>
-            </a:r>
-            <a:r>
-              <a:rPr lang="en-US" dirty="0" err="1"/>
-              <a:t>unsignaled</a:t>
-            </a:r>
-            <a:r>
-              <a:rPr lang="en-US" dirty="0"/>
-              <a:t> state when its Reset method is called.</a:t>
-            </a:r>
-            <a:endParaRPr lang="da-DK" dirty="0"/>
-          </a:p>
-        </p:txBody>
-      </p:sp>
-    </p:spTree>
-    <p:extLst>
-      <p:ext uri="{BB962C8B-B14F-4D97-AF65-F5344CB8AC3E}">
-        <p14:creationId xmlns:p14="http://schemas.microsoft.com/office/powerpoint/2010/main" val="567901118"/>
-      </p:ext>
-    </p:extLst>
-  </p:cSld>
-  <p:clrMapOvr>
-    <a:masterClrMapping/>
-  </p:clrMapOvr>
-  <p:timing>
-    <p:tnLst>
-      <p:par>
-        <p:cTn id="1" dur="indefinite" restart="never" nodeType="tmRoot"/>
-      </p:par>
-    </p:tnLst>
-  </p:timing>
-</p:sld>
-</file>
-
-<file path=ppt/slides/slide16.xml><?xml version="1.0" encoding="utf-8"?>
-<p:sld xmlns:a="http://schemas.openxmlformats.org/drawingml/2006/main" xmlns:r="http://schemas.openxmlformats.org/officeDocument/2006/relationships" xmlns:p="http://schemas.openxmlformats.org/presentationml/2006/main">
-  <p:cSld>
-    <p:spTree>
-      <p:nvGrpSpPr>
-        <p:cNvPr id="1" name=""/>
-        <p:cNvGrpSpPr/>
-        <p:nvPr/>
-      </p:nvGrpSpPr>
-      <p:grpSpPr>
-        <a:xfrm>
-          <a:off x="0" y="0"/>
-          <a:ext cx="0" cy="0"/>
-          <a:chOff x="0" y="0"/>
-          <a:chExt cx="0" cy="0"/>
-        </a:xfrm>
-      </p:grpSpPr>
-      <p:sp>
-        <p:nvSpPr>
-          <p:cNvPr id="2" name="Title 1"/>
-          <p:cNvSpPr>
-            <a:spLocks noGrp="1"/>
-          </p:cNvSpPr>
-          <p:nvPr>
-            <p:ph type="title"/>
-          </p:nvPr>
-        </p:nvSpPr>
-        <p:spPr/>
-        <p:txBody>
-          <a:bodyPr/>
-          <a:lstStyle/>
-          <a:p>
-            <a:r>
-              <a:rPr lang="da-DK" dirty="0" err="1" smtClean="0"/>
+              <a:rPr lang="da-DK" dirty="0" err="1"/>
               <a:t>DataContainer</a:t>
             </a:r>
             <a:endParaRPr lang="da-DK" dirty="0"/>
@@ -7188,42 +7022,41 @@
               <a:buNone/>
             </a:pPr>
             <a:r>
-              <a:rPr lang="da-DK" dirty="0" smtClean="0"/>
+              <a:rPr lang="da-DK" dirty="0"/>
               <a:t>Objects of the </a:t>
             </a:r>
             <a:r>
-              <a:rPr lang="da-DK" dirty="0" err="1" smtClean="0"/>
+              <a:rPr lang="da-DK" dirty="0" err="1"/>
               <a:t>DataContainer</a:t>
             </a:r>
             <a:r>
-              <a:rPr lang="da-DK" dirty="0" smtClean="0"/>
+              <a:rPr lang="da-DK" dirty="0"/>
               <a:t> class is </a:t>
             </a:r>
             <a:r>
-              <a:rPr lang="da-DK" dirty="0" err="1" smtClean="0"/>
+              <a:rPr lang="da-DK" dirty="0" err="1"/>
               <a:t>used</a:t>
             </a:r>
             <a:r>
-              <a:rPr lang="da-DK" dirty="0" smtClean="0"/>
+              <a:rPr lang="da-DK" dirty="0"/>
               <a:t> to </a:t>
             </a:r>
             <a:r>
-              <a:rPr lang="da-DK" dirty="0" err="1" smtClean="0"/>
+              <a:rPr lang="da-DK" dirty="0" err="1"/>
               <a:t>pass</a:t>
             </a:r>
             <a:r>
-              <a:rPr lang="da-DK" dirty="0" smtClean="0"/>
+              <a:rPr lang="da-DK" dirty="0"/>
               <a:t> data from producer to </a:t>
             </a:r>
             <a:r>
-              <a:rPr lang="da-DK" dirty="0" err="1" smtClean="0"/>
+              <a:rPr lang="da-DK" dirty="0" err="1"/>
               <a:t>consumer</a:t>
             </a:r>
             <a:r>
-              <a:rPr lang="da-DK" dirty="0" smtClean="0"/>
+              <a:rPr lang="da-DK" dirty="0"/>
               <a:t>.</a:t>
             </a:r>
-            <a:endParaRPr lang="da-DK" dirty="0"/>
           </a:p>
         </p:txBody>
       </p:sp>
@@ -7583,17 +7416,10 @@
   <p:clrMapOvr>
     <a:masterClrMapping/>
   </p:clrMapOvr>
-  <p:timing>
-    <p:tnLst>
-      <p:par>
-        <p:cTn id="1" dur="indefinite" restart="never" nodeType="tmRoot"/>
-      </p:par>
-    </p:tnLst>
-  </p:timing>
 </p:sld>
 </file>
 
-<file path=ppt/slides/slide17.xml><?xml version="1.0" encoding="utf-8"?>
+<file path=ppt/slides/slide16.xml><?xml version="1.0" encoding="utf-8"?>
 <p:sld xmlns:a="http://schemas.openxmlformats.org/drawingml/2006/main" xmlns:r="http://schemas.openxmlformats.org/officeDocument/2006/relationships" xmlns:p="http://schemas.openxmlformats.org/presentationml/2006/main">
   <p:cSld>
     <p:spTree>
@@ -7626,10 +7452,9 @@
           <a:lstStyle/>
           <a:p>
             <a:r>
-              <a:rPr lang="da-DK" dirty="0" smtClean="0"/>
+              <a:rPr lang="da-DK" dirty="0"/>
               <a:t>Producer</a:t>
             </a:r>
-            <a:endParaRPr lang="da-DK" dirty="0"/>
           </a:p>
         </p:txBody>
       </p:sp>
@@ -8629,17 +8454,10 @@
   <p:clrMapOvr>
     <a:masterClrMapping/>
   </p:clrMapOvr>
-  <p:timing>
-    <p:tnLst>
-      <p:par>
-        <p:cTn id="1" dur="indefinite" restart="never" nodeType="tmRoot"/>
-      </p:par>
-    </p:tnLst>
-  </p:timing>
 </p:sld>
 </file>
 
-<file path=ppt/slides/slide18.xml><?xml version="1.0" encoding="utf-8"?>
+<file path=ppt/slides/slide17.xml><?xml version="1.0" encoding="utf-8"?>
 <p:sld xmlns:a="http://schemas.openxmlformats.org/drawingml/2006/main" xmlns:r="http://schemas.openxmlformats.org/officeDocument/2006/relationships" xmlns:p="http://schemas.openxmlformats.org/presentationml/2006/main">
   <p:cSld>
     <p:spTree>
@@ -8672,10 +8490,9 @@
           <a:lstStyle/>
           <a:p>
             <a:r>
-              <a:rPr lang="da-DK" dirty="0" smtClean="0"/>
+              <a:rPr lang="da-DK" dirty="0"/>
               <a:t>Consumer</a:t>
             </a:r>
-            <a:endParaRPr lang="da-DK" dirty="0"/>
           </a:p>
         </p:txBody>
       </p:sp>
@@ -9635,17 +9452,10 @@
   <p:clrMapOvr>
     <a:masterClrMapping/>
   </p:clrMapOvr>
-  <p:timing>
-    <p:tnLst>
-      <p:par>
-        <p:cTn id="1" dur="indefinite" restart="never" nodeType="tmRoot"/>
-      </p:par>
-    </p:tnLst>
-  </p:timing>
 </p:sld>
 </file>
 
-<file path=ppt/slides/slide19.xml><?xml version="1.0" encoding="utf-8"?>
+<file path=ppt/slides/slide18.xml><?xml version="1.0" encoding="utf-8"?>
 <p:sld xmlns:a="http://schemas.openxmlformats.org/drawingml/2006/main" xmlns:r="http://schemas.openxmlformats.org/officeDocument/2006/relationships" xmlns:p="http://schemas.openxmlformats.org/presentationml/2006/main">
   <p:cSld>
     <p:spTree>
@@ -9678,11 +9488,11 @@
           <a:lstStyle/>
           <a:p>
             <a:r>
-              <a:rPr lang="da-DK" dirty="0" smtClean="0"/>
+              <a:rPr lang="da-DK" dirty="0"/>
               <a:t>Producer – Consumer </a:t>
             </a:r>
             <a:r>
-              <a:rPr lang="da-DK" dirty="0" err="1" smtClean="0"/>
+              <a:rPr lang="da-DK" dirty="0" err="1"/>
               <a:t>creation</a:t>
             </a:r>
             <a:endParaRPr lang="da-DK" dirty="0"/>
@@ -9715,47 +9525,47 @@
               <a:buNone/>
             </a:pPr>
             <a:r>
-              <a:rPr lang="da-DK" dirty="0" smtClean="0"/>
+              <a:rPr lang="da-DK" dirty="0"/>
               <a:t>The </a:t>
             </a:r>
             <a:r>
-              <a:rPr lang="da-DK" dirty="0" err="1" smtClean="0"/>
+              <a:rPr lang="da-DK" dirty="0" err="1"/>
               <a:t>AutoResetEvent</a:t>
             </a:r>
             <a:r>
-              <a:rPr lang="da-DK" dirty="0" smtClean="0"/>
+              <a:rPr lang="da-DK" dirty="0"/>
               <a:t> </a:t>
             </a:r>
             <a:r>
-              <a:rPr lang="da-DK" dirty="0" err="1" smtClean="0"/>
+              <a:rPr lang="da-DK" dirty="0" err="1"/>
               <a:t>can</a:t>
             </a:r>
             <a:r>
-              <a:rPr lang="da-DK" dirty="0" smtClean="0"/>
+              <a:rPr lang="da-DK" dirty="0"/>
               <a:t> </a:t>
             </a:r>
             <a:r>
-              <a:rPr lang="da-DK" dirty="0" err="1" smtClean="0"/>
+              <a:rPr lang="da-DK" dirty="0" err="1"/>
               <a:t>be</a:t>
             </a:r>
             <a:r>
-              <a:rPr lang="da-DK" dirty="0" smtClean="0"/>
+              <a:rPr lang="da-DK" dirty="0"/>
               <a:t> </a:t>
             </a:r>
             <a:r>
-              <a:rPr lang="da-DK" dirty="0" err="1" smtClean="0"/>
+              <a:rPr lang="da-DK" dirty="0" err="1"/>
               <a:t>initialized</a:t>
             </a:r>
             <a:r>
-              <a:rPr lang="da-DK" dirty="0" smtClean="0"/>
+              <a:rPr lang="da-DK" dirty="0"/>
               <a:t> to </a:t>
             </a:r>
             <a:r>
-              <a:rPr lang="da-DK" dirty="0" err="1" smtClean="0"/>
+              <a:rPr lang="da-DK" dirty="0" err="1"/>
               <a:t>be</a:t>
             </a:r>
             <a:r>
-              <a:rPr lang="da-DK" dirty="0" smtClean="0"/>
+              <a:rPr lang="da-DK" dirty="0"/>
               <a:t> set (true) or not set (false).</a:t>
             </a:r>
           </a:p>
@@ -9770,74 +9580,73 @@
               <a:buNone/>
             </a:pPr>
             <a:r>
-              <a:rPr lang="da-DK" dirty="0" smtClean="0"/>
+              <a:rPr lang="da-DK" dirty="0"/>
               <a:t>The </a:t>
             </a:r>
             <a:r>
-              <a:rPr lang="da-DK" dirty="0" err="1" smtClean="0"/>
+              <a:rPr lang="da-DK" dirty="0" err="1"/>
               <a:t>AutoResetEvent</a:t>
             </a:r>
             <a:r>
-              <a:rPr lang="da-DK" dirty="0" smtClean="0"/>
+              <a:rPr lang="da-DK" dirty="0"/>
               <a:t> </a:t>
             </a:r>
             <a:r>
-              <a:rPr lang="da-DK" dirty="0" err="1" smtClean="0"/>
+              <a:rPr lang="da-DK" dirty="0" err="1"/>
               <a:t>objects</a:t>
             </a:r>
             <a:r>
-              <a:rPr lang="da-DK" dirty="0" smtClean="0"/>
+              <a:rPr lang="da-DK" dirty="0"/>
               <a:t> </a:t>
             </a:r>
             <a:r>
-              <a:rPr lang="da-DK" dirty="0" err="1" smtClean="0"/>
+              <a:rPr lang="da-DK" dirty="0" err="1"/>
               <a:t>are</a:t>
             </a:r>
             <a:r>
-              <a:rPr lang="da-DK" dirty="0" smtClean="0"/>
+              <a:rPr lang="da-DK" dirty="0"/>
               <a:t> </a:t>
             </a:r>
             <a:r>
-              <a:rPr lang="da-DK" dirty="0" err="1" smtClean="0"/>
+              <a:rPr lang="da-DK" dirty="0" err="1"/>
               <a:t>injected</a:t>
             </a:r>
             <a:r>
-              <a:rPr lang="da-DK" dirty="0" smtClean="0"/>
+              <a:rPr lang="da-DK" dirty="0"/>
               <a:t> </a:t>
             </a:r>
             <a:r>
-              <a:rPr lang="da-DK" dirty="0" err="1" smtClean="0"/>
+              <a:rPr lang="da-DK" dirty="0" err="1"/>
               <a:t>into</a:t>
             </a:r>
             <a:r>
-              <a:rPr lang="da-DK" dirty="0" smtClean="0"/>
+              <a:rPr lang="da-DK" dirty="0"/>
               <a:t> the </a:t>
             </a:r>
             <a:r>
-              <a:rPr lang="da-DK" dirty="0" err="1" smtClean="0"/>
+              <a:rPr lang="da-DK" dirty="0" err="1"/>
               <a:t>constructor</a:t>
             </a:r>
             <a:r>
-              <a:rPr lang="da-DK" dirty="0" smtClean="0"/>
+              <a:rPr lang="da-DK" dirty="0"/>
               <a:t> of </a:t>
             </a:r>
             <a:r>
-              <a:rPr lang="da-DK" dirty="0" err="1" smtClean="0"/>
+              <a:rPr lang="da-DK" dirty="0" err="1"/>
               <a:t>both</a:t>
             </a:r>
             <a:r>
-              <a:rPr lang="da-DK" dirty="0" smtClean="0"/>
+              <a:rPr lang="da-DK" dirty="0"/>
               <a:t> the producer and </a:t>
             </a:r>
             <a:r>
-              <a:rPr lang="da-DK" dirty="0" err="1" smtClean="0"/>
+              <a:rPr lang="da-DK" dirty="0" err="1"/>
               <a:t>consumer</a:t>
             </a:r>
             <a:r>
-              <a:rPr lang="da-DK" dirty="0" smtClean="0"/>
+              <a:rPr lang="da-DK" dirty="0"/>
               <a:t>.</a:t>
             </a:r>
-            <a:endParaRPr lang="da-DK" dirty="0"/>
           </a:p>
         </p:txBody>
       </p:sp>
@@ -10192,7 +10001,7 @@
               <a:t>dataContainer</a:t>
             </a:r>
             <a:r>
-              <a:rPr lang="en-US" sz="1200" dirty="0" smtClean="0">
+              <a:rPr lang="en-US" sz="1200" dirty="0">
                 <a:solidFill>
                   <a:schemeClr val="tx1"/>
                 </a:solidFill>
@@ -10209,19 +10018,10 @@
                 </a:solidFill>
                 <a:latin typeface="Consolas" panose="020B0609020204030204" pitchFamily="49" charset="0"/>
               </a:rPr>
-              <a:t> </a:t>
-            </a:r>
-            <a:r>
-              <a:rPr lang="en-US" sz="1200" dirty="0" smtClean="0">
-                <a:solidFill>
-                  <a:schemeClr val="tx1"/>
-                </a:solidFill>
-                <a:latin typeface="Consolas" panose="020B0609020204030204" pitchFamily="49" charset="0"/>
-              </a:rPr>
-              <a:t>                                        </a:t>
-            </a:r>
-            <a:r>
-              <a:rPr lang="en-US" sz="1200" dirty="0" err="1" smtClean="0">
+              <a:t>                                         </a:t>
+            </a:r>
+            <a:r>
+              <a:rPr lang="en-US" sz="1200" dirty="0" err="1">
                 <a:solidFill>
                   <a:schemeClr val="tx1"/>
                 </a:solidFill>
@@ -10238,34 +10038,19 @@
               </a:rPr>
               <a:t>, </a:t>
             </a:r>
-            <a:endParaRPr lang="en-US" sz="1200" dirty="0" smtClean="0">
-              <a:solidFill>
-                <a:schemeClr val="tx1"/>
-              </a:solidFill>
-              <a:latin typeface="Consolas" panose="020B0609020204030204" pitchFamily="49" charset="0"/>
-            </a:endParaRPr>
-          </a:p>
-          <a:p>
-            <a:r>
-              <a:rPr lang="en-US" sz="1200" dirty="0">
-                <a:solidFill>
-                  <a:schemeClr val="tx1"/>
-                </a:solidFill>
-                <a:latin typeface="Consolas" panose="020B0609020204030204" pitchFamily="49" charset="0"/>
-              </a:rPr>
-              <a:t> </a:t>
-            </a:r>
-            <a:r>
-              <a:rPr lang="en-US" sz="1200" dirty="0" smtClean="0">
-                <a:solidFill>
-                  <a:schemeClr val="tx1"/>
-                </a:solidFill>
-                <a:latin typeface="Consolas" panose="020B0609020204030204" pitchFamily="49" charset="0"/>
-              </a:rPr>
-              <a:t>                                        </a:t>
-            </a:r>
-            <a:r>
-              <a:rPr lang="en-US" sz="1200" dirty="0" err="1" smtClean="0">
+          </a:p>
+          <a:p>
+            <a:r>
+              <a:rPr lang="en-US" sz="1200" dirty="0">
+                <a:solidFill>
+                  <a:schemeClr val="tx1"/>
+                </a:solidFill>
+                <a:latin typeface="Consolas" panose="020B0609020204030204" pitchFamily="49" charset="0"/>
+              </a:rPr>
+              <a:t>                                         </a:t>
+            </a:r>
+            <a:r>
+              <a:rPr lang="en-US" sz="1200" dirty="0" err="1">
                 <a:solidFill>
                   <a:schemeClr val="tx1"/>
                 </a:solidFill>
@@ -10274,7 +10059,7 @@
               <a:t>dataReadyEvent</a:t>
             </a:r>
             <a:r>
-              <a:rPr lang="en-US" sz="1200" dirty="0" smtClean="0">
+              <a:rPr lang="en-US" sz="1200" dirty="0">
                 <a:solidFill>
                   <a:schemeClr val="tx1"/>
                 </a:solidFill>
@@ -10337,34 +10122,19 @@
               </a:rPr>
               <a:t>, </a:t>
             </a:r>
-            <a:endParaRPr lang="en-US" sz="1200" dirty="0" smtClean="0">
-              <a:solidFill>
-                <a:schemeClr val="tx1"/>
-              </a:solidFill>
-              <a:latin typeface="Consolas" panose="020B0609020204030204" pitchFamily="49" charset="0"/>
-            </a:endParaRPr>
-          </a:p>
-          <a:p>
-            <a:r>
-              <a:rPr lang="en-US" sz="1200" dirty="0">
-                <a:solidFill>
-                  <a:schemeClr val="tx1"/>
-                </a:solidFill>
-                <a:latin typeface="Consolas" panose="020B0609020204030204" pitchFamily="49" charset="0"/>
-              </a:rPr>
-              <a:t> </a:t>
-            </a:r>
-            <a:r>
-              <a:rPr lang="en-US" sz="1200" dirty="0" smtClean="0">
-                <a:solidFill>
-                  <a:schemeClr val="tx1"/>
-                </a:solidFill>
-                <a:latin typeface="Consolas" panose="020B0609020204030204" pitchFamily="49" charset="0"/>
-              </a:rPr>
-              <a:t>                                        </a:t>
-            </a:r>
-            <a:r>
-              <a:rPr lang="en-US" sz="1200" dirty="0" err="1" smtClean="0">
+          </a:p>
+          <a:p>
+            <a:r>
+              <a:rPr lang="en-US" sz="1200" dirty="0">
+                <a:solidFill>
+                  <a:schemeClr val="tx1"/>
+                </a:solidFill>
+                <a:latin typeface="Consolas" panose="020B0609020204030204" pitchFamily="49" charset="0"/>
+              </a:rPr>
+              <a:t>                                         </a:t>
+            </a:r>
+            <a:r>
+              <a:rPr lang="en-US" sz="1200" dirty="0" err="1">
                 <a:solidFill>
                   <a:schemeClr val="tx1"/>
                 </a:solidFill>
@@ -10373,7 +10143,7 @@
               <a:t>dataReadyEvent</a:t>
             </a:r>
             <a:r>
-              <a:rPr lang="en-US" sz="1200" dirty="0" smtClean="0">
+              <a:rPr lang="en-US" sz="1200" dirty="0">
                 <a:solidFill>
                   <a:schemeClr val="tx1"/>
                 </a:solidFill>
@@ -10390,19 +10160,10 @@
                 </a:solidFill>
                 <a:latin typeface="Consolas" panose="020B0609020204030204" pitchFamily="49" charset="0"/>
               </a:rPr>
-              <a:t> </a:t>
-            </a:r>
-            <a:r>
-              <a:rPr lang="en-US" sz="1200" dirty="0" smtClean="0">
-                <a:solidFill>
-                  <a:schemeClr val="tx1"/>
-                </a:solidFill>
-                <a:latin typeface="Consolas" panose="020B0609020204030204" pitchFamily="49" charset="0"/>
-              </a:rPr>
-              <a:t>                                        </a:t>
-            </a:r>
-            <a:r>
-              <a:rPr lang="en-US" sz="1200" dirty="0" err="1" smtClean="0">
+              <a:t>                                         </a:t>
+            </a:r>
+            <a:r>
+              <a:rPr lang="en-US" sz="1200" dirty="0" err="1">
                 <a:solidFill>
                   <a:schemeClr val="tx1"/>
                 </a:solidFill>
@@ -10622,170 +10383,10 @@
   <p:clrMapOvr>
     <a:masterClrMapping/>
   </p:clrMapOvr>
-  <p:timing>
-    <p:tnLst>
-      <p:par>
-        <p:cTn id="1" dur="indefinite" restart="never" nodeType="tmRoot"/>
-      </p:par>
-    </p:tnLst>
-  </p:timing>
 </p:sld>
 </file>
 
-<file path=ppt/slides/slide2.xml><?xml version="1.0" encoding="utf-8"?>
-<p:sld xmlns:a="http://schemas.openxmlformats.org/drawingml/2006/main" xmlns:r="http://schemas.openxmlformats.org/officeDocument/2006/relationships" xmlns:p="http://schemas.openxmlformats.org/presentationml/2006/main">
-  <p:cSld>
-    <p:spTree>
-      <p:nvGrpSpPr>
-        <p:cNvPr id="1" name=""/>
-        <p:cNvGrpSpPr/>
-        <p:nvPr/>
-      </p:nvGrpSpPr>
-      <p:grpSpPr>
-        <a:xfrm>
-          <a:off x="0" y="0"/>
-          <a:ext cx="0" cy="0"/>
-          <a:chOff x="0" y="0"/>
-          <a:chExt cx="0" cy="0"/>
-        </a:xfrm>
-      </p:grpSpPr>
-      <p:sp>
-        <p:nvSpPr>
-          <p:cNvPr id="2" name="Title 1"/>
-          <p:cNvSpPr>
-            <a:spLocks noGrp="1"/>
-          </p:cNvSpPr>
-          <p:nvPr>
-            <p:ph type="title"/>
-          </p:nvPr>
-        </p:nvSpPr>
-        <p:spPr/>
-        <p:txBody>
-          <a:bodyPr/>
-          <a:lstStyle/>
-          <a:p>
-            <a:r>
-              <a:rPr lang="da-DK" dirty="0" smtClean="0"/>
-              <a:t>Agenda</a:t>
-            </a:r>
-            <a:endParaRPr lang="da-DK" dirty="0"/>
-          </a:p>
-        </p:txBody>
-      </p:sp>
-      <p:sp>
-        <p:nvSpPr>
-          <p:cNvPr id="3" name="Content Placeholder 2"/>
-          <p:cNvSpPr>
-            <a:spLocks noGrp="1"/>
-          </p:cNvSpPr>
-          <p:nvPr>
-            <p:ph idx="1"/>
-          </p:nvPr>
-        </p:nvSpPr>
-        <p:spPr/>
-        <p:txBody>
-          <a:bodyPr/>
-          <a:lstStyle/>
-          <a:p>
-            <a:pPr marL="0" indent="0">
-              <a:buNone/>
-            </a:pPr>
-            <a:r>
-              <a:rPr lang="da-DK" dirty="0"/>
-              <a:t>Producer-Consumer</a:t>
-            </a:r>
-          </a:p>
-          <a:p>
-            <a:pPr marL="0" indent="0">
-              <a:buNone/>
-            </a:pPr>
-            <a:endParaRPr lang="da-DK" dirty="0" smtClean="0"/>
-          </a:p>
-          <a:p>
-            <a:pPr marL="0" indent="0">
-              <a:buNone/>
-            </a:pPr>
-            <a:r>
-              <a:rPr lang="da-DK" dirty="0" smtClean="0"/>
-              <a:t>Thread </a:t>
-            </a:r>
-            <a:r>
-              <a:rPr lang="da-DK" dirty="0" err="1" smtClean="0"/>
-              <a:t>synchronization</a:t>
-            </a:r>
-            <a:endParaRPr lang="da-DK" dirty="0" smtClean="0"/>
-          </a:p>
-          <a:p>
-            <a:pPr marL="0" indent="0">
-              <a:buNone/>
-            </a:pPr>
-            <a:r>
-              <a:rPr lang="da-DK" dirty="0"/>
-              <a:t>	</a:t>
-            </a:r>
-            <a:r>
-              <a:rPr lang="da-DK" dirty="0" err="1" smtClean="0"/>
-              <a:t>AutoResetEvent</a:t>
-            </a:r>
-            <a:endParaRPr lang="da-DK" dirty="0" smtClean="0"/>
-          </a:p>
-          <a:p>
-            <a:pPr marL="0" indent="0">
-              <a:buNone/>
-            </a:pPr>
-            <a:r>
-              <a:rPr lang="da-DK" dirty="0" smtClean="0"/>
-              <a:t>	</a:t>
-            </a:r>
-            <a:r>
-              <a:rPr lang="da-DK" dirty="0" err="1" smtClean="0"/>
-              <a:t>ManualResetEvent</a:t>
-            </a:r>
-            <a:endParaRPr lang="da-DK" dirty="0" smtClean="0"/>
-          </a:p>
-          <a:p>
-            <a:pPr marL="0" indent="0">
-              <a:buNone/>
-            </a:pPr>
-            <a:endParaRPr lang="da-DK" dirty="0"/>
-          </a:p>
-          <a:p>
-            <a:pPr marL="0" indent="0">
-              <a:buNone/>
-            </a:pPr>
-            <a:r>
-              <a:rPr lang="da-DK" dirty="0" smtClean="0"/>
-              <a:t>Queues and </a:t>
-            </a:r>
-            <a:r>
-              <a:rPr lang="da-DK" dirty="0" err="1" smtClean="0"/>
-              <a:t>BlockingCollection</a:t>
-            </a:r>
-            <a:endParaRPr lang="da-DK" dirty="0" smtClean="0"/>
-          </a:p>
-        </p:txBody>
-      </p:sp>
-    </p:spTree>
-    <p:extLst>
-      <p:ext uri="{BB962C8B-B14F-4D97-AF65-F5344CB8AC3E}">
-        <p14:creationId xmlns:p14="http://schemas.microsoft.com/office/powerpoint/2010/main" val="3357163894"/>
-      </p:ext>
-    </p:extLst>
-  </p:cSld>
-  <p:clrMapOvr>
-    <a:masterClrMapping/>
-  </p:clrMapOvr>
-  <p:timing>
-    <p:tnLst>
-      <p:par>
-        <p:cTn id="1" dur="indefinite" restart="never" nodeType="tmRoot"/>
-      </p:par>
-    </p:tnLst>
-  </p:timing>
-</p:sld>
-</file>
-
-<file path=ppt/slides/slide20.xml><?xml version="1.0" encoding="utf-8"?>
+<file path=ppt/slides/slide19.xml><?xml version="1.0" encoding="utf-8"?>
 <p:sld xmlns:a="http://schemas.openxmlformats.org/drawingml/2006/main" xmlns:r="http://schemas.openxmlformats.org/officeDocument/2006/relationships" xmlns:p="http://schemas.openxmlformats.org/presentationml/2006/main">
   <p:cSld>
     <p:spTree>
@@ -10874,13 +10475,227 @@
   <p:clrMapOvr>
     <a:masterClrMapping/>
   </p:clrMapOvr>
-  <p:timing>
-    <p:tnLst>
-      <p:par>
-        <p:cTn id="1" dur="indefinite" restart="never" nodeType="tmRoot"/>
-      </p:par>
-    </p:tnLst>
-  </p:timing>
+</p:sld>
+</file>
+
+<file path=ppt/slides/slide2.xml><?xml version="1.0" encoding="utf-8"?>
+<p:sld xmlns:a="http://schemas.openxmlformats.org/drawingml/2006/main" xmlns:r="http://schemas.openxmlformats.org/officeDocument/2006/relationships" xmlns:p="http://schemas.openxmlformats.org/presentationml/2006/main">
+  <p:cSld>
+    <p:spTree>
+      <p:nvGrpSpPr>
+        <p:cNvPr id="1" name=""/>
+        <p:cNvGrpSpPr/>
+        <p:nvPr/>
+      </p:nvGrpSpPr>
+      <p:grpSpPr>
+        <a:xfrm>
+          <a:off x="0" y="0"/>
+          <a:ext cx="0" cy="0"/>
+          <a:chOff x="0" y="0"/>
+          <a:chExt cx="0" cy="0"/>
+        </a:xfrm>
+      </p:grpSpPr>
+      <p:sp>
+        <p:nvSpPr>
+          <p:cNvPr id="2" name="Title 1"/>
+          <p:cNvSpPr>
+            <a:spLocks noGrp="1"/>
+          </p:cNvSpPr>
+          <p:nvPr>
+            <p:ph type="title"/>
+          </p:nvPr>
+        </p:nvSpPr>
+        <p:spPr/>
+        <p:txBody>
+          <a:bodyPr/>
+          <a:lstStyle/>
+          <a:p>
+            <a:r>
+              <a:rPr lang="da-DK" dirty="0"/>
+              <a:t>Agenda</a:t>
+            </a:r>
+          </a:p>
+        </p:txBody>
+      </p:sp>
+      <p:sp>
+        <p:nvSpPr>
+          <p:cNvPr id="3" name="Content Placeholder 2"/>
+          <p:cNvSpPr>
+            <a:spLocks noGrp="1"/>
+          </p:cNvSpPr>
+          <p:nvPr>
+            <p:ph idx="1"/>
+          </p:nvPr>
+        </p:nvSpPr>
+        <p:spPr/>
+        <p:txBody>
+          <a:bodyPr/>
+          <a:lstStyle/>
+          <a:p>
+            <a:pPr marL="0" indent="0">
+              <a:buNone/>
+            </a:pPr>
+            <a:r>
+              <a:rPr lang="da-DK" dirty="0"/>
+              <a:t>Producer-Consumer</a:t>
+            </a:r>
+          </a:p>
+          <a:p>
+            <a:pPr marL="0" indent="0">
+              <a:buNone/>
+            </a:pPr>
+            <a:endParaRPr lang="da-DK" dirty="0"/>
+          </a:p>
+          <a:p>
+            <a:pPr marL="0" indent="0">
+              <a:buNone/>
+            </a:pPr>
+            <a:r>
+              <a:rPr lang="da-DK" dirty="0"/>
+              <a:t>Thread </a:t>
+            </a:r>
+            <a:r>
+              <a:rPr lang="da-DK" dirty="0" err="1"/>
+              <a:t>synchronization</a:t>
+            </a:r>
+            <a:endParaRPr lang="da-DK" dirty="0"/>
+          </a:p>
+          <a:p>
+            <a:pPr marL="0" indent="0">
+              <a:buNone/>
+            </a:pPr>
+            <a:r>
+              <a:rPr lang="da-DK" dirty="0"/>
+              <a:t>	</a:t>
+            </a:r>
+            <a:r>
+              <a:rPr lang="da-DK" dirty="0" err="1"/>
+              <a:t>AutoResetEvent</a:t>
+            </a:r>
+            <a:endParaRPr lang="da-DK" dirty="0"/>
+          </a:p>
+          <a:p>
+            <a:pPr marL="0" indent="0">
+              <a:buNone/>
+            </a:pPr>
+            <a:r>
+              <a:rPr lang="da-DK" dirty="0"/>
+              <a:t>	</a:t>
+            </a:r>
+            <a:r>
+              <a:rPr lang="da-DK" dirty="0" err="1"/>
+              <a:t>ManualResetEvent</a:t>
+            </a:r>
+            <a:endParaRPr lang="da-DK" dirty="0"/>
+          </a:p>
+          <a:p>
+            <a:pPr marL="0" indent="0">
+              <a:buNone/>
+            </a:pPr>
+            <a:endParaRPr lang="da-DK" dirty="0"/>
+          </a:p>
+          <a:p>
+            <a:pPr marL="0" indent="0">
+              <a:buNone/>
+            </a:pPr>
+            <a:r>
+              <a:rPr lang="da-DK" dirty="0"/>
+              <a:t>Queues and </a:t>
+            </a:r>
+            <a:r>
+              <a:rPr lang="da-DK" dirty="0" err="1"/>
+              <a:t>BlockingCollection</a:t>
+            </a:r>
+            <a:endParaRPr lang="da-DK" dirty="0"/>
+          </a:p>
+        </p:txBody>
+      </p:sp>
+    </p:spTree>
+    <p:extLst>
+      <p:ext uri="{BB962C8B-B14F-4D97-AF65-F5344CB8AC3E}">
+        <p14:creationId xmlns:p14="http://schemas.microsoft.com/office/powerpoint/2010/main" val="3357163894"/>
+      </p:ext>
+    </p:extLst>
+  </p:cSld>
+  <p:clrMapOvr>
+    <a:masterClrMapping/>
+  </p:clrMapOvr>
+</p:sld>
+</file>
+
+<file path=ppt/slides/slide20.xml><?xml version="1.0" encoding="utf-8"?>
+<p:sld xmlns:a="http://schemas.openxmlformats.org/drawingml/2006/main" xmlns:r="http://schemas.openxmlformats.org/officeDocument/2006/relationships" xmlns:p="http://schemas.openxmlformats.org/presentationml/2006/main">
+  <p:cSld>
+    <p:spTree>
+      <p:nvGrpSpPr>
+        <p:cNvPr id="1" name=""/>
+        <p:cNvGrpSpPr/>
+        <p:nvPr/>
+      </p:nvGrpSpPr>
+      <p:grpSpPr>
+        <a:xfrm>
+          <a:off x="0" y="0"/>
+          <a:ext cx="0" cy="0"/>
+          <a:chOff x="0" y="0"/>
+          <a:chExt cx="0" cy="0"/>
+        </a:xfrm>
+      </p:grpSpPr>
+      <p:sp>
+        <p:nvSpPr>
+          <p:cNvPr id="4" name="Title 3"/>
+          <p:cNvSpPr>
+            <a:spLocks noGrp="1"/>
+          </p:cNvSpPr>
+          <p:nvPr>
+            <p:ph type="title"/>
+          </p:nvPr>
+        </p:nvSpPr>
+        <p:spPr/>
+        <p:txBody>
+          <a:bodyPr/>
+          <a:lstStyle/>
+          <a:p>
+            <a:r>
+              <a:rPr lang="da-DK" dirty="0"/>
+              <a:t>Queues and </a:t>
+            </a:r>
+            <a:r>
+              <a:rPr lang="da-DK" dirty="0" err="1"/>
+              <a:t>BlockingCollection</a:t>
+            </a:r>
+            <a:endParaRPr lang="da-DK" dirty="0"/>
+          </a:p>
+        </p:txBody>
+      </p:sp>
+      <p:sp>
+        <p:nvSpPr>
+          <p:cNvPr id="5" name="Text Placeholder 4"/>
+          <p:cNvSpPr>
+            <a:spLocks noGrp="1"/>
+          </p:cNvSpPr>
+          <p:nvPr>
+            <p:ph type="body" idx="1"/>
+          </p:nvPr>
+        </p:nvSpPr>
+        <p:spPr/>
+        <p:txBody>
+          <a:bodyPr/>
+          <a:lstStyle/>
+          <a:p>
+            <a:endParaRPr lang="da-DK"/>
+          </a:p>
+        </p:txBody>
+      </p:sp>
+    </p:spTree>
+    <p:extLst>
+      <p:ext uri="{BB962C8B-B14F-4D97-AF65-F5344CB8AC3E}">
+        <p14:creationId xmlns:p14="http://schemas.microsoft.com/office/powerpoint/2010/main" val="3936393542"/>
+      </p:ext>
+    </p:extLst>
+  </p:cSld>
+  <p:clrMapOvr>
+    <a:masterClrMapping/>
+  </p:clrMapOvr>
 </p:sld>
 </file>
 
@@ -10903,89 +10718,6 @@
       </p:grpSpPr>
       <p:sp>
         <p:nvSpPr>
-          <p:cNvPr id="4" name="Title 3"/>
-          <p:cNvSpPr>
-            <a:spLocks noGrp="1"/>
-          </p:cNvSpPr>
-          <p:nvPr>
-            <p:ph type="title"/>
-          </p:nvPr>
-        </p:nvSpPr>
-        <p:spPr/>
-        <p:txBody>
-          <a:bodyPr/>
-          <a:lstStyle/>
-          <a:p>
-            <a:r>
-              <a:rPr lang="da-DK" dirty="0" smtClean="0"/>
-              <a:t>Queues and </a:t>
-            </a:r>
-            <a:r>
-              <a:rPr lang="da-DK" dirty="0" err="1" smtClean="0"/>
-              <a:t>BlockingCollection</a:t>
-            </a:r>
-            <a:endParaRPr lang="da-DK" dirty="0"/>
-          </a:p>
-        </p:txBody>
-      </p:sp>
-      <p:sp>
-        <p:nvSpPr>
-          <p:cNvPr id="5" name="Text Placeholder 4"/>
-          <p:cNvSpPr>
-            <a:spLocks noGrp="1"/>
-          </p:cNvSpPr>
-          <p:nvPr>
-            <p:ph type="body" idx="1"/>
-          </p:nvPr>
-        </p:nvSpPr>
-        <p:spPr/>
-        <p:txBody>
-          <a:bodyPr/>
-          <a:lstStyle/>
-          <a:p>
-            <a:endParaRPr lang="da-DK"/>
-          </a:p>
-        </p:txBody>
-      </p:sp>
-    </p:spTree>
-    <p:extLst>
-      <p:ext uri="{BB962C8B-B14F-4D97-AF65-F5344CB8AC3E}">
-        <p14:creationId xmlns:p14="http://schemas.microsoft.com/office/powerpoint/2010/main" val="3936393542"/>
-      </p:ext>
-    </p:extLst>
-  </p:cSld>
-  <p:clrMapOvr>
-    <a:masterClrMapping/>
-  </p:clrMapOvr>
-  <p:timing>
-    <p:tnLst>
-      <p:par>
-        <p:cTn id="1" dur="indefinite" restart="never" nodeType="tmRoot"/>
-      </p:par>
-    </p:tnLst>
-  </p:timing>
-</p:sld>
-</file>
-
-<file path=ppt/slides/slide22.xml><?xml version="1.0" encoding="utf-8"?>
-<p:sld xmlns:a="http://schemas.openxmlformats.org/drawingml/2006/main" xmlns:r="http://schemas.openxmlformats.org/officeDocument/2006/relationships" xmlns:p="http://schemas.openxmlformats.org/presentationml/2006/main">
-  <p:cSld>
-    <p:spTree>
-      <p:nvGrpSpPr>
-        <p:cNvPr id="1" name=""/>
-        <p:cNvGrpSpPr/>
-        <p:nvPr/>
-      </p:nvGrpSpPr>
-      <p:grpSpPr>
-        <a:xfrm>
-          <a:off x="0" y="0"/>
-          <a:ext cx="0" cy="0"/>
-          <a:chOff x="0" y="0"/>
-          <a:chExt cx="0" cy="0"/>
-        </a:xfrm>
-      </p:grpSpPr>
-      <p:sp>
-        <p:nvSpPr>
           <p:cNvPr id="2" name="Title 1"/>
           <p:cNvSpPr>
             <a:spLocks noGrp="1"/>
@@ -11000,10 +10732,9 @@
           <a:lstStyle/>
           <a:p>
             <a:r>
-              <a:rPr lang="da-DK" dirty="0" smtClean="0"/>
+              <a:rPr lang="da-DK" dirty="0"/>
               <a:t>Queues</a:t>
             </a:r>
-            <a:endParaRPr lang="da-DK" dirty="0"/>
           </a:p>
         </p:txBody>
       </p:sp>
@@ -11031,31 +10762,31 @@
               <a:buNone/>
             </a:pPr>
             <a:r>
-              <a:rPr lang="da-DK" dirty="0" smtClean="0"/>
+              <a:rPr lang="da-DK" dirty="0"/>
               <a:t>Right </a:t>
             </a:r>
             <a:r>
-              <a:rPr lang="da-DK" dirty="0" err="1" smtClean="0"/>
+              <a:rPr lang="da-DK" dirty="0" err="1"/>
               <a:t>now</a:t>
             </a:r>
             <a:r>
-              <a:rPr lang="da-DK" dirty="0" smtClean="0"/>
+              <a:rPr lang="da-DK" dirty="0"/>
               <a:t>, the producer and </a:t>
             </a:r>
             <a:r>
-              <a:rPr lang="da-DK" dirty="0" err="1" smtClean="0"/>
+              <a:rPr lang="da-DK" dirty="0" err="1"/>
               <a:t>consumer</a:t>
             </a:r>
             <a:r>
-              <a:rPr lang="da-DK" dirty="0" smtClean="0"/>
+              <a:rPr lang="da-DK" dirty="0"/>
               <a:t> runs in </a:t>
             </a:r>
             <a:r>
-              <a:rPr lang="da-DK" dirty="0" err="1" smtClean="0"/>
+              <a:rPr lang="da-DK" dirty="0" err="1"/>
               <a:t>lock</a:t>
             </a:r>
             <a:r>
-              <a:rPr lang="da-DK" dirty="0" smtClean="0"/>
+              <a:rPr lang="da-DK" dirty="0"/>
               <a:t>-step.</a:t>
             </a:r>
           </a:p>
@@ -11095,17 +10826,10 @@
   <p:clrMapOvr>
     <a:masterClrMapping/>
   </p:clrMapOvr>
-  <p:timing>
-    <p:tnLst>
-      <p:par>
-        <p:cTn id="1" dur="indefinite" restart="never" nodeType="tmRoot"/>
-      </p:par>
-    </p:tnLst>
-  </p:timing>
 </p:sld>
 </file>
 
-<file path=ppt/slides/slide23.xml><?xml version="1.0" encoding="utf-8"?>
+<file path=ppt/slides/slide22.xml><?xml version="1.0" encoding="utf-8"?>
 <p:sld xmlns:a="http://schemas.openxmlformats.org/drawingml/2006/main" xmlns:r="http://schemas.openxmlformats.org/officeDocument/2006/relationships" xmlns:p="http://schemas.openxmlformats.org/presentationml/2006/main">
   <p:cSld>
     <p:spTree>
@@ -11138,10 +10862,9 @@
           <a:lstStyle/>
           <a:p>
             <a:r>
-              <a:rPr lang="da-DK" dirty="0" smtClean="0"/>
+              <a:rPr lang="da-DK" dirty="0"/>
               <a:t>Queues</a:t>
             </a:r>
-            <a:endParaRPr lang="da-DK" dirty="0"/>
           </a:p>
         </p:txBody>
       </p:sp>
@@ -11169,31 +10892,31 @@
               <a:buNone/>
             </a:pPr>
             <a:r>
-              <a:rPr lang="da-DK" dirty="0" smtClean="0"/>
+              <a:rPr lang="da-DK" dirty="0"/>
               <a:t>Right </a:t>
             </a:r>
             <a:r>
-              <a:rPr lang="da-DK" dirty="0" err="1" smtClean="0"/>
+              <a:rPr lang="da-DK" dirty="0" err="1"/>
               <a:t>now</a:t>
             </a:r>
             <a:r>
-              <a:rPr lang="da-DK" dirty="0" smtClean="0"/>
+              <a:rPr lang="da-DK" dirty="0"/>
               <a:t>, the producer and </a:t>
             </a:r>
             <a:r>
-              <a:rPr lang="da-DK" dirty="0" err="1" smtClean="0"/>
+              <a:rPr lang="da-DK" dirty="0" err="1"/>
               <a:t>consumer</a:t>
             </a:r>
             <a:r>
-              <a:rPr lang="da-DK" dirty="0" smtClean="0"/>
+              <a:rPr lang="da-DK" dirty="0"/>
               <a:t> runs in </a:t>
             </a:r>
             <a:r>
-              <a:rPr lang="da-DK" dirty="0" err="1" smtClean="0"/>
+              <a:rPr lang="da-DK" dirty="0" err="1"/>
               <a:t>lock</a:t>
             </a:r>
             <a:r>
-              <a:rPr lang="da-DK" dirty="0" smtClean="0"/>
+              <a:rPr lang="da-DK" dirty="0"/>
               <a:t>-step.</a:t>
             </a:r>
           </a:p>
@@ -11208,55 +10931,55 @@
               <a:buNone/>
             </a:pPr>
             <a:r>
-              <a:rPr lang="da-DK" dirty="0" smtClean="0"/>
+              <a:rPr lang="da-DK" dirty="0"/>
               <a:t>To </a:t>
             </a:r>
             <a:r>
-              <a:rPr lang="da-DK" dirty="0" err="1" smtClean="0"/>
+              <a:rPr lang="da-DK" dirty="0" err="1"/>
               <a:t>overcome</a:t>
             </a:r>
             <a:r>
-              <a:rPr lang="da-DK" dirty="0" smtClean="0"/>
+              <a:rPr lang="da-DK" dirty="0"/>
               <a:t> </a:t>
             </a:r>
             <a:r>
-              <a:rPr lang="da-DK" dirty="0" err="1" smtClean="0"/>
+              <a:rPr lang="da-DK" dirty="0" err="1"/>
               <a:t>this</a:t>
             </a:r>
             <a:r>
-              <a:rPr lang="da-DK" dirty="0" smtClean="0"/>
+              <a:rPr lang="da-DK" dirty="0"/>
               <a:t> </a:t>
             </a:r>
             <a:r>
-              <a:rPr lang="da-DK" dirty="0" err="1" smtClean="0"/>
+              <a:rPr lang="da-DK" dirty="0" err="1"/>
               <a:t>we</a:t>
             </a:r>
             <a:r>
-              <a:rPr lang="da-DK" dirty="0" smtClean="0"/>
+              <a:rPr lang="da-DK" dirty="0"/>
               <a:t> </a:t>
             </a:r>
             <a:r>
-              <a:rPr lang="da-DK" dirty="0" err="1" smtClean="0"/>
+              <a:rPr lang="da-DK" dirty="0" err="1"/>
               <a:t>can</a:t>
             </a:r>
             <a:r>
-              <a:rPr lang="da-DK" dirty="0" smtClean="0"/>
+              <a:rPr lang="da-DK" dirty="0"/>
               <a:t> </a:t>
             </a:r>
             <a:r>
-              <a:rPr lang="da-DK" dirty="0" err="1" smtClean="0"/>
+              <a:rPr lang="da-DK" dirty="0" err="1"/>
               <a:t>introduce</a:t>
             </a:r>
             <a:r>
-              <a:rPr lang="da-DK" dirty="0" smtClean="0"/>
+              <a:rPr lang="da-DK" dirty="0"/>
               <a:t> a </a:t>
             </a:r>
             <a:r>
-              <a:rPr lang="da-DK" dirty="0" err="1" smtClean="0"/>
+              <a:rPr lang="da-DK" dirty="0" err="1"/>
               <a:t>queue</a:t>
             </a:r>
             <a:r>
-              <a:rPr lang="da-DK" dirty="0" smtClean="0"/>
+              <a:rPr lang="da-DK" dirty="0"/>
               <a:t>.</a:t>
             </a:r>
           </a:p>
@@ -11296,13 +11019,290 @@
   <p:clrMapOvr>
     <a:masterClrMapping/>
   </p:clrMapOvr>
-  <p:timing>
-    <p:tnLst>
-      <p:par>
-        <p:cTn id="1" dur="indefinite" restart="never" nodeType="tmRoot"/>
-      </p:par>
-    </p:tnLst>
-  </p:timing>
+</p:sld>
+</file>
+
+<file path=ppt/slides/slide23.xml><?xml version="1.0" encoding="utf-8"?>
+<p:sld xmlns:a="http://schemas.openxmlformats.org/drawingml/2006/main" xmlns:r="http://schemas.openxmlformats.org/officeDocument/2006/relationships" xmlns:p="http://schemas.openxmlformats.org/presentationml/2006/main">
+  <p:cSld>
+    <p:spTree>
+      <p:nvGrpSpPr>
+        <p:cNvPr id="1" name=""/>
+        <p:cNvGrpSpPr/>
+        <p:nvPr/>
+      </p:nvGrpSpPr>
+      <p:grpSpPr>
+        <a:xfrm>
+          <a:off x="0" y="0"/>
+          <a:ext cx="0" cy="0"/>
+          <a:chOff x="0" y="0"/>
+          <a:chExt cx="0" cy="0"/>
+        </a:xfrm>
+      </p:grpSpPr>
+      <p:sp>
+        <p:nvSpPr>
+          <p:cNvPr id="2" name="Title 1"/>
+          <p:cNvSpPr>
+            <a:spLocks noGrp="1"/>
+          </p:cNvSpPr>
+          <p:nvPr>
+            <p:ph type="title"/>
+          </p:nvPr>
+        </p:nvSpPr>
+        <p:spPr/>
+        <p:txBody>
+          <a:bodyPr/>
+          <a:lstStyle/>
+          <a:p>
+            <a:r>
+              <a:rPr lang="da-DK" dirty="0"/>
+              <a:t>.Net </a:t>
+            </a:r>
+            <a:r>
+              <a:rPr lang="da-DK" dirty="0" err="1"/>
+              <a:t>System.Collections.Concurrent</a:t>
+            </a:r>
+            <a:endParaRPr lang="da-DK" dirty="0"/>
+          </a:p>
+        </p:txBody>
+      </p:sp>
+      <p:sp>
+        <p:nvSpPr>
+          <p:cNvPr id="3" name="Content Placeholder 2"/>
+          <p:cNvSpPr>
+            <a:spLocks noGrp="1"/>
+          </p:cNvSpPr>
+          <p:nvPr>
+            <p:ph idx="1"/>
+          </p:nvPr>
+        </p:nvSpPr>
+        <p:spPr/>
+        <p:txBody>
+          <a:bodyPr>
+            <a:normAutofit/>
+          </a:bodyPr>
+          <a:lstStyle/>
+          <a:p>
+            <a:pPr marL="0" indent="0">
+              <a:buNone/>
+            </a:pPr>
+            <a:r>
+              <a:rPr lang="da-DK" dirty="0"/>
+              <a:t>Access to the </a:t>
+            </a:r>
+            <a:r>
+              <a:rPr lang="da-DK" dirty="0" err="1"/>
+              <a:t>queue</a:t>
+            </a:r>
+            <a:r>
+              <a:rPr lang="da-DK" dirty="0"/>
+              <a:t> must </a:t>
+            </a:r>
+            <a:r>
+              <a:rPr lang="da-DK" dirty="0" err="1"/>
+              <a:t>be</a:t>
+            </a:r>
+            <a:r>
+              <a:rPr lang="da-DK" dirty="0"/>
+              <a:t> </a:t>
+            </a:r>
+            <a:r>
+              <a:rPr lang="da-DK" dirty="0" err="1"/>
+              <a:t>thread</a:t>
+            </a:r>
+            <a:r>
+              <a:rPr lang="da-DK" dirty="0"/>
+              <a:t> </a:t>
+            </a:r>
+            <a:r>
+              <a:rPr lang="da-DK" dirty="0" err="1"/>
+              <a:t>safe</a:t>
+            </a:r>
+            <a:r>
+              <a:rPr lang="da-DK" dirty="0"/>
+              <a:t>. </a:t>
+            </a:r>
+          </a:p>
+          <a:p>
+            <a:pPr marL="0" indent="0">
+              <a:buNone/>
+            </a:pPr>
+            <a:r>
+              <a:rPr lang="da-DK" dirty="0" err="1"/>
+              <a:t>We</a:t>
+            </a:r>
+            <a:r>
+              <a:rPr lang="da-DK" dirty="0"/>
+              <a:t> </a:t>
+            </a:r>
+            <a:r>
+              <a:rPr lang="da-DK" dirty="0" err="1"/>
+              <a:t>can</a:t>
+            </a:r>
+            <a:r>
+              <a:rPr lang="da-DK" dirty="0"/>
+              <a:t> do </a:t>
+            </a:r>
+            <a:r>
+              <a:rPr lang="da-DK" dirty="0" err="1"/>
+              <a:t>this</a:t>
+            </a:r>
+            <a:r>
+              <a:rPr lang="da-DK" dirty="0"/>
+              <a:t> with </a:t>
+            </a:r>
+            <a:r>
+              <a:rPr lang="da-DK" b="1" dirty="0" err="1"/>
+              <a:t>locks</a:t>
+            </a:r>
+            <a:r>
+              <a:rPr lang="da-DK" dirty="0"/>
+              <a:t>, but...</a:t>
+            </a:r>
+          </a:p>
+          <a:p>
+            <a:pPr marL="0" indent="0">
+              <a:buNone/>
+            </a:pPr>
+            <a:endParaRPr lang="da-DK" dirty="0"/>
+          </a:p>
+          <a:p>
+            <a:pPr marL="0" indent="0">
+              <a:buNone/>
+            </a:pPr>
+            <a:r>
+              <a:rPr lang="da-DK" dirty="0"/>
+              <a:t>.Net has </a:t>
+            </a:r>
+            <a:r>
+              <a:rPr lang="da-DK" dirty="0" err="1"/>
+              <a:t>built</a:t>
+            </a:r>
+            <a:r>
+              <a:rPr lang="da-DK" dirty="0"/>
+              <a:t> in </a:t>
+            </a:r>
+            <a:r>
+              <a:rPr lang="da-DK" dirty="0" err="1"/>
+              <a:t>thread</a:t>
+            </a:r>
+            <a:r>
+              <a:rPr lang="da-DK" dirty="0"/>
+              <a:t> </a:t>
+            </a:r>
+            <a:r>
+              <a:rPr lang="da-DK" dirty="0" err="1"/>
+              <a:t>safe</a:t>
+            </a:r>
+            <a:r>
+              <a:rPr lang="da-DK" dirty="0"/>
+              <a:t> </a:t>
+            </a:r>
+            <a:r>
+              <a:rPr lang="da-DK" dirty="0" err="1"/>
+              <a:t>collections</a:t>
+            </a:r>
+            <a:r>
+              <a:rPr lang="da-DK" dirty="0"/>
+              <a:t>:</a:t>
+            </a:r>
+          </a:p>
+          <a:p>
+            <a:pPr marL="457200" lvl="1" indent="0">
+              <a:buNone/>
+            </a:pPr>
+            <a:r>
+              <a:rPr lang="da-DK" dirty="0" err="1"/>
+              <a:t>ConcurrentQueue</a:t>
+            </a:r>
+            <a:r>
+              <a:rPr lang="da-DK" dirty="0"/>
+              <a:t>&lt;T&gt;</a:t>
+            </a:r>
+          </a:p>
+          <a:p>
+            <a:pPr marL="457200" lvl="1" indent="0">
+              <a:buNone/>
+            </a:pPr>
+            <a:r>
+              <a:rPr lang="da-DK" dirty="0" err="1"/>
+              <a:t>ConcurrentStack</a:t>
+            </a:r>
+            <a:r>
+              <a:rPr lang="da-DK" dirty="0"/>
+              <a:t>&lt;T&gt;</a:t>
+            </a:r>
+          </a:p>
+          <a:p>
+            <a:pPr marL="457200" lvl="1" indent="0">
+              <a:buNone/>
+            </a:pPr>
+            <a:r>
+              <a:rPr lang="da-DK" dirty="0" err="1"/>
+              <a:t>ConcurrentBag</a:t>
+            </a:r>
+            <a:r>
+              <a:rPr lang="da-DK" dirty="0"/>
+              <a:t>&lt;T&gt;</a:t>
+            </a:r>
+          </a:p>
+          <a:p>
+            <a:pPr marL="457200" lvl="1" indent="0">
+              <a:buNone/>
+            </a:pPr>
+            <a:endParaRPr lang="da-DK" dirty="0"/>
+          </a:p>
+          <a:p>
+            <a:pPr marL="0" indent="0">
+              <a:buNone/>
+            </a:pPr>
+            <a:r>
+              <a:rPr lang="da-DK" dirty="0"/>
+              <a:t>And </a:t>
+            </a:r>
+            <a:r>
+              <a:rPr lang="da-DK" dirty="0" err="1"/>
+              <a:t>BlockingCollection</a:t>
+            </a:r>
+            <a:r>
+              <a:rPr lang="da-DK" dirty="0"/>
+              <a:t>&lt;T&gt; </a:t>
+            </a:r>
+            <a:r>
+              <a:rPr lang="da-DK" dirty="0" err="1"/>
+              <a:t>which</a:t>
+            </a:r>
+            <a:r>
+              <a:rPr lang="da-DK" dirty="0"/>
+              <a:t> </a:t>
+            </a:r>
+            <a:r>
+              <a:rPr lang="da-DK" dirty="0" err="1"/>
+              <a:t>implements</a:t>
+            </a:r>
+            <a:r>
+              <a:rPr lang="da-DK" dirty="0"/>
+              <a:t> the Producer-Consumer pattern.</a:t>
+            </a:r>
+          </a:p>
+          <a:p>
+            <a:pPr marL="457200" lvl="1" indent="0">
+              <a:buNone/>
+            </a:pPr>
+            <a:endParaRPr lang="da-DK" dirty="0"/>
+          </a:p>
+        </p:txBody>
+      </p:sp>
+    </p:spTree>
+    <p:extLst>
+      <p:ext uri="{BB962C8B-B14F-4D97-AF65-F5344CB8AC3E}">
+        <p14:creationId xmlns:p14="http://schemas.microsoft.com/office/powerpoint/2010/main" val="200333205"/>
+      </p:ext>
+    </p:extLst>
+  </p:cSld>
+  <p:clrMapOvr>
+    <a:masterClrMapping/>
+  </p:clrMapOvr>
 </p:sld>
 </file>
 
@@ -11339,305 +11339,13 @@
           <a:lstStyle/>
           <a:p>
             <a:r>
-              <a:rPr lang="da-DK" dirty="0" smtClean="0"/>
-              <a:t>.Net </a:t>
-            </a:r>
-            <a:r>
-              <a:rPr lang="da-DK" dirty="0" err="1" smtClean="0"/>
-              <a:t>System.Collections.Concurrent</a:t>
-            </a:r>
-            <a:endParaRPr lang="da-DK" dirty="0"/>
-          </a:p>
-        </p:txBody>
-      </p:sp>
-      <p:sp>
-        <p:nvSpPr>
-          <p:cNvPr id="3" name="Content Placeholder 2"/>
-          <p:cNvSpPr>
-            <a:spLocks noGrp="1"/>
-          </p:cNvSpPr>
-          <p:nvPr>
-            <p:ph idx="1"/>
-          </p:nvPr>
-        </p:nvSpPr>
-        <p:spPr/>
-        <p:txBody>
-          <a:bodyPr>
-            <a:normAutofit/>
-          </a:bodyPr>
-          <a:lstStyle/>
-          <a:p>
-            <a:pPr marL="0" indent="0">
-              <a:buNone/>
-            </a:pPr>
-            <a:r>
-              <a:rPr lang="da-DK" dirty="0" smtClean="0"/>
-              <a:t>Access to the </a:t>
-            </a:r>
-            <a:r>
-              <a:rPr lang="da-DK" dirty="0" err="1" smtClean="0"/>
-              <a:t>queue</a:t>
-            </a:r>
-            <a:r>
-              <a:rPr lang="da-DK" dirty="0" smtClean="0"/>
-              <a:t> must </a:t>
-            </a:r>
-            <a:r>
-              <a:rPr lang="da-DK" dirty="0" err="1" smtClean="0"/>
-              <a:t>be</a:t>
-            </a:r>
-            <a:r>
-              <a:rPr lang="da-DK" dirty="0" smtClean="0"/>
-              <a:t> </a:t>
-            </a:r>
-            <a:r>
-              <a:rPr lang="da-DK" dirty="0" err="1" smtClean="0"/>
-              <a:t>thread</a:t>
-            </a:r>
-            <a:r>
-              <a:rPr lang="da-DK" dirty="0" smtClean="0"/>
-              <a:t> </a:t>
-            </a:r>
-            <a:r>
-              <a:rPr lang="da-DK" dirty="0" err="1" smtClean="0"/>
-              <a:t>safe</a:t>
-            </a:r>
-            <a:r>
-              <a:rPr lang="da-DK" dirty="0" smtClean="0"/>
-              <a:t>. </a:t>
-            </a:r>
-          </a:p>
-          <a:p>
-            <a:pPr marL="0" indent="0">
-              <a:buNone/>
-            </a:pPr>
-            <a:r>
-              <a:rPr lang="da-DK" dirty="0" err="1" smtClean="0"/>
-              <a:t>We</a:t>
-            </a:r>
-            <a:r>
-              <a:rPr lang="da-DK" dirty="0" smtClean="0"/>
-              <a:t> </a:t>
-            </a:r>
-            <a:r>
-              <a:rPr lang="da-DK" dirty="0" err="1" smtClean="0"/>
-              <a:t>can</a:t>
-            </a:r>
-            <a:r>
-              <a:rPr lang="da-DK" dirty="0" smtClean="0"/>
-              <a:t> do </a:t>
-            </a:r>
-            <a:r>
-              <a:rPr lang="da-DK" dirty="0" err="1" smtClean="0"/>
-              <a:t>this</a:t>
-            </a:r>
-            <a:r>
-              <a:rPr lang="da-DK" dirty="0" smtClean="0"/>
-              <a:t> with </a:t>
-            </a:r>
-            <a:r>
-              <a:rPr lang="da-DK" b="1" dirty="0" err="1" smtClean="0"/>
-              <a:t>locks</a:t>
-            </a:r>
-            <a:r>
-              <a:rPr lang="da-DK" dirty="0" smtClean="0"/>
-              <a:t>, but...</a:t>
-            </a:r>
-          </a:p>
-          <a:p>
-            <a:pPr marL="0" indent="0">
-              <a:buNone/>
-            </a:pPr>
-            <a:endParaRPr lang="da-DK" dirty="0"/>
-          </a:p>
-          <a:p>
-            <a:pPr marL="0" indent="0">
-              <a:buNone/>
-            </a:pPr>
-            <a:r>
-              <a:rPr lang="da-DK" dirty="0" smtClean="0"/>
-              <a:t>.Net has </a:t>
-            </a:r>
-            <a:r>
-              <a:rPr lang="da-DK" dirty="0" err="1" smtClean="0"/>
-              <a:t>built</a:t>
-            </a:r>
-            <a:r>
-              <a:rPr lang="da-DK" dirty="0" smtClean="0"/>
-              <a:t> in </a:t>
-            </a:r>
-            <a:r>
-              <a:rPr lang="da-DK" dirty="0" err="1" smtClean="0"/>
-              <a:t>thread</a:t>
-            </a:r>
-            <a:r>
-              <a:rPr lang="da-DK" dirty="0" smtClean="0"/>
-              <a:t> </a:t>
-            </a:r>
-            <a:r>
-              <a:rPr lang="da-DK" dirty="0" err="1" smtClean="0"/>
-              <a:t>safe</a:t>
-            </a:r>
-            <a:r>
-              <a:rPr lang="da-DK" dirty="0" smtClean="0"/>
-              <a:t> </a:t>
-            </a:r>
-            <a:r>
-              <a:rPr lang="da-DK" dirty="0" err="1" smtClean="0"/>
-              <a:t>collections</a:t>
-            </a:r>
-            <a:r>
-              <a:rPr lang="da-DK" dirty="0" smtClean="0"/>
-              <a:t>:</a:t>
-            </a:r>
-          </a:p>
-          <a:p>
-            <a:pPr marL="457200" lvl="1" indent="0">
-              <a:buNone/>
-            </a:pPr>
-            <a:r>
-              <a:rPr lang="da-DK" dirty="0" err="1" smtClean="0"/>
-              <a:t>ConcurrentQueue</a:t>
-            </a:r>
-            <a:r>
-              <a:rPr lang="da-DK" dirty="0" smtClean="0"/>
+              <a:rPr lang="da-DK" dirty="0" err="1"/>
+              <a:t>BlockingCollection</a:t>
+            </a:r>
+            <a:r>
+              <a:rPr lang="da-DK" dirty="0"/>
               <a:t>&lt;T&gt;</a:t>
             </a:r>
-          </a:p>
-          <a:p>
-            <a:pPr marL="457200" lvl="1" indent="0">
-              <a:buNone/>
-            </a:pPr>
-            <a:r>
-              <a:rPr lang="da-DK" dirty="0" err="1" smtClean="0"/>
-              <a:t>ConcurrentStack</a:t>
-            </a:r>
-            <a:r>
-              <a:rPr lang="da-DK" dirty="0" smtClean="0"/>
-              <a:t>&lt;T&gt;</a:t>
-            </a:r>
-          </a:p>
-          <a:p>
-            <a:pPr marL="457200" lvl="1" indent="0">
-              <a:buNone/>
-            </a:pPr>
-            <a:r>
-              <a:rPr lang="da-DK" dirty="0" err="1" smtClean="0"/>
-              <a:t>ConcurrentBag</a:t>
-            </a:r>
-            <a:r>
-              <a:rPr lang="da-DK" dirty="0" smtClean="0"/>
-              <a:t>&lt;T&gt;</a:t>
-            </a:r>
-          </a:p>
-          <a:p>
-            <a:pPr marL="457200" lvl="1" indent="0">
-              <a:buNone/>
-            </a:pPr>
-            <a:endParaRPr lang="da-DK" dirty="0" smtClean="0"/>
-          </a:p>
-          <a:p>
-            <a:pPr marL="0" indent="0">
-              <a:buNone/>
-            </a:pPr>
-            <a:r>
-              <a:rPr lang="da-DK" dirty="0" smtClean="0"/>
-              <a:t>And </a:t>
-            </a:r>
-            <a:r>
-              <a:rPr lang="da-DK" dirty="0" err="1" smtClean="0"/>
-              <a:t>BlockingCollection</a:t>
-            </a:r>
-            <a:r>
-              <a:rPr lang="da-DK" dirty="0" smtClean="0"/>
-              <a:t>&lt;T&gt; </a:t>
-            </a:r>
-            <a:r>
-              <a:rPr lang="da-DK" dirty="0" err="1" smtClean="0"/>
-              <a:t>which</a:t>
-            </a:r>
-            <a:r>
-              <a:rPr lang="da-DK" dirty="0" smtClean="0"/>
-              <a:t> </a:t>
-            </a:r>
-            <a:r>
-              <a:rPr lang="da-DK" dirty="0" err="1" smtClean="0"/>
-              <a:t>implements</a:t>
-            </a:r>
-            <a:r>
-              <a:rPr lang="da-DK" dirty="0" smtClean="0"/>
-              <a:t> the Producer-Consumer pattern.</a:t>
-            </a:r>
-          </a:p>
-          <a:p>
-            <a:pPr marL="457200" lvl="1" indent="0">
-              <a:buNone/>
-            </a:pPr>
-            <a:endParaRPr lang="da-DK" dirty="0"/>
-          </a:p>
-        </p:txBody>
-      </p:sp>
-    </p:spTree>
-    <p:extLst>
-      <p:ext uri="{BB962C8B-B14F-4D97-AF65-F5344CB8AC3E}">
-        <p14:creationId xmlns:p14="http://schemas.microsoft.com/office/powerpoint/2010/main" val="200333205"/>
-      </p:ext>
-    </p:extLst>
-  </p:cSld>
-  <p:clrMapOvr>
-    <a:masterClrMapping/>
-  </p:clrMapOvr>
-  <p:timing>
-    <p:tnLst>
-      <p:par>
-        <p:cTn id="1" dur="indefinite" restart="never" nodeType="tmRoot"/>
-      </p:par>
-    </p:tnLst>
-  </p:timing>
-</p:sld>
-</file>
-
-<file path=ppt/slides/slide25.xml><?xml version="1.0" encoding="utf-8"?>
-<p:sld xmlns:a="http://schemas.openxmlformats.org/drawingml/2006/main" xmlns:r="http://schemas.openxmlformats.org/officeDocument/2006/relationships" xmlns:p="http://schemas.openxmlformats.org/presentationml/2006/main">
-  <p:cSld>
-    <p:spTree>
-      <p:nvGrpSpPr>
-        <p:cNvPr id="1" name=""/>
-        <p:cNvGrpSpPr/>
-        <p:nvPr/>
-      </p:nvGrpSpPr>
-      <p:grpSpPr>
-        <a:xfrm>
-          <a:off x="0" y="0"/>
-          <a:ext cx="0" cy="0"/>
-          <a:chOff x="0" y="0"/>
-          <a:chExt cx="0" cy="0"/>
-        </a:xfrm>
-      </p:grpSpPr>
-      <p:sp>
-        <p:nvSpPr>
-          <p:cNvPr id="2" name="Title 1"/>
-          <p:cNvSpPr>
-            <a:spLocks noGrp="1"/>
-          </p:cNvSpPr>
-          <p:nvPr>
-            <p:ph type="title"/>
-          </p:nvPr>
-        </p:nvSpPr>
-        <p:spPr/>
-        <p:txBody>
-          <a:bodyPr/>
-          <a:lstStyle/>
-          <a:p>
-            <a:r>
-              <a:rPr lang="da-DK" dirty="0" err="1" smtClean="0"/>
-              <a:t>BlockingCollection</a:t>
-            </a:r>
-            <a:r>
-              <a:rPr lang="da-DK" dirty="0" smtClean="0"/>
-              <a:t>&lt;T&gt;</a:t>
-            </a:r>
-            <a:endParaRPr lang="da-DK" dirty="0"/>
           </a:p>
         </p:txBody>
       </p:sp>
@@ -11667,16 +11375,9 @@
                 <a:latin typeface="Gill Sans MT" panose="020B0502020104020203" pitchFamily="34" charset="0"/>
                 <a:hlinkClick r:id="rId3"/>
               </a:rPr>
-              <a:t>https://</a:t>
-            </a:r>
-            <a:r>
-              <a:rPr lang="da-DK" dirty="0" smtClean="0">
-                <a:latin typeface="Gill Sans MT" panose="020B0502020104020203" pitchFamily="34" charset="0"/>
-                <a:hlinkClick r:id="rId3"/>
-              </a:rPr>
-              <a:t>docs.microsoft.com/en-us/dotnet/standard/collections/thread-safe/blockingcollection-overview</a:t>
-            </a:r>
-            <a:endParaRPr lang="da-DK" dirty="0" smtClean="0">
+              <a:t>https://docs.microsoft.com/en-us/dotnet/standard/collections/thread-safe/blockingcollection-overview</a:t>
+            </a:r>
+            <a:endParaRPr lang="da-DK" dirty="0">
               <a:latin typeface="Gill Sans MT" panose="020B0502020104020203" pitchFamily="34" charset="0"/>
             </a:endParaRPr>
           </a:p>
@@ -11760,7 +11461,7 @@
               <a:tabLst/>
             </a:pPr>
             <a:r>
-              <a:rPr kumimoji="0" lang="da-DK" altLang="da-DK" sz="2400" b="0" i="0" u="none" strike="noStrike" cap="none" normalizeH="0" baseline="0" dirty="0" smtClean="0">
+              <a:rPr kumimoji="0" lang="da-DK" altLang="da-DK" sz="2400" b="0" i="0" u="none" strike="noStrike" cap="none" normalizeH="0" baseline="0" dirty="0">
                 <a:ln>
                   <a:noFill/>
                 </a:ln>
@@ -11772,7 +11473,7 @@
               <a:t>A </a:t>
             </a:r>
             <a:r>
-              <a:rPr kumimoji="0" lang="da-DK" altLang="da-DK" sz="2400" b="0" i="0" u="none" strike="noStrike" cap="none" normalizeH="0" baseline="0" dirty="0" err="1" smtClean="0">
+              <a:rPr kumimoji="0" lang="da-DK" altLang="da-DK" sz="2400" b="0" i="0" u="none" strike="noStrike" cap="none" normalizeH="0" baseline="0" dirty="0" err="1">
                 <a:ln>
                   <a:noFill/>
                 </a:ln>
@@ -11784,7 +11485,7 @@
               <a:t>thread-safe</a:t>
             </a:r>
             <a:r>
-              <a:rPr kumimoji="0" lang="da-DK" altLang="da-DK" sz="2400" b="0" i="0" u="none" strike="noStrike" cap="none" normalizeH="0" baseline="0" dirty="0" smtClean="0">
+              <a:rPr kumimoji="0" lang="da-DK" altLang="da-DK" sz="2400" b="0" i="0" u="none" strike="noStrike" cap="none" normalizeH="0" baseline="0" dirty="0">
                 <a:ln>
                   <a:noFill/>
                 </a:ln>
@@ -11796,7 +11497,7 @@
               <a:t> </a:t>
             </a:r>
             <a:r>
-              <a:rPr kumimoji="0" lang="da-DK" altLang="da-DK" sz="2400" b="0" i="0" u="none" strike="noStrike" cap="none" normalizeH="0" baseline="0" dirty="0" err="1" smtClean="0">
+              <a:rPr kumimoji="0" lang="da-DK" altLang="da-DK" sz="2400" b="0" i="0" u="none" strike="noStrike" cap="none" normalizeH="0" baseline="0" dirty="0" err="1">
                 <a:ln>
                   <a:noFill/>
                 </a:ln>
@@ -11808,7 +11509,7 @@
               <a:t>collection</a:t>
             </a:r>
             <a:r>
-              <a:rPr kumimoji="0" lang="da-DK" altLang="da-DK" sz="2400" b="0" i="0" u="none" strike="noStrike" cap="none" normalizeH="0" baseline="0" dirty="0" smtClean="0">
+              <a:rPr kumimoji="0" lang="da-DK" altLang="da-DK" sz="2400" b="0" i="0" u="none" strike="noStrike" cap="none" normalizeH="0" baseline="0" dirty="0">
                 <a:ln>
                   <a:noFill/>
                 </a:ln>
@@ -11820,7 +11521,7 @@
               <a:t> class </a:t>
             </a:r>
             <a:r>
-              <a:rPr kumimoji="0" lang="da-DK" altLang="da-DK" sz="2400" b="0" i="0" u="none" strike="noStrike" cap="none" normalizeH="0" baseline="0" dirty="0" err="1" smtClean="0">
+              <a:rPr kumimoji="0" lang="da-DK" altLang="da-DK" sz="2400" b="0" i="0" u="none" strike="noStrike" cap="none" normalizeH="0" baseline="0" dirty="0" err="1">
                 <a:ln>
                   <a:noFill/>
                 </a:ln>
@@ -11832,7 +11533,7 @@
               <a:t>that</a:t>
             </a:r>
             <a:r>
-              <a:rPr kumimoji="0" lang="da-DK" altLang="da-DK" sz="2400" b="0" i="0" u="none" strike="noStrike" cap="none" normalizeH="0" baseline="0" dirty="0" smtClean="0">
+              <a:rPr kumimoji="0" lang="da-DK" altLang="da-DK" sz="2400" b="0" i="0" u="none" strike="noStrike" cap="none" normalizeH="0" baseline="0" dirty="0">
                 <a:ln>
                   <a:noFill/>
                 </a:ln>
@@ -11844,7 +11545,7 @@
               <a:t> provides the </a:t>
             </a:r>
             <a:r>
-              <a:rPr kumimoji="0" lang="da-DK" altLang="da-DK" sz="2400" b="0" i="0" u="none" strike="noStrike" cap="none" normalizeH="0" baseline="0" dirty="0" err="1" smtClean="0">
+              <a:rPr kumimoji="0" lang="da-DK" altLang="da-DK" sz="2400" b="0" i="0" u="none" strike="noStrike" cap="none" normalizeH="0" baseline="0" dirty="0" err="1">
                 <a:ln>
                   <a:noFill/>
                 </a:ln>
@@ -11856,7 +11557,7 @@
               <a:t>following</a:t>
             </a:r>
             <a:r>
-              <a:rPr kumimoji="0" lang="da-DK" altLang="da-DK" sz="2400" b="0" i="0" u="none" strike="noStrike" cap="none" normalizeH="0" baseline="0" dirty="0" smtClean="0">
+              <a:rPr kumimoji="0" lang="da-DK" altLang="da-DK" sz="2400" b="0" i="0" u="none" strike="noStrike" cap="none" normalizeH="0" baseline="0" dirty="0">
                 <a:ln>
                   <a:noFill/>
                 </a:ln>
@@ -11885,7 +11586,7 @@
               <a:buNone/>
               <a:tabLst/>
             </a:pPr>
-            <a:endParaRPr kumimoji="0" lang="da-DK" altLang="da-DK" sz="2400" b="0" i="0" u="none" strike="noStrike" cap="none" normalizeH="0" baseline="0" dirty="0" smtClean="0">
+            <a:endParaRPr kumimoji="0" lang="da-DK" altLang="da-DK" sz="2400" b="0" i="0" u="none" strike="noStrike" cap="none" normalizeH="0" baseline="0" dirty="0">
               <a:ln>
                 <a:noFill/>
               </a:ln>
@@ -11912,7 +11613,7 @@
               <a:tabLst/>
             </a:pPr>
             <a:r>
-              <a:rPr kumimoji="0" lang="da-DK" altLang="da-DK" sz="2400" b="0" i="0" u="none" strike="noStrike" cap="none" normalizeH="0" baseline="0" dirty="0" smtClean="0">
+              <a:rPr kumimoji="0" lang="da-DK" altLang="da-DK" sz="2400" b="0" i="0" u="none" strike="noStrike" cap="none" normalizeH="0" baseline="0" dirty="0">
                 <a:ln>
                   <a:noFill/>
                 </a:ln>
@@ -11924,7 +11625,7 @@
               <a:t>An </a:t>
             </a:r>
             <a:r>
-              <a:rPr kumimoji="0" lang="da-DK" altLang="da-DK" sz="2400" b="0" i="0" u="none" strike="noStrike" cap="none" normalizeH="0" baseline="0" dirty="0" err="1" smtClean="0">
+              <a:rPr kumimoji="0" lang="da-DK" altLang="da-DK" sz="2400" b="0" i="0" u="none" strike="noStrike" cap="none" normalizeH="0" baseline="0" dirty="0" err="1">
                 <a:ln>
                   <a:noFill/>
                 </a:ln>
@@ -11936,7 +11637,7 @@
               <a:t>implementation</a:t>
             </a:r>
             <a:r>
-              <a:rPr kumimoji="0" lang="da-DK" altLang="da-DK" sz="2400" b="0" i="0" u="none" strike="noStrike" cap="none" normalizeH="0" baseline="0" dirty="0" smtClean="0">
+              <a:rPr kumimoji="0" lang="da-DK" altLang="da-DK" sz="2400" b="0" i="0" u="none" strike="noStrike" cap="none" normalizeH="0" baseline="0" dirty="0">
                 <a:ln>
                   <a:noFill/>
                 </a:ln>
@@ -11964,7 +11665,7 @@
               <a:buNone/>
               <a:tabLst/>
             </a:pPr>
-            <a:endParaRPr kumimoji="0" lang="da-DK" altLang="da-DK" sz="2400" b="0" i="0" u="none" strike="noStrike" cap="none" normalizeH="0" baseline="0" dirty="0" smtClean="0">
+            <a:endParaRPr kumimoji="0" lang="da-DK" altLang="da-DK" sz="2400" b="0" i="0" u="none" strike="noStrike" cap="none" normalizeH="0" baseline="0" dirty="0">
               <a:ln>
                 <a:noFill/>
               </a:ln>
@@ -11991,7 +11692,7 @@
               <a:tabLst/>
             </a:pPr>
             <a:r>
-              <a:rPr kumimoji="0" lang="da-DK" altLang="da-DK" sz="2400" b="0" i="0" u="none" strike="noStrike" cap="none" normalizeH="0" baseline="0" dirty="0" err="1" smtClean="0">
+              <a:rPr kumimoji="0" lang="da-DK" altLang="da-DK" sz="2400" b="0" i="0" u="none" strike="noStrike" cap="none" normalizeH="0" baseline="0" dirty="0" err="1">
                 <a:ln>
                   <a:noFill/>
                 </a:ln>
@@ -12003,7 +11704,7 @@
               <a:t>Concurrent</a:t>
             </a:r>
             <a:r>
-              <a:rPr kumimoji="0" lang="da-DK" altLang="da-DK" sz="2400" b="0" i="0" u="none" strike="noStrike" cap="none" normalizeH="0" baseline="0" dirty="0" smtClean="0">
+              <a:rPr kumimoji="0" lang="da-DK" altLang="da-DK" sz="2400" b="0" i="0" u="none" strike="noStrike" cap="none" normalizeH="0" baseline="0" dirty="0">
                 <a:ln>
                   <a:noFill/>
                 </a:ln>
@@ -12015,7 +11716,7 @@
               <a:t> </a:t>
             </a:r>
             <a:r>
-              <a:rPr kumimoji="0" lang="da-DK" altLang="da-DK" sz="2400" b="0" i="0" u="none" strike="noStrike" cap="none" normalizeH="0" baseline="0" dirty="0" err="1" smtClean="0">
+              <a:rPr kumimoji="0" lang="da-DK" altLang="da-DK" sz="2400" b="0" i="0" u="none" strike="noStrike" cap="none" normalizeH="0" baseline="0" dirty="0" err="1">
                 <a:ln>
                   <a:noFill/>
                 </a:ln>
@@ -12027,7 +11728,7 @@
               <a:t>adding</a:t>
             </a:r>
             <a:r>
-              <a:rPr kumimoji="0" lang="da-DK" altLang="da-DK" sz="2400" b="0" i="0" u="none" strike="noStrike" cap="none" normalizeH="0" baseline="0" dirty="0" smtClean="0">
+              <a:rPr kumimoji="0" lang="da-DK" altLang="da-DK" sz="2400" b="0" i="0" u="none" strike="noStrike" cap="none" normalizeH="0" baseline="0" dirty="0">
                 <a:ln>
                   <a:noFill/>
                 </a:ln>
@@ -12039,7 +11740,7 @@
               <a:t> and </a:t>
             </a:r>
             <a:r>
-              <a:rPr kumimoji="0" lang="da-DK" altLang="da-DK" sz="2400" b="0" i="0" u="none" strike="noStrike" cap="none" normalizeH="0" baseline="0" dirty="0" err="1" smtClean="0">
+              <a:rPr kumimoji="0" lang="da-DK" altLang="da-DK" sz="2400" b="0" i="0" u="none" strike="noStrike" cap="none" normalizeH="0" baseline="0" dirty="0" err="1">
                 <a:ln>
                   <a:noFill/>
                 </a:ln>
@@ -12051,7 +11752,7 @@
               <a:t>taking</a:t>
             </a:r>
             <a:r>
-              <a:rPr kumimoji="0" lang="da-DK" altLang="da-DK" sz="2400" b="0" i="0" u="none" strike="noStrike" cap="none" normalizeH="0" baseline="0" dirty="0" smtClean="0">
+              <a:rPr kumimoji="0" lang="da-DK" altLang="da-DK" sz="2400" b="0" i="0" u="none" strike="noStrike" cap="none" normalizeH="0" baseline="0" dirty="0">
                 <a:ln>
                   <a:noFill/>
                 </a:ln>
@@ -12063,7 +11764,7 @@
               <a:t> of items from multiple </a:t>
             </a:r>
             <a:r>
-              <a:rPr kumimoji="0" lang="da-DK" altLang="da-DK" sz="2400" b="0" i="0" u="none" strike="noStrike" cap="none" normalizeH="0" baseline="0" dirty="0" err="1" smtClean="0">
+              <a:rPr kumimoji="0" lang="da-DK" altLang="da-DK" sz="2400" b="0" i="0" u="none" strike="noStrike" cap="none" normalizeH="0" baseline="0" dirty="0" err="1">
                 <a:ln>
                   <a:noFill/>
                 </a:ln>
@@ -12075,7 +11776,7 @@
               <a:t>threads</a:t>
             </a:r>
             <a:r>
-              <a:rPr kumimoji="0" lang="da-DK" altLang="da-DK" sz="2400" b="0" i="0" u="none" strike="noStrike" cap="none" normalizeH="0" baseline="0" dirty="0" smtClean="0">
+              <a:rPr kumimoji="0" lang="da-DK" altLang="da-DK" sz="2400" b="0" i="0" u="none" strike="noStrike" cap="none" normalizeH="0" baseline="0" dirty="0">
                 <a:ln>
                   <a:noFill/>
                 </a:ln>
@@ -12103,7 +11804,7 @@
               <a:buNone/>
               <a:tabLst/>
             </a:pPr>
-            <a:endParaRPr kumimoji="0" lang="da-DK" altLang="da-DK" sz="2400" b="0" i="0" u="none" strike="noStrike" cap="none" normalizeH="0" baseline="0" dirty="0" smtClean="0">
+            <a:endParaRPr kumimoji="0" lang="da-DK" altLang="da-DK" sz="2400" b="0" i="0" u="none" strike="noStrike" cap="none" normalizeH="0" baseline="0" dirty="0">
               <a:ln>
                 <a:noFill/>
               </a:ln>
@@ -12130,7 +11831,7 @@
               <a:tabLst/>
             </a:pPr>
             <a:r>
-              <a:rPr kumimoji="0" lang="da-DK" altLang="da-DK" sz="2400" b="0" i="0" u="none" strike="noStrike" cap="none" normalizeH="0" baseline="0" dirty="0" err="1" smtClean="0">
+              <a:rPr kumimoji="0" lang="da-DK" altLang="da-DK" sz="2400" b="0" i="0" u="none" strike="noStrike" cap="none" normalizeH="0" baseline="0" dirty="0" err="1">
                 <a:ln>
                   <a:noFill/>
                 </a:ln>
@@ -12142,7 +11843,7 @@
               <a:t>Optional</a:t>
             </a:r>
             <a:r>
-              <a:rPr kumimoji="0" lang="da-DK" altLang="da-DK" sz="2400" b="0" i="0" u="none" strike="noStrike" cap="none" normalizeH="0" baseline="0" dirty="0" smtClean="0">
+              <a:rPr kumimoji="0" lang="da-DK" altLang="da-DK" sz="2400" b="0" i="0" u="none" strike="noStrike" cap="none" normalizeH="0" baseline="0" dirty="0">
                 <a:ln>
                   <a:noFill/>
                 </a:ln>
@@ -12154,7 +11855,7 @@
               <a:t> </a:t>
             </a:r>
             <a:r>
-              <a:rPr kumimoji="0" lang="da-DK" altLang="da-DK" sz="2400" b="0" i="0" u="none" strike="noStrike" cap="none" normalizeH="0" baseline="0" dirty="0" err="1" smtClean="0">
+              <a:rPr kumimoji="0" lang="da-DK" altLang="da-DK" sz="2400" b="0" i="0" u="none" strike="noStrike" cap="none" normalizeH="0" baseline="0" dirty="0" err="1">
                 <a:ln>
                   <a:noFill/>
                 </a:ln>
@@ -12166,7 +11867,7 @@
               <a:t>maximum</a:t>
             </a:r>
             <a:r>
-              <a:rPr kumimoji="0" lang="da-DK" altLang="da-DK" sz="2400" b="0" i="0" u="none" strike="noStrike" cap="none" normalizeH="0" baseline="0" dirty="0" smtClean="0">
+              <a:rPr kumimoji="0" lang="da-DK" altLang="da-DK" sz="2400" b="0" i="0" u="none" strike="noStrike" cap="none" normalizeH="0" baseline="0" dirty="0">
                 <a:ln>
                   <a:noFill/>
                 </a:ln>
@@ -12178,7 +11879,7 @@
               <a:t> </a:t>
             </a:r>
             <a:r>
-              <a:rPr kumimoji="0" lang="da-DK" altLang="da-DK" sz="2400" b="0" i="0" u="none" strike="noStrike" cap="none" normalizeH="0" baseline="0" dirty="0" err="1" smtClean="0">
+              <a:rPr kumimoji="0" lang="da-DK" altLang="da-DK" sz="2400" b="0" i="0" u="none" strike="noStrike" cap="none" normalizeH="0" baseline="0" dirty="0" err="1">
                 <a:ln>
                   <a:noFill/>
                 </a:ln>
@@ -12190,7 +11891,7 @@
               <a:t>capacity</a:t>
             </a:r>
             <a:r>
-              <a:rPr kumimoji="0" lang="da-DK" altLang="da-DK" sz="2400" b="0" i="0" u="none" strike="noStrike" cap="none" normalizeH="0" baseline="0" dirty="0" smtClean="0">
+              <a:rPr kumimoji="0" lang="da-DK" altLang="da-DK" sz="2400" b="0" i="0" u="none" strike="noStrike" cap="none" normalizeH="0" baseline="0" dirty="0">
                 <a:ln>
                   <a:noFill/>
                 </a:ln>
@@ -12218,7 +11919,7 @@
               <a:buNone/>
               <a:tabLst/>
             </a:pPr>
-            <a:endParaRPr kumimoji="0" lang="da-DK" altLang="da-DK" sz="2400" b="0" i="0" u="none" strike="noStrike" cap="none" normalizeH="0" baseline="0" dirty="0" smtClean="0">
+            <a:endParaRPr kumimoji="0" lang="da-DK" altLang="da-DK" sz="2400" b="0" i="0" u="none" strike="noStrike" cap="none" normalizeH="0" baseline="0" dirty="0">
               <a:ln>
                 <a:noFill/>
               </a:ln>
@@ -12245,7 +11946,7 @@
               <a:tabLst/>
             </a:pPr>
             <a:r>
-              <a:rPr kumimoji="0" lang="da-DK" altLang="da-DK" sz="2400" b="0" i="0" u="none" strike="noStrike" cap="none" normalizeH="0" baseline="0" dirty="0" err="1" smtClean="0">
+              <a:rPr kumimoji="0" lang="da-DK" altLang="da-DK" sz="2400" b="0" i="0" u="none" strike="noStrike" cap="none" normalizeH="0" baseline="0" dirty="0" err="1">
                 <a:ln>
                   <a:noFill/>
                 </a:ln>
@@ -12257,7 +11958,7 @@
               <a:t>Insertion</a:t>
             </a:r>
             <a:r>
-              <a:rPr kumimoji="0" lang="da-DK" altLang="da-DK" sz="2400" b="0" i="0" u="none" strike="noStrike" cap="none" normalizeH="0" baseline="0" dirty="0" smtClean="0">
+              <a:rPr kumimoji="0" lang="da-DK" altLang="da-DK" sz="2400" b="0" i="0" u="none" strike="noStrike" cap="none" normalizeH="0" baseline="0" dirty="0">
                 <a:ln>
                   <a:noFill/>
                 </a:ln>
@@ -12269,7 +11970,7 @@
               <a:t> and removal operations </a:t>
             </a:r>
             <a:r>
-              <a:rPr kumimoji="0" lang="da-DK" altLang="da-DK" sz="2400" b="0" i="0" u="none" strike="noStrike" cap="none" normalizeH="0" baseline="0" dirty="0" err="1" smtClean="0">
+              <a:rPr kumimoji="0" lang="da-DK" altLang="da-DK" sz="2400" b="0" i="0" u="none" strike="noStrike" cap="none" normalizeH="0" baseline="0" dirty="0" err="1">
                 <a:ln>
                   <a:noFill/>
                 </a:ln>
@@ -12281,7 +11982,7 @@
               <a:t>that</a:t>
             </a:r>
             <a:r>
-              <a:rPr kumimoji="0" lang="da-DK" altLang="da-DK" sz="2400" b="0" i="0" u="none" strike="noStrike" cap="none" normalizeH="0" baseline="0" dirty="0" smtClean="0">
+              <a:rPr kumimoji="0" lang="da-DK" altLang="da-DK" sz="2400" b="0" i="0" u="none" strike="noStrike" cap="none" normalizeH="0" baseline="0" dirty="0">
                 <a:ln>
                   <a:noFill/>
                 </a:ln>
@@ -12293,7 +11994,7 @@
               <a:t> </a:t>
             </a:r>
             <a:r>
-              <a:rPr kumimoji="0" lang="da-DK" altLang="da-DK" sz="2400" b="0" i="0" u="none" strike="noStrike" cap="none" normalizeH="0" baseline="0" dirty="0" err="1" smtClean="0">
+              <a:rPr kumimoji="0" lang="da-DK" altLang="da-DK" sz="2400" b="0" i="0" u="none" strike="noStrike" cap="none" normalizeH="0" baseline="0" dirty="0" err="1">
                 <a:ln>
                   <a:noFill/>
                 </a:ln>
@@ -12305,7 +12006,7 @@
               <a:t>block</a:t>
             </a:r>
             <a:r>
-              <a:rPr kumimoji="0" lang="da-DK" altLang="da-DK" sz="2400" b="0" i="0" u="none" strike="noStrike" cap="none" normalizeH="0" baseline="0" dirty="0" smtClean="0">
+              <a:rPr kumimoji="0" lang="da-DK" altLang="da-DK" sz="2400" b="0" i="0" u="none" strike="noStrike" cap="none" normalizeH="0" baseline="0" dirty="0">
                 <a:ln>
                   <a:noFill/>
                 </a:ln>
@@ -12317,7 +12018,7 @@
               <a:t> </a:t>
             </a:r>
             <a:r>
-              <a:rPr kumimoji="0" lang="da-DK" altLang="da-DK" sz="2400" b="0" i="0" u="none" strike="noStrike" cap="none" normalizeH="0" baseline="0" dirty="0" err="1" smtClean="0">
+              <a:rPr kumimoji="0" lang="da-DK" altLang="da-DK" sz="2400" b="0" i="0" u="none" strike="noStrike" cap="none" normalizeH="0" baseline="0" dirty="0" err="1">
                 <a:ln>
                   <a:noFill/>
                 </a:ln>
@@ -12329,7 +12030,7 @@
               <a:t>when</a:t>
             </a:r>
             <a:r>
-              <a:rPr kumimoji="0" lang="da-DK" altLang="da-DK" sz="2400" b="0" i="0" u="none" strike="noStrike" cap="none" normalizeH="0" baseline="0" dirty="0" smtClean="0">
+              <a:rPr kumimoji="0" lang="da-DK" altLang="da-DK" sz="2400" b="0" i="0" u="none" strike="noStrike" cap="none" normalizeH="0" baseline="0" dirty="0">
                 <a:ln>
                   <a:noFill/>
                 </a:ln>
@@ -12341,7 +12042,7 @@
               <a:t> </a:t>
             </a:r>
             <a:r>
-              <a:rPr kumimoji="0" lang="da-DK" altLang="da-DK" sz="2400" b="0" i="0" u="none" strike="noStrike" cap="none" normalizeH="0" baseline="0" dirty="0" err="1" smtClean="0">
+              <a:rPr kumimoji="0" lang="da-DK" altLang="da-DK" sz="2400" b="0" i="0" u="none" strike="noStrike" cap="none" normalizeH="0" baseline="0" dirty="0" err="1">
                 <a:ln>
                   <a:noFill/>
                 </a:ln>
@@ -12353,7 +12054,7 @@
               <a:t>collection</a:t>
             </a:r>
             <a:r>
-              <a:rPr kumimoji="0" lang="da-DK" altLang="da-DK" sz="2400" b="0" i="0" u="none" strike="noStrike" cap="none" normalizeH="0" baseline="0" dirty="0" smtClean="0">
+              <a:rPr kumimoji="0" lang="da-DK" altLang="da-DK" sz="2400" b="0" i="0" u="none" strike="noStrike" cap="none" normalizeH="0" baseline="0" dirty="0">
                 <a:ln>
                   <a:noFill/>
                 </a:ln>
@@ -12365,7 +12066,7 @@
               <a:t> is </a:t>
             </a:r>
             <a:r>
-              <a:rPr kumimoji="0" lang="da-DK" altLang="da-DK" sz="2400" b="0" i="0" u="none" strike="noStrike" cap="none" normalizeH="0" baseline="0" dirty="0" err="1" smtClean="0">
+              <a:rPr kumimoji="0" lang="da-DK" altLang="da-DK" sz="2400" b="0" i="0" u="none" strike="noStrike" cap="none" normalizeH="0" baseline="0" dirty="0" err="1">
                 <a:ln>
                   <a:noFill/>
                 </a:ln>
@@ -12377,7 +12078,7 @@
               <a:t>empty</a:t>
             </a:r>
             <a:r>
-              <a:rPr kumimoji="0" lang="da-DK" altLang="da-DK" sz="2400" b="0" i="0" u="none" strike="noStrike" cap="none" normalizeH="0" baseline="0" dirty="0" smtClean="0">
+              <a:rPr kumimoji="0" lang="da-DK" altLang="da-DK" sz="2400" b="0" i="0" u="none" strike="noStrike" cap="none" normalizeH="0" baseline="0" dirty="0">
                 <a:ln>
                   <a:noFill/>
                 </a:ln>
@@ -12389,7 +12090,7 @@
               <a:t> or </a:t>
             </a:r>
             <a:r>
-              <a:rPr kumimoji="0" lang="da-DK" altLang="da-DK" sz="2400" b="0" i="0" u="none" strike="noStrike" cap="none" normalizeH="0" baseline="0" dirty="0" err="1" smtClean="0">
+              <a:rPr kumimoji="0" lang="da-DK" altLang="da-DK" sz="2400" b="0" i="0" u="none" strike="noStrike" cap="none" normalizeH="0" baseline="0" dirty="0" err="1">
                 <a:ln>
                   <a:noFill/>
                 </a:ln>
@@ -12401,7 +12102,7 @@
               <a:t>full</a:t>
             </a:r>
             <a:r>
-              <a:rPr kumimoji="0" lang="da-DK" altLang="da-DK" sz="2400" b="0" i="0" u="none" strike="noStrike" cap="none" normalizeH="0" baseline="0" dirty="0" smtClean="0">
+              <a:rPr kumimoji="0" lang="da-DK" altLang="da-DK" sz="2400" b="0" i="0" u="none" strike="noStrike" cap="none" normalizeH="0" baseline="0" dirty="0">
                 <a:ln>
                   <a:noFill/>
                 </a:ln>
@@ -12430,7 +12131,7 @@
               <a:tabLst/>
             </a:pPr>
             <a:r>
-              <a:rPr kumimoji="0" lang="da-DK" altLang="da-DK" sz="2400" b="0" i="0" u="none" strike="noStrike" cap="none" normalizeH="0" baseline="0" dirty="0" err="1" smtClean="0">
+              <a:rPr kumimoji="0" lang="da-DK" altLang="da-DK" sz="2400" b="0" i="0" u="none" strike="noStrike" cap="none" normalizeH="0" baseline="0" dirty="0" err="1">
                 <a:ln>
                   <a:noFill/>
                 </a:ln>
@@ -12442,7 +12143,7 @@
               <a:t>Insertion</a:t>
             </a:r>
             <a:r>
-              <a:rPr kumimoji="0" lang="da-DK" altLang="da-DK" sz="2400" b="0" i="0" u="none" strike="noStrike" cap="none" normalizeH="0" baseline="0" dirty="0" smtClean="0">
+              <a:rPr kumimoji="0" lang="da-DK" altLang="da-DK" sz="2400" b="0" i="0" u="none" strike="noStrike" cap="none" normalizeH="0" baseline="0" dirty="0">
                 <a:ln>
                   <a:noFill/>
                 </a:ln>
@@ -12454,7 +12155,7 @@
               <a:t> and removal "</a:t>
             </a:r>
             <a:r>
-              <a:rPr kumimoji="0" lang="da-DK" altLang="da-DK" sz="2400" b="0" i="0" u="none" strike="noStrike" cap="none" normalizeH="0" baseline="0" dirty="0" err="1" smtClean="0">
+              <a:rPr kumimoji="0" lang="da-DK" altLang="da-DK" sz="2400" b="0" i="0" u="none" strike="noStrike" cap="none" normalizeH="0" baseline="0" dirty="0" err="1">
                 <a:ln>
                   <a:noFill/>
                 </a:ln>
@@ -12466,7 +12167,7 @@
               <a:t>try</a:t>
             </a:r>
             <a:r>
-              <a:rPr kumimoji="0" lang="da-DK" altLang="da-DK" sz="2400" b="0" i="0" u="none" strike="noStrike" cap="none" normalizeH="0" baseline="0" dirty="0" smtClean="0">
+              <a:rPr kumimoji="0" lang="da-DK" altLang="da-DK" sz="2400" b="0" i="0" u="none" strike="noStrike" cap="none" normalizeH="0" baseline="0" dirty="0">
                 <a:ln>
                   <a:noFill/>
                 </a:ln>
@@ -12478,7 +12179,7 @@
               <a:t>" operations </a:t>
             </a:r>
             <a:r>
-              <a:rPr kumimoji="0" lang="da-DK" altLang="da-DK" sz="2400" b="0" i="0" u="none" strike="noStrike" cap="none" normalizeH="0" baseline="0" dirty="0" err="1" smtClean="0">
+              <a:rPr kumimoji="0" lang="da-DK" altLang="da-DK" sz="2400" b="0" i="0" u="none" strike="noStrike" cap="none" normalizeH="0" baseline="0" dirty="0" err="1">
                 <a:ln>
                   <a:noFill/>
                 </a:ln>
@@ -12490,7 +12191,7 @@
               <a:t>that</a:t>
             </a:r>
             <a:r>
-              <a:rPr kumimoji="0" lang="da-DK" altLang="da-DK" sz="2400" b="0" i="0" u="none" strike="noStrike" cap="none" normalizeH="0" baseline="0" dirty="0" smtClean="0">
+              <a:rPr kumimoji="0" lang="da-DK" altLang="da-DK" sz="2400" b="0" i="0" u="none" strike="noStrike" cap="none" normalizeH="0" baseline="0" dirty="0">
                 <a:ln>
                   <a:noFill/>
                 </a:ln>
@@ -12502,7 +12203,7 @@
               <a:t> do not </a:t>
             </a:r>
             <a:r>
-              <a:rPr kumimoji="0" lang="da-DK" altLang="da-DK" sz="2400" b="0" i="0" u="none" strike="noStrike" cap="none" normalizeH="0" baseline="0" dirty="0" err="1" smtClean="0">
+              <a:rPr kumimoji="0" lang="da-DK" altLang="da-DK" sz="2400" b="0" i="0" u="none" strike="noStrike" cap="none" normalizeH="0" baseline="0" dirty="0" err="1">
                 <a:ln>
                   <a:noFill/>
                 </a:ln>
@@ -12514,7 +12215,7 @@
               <a:t>block</a:t>
             </a:r>
             <a:r>
-              <a:rPr kumimoji="0" lang="da-DK" altLang="da-DK" sz="2400" b="0" i="0" u="none" strike="noStrike" cap="none" normalizeH="0" baseline="0" dirty="0" smtClean="0">
+              <a:rPr kumimoji="0" lang="da-DK" altLang="da-DK" sz="2400" b="0" i="0" u="none" strike="noStrike" cap="none" normalizeH="0" baseline="0" dirty="0">
                 <a:ln>
                   <a:noFill/>
                 </a:ln>
@@ -12526,7 +12227,7 @@
               <a:t> or </a:t>
             </a:r>
             <a:r>
-              <a:rPr kumimoji="0" lang="da-DK" altLang="da-DK" sz="2400" b="0" i="0" u="none" strike="noStrike" cap="none" normalizeH="0" baseline="0" dirty="0" err="1" smtClean="0">
+              <a:rPr kumimoji="0" lang="da-DK" altLang="da-DK" sz="2400" b="0" i="0" u="none" strike="noStrike" cap="none" normalizeH="0" baseline="0" dirty="0" err="1">
                 <a:ln>
                   <a:noFill/>
                 </a:ln>
@@ -12538,7 +12239,7 @@
               <a:t>that</a:t>
             </a:r>
             <a:r>
-              <a:rPr kumimoji="0" lang="da-DK" altLang="da-DK" sz="2400" b="0" i="0" u="none" strike="noStrike" cap="none" normalizeH="0" baseline="0" dirty="0" smtClean="0">
+              <a:rPr kumimoji="0" lang="da-DK" altLang="da-DK" sz="2400" b="0" i="0" u="none" strike="noStrike" cap="none" normalizeH="0" baseline="0" dirty="0">
                 <a:ln>
                   <a:noFill/>
                 </a:ln>
@@ -12550,7 +12251,7 @@
               <a:t> </a:t>
             </a:r>
             <a:r>
-              <a:rPr kumimoji="0" lang="da-DK" altLang="da-DK" sz="2400" b="0" i="0" u="none" strike="noStrike" cap="none" normalizeH="0" baseline="0" dirty="0" err="1" smtClean="0">
+              <a:rPr kumimoji="0" lang="da-DK" altLang="da-DK" sz="2400" b="0" i="0" u="none" strike="noStrike" cap="none" normalizeH="0" baseline="0" dirty="0" err="1">
                 <a:ln>
                   <a:noFill/>
                 </a:ln>
@@ -12562,7 +12263,7 @@
               <a:t>block</a:t>
             </a:r>
             <a:r>
-              <a:rPr kumimoji="0" lang="da-DK" altLang="da-DK" sz="2400" b="0" i="0" u="none" strike="noStrike" cap="none" normalizeH="0" baseline="0" dirty="0" smtClean="0">
+              <a:rPr kumimoji="0" lang="da-DK" altLang="da-DK" sz="2400" b="0" i="0" u="none" strike="noStrike" cap="none" normalizeH="0" baseline="0" dirty="0">
                 <a:ln>
                   <a:noFill/>
                 </a:ln>
@@ -12574,7 +12275,7 @@
               <a:t> up to a </a:t>
             </a:r>
             <a:r>
-              <a:rPr kumimoji="0" lang="da-DK" altLang="da-DK" sz="2400" b="0" i="0" u="none" strike="noStrike" cap="none" normalizeH="0" baseline="0" dirty="0" err="1" smtClean="0">
+              <a:rPr kumimoji="0" lang="da-DK" altLang="da-DK" sz="2400" b="0" i="0" u="none" strike="noStrike" cap="none" normalizeH="0" baseline="0" dirty="0" err="1">
                 <a:ln>
                   <a:noFill/>
                 </a:ln>
@@ -12586,7 +12287,7 @@
               <a:t>specified</a:t>
             </a:r>
             <a:r>
-              <a:rPr kumimoji="0" lang="da-DK" altLang="da-DK" sz="2400" b="0" i="0" u="none" strike="noStrike" cap="none" normalizeH="0" baseline="0" dirty="0" smtClean="0">
+              <a:rPr kumimoji="0" lang="da-DK" altLang="da-DK" sz="2400" b="0" i="0" u="none" strike="noStrike" cap="none" normalizeH="0" baseline="0" dirty="0">
                 <a:ln>
                   <a:noFill/>
                 </a:ln>
@@ -12598,7 +12299,7 @@
               <a:t> </a:t>
             </a:r>
             <a:r>
-              <a:rPr kumimoji="0" lang="da-DK" altLang="da-DK" sz="2400" b="0" i="0" u="none" strike="noStrike" cap="none" normalizeH="0" baseline="0" dirty="0" err="1" smtClean="0">
+              <a:rPr kumimoji="0" lang="da-DK" altLang="da-DK" sz="2400" b="0" i="0" u="none" strike="noStrike" cap="none" normalizeH="0" baseline="0" dirty="0" err="1">
                 <a:ln>
                   <a:noFill/>
                 </a:ln>
@@ -12610,7 +12311,7 @@
               <a:t>period</a:t>
             </a:r>
             <a:r>
-              <a:rPr kumimoji="0" lang="da-DK" altLang="da-DK" sz="2400" b="0" i="0" u="none" strike="noStrike" cap="none" normalizeH="0" baseline="0" dirty="0" smtClean="0">
+              <a:rPr kumimoji="0" lang="da-DK" altLang="da-DK" sz="2400" b="0" i="0" u="none" strike="noStrike" cap="none" normalizeH="0" baseline="0" dirty="0">
                 <a:ln>
                   <a:noFill/>
                 </a:ln>
@@ -12638,7 +12339,7 @@
               <a:buNone/>
               <a:tabLst/>
             </a:pPr>
-            <a:endParaRPr kumimoji="0" lang="da-DK" altLang="da-DK" sz="2400" b="0" i="0" u="none" strike="noStrike" cap="none" normalizeH="0" baseline="0" dirty="0" smtClean="0">
+            <a:endParaRPr kumimoji="0" lang="da-DK" altLang="da-DK" sz="2400" b="0" i="0" u="none" strike="noStrike" cap="none" normalizeH="0" baseline="0" dirty="0">
               <a:ln>
                 <a:noFill/>
               </a:ln>
@@ -12665,7 +12366,7 @@
               <a:tabLst/>
             </a:pPr>
             <a:r>
-              <a:rPr kumimoji="0" lang="da-DK" altLang="da-DK" sz="2400" b="0" i="0" u="none" strike="noStrike" cap="none" normalizeH="0" baseline="0" dirty="0" err="1" smtClean="0">
+              <a:rPr kumimoji="0" lang="da-DK" altLang="da-DK" sz="2400" b="0" i="0" u="none" strike="noStrike" cap="none" normalizeH="0" baseline="0" dirty="0" err="1">
                 <a:ln>
                   <a:noFill/>
                 </a:ln>
@@ -12677,7 +12378,7 @@
               <a:t>Encapsulates</a:t>
             </a:r>
             <a:r>
-              <a:rPr kumimoji="0" lang="da-DK" altLang="da-DK" sz="2400" b="0" i="0" u="none" strike="noStrike" cap="none" normalizeH="0" baseline="0" dirty="0" smtClean="0">
+              <a:rPr kumimoji="0" lang="da-DK" altLang="da-DK" sz="2400" b="0" i="0" u="none" strike="noStrike" cap="none" normalizeH="0" baseline="0" dirty="0">
                 <a:ln>
                   <a:noFill/>
                 </a:ln>
@@ -12689,7 +12390,7 @@
               <a:t> </a:t>
             </a:r>
             <a:r>
-              <a:rPr kumimoji="0" lang="da-DK" altLang="da-DK" sz="2400" b="0" i="0" u="none" strike="noStrike" cap="none" normalizeH="0" baseline="0" dirty="0" err="1" smtClean="0">
+              <a:rPr kumimoji="0" lang="da-DK" altLang="da-DK" sz="2400" b="0" i="0" u="none" strike="noStrike" cap="none" normalizeH="0" baseline="0" dirty="0" err="1">
                 <a:ln>
                   <a:noFill/>
                 </a:ln>
@@ -12701,7 +12402,7 @@
               <a:t>any</a:t>
             </a:r>
             <a:r>
-              <a:rPr kumimoji="0" lang="da-DK" altLang="da-DK" sz="2400" b="0" i="0" u="none" strike="noStrike" cap="none" normalizeH="0" baseline="0" dirty="0" smtClean="0">
+              <a:rPr kumimoji="0" lang="da-DK" altLang="da-DK" sz="2400" b="0" i="0" u="none" strike="noStrike" cap="none" normalizeH="0" baseline="0" dirty="0">
                 <a:ln>
                   <a:noFill/>
                 </a:ln>
@@ -12713,7 +12414,7 @@
               <a:t> </a:t>
             </a:r>
             <a:r>
-              <a:rPr kumimoji="0" lang="da-DK" altLang="da-DK" sz="2400" b="0" i="0" u="none" strike="noStrike" cap="none" normalizeH="0" baseline="0" dirty="0" err="1" smtClean="0">
+              <a:rPr kumimoji="0" lang="da-DK" altLang="da-DK" sz="2400" b="0" i="0" u="none" strike="noStrike" cap="none" normalizeH="0" baseline="0" dirty="0" err="1">
                 <a:ln>
                   <a:noFill/>
                 </a:ln>
@@ -12725,7 +12426,7 @@
               <a:t>collection</a:t>
             </a:r>
             <a:r>
-              <a:rPr kumimoji="0" lang="da-DK" altLang="da-DK" sz="2400" b="0" i="0" u="none" strike="noStrike" cap="none" normalizeH="0" baseline="0" dirty="0" smtClean="0">
+              <a:rPr kumimoji="0" lang="da-DK" altLang="da-DK" sz="2400" b="0" i="0" u="none" strike="noStrike" cap="none" normalizeH="0" baseline="0" dirty="0">
                 <a:ln>
                   <a:noFill/>
                 </a:ln>
@@ -12737,7 +12438,7 @@
               <a:t> type </a:t>
             </a:r>
             <a:r>
-              <a:rPr kumimoji="0" lang="da-DK" altLang="da-DK" sz="2400" b="0" i="0" u="none" strike="noStrike" cap="none" normalizeH="0" baseline="0" dirty="0" err="1" smtClean="0">
+              <a:rPr kumimoji="0" lang="da-DK" altLang="da-DK" sz="2400" b="0" i="0" u="none" strike="noStrike" cap="none" normalizeH="0" baseline="0" dirty="0" err="1">
                 <a:ln>
                   <a:noFill/>
                 </a:ln>
@@ -12749,7 +12450,7 @@
               <a:t>that</a:t>
             </a:r>
             <a:r>
-              <a:rPr kumimoji="0" lang="da-DK" altLang="da-DK" sz="2400" b="0" i="0" u="none" strike="noStrike" cap="none" normalizeH="0" baseline="0" dirty="0" smtClean="0">
+              <a:rPr kumimoji="0" lang="da-DK" altLang="da-DK" sz="2400" b="0" i="0" u="none" strike="noStrike" cap="none" normalizeH="0" baseline="0" dirty="0">
                 <a:ln>
                   <a:noFill/>
                 </a:ln>
@@ -12761,7 +12462,7 @@
               <a:t> </a:t>
             </a:r>
             <a:r>
-              <a:rPr kumimoji="0" lang="da-DK" altLang="da-DK" sz="2400" b="0" i="0" u="none" strike="noStrike" cap="none" normalizeH="0" baseline="0" dirty="0" err="1" smtClean="0">
+              <a:rPr kumimoji="0" lang="da-DK" altLang="da-DK" sz="2400" b="0" i="0" u="none" strike="noStrike" cap="none" normalizeH="0" baseline="0" dirty="0" err="1">
                 <a:ln>
                   <a:noFill/>
                 </a:ln>
@@ -12773,7 +12474,7 @@
               <a:t>implements</a:t>
             </a:r>
             <a:r>
-              <a:rPr kumimoji="0" lang="da-DK" altLang="da-DK" sz="2400" b="0" i="0" u="none" strike="noStrike" cap="none" normalizeH="0" baseline="0" dirty="0" smtClean="0">
+              <a:rPr kumimoji="0" lang="da-DK" altLang="da-DK" sz="2400" b="0" i="0" u="none" strike="noStrike" cap="none" normalizeH="0" baseline="0" dirty="0">
                 <a:ln>
                   <a:noFill/>
                 </a:ln>
@@ -12785,7 +12486,7 @@
               <a:t> </a:t>
             </a:r>
             <a:r>
-              <a:rPr kumimoji="0" lang="da-DK" altLang="da-DK" sz="2400" b="0" i="0" u="none" strike="noStrike" cap="none" normalizeH="0" baseline="0" dirty="0" err="1" smtClean="0">
+              <a:rPr kumimoji="0" lang="da-DK" altLang="da-DK" sz="2400" b="0" i="0" u="none" strike="noStrike" cap="none" normalizeH="0" baseline="0" dirty="0" err="1">
                 <a:ln>
                   <a:noFill/>
                 </a:ln>
@@ -12798,7 +12499,7 @@
               <a:t>IProducerConsumerCollection</a:t>
             </a:r>
             <a:r>
-              <a:rPr kumimoji="0" lang="da-DK" altLang="da-DK" sz="2400" b="0" i="0" u="none" strike="noStrike" cap="none" normalizeH="0" baseline="0" dirty="0" smtClean="0">
+              <a:rPr kumimoji="0" lang="da-DK" altLang="da-DK" sz="2400" b="0" i="0" u="none" strike="noStrike" cap="none" normalizeH="0" baseline="0" dirty="0">
                 <a:ln>
                   <a:noFill/>
                 </a:ln>
@@ -12811,7 +12512,7 @@
               <a:t>&lt;T&gt;</a:t>
             </a:r>
             <a:r>
-              <a:rPr kumimoji="0" lang="da-DK" altLang="da-DK" sz="2400" b="0" i="0" u="none" strike="noStrike" cap="none" normalizeH="0" baseline="0" dirty="0" smtClean="0">
+              <a:rPr kumimoji="0" lang="da-DK" altLang="da-DK" sz="2400" b="0" i="0" u="none" strike="noStrike" cap="none" normalizeH="0" baseline="0" dirty="0">
                 <a:ln>
                   <a:noFill/>
                 </a:ln>
@@ -12835,17 +12536,10 @@
   <p:clrMapOvr>
     <a:masterClrMapping/>
   </p:clrMapOvr>
-  <p:timing>
-    <p:tnLst>
-      <p:par>
-        <p:cTn id="1" dur="indefinite" restart="never" nodeType="tmRoot"/>
-      </p:par>
-    </p:tnLst>
-  </p:timing>
 </p:sld>
 </file>
 
-<file path=ppt/slides/slide26.xml><?xml version="1.0" encoding="utf-8"?>
+<file path=ppt/slides/slide25.xml><?xml version="1.0" encoding="utf-8"?>
 <p:sld xmlns:a="http://schemas.openxmlformats.org/drawingml/2006/main" xmlns:r="http://schemas.openxmlformats.org/officeDocument/2006/relationships" xmlns:p="http://schemas.openxmlformats.org/presentationml/2006/main">
   <p:cSld>
     <p:spTree>
@@ -12878,14 +12572,13 @@
           <a:lstStyle/>
           <a:p>
             <a:r>
-              <a:rPr lang="da-DK" dirty="0" err="1" smtClean="0"/>
+              <a:rPr lang="da-DK" dirty="0" err="1"/>
               <a:t>BlockingCollection</a:t>
             </a:r>
             <a:r>
-              <a:rPr lang="da-DK" dirty="0" smtClean="0"/>
+              <a:rPr lang="da-DK" dirty="0"/>
               <a:t>&lt;T&gt; - Producer</a:t>
             </a:r>
-            <a:endParaRPr lang="da-DK" dirty="0"/>
           </a:p>
         </p:txBody>
       </p:sp>
@@ -12915,35 +12608,35 @@
               <a:buNone/>
             </a:pPr>
             <a:r>
-              <a:rPr lang="da-DK" dirty="0" err="1" smtClean="0"/>
+              <a:rPr lang="da-DK" dirty="0" err="1"/>
               <a:t>We’ll</a:t>
             </a:r>
             <a:r>
-              <a:rPr lang="da-DK" dirty="0" smtClean="0"/>
+              <a:rPr lang="da-DK" dirty="0"/>
               <a:t> </a:t>
             </a:r>
             <a:r>
-              <a:rPr lang="da-DK" dirty="0" err="1" smtClean="0"/>
+              <a:rPr lang="da-DK" dirty="0" err="1"/>
               <a:t>use</a:t>
             </a:r>
             <a:r>
-              <a:rPr lang="da-DK" dirty="0" smtClean="0"/>
+              <a:rPr lang="da-DK" dirty="0"/>
               <a:t> a </a:t>
             </a:r>
             <a:r>
-              <a:rPr lang="da-DK" dirty="0" err="1" smtClean="0"/>
+              <a:rPr lang="da-DK" dirty="0" err="1"/>
               <a:t>BlockingCollection</a:t>
             </a:r>
             <a:r>
-              <a:rPr lang="da-DK" dirty="0" smtClean="0"/>
+              <a:rPr lang="da-DK" dirty="0"/>
               <a:t> as the </a:t>
             </a:r>
             <a:r>
-              <a:rPr lang="da-DK" dirty="0" err="1" smtClean="0"/>
+              <a:rPr lang="da-DK" dirty="0" err="1"/>
               <a:t>queue</a:t>
             </a:r>
             <a:r>
-              <a:rPr lang="da-DK" dirty="0" smtClean="0"/>
+              <a:rPr lang="da-DK" dirty="0"/>
               <a:t>.</a:t>
             </a:r>
           </a:p>
@@ -12958,23 +12651,23 @@
               <a:buNone/>
             </a:pPr>
             <a:r>
-              <a:rPr lang="da-DK" dirty="0" smtClean="0"/>
+              <a:rPr lang="da-DK" dirty="0"/>
               <a:t>The </a:t>
             </a:r>
             <a:r>
-              <a:rPr lang="da-DK" dirty="0" err="1" smtClean="0"/>
+              <a:rPr lang="da-DK" dirty="0" err="1"/>
               <a:t>BlockingCollection</a:t>
             </a:r>
             <a:r>
-              <a:rPr lang="da-DK" dirty="0" smtClean="0"/>
+              <a:rPr lang="da-DK" dirty="0"/>
               <a:t> handles all </a:t>
             </a:r>
             <a:r>
-              <a:rPr lang="da-DK" dirty="0" err="1" smtClean="0"/>
+              <a:rPr lang="da-DK" dirty="0" err="1"/>
               <a:t>synchronization</a:t>
             </a:r>
             <a:r>
-              <a:rPr lang="da-DK" dirty="0" smtClean="0"/>
+              <a:rPr lang="da-DK" dirty="0"/>
               <a:t>.</a:t>
             </a:r>
           </a:p>
@@ -12989,50 +12682,45 @@
               <a:buNone/>
             </a:pPr>
             <a:r>
-              <a:rPr lang="da-DK" dirty="0" err="1" smtClean="0"/>
+              <a:rPr lang="da-DK" dirty="0" err="1"/>
               <a:t>Calling</a:t>
             </a:r>
             <a:r>
-              <a:rPr lang="da-DK" dirty="0" smtClean="0"/>
+              <a:rPr lang="da-DK" dirty="0"/>
               <a:t> </a:t>
             </a:r>
             <a:r>
-              <a:rPr lang="da-DK" dirty="0" err="1" smtClean="0"/>
+              <a:rPr lang="da-DK" dirty="0" err="1"/>
               <a:t>CompleteAdding</a:t>
             </a:r>
             <a:r>
-              <a:rPr lang="da-DK" dirty="0" smtClean="0"/>
+              <a:rPr lang="da-DK" dirty="0"/>
               <a:t>() signals to the receiver, </a:t>
             </a:r>
             <a:r>
-              <a:rPr lang="da-DK" dirty="0" err="1" smtClean="0"/>
+              <a:rPr lang="da-DK" dirty="0" err="1"/>
               <a:t>that</a:t>
             </a:r>
             <a:r>
               <a:rPr lang="da-DK" dirty="0"/>
+              <a:t> it </a:t>
+            </a:r>
+            <a:r>
+              <a:rPr lang="da-DK" dirty="0" err="1"/>
+              <a:t>shall</a:t>
+            </a:r>
+            <a:r>
+              <a:rPr lang="da-DK" dirty="0"/>
               <a:t> </a:t>
             </a:r>
             <a:r>
-              <a:rPr lang="da-DK" dirty="0" smtClean="0"/>
-              <a:t>it </a:t>
-            </a:r>
-            <a:r>
-              <a:rPr lang="da-DK" dirty="0" err="1" smtClean="0"/>
-              <a:t>shall</a:t>
-            </a:r>
-            <a:r>
-              <a:rPr lang="da-DK" dirty="0" smtClean="0"/>
-              <a:t> </a:t>
-            </a:r>
-            <a:r>
-              <a:rPr lang="da-DK" dirty="0" err="1" smtClean="0"/>
+              <a:rPr lang="da-DK" dirty="0" err="1"/>
               <a:t>expect</a:t>
             </a:r>
             <a:r>
-              <a:rPr lang="da-DK" dirty="0" smtClean="0"/>
+              <a:rPr lang="da-DK" dirty="0"/>
               <a:t> no more data.</a:t>
             </a:r>
-            <a:endParaRPr lang="da-DK" dirty="0"/>
           </a:p>
         </p:txBody>
       </p:sp>
@@ -13750,17 +13438,10 @@
   <p:clrMapOvr>
     <a:masterClrMapping/>
   </p:clrMapOvr>
-  <p:timing>
-    <p:tnLst>
-      <p:par>
-        <p:cTn id="1" dur="indefinite" restart="never" nodeType="tmRoot"/>
-      </p:par>
-    </p:tnLst>
-  </p:timing>
 </p:sld>
 </file>
 
-<file path=ppt/slides/slide27.xml><?xml version="1.0" encoding="utf-8"?>
+<file path=ppt/slides/slide26.xml><?xml version="1.0" encoding="utf-8"?>
 <p:sld xmlns:a="http://schemas.openxmlformats.org/drawingml/2006/main" xmlns:r="http://schemas.openxmlformats.org/officeDocument/2006/relationships" xmlns:p="http://schemas.openxmlformats.org/presentationml/2006/main">
   <p:cSld>
     <p:spTree>
@@ -13793,14 +13474,13 @@
           <a:lstStyle/>
           <a:p>
             <a:r>
-              <a:rPr lang="da-DK" dirty="0" err="1" smtClean="0"/>
+              <a:rPr lang="da-DK" dirty="0" err="1"/>
               <a:t>BlockingCollection</a:t>
             </a:r>
             <a:r>
-              <a:rPr lang="da-DK" dirty="0" smtClean="0"/>
+              <a:rPr lang="da-DK" dirty="0"/>
               <a:t>&lt;T&gt; - Consumer</a:t>
             </a:r>
-            <a:endParaRPr lang="da-DK" dirty="0"/>
           </a:p>
         </p:txBody>
       </p:sp>
@@ -13830,55 +13510,55 @@
               <a:buNone/>
             </a:pPr>
             <a:r>
-              <a:rPr lang="da-DK" dirty="0" smtClean="0"/>
+              <a:rPr lang="da-DK" dirty="0"/>
               <a:t>The </a:t>
             </a:r>
             <a:r>
-              <a:rPr lang="da-DK" dirty="0" err="1" smtClean="0"/>
+              <a:rPr lang="da-DK" dirty="0" err="1"/>
               <a:t>consumer</a:t>
             </a:r>
             <a:r>
-              <a:rPr lang="da-DK" dirty="0" smtClean="0"/>
+              <a:rPr lang="da-DK" dirty="0"/>
               <a:t> </a:t>
             </a:r>
             <a:r>
-              <a:rPr lang="da-DK" dirty="0" err="1" smtClean="0"/>
+              <a:rPr lang="da-DK" dirty="0" err="1"/>
               <a:t>takes</a:t>
             </a:r>
             <a:r>
-              <a:rPr lang="da-DK" dirty="0" smtClean="0"/>
+              <a:rPr lang="da-DK" dirty="0"/>
               <a:t> data from the </a:t>
             </a:r>
             <a:r>
-              <a:rPr lang="da-DK" dirty="0" err="1" smtClean="0"/>
+              <a:rPr lang="da-DK" dirty="0" err="1"/>
               <a:t>queue</a:t>
             </a:r>
             <a:r>
-              <a:rPr lang="da-DK" dirty="0" smtClean="0"/>
+              <a:rPr lang="da-DK" dirty="0"/>
               <a:t>, </a:t>
             </a:r>
             <a:r>
-              <a:rPr lang="da-DK" dirty="0" err="1" smtClean="0"/>
+              <a:rPr lang="da-DK" dirty="0" err="1"/>
               <a:t>until</a:t>
             </a:r>
             <a:r>
-              <a:rPr lang="da-DK" dirty="0" smtClean="0"/>
+              <a:rPr lang="da-DK" dirty="0"/>
               <a:t> </a:t>
             </a:r>
             <a:r>
-              <a:rPr lang="da-DK" dirty="0" err="1" smtClean="0"/>
+              <a:rPr lang="da-DK" dirty="0" err="1"/>
               <a:t>IsCompleted</a:t>
             </a:r>
             <a:r>
-              <a:rPr lang="da-DK" dirty="0" smtClean="0"/>
+              <a:rPr lang="da-DK" dirty="0"/>
               <a:t> is set to true (by </a:t>
             </a:r>
             <a:r>
-              <a:rPr lang="da-DK" dirty="0" err="1" smtClean="0"/>
+              <a:rPr lang="da-DK" dirty="0" err="1"/>
               <a:t>CompleteAdding</a:t>
             </a:r>
             <a:r>
-              <a:rPr lang="da-DK" dirty="0" smtClean="0"/>
+              <a:rPr lang="da-DK" dirty="0"/>
               <a:t>() by the producer).</a:t>
             </a:r>
           </a:p>
@@ -13893,70 +13573,69 @@
               <a:buNone/>
             </a:pPr>
             <a:r>
-              <a:rPr lang="da-DK" dirty="0" err="1" smtClean="0"/>
+              <a:rPr lang="da-DK" dirty="0" err="1"/>
               <a:t>Remember</a:t>
             </a:r>
             <a:r>
-              <a:rPr lang="da-DK" dirty="0" smtClean="0"/>
+              <a:rPr lang="da-DK" dirty="0"/>
               <a:t> </a:t>
             </a:r>
             <a:r>
-              <a:rPr lang="da-DK" dirty="0" err="1" smtClean="0"/>
+              <a:rPr lang="da-DK" dirty="0" err="1"/>
               <a:t>try-catch</a:t>
             </a:r>
             <a:r>
-              <a:rPr lang="da-DK" dirty="0" smtClean="0"/>
+              <a:rPr lang="da-DK" dirty="0"/>
               <a:t> </a:t>
             </a:r>
             <a:r>
-              <a:rPr lang="da-DK" dirty="0" err="1" smtClean="0"/>
+              <a:rPr lang="da-DK" dirty="0" err="1"/>
               <a:t>around</a:t>
             </a:r>
             <a:r>
-              <a:rPr lang="da-DK" dirty="0" smtClean="0"/>
+              <a:rPr lang="da-DK" dirty="0"/>
               <a:t> the Take() </a:t>
             </a:r>
             <a:r>
-              <a:rPr lang="da-DK" dirty="0" err="1" smtClean="0"/>
+              <a:rPr lang="da-DK" dirty="0" err="1"/>
               <a:t>invocation</a:t>
             </a:r>
             <a:r>
-              <a:rPr lang="da-DK" dirty="0" smtClean="0"/>
+              <a:rPr lang="da-DK" dirty="0"/>
               <a:t>. The </a:t>
             </a:r>
             <a:r>
-              <a:rPr lang="da-DK" dirty="0" err="1" smtClean="0"/>
+              <a:rPr lang="da-DK" dirty="0" err="1"/>
               <a:t>queue</a:t>
             </a:r>
             <a:r>
-              <a:rPr lang="da-DK" dirty="0" smtClean="0"/>
+              <a:rPr lang="da-DK" dirty="0"/>
               <a:t> </a:t>
             </a:r>
             <a:r>
-              <a:rPr lang="da-DK" dirty="0" err="1" smtClean="0"/>
+              <a:rPr lang="da-DK" dirty="0" err="1"/>
               <a:t>might</a:t>
             </a:r>
             <a:r>
-              <a:rPr lang="da-DK" dirty="0" smtClean="0"/>
+              <a:rPr lang="da-DK" dirty="0"/>
               <a:t> </a:t>
             </a:r>
             <a:r>
-              <a:rPr lang="da-DK" dirty="0" err="1" smtClean="0"/>
+              <a:rPr lang="da-DK" dirty="0" err="1"/>
               <a:t>be</a:t>
             </a:r>
             <a:r>
-              <a:rPr lang="da-DK" dirty="0" smtClean="0"/>
+              <a:rPr lang="da-DK" dirty="0"/>
               <a:t> marked as </a:t>
             </a:r>
             <a:r>
-              <a:rPr lang="da-DK" dirty="0" err="1" smtClean="0"/>
+              <a:rPr lang="da-DK" dirty="0" err="1"/>
               <a:t>completed</a:t>
             </a:r>
             <a:r>
-              <a:rPr lang="da-DK" dirty="0" smtClean="0"/>
+              <a:rPr lang="da-DK" dirty="0"/>
               <a:t>.</a:t>
             </a:r>
-            <a:endParaRPr lang="da-DK" dirty="0"/>
           </a:p>
         </p:txBody>
       </p:sp>
@@ -14653,17 +14332,10 @@
   <p:clrMapOvr>
     <a:masterClrMapping/>
   </p:clrMapOvr>
-  <p:timing>
-    <p:tnLst>
-      <p:par>
-        <p:cTn id="1" dur="indefinite" restart="never" nodeType="tmRoot"/>
-      </p:par>
-    </p:tnLst>
-  </p:timing>
 </p:sld>
 </file>
 
-<file path=ppt/slides/slide28.xml><?xml version="1.0" encoding="utf-8"?>
+<file path=ppt/slides/slide27.xml><?xml version="1.0" encoding="utf-8"?>
 <p:sld xmlns:a="http://schemas.openxmlformats.org/drawingml/2006/main" xmlns:r="http://schemas.openxmlformats.org/officeDocument/2006/relationships" xmlns:p="http://schemas.openxmlformats.org/presentationml/2006/main">
   <p:cSld>
     <p:spTree>
@@ -14696,14 +14368,13 @@
           <a:lstStyle/>
           <a:p>
             <a:r>
-              <a:rPr lang="da-DK" dirty="0" err="1" smtClean="0"/>
+              <a:rPr lang="da-DK" dirty="0" err="1"/>
               <a:t>BlockingCollection</a:t>
             </a:r>
             <a:r>
-              <a:rPr lang="da-DK" dirty="0" smtClean="0"/>
+              <a:rPr lang="da-DK" dirty="0"/>
               <a:t>&lt;T&gt; - Creation</a:t>
             </a:r>
-            <a:endParaRPr lang="da-DK" dirty="0"/>
           </a:p>
         </p:txBody>
       </p:sp>
@@ -14875,21 +14546,12 @@
                 </a:solidFill>
                 <a:latin typeface="Consolas" panose="020B0609020204030204" pitchFamily="49" charset="0"/>
               </a:rPr>
-              <a:t> = </a:t>
-            </a:r>
-            <a:r>
-              <a:rPr lang="en-US" sz="1400" dirty="0" smtClean="0">
-                <a:solidFill>
-                  <a:schemeClr val="tx1"/>
-                </a:solidFill>
-                <a:latin typeface="Consolas" panose="020B0609020204030204" pitchFamily="49" charset="0"/>
-              </a:rPr>
-              <a:t>new</a:t>
-            </a:r>
-          </a:p>
-          <a:p>
-            <a:r>
-              <a:rPr lang="en-US" sz="1400" dirty="0" smtClean="0">
+              <a:t> = new</a:t>
+            </a:r>
+          </a:p>
+          <a:p>
+            <a:r>
+              <a:rPr lang="en-US" sz="1400" dirty="0">
                 <a:solidFill>
                   <a:schemeClr val="tx1"/>
                 </a:solidFill>
@@ -14898,7 +14560,7 @@
               <a:t>                         </a:t>
             </a:r>
             <a:r>
-              <a:rPr lang="en-US" sz="1400" dirty="0" err="1" smtClean="0">
+              <a:rPr lang="en-US" sz="1400" dirty="0" err="1">
                 <a:solidFill>
                   <a:schemeClr val="tx1"/>
                 </a:solidFill>
@@ -14907,7 +14569,7 @@
               <a:t>BlockingCollection</a:t>
             </a:r>
             <a:r>
-              <a:rPr lang="en-US" sz="1400" dirty="0" smtClean="0">
+              <a:rPr lang="en-US" sz="1400" dirty="0">
                 <a:solidFill>
                   <a:schemeClr val="tx1"/>
                 </a:solidFill>
@@ -14916,7 +14578,7 @@
               <a:t>&lt;</a:t>
             </a:r>
             <a:r>
-              <a:rPr lang="en-US" sz="1400" dirty="0" err="1" smtClean="0">
+              <a:rPr lang="en-US" sz="1400" dirty="0" err="1">
                 <a:solidFill>
                   <a:schemeClr val="tx1"/>
                 </a:solidFill>
@@ -15264,17 +14926,10 @@
   <p:clrMapOvr>
     <a:masterClrMapping/>
   </p:clrMapOvr>
-  <p:timing>
-    <p:tnLst>
-      <p:par>
-        <p:cTn id="1" dur="indefinite" restart="never" nodeType="tmRoot"/>
-      </p:par>
-    </p:tnLst>
-  </p:timing>
 </p:sld>
 </file>
 
-<file path=ppt/slides/slide29.xml><?xml version="1.0" encoding="utf-8"?>
+<file path=ppt/slides/slide28.xml><?xml version="1.0" encoding="utf-8"?>
 <p:sld xmlns:a="http://schemas.openxmlformats.org/drawingml/2006/main" xmlns:r="http://schemas.openxmlformats.org/officeDocument/2006/relationships" xmlns:p="http://schemas.openxmlformats.org/presentationml/2006/main">
   <p:cSld>
     <p:spTree>
@@ -15307,22 +14962,21 @@
           <a:lstStyle/>
           <a:p>
             <a:r>
-              <a:rPr lang="da-DK" dirty="0" err="1" smtClean="0"/>
+              <a:rPr lang="da-DK" dirty="0" err="1"/>
               <a:t>BlockingCollection</a:t>
             </a:r>
             <a:r>
-              <a:rPr lang="da-DK" dirty="0" smtClean="0"/>
+              <a:rPr lang="da-DK" dirty="0"/>
               <a:t> – </a:t>
             </a:r>
             <a:r>
-              <a:rPr lang="da-DK" dirty="0" err="1" smtClean="0"/>
+              <a:rPr lang="da-DK" dirty="0" err="1"/>
               <a:t>Add</a:t>
             </a:r>
             <a:r>
-              <a:rPr lang="da-DK" dirty="0" smtClean="0"/>
+              <a:rPr lang="da-DK" dirty="0"/>
               <a:t>/Take with timeouts</a:t>
             </a:r>
-            <a:endParaRPr lang="da-DK" dirty="0"/>
           </a:p>
         </p:txBody>
       </p:sp>
@@ -15350,82 +15004,81 @@
               <a:buNone/>
             </a:pPr>
             <a:r>
-              <a:rPr lang="da-DK" dirty="0" smtClean="0"/>
+              <a:rPr lang="da-DK" dirty="0"/>
               <a:t>If </a:t>
             </a:r>
             <a:r>
-              <a:rPr lang="da-DK" dirty="0" err="1" smtClean="0"/>
+              <a:rPr lang="da-DK" dirty="0" err="1"/>
               <a:t>you</a:t>
             </a:r>
             <a:r>
-              <a:rPr lang="da-DK" dirty="0" smtClean="0"/>
+              <a:rPr lang="da-DK" dirty="0"/>
               <a:t> have </a:t>
             </a:r>
             <a:r>
-              <a:rPr lang="da-DK" dirty="0" err="1" smtClean="0"/>
+              <a:rPr lang="da-DK" dirty="0" err="1"/>
               <a:t>something</a:t>
             </a:r>
             <a:r>
-              <a:rPr lang="da-DK" dirty="0" smtClean="0"/>
+              <a:rPr lang="da-DK" dirty="0"/>
               <a:t> </a:t>
             </a:r>
             <a:r>
-              <a:rPr lang="da-DK" dirty="0" err="1" smtClean="0"/>
+              <a:rPr lang="da-DK" dirty="0" err="1"/>
               <a:t>else</a:t>
             </a:r>
             <a:r>
-              <a:rPr lang="da-DK" dirty="0" smtClean="0"/>
+              <a:rPr lang="da-DK" dirty="0"/>
               <a:t> for the </a:t>
             </a:r>
             <a:r>
-              <a:rPr lang="da-DK" dirty="0" err="1" smtClean="0"/>
+              <a:rPr lang="da-DK" dirty="0" err="1"/>
               <a:t>thread</a:t>
             </a:r>
             <a:r>
-              <a:rPr lang="da-DK" dirty="0" smtClean="0"/>
+              <a:rPr lang="da-DK" dirty="0"/>
               <a:t> to do, </a:t>
             </a:r>
             <a:r>
-              <a:rPr lang="da-DK" dirty="0" err="1" smtClean="0"/>
+              <a:rPr lang="da-DK" dirty="0" err="1"/>
               <a:t>you</a:t>
             </a:r>
             <a:r>
-              <a:rPr lang="da-DK" dirty="0" smtClean="0"/>
+              <a:rPr lang="da-DK" dirty="0"/>
               <a:t> </a:t>
             </a:r>
             <a:r>
-              <a:rPr lang="da-DK" dirty="0" err="1" smtClean="0"/>
+              <a:rPr lang="da-DK" dirty="0" err="1"/>
               <a:t>can</a:t>
             </a:r>
             <a:r>
-              <a:rPr lang="da-DK" dirty="0" smtClean="0"/>
+              <a:rPr lang="da-DK" dirty="0"/>
               <a:t> </a:t>
             </a:r>
             <a:r>
-              <a:rPr lang="da-DK" dirty="0" err="1" smtClean="0"/>
+              <a:rPr lang="da-DK" dirty="0" err="1"/>
               <a:t>use</a:t>
             </a:r>
             <a:r>
-              <a:rPr lang="da-DK" dirty="0" smtClean="0"/>
+              <a:rPr lang="da-DK" dirty="0"/>
               <a:t> timeouts on the </a:t>
             </a:r>
             <a:r>
-              <a:rPr lang="da-DK" dirty="0" err="1" smtClean="0"/>
+              <a:rPr lang="da-DK" dirty="0" err="1"/>
               <a:t>Add</a:t>
             </a:r>
             <a:r>
-              <a:rPr lang="da-DK" dirty="0" smtClean="0"/>
+              <a:rPr lang="da-DK" dirty="0"/>
               <a:t> and Take </a:t>
             </a:r>
             <a:r>
-              <a:rPr lang="da-DK" dirty="0" err="1" smtClean="0"/>
+              <a:rPr lang="da-DK" dirty="0" err="1"/>
               <a:t>method</a:t>
             </a:r>
             <a:r>
-              <a:rPr lang="da-DK" dirty="0" smtClean="0"/>
+              <a:rPr lang="da-DK" dirty="0"/>
               <a:t>.</a:t>
             </a:r>
-            <a:endParaRPr lang="da-DK" dirty="0"/>
           </a:p>
         </p:txBody>
       </p:sp>
@@ -15610,7 +15263,7 @@
           </a:bodyPr>
           <a:lstStyle/>
           <a:p>
-            <a:endParaRPr lang="da-DK" dirty="0" smtClean="0">
+            <a:endParaRPr lang="da-DK" dirty="0">
               <a:latin typeface="Gill Sans MT" panose="020B0502020104020203" pitchFamily="34" charset="0"/>
             </a:endParaRPr>
           </a:p>
@@ -15638,47 +15291,35 @@
           <a:lstStyle/>
           <a:p>
             <a:r>
-              <a:rPr lang="da-DK" dirty="0" smtClean="0"/>
+              <a:rPr lang="da-DK" dirty="0"/>
               <a:t>See </a:t>
             </a:r>
             <a:r>
-              <a:rPr lang="da-DK" dirty="0" err="1" smtClean="0"/>
+              <a:rPr lang="da-DK" dirty="0" err="1"/>
               <a:t>code</a:t>
             </a:r>
             <a:r>
-              <a:rPr lang="da-DK" dirty="0" smtClean="0"/>
+              <a:rPr lang="da-DK" dirty="0"/>
               <a:t> </a:t>
             </a:r>
             <a:r>
-              <a:rPr lang="da-DK" dirty="0" err="1" smtClean="0"/>
+              <a:rPr lang="da-DK" dirty="0" err="1"/>
               <a:t>examples</a:t>
             </a:r>
             <a:r>
-              <a:rPr lang="da-DK" dirty="0" smtClean="0"/>
+              <a:rPr lang="da-DK" dirty="0"/>
               <a:t> on:</a:t>
             </a:r>
-            <a:endParaRPr lang="da-DK" dirty="0" smtClean="0">
+            <a:endParaRPr lang="da-DK" dirty="0">
               <a:hlinkClick r:id="rId3"/>
             </a:endParaRPr>
           </a:p>
           <a:p>
             <a:r>
-              <a:rPr lang="da-DK" dirty="0" smtClean="0">
-                <a:hlinkClick r:id="rId3"/>
-              </a:rPr>
-              <a:t>https</a:t>
-            </a:r>
-            <a:r>
               <a:rPr lang="da-DK" dirty="0">
                 <a:hlinkClick r:id="rId3"/>
               </a:rPr>
-              <a:t>://</a:t>
-            </a:r>
-            <a:r>
-              <a:rPr lang="da-DK" dirty="0" smtClean="0">
-                <a:hlinkClick r:id="rId3"/>
-              </a:rPr>
-              <a:t>docs.microsoft.com/en-us/dotnet/standard/collections/thread-safe/how-to-add-and-take-items</a:t>
+              <a:t>https://docs.microsoft.com/en-us/dotnet/standard/collections/thread-safe/how-to-add-and-take-items</a:t>
             </a:r>
             <a:endParaRPr lang="da-DK" dirty="0"/>
           </a:p>
@@ -15694,114 +15335,10 @@
   <p:clrMapOvr>
     <a:masterClrMapping/>
   </p:clrMapOvr>
-  <p:timing>
-    <p:tnLst>
-      <p:par>
-        <p:cTn id="1" dur="indefinite" restart="never" nodeType="tmRoot"/>
-      </p:par>
-    </p:tnLst>
-  </p:timing>
 </p:sld>
 </file>
 
-<file path=ppt/slides/slide3.xml><?xml version="1.0" encoding="utf-8"?>
-<p:sld xmlns:a="http://schemas.openxmlformats.org/drawingml/2006/main" xmlns:r="http://schemas.openxmlformats.org/officeDocument/2006/relationships" xmlns:p="http://schemas.openxmlformats.org/presentationml/2006/main">
-  <p:cSld>
-    <p:spTree>
-      <p:nvGrpSpPr>
-        <p:cNvPr id="1" name=""/>
-        <p:cNvGrpSpPr/>
-        <p:nvPr/>
-      </p:nvGrpSpPr>
-      <p:grpSpPr>
-        <a:xfrm>
-          <a:off x="0" y="0"/>
-          <a:ext cx="0" cy="0"/>
-          <a:chOff x="0" y="0"/>
-          <a:chExt cx="0" cy="0"/>
-        </a:xfrm>
-      </p:grpSpPr>
-      <p:sp>
-        <p:nvSpPr>
-          <p:cNvPr id="2" name="Title 1"/>
-          <p:cNvSpPr>
-            <a:spLocks noGrp="1"/>
-          </p:cNvSpPr>
-          <p:nvPr>
-            <p:ph type="title"/>
-          </p:nvPr>
-        </p:nvSpPr>
-        <p:spPr/>
-        <p:txBody>
-          <a:bodyPr/>
-          <a:lstStyle/>
-          <a:p>
-            <a:r>
-              <a:rPr lang="da-DK" dirty="0" smtClean="0"/>
-              <a:t>Tyre </a:t>
-            </a:r>
-            <a:r>
-              <a:rPr lang="da-DK" dirty="0" err="1" smtClean="0"/>
-              <a:t>Pressure</a:t>
-            </a:r>
-            <a:r>
-              <a:rPr lang="da-DK" dirty="0" smtClean="0"/>
-              <a:t> Monitor System</a:t>
-            </a:r>
-            <a:endParaRPr lang="da-DK" dirty="0"/>
-          </a:p>
-        </p:txBody>
-      </p:sp>
-      <p:pic>
-        <p:nvPicPr>
-          <p:cNvPr id="4" name="Content Placeholder 3"/>
-          <p:cNvPicPr>
-            <a:picLocks noGrp="1" noChangeAspect="1"/>
-          </p:cNvPicPr>
-          <p:nvPr>
-            <p:ph idx="1"/>
-          </p:nvPr>
-        </p:nvPicPr>
-        <p:blipFill>
-          <a:blip r:embed="rId2">
-            <a:extLst>
-              <a:ext uri="{28A0092B-C50C-407E-A947-70E740481C1C}">
-                <a14:useLocalDpi xmlns:a14="http://schemas.microsoft.com/office/drawing/2010/main" val="0"/>
-              </a:ext>
-            </a:extLst>
-          </a:blip>
-          <a:stretch>
-            <a:fillRect/>
-          </a:stretch>
-        </p:blipFill>
-        <p:spPr>
-          <a:xfrm>
-            <a:off x="2049586" y="1943650"/>
-            <a:ext cx="8092828" cy="3600938"/>
-          </a:xfrm>
-        </p:spPr>
-      </p:pic>
-    </p:spTree>
-    <p:extLst>
-      <p:ext uri="{BB962C8B-B14F-4D97-AF65-F5344CB8AC3E}">
-        <p14:creationId xmlns:p14="http://schemas.microsoft.com/office/powerpoint/2010/main" val="1329187049"/>
-      </p:ext>
-    </p:extLst>
-  </p:cSld>
-  <p:clrMapOvr>
-    <a:masterClrMapping/>
-  </p:clrMapOvr>
-  <p:timing>
-    <p:tnLst>
-      <p:par>
-        <p:cTn id="1" dur="indefinite" restart="never" nodeType="tmRoot"/>
-      </p:par>
-    </p:tnLst>
-  </p:timing>
-</p:sld>
-</file>
-
-<file path=ppt/slides/slide30.xml><?xml version="1.0" encoding="utf-8"?>
+<file path=ppt/slides/slide29.xml><?xml version="1.0" encoding="utf-8"?>
 <p:sld xmlns:a="http://schemas.openxmlformats.org/drawingml/2006/main" xmlns:r="http://schemas.openxmlformats.org/officeDocument/2006/relationships" xmlns:p="http://schemas.openxmlformats.org/presentationml/2006/main">
   <p:cSld>
     <p:spTree>
@@ -15880,7 +15417,7 @@
           <a:lstStyle/>
           <a:p>
             <a:r>
-              <a:rPr lang="da-DK" sz="5400" dirty="0" err="1" smtClean="0">
+              <a:rPr lang="da-DK" sz="5400" dirty="0" err="1">
                 <a:ln w="12700">
                   <a:solidFill>
                     <a:schemeClr val="tx1"/>
@@ -15893,7 +15430,7 @@
               <a:t>Your</a:t>
             </a:r>
             <a:r>
-              <a:rPr lang="da-DK" sz="5400" dirty="0" smtClean="0">
+              <a:rPr lang="da-DK" sz="5400" dirty="0">
                 <a:ln w="12700">
                   <a:solidFill>
                     <a:schemeClr val="tx1"/>
@@ -15906,7 +15443,7 @@
               <a:t> </a:t>
             </a:r>
             <a:r>
-              <a:rPr lang="da-DK" sz="5400" dirty="0" err="1" smtClean="0">
+              <a:rPr lang="da-DK" sz="5400" dirty="0" err="1">
                 <a:ln w="12700">
                   <a:solidFill>
                     <a:schemeClr val="tx1"/>
@@ -15951,7 +15488,7 @@
             <a:pPr marL="0" indent="0" algn="ctr">
               <a:buNone/>
             </a:pPr>
-            <a:endParaRPr lang="da-DK" dirty="0" smtClean="0">
+            <a:endParaRPr lang="da-DK" dirty="0">
               <a:ln w="25400">
                 <a:solidFill>
                   <a:schemeClr val="tx1"/>
@@ -15981,7 +15518,7 @@
             <a:pPr marL="0" indent="0" algn="ctr">
               <a:buNone/>
             </a:pPr>
-            <a:endParaRPr lang="da-DK" dirty="0" smtClean="0">
+            <a:endParaRPr lang="da-DK" dirty="0">
               <a:ln w="25400">
                 <a:solidFill>
                   <a:schemeClr val="tx1"/>
@@ -15997,7 +15534,7 @@
               <a:buNone/>
             </a:pPr>
             <a:r>
-              <a:rPr lang="da-DK" sz="6000" b="1" dirty="0" err="1" smtClean="0">
+              <a:rPr lang="da-DK" sz="6000" b="1" dirty="0" err="1">
                 <a:ln w="25400">
                   <a:solidFill>
                     <a:schemeClr val="tx1"/>
@@ -16008,45 +15545,6 @@
                 </a:solidFill>
               </a:rPr>
               <a:t>Solve</a:t>
-            </a:r>
-            <a:r>
-              <a:rPr lang="da-DK" sz="6000" b="1" dirty="0" smtClean="0">
-                <a:ln w="25400">
-                  <a:solidFill>
-                    <a:schemeClr val="tx1"/>
-                  </a:solidFill>
-                </a:ln>
-                <a:solidFill>
-                  <a:schemeClr val="bg1"/>
-                </a:solidFill>
-              </a:rPr>
-              <a:t> </a:t>
-            </a:r>
-            <a:r>
-              <a:rPr lang="da-DK" sz="6000" b="1" dirty="0" err="1" smtClean="0">
-                <a:ln w="25400">
-                  <a:solidFill>
-                    <a:schemeClr val="tx1"/>
-                  </a:solidFill>
-                </a:ln>
-                <a:solidFill>
-                  <a:schemeClr val="bg1"/>
-                </a:solidFill>
-              </a:rPr>
-              <a:t>exercises</a:t>
-            </a:r>
-            <a:r>
-              <a:rPr lang="da-DK" sz="6000" b="1" dirty="0" smtClean="0">
-                <a:ln w="25400">
-                  <a:solidFill>
-                    <a:schemeClr val="tx1"/>
-                  </a:solidFill>
-                </a:ln>
-                <a:solidFill>
-                  <a:schemeClr val="bg1"/>
-                </a:solidFill>
-              </a:rPr>
-              <a:t> 1, 2, 3 and </a:t>
             </a:r>
             <a:r>
               <a:rPr lang="da-DK" sz="6000" b="1" dirty="0">
@@ -16059,9 +15557,40 @@
                   <a:schemeClr val="bg1"/>
                 </a:solidFill>
               </a:rPr>
-              <a:t>4</a:t>
-            </a:r>
-            <a:endParaRPr lang="da-DK" sz="6000" b="1" dirty="0" smtClean="0">
+              <a:t> </a:t>
+            </a:r>
+            <a:r>
+              <a:rPr lang="da-DK" sz="6000" b="1" dirty="0" err="1">
+                <a:ln w="25400">
+                  <a:solidFill>
+                    <a:schemeClr val="tx1"/>
+                  </a:solidFill>
+                </a:ln>
+                <a:solidFill>
+                  <a:schemeClr val="bg1"/>
+                </a:solidFill>
+              </a:rPr>
+              <a:t>exercises</a:t>
+            </a:r>
+            <a:r>
+              <a:rPr lang="da-DK" sz="6000" b="1" dirty="0">
+                <a:ln w="25400">
+                  <a:solidFill>
+                    <a:schemeClr val="tx1"/>
+                  </a:solidFill>
+                </a:ln>
+                <a:solidFill>
+                  <a:schemeClr val="bg1"/>
+                </a:solidFill>
+              </a:rPr>
+              <a:t> 1, 2, 3 and 4</a:t>
+            </a:r>
+          </a:p>
+          <a:p>
+            <a:pPr marL="0" indent="0" algn="ctr">
+              <a:buNone/>
+            </a:pPr>
+            <a:endParaRPr lang="da-DK" sz="6000" b="1" dirty="0">
               <a:ln w="25400">
                 <a:solidFill>
                   <a:schemeClr val="tx1"/>
@@ -16076,23 +15605,8 @@
             <a:pPr marL="0" indent="0" algn="ctr">
               <a:buNone/>
             </a:pPr>
-            <a:endParaRPr lang="da-DK" sz="6000" b="1" dirty="0" smtClean="0">
-              <a:ln w="25400">
-                <a:solidFill>
-                  <a:schemeClr val="tx1"/>
-                </a:solidFill>
-              </a:ln>
-              <a:solidFill>
-                <a:schemeClr val="bg1"/>
-              </a:solidFill>
-            </a:endParaRPr>
-          </a:p>
-          <a:p>
-            <a:pPr marL="0" indent="0" algn="ctr">
-              <a:buNone/>
-            </a:pPr>
-            <a:r>
-              <a:rPr lang="da-DK" sz="4800" b="1" dirty="0" smtClean="0">
+            <a:r>
+              <a:rPr lang="da-DK" sz="4800" b="1" dirty="0">
                 <a:ln w="25400">
                   <a:solidFill>
                     <a:schemeClr val="tx1"/>
@@ -16105,7 +15619,7 @@
               <a:t>(and 5, 6 and 7 </a:t>
             </a:r>
             <a:r>
-              <a:rPr lang="da-DK" sz="4800" b="1" dirty="0" err="1" smtClean="0">
+              <a:rPr lang="da-DK" sz="4800" b="1" dirty="0" err="1">
                 <a:ln w="25400">
                   <a:solidFill>
                     <a:schemeClr val="tx1"/>
@@ -16118,7 +15632,7 @@
               <a:t>if</a:t>
             </a:r>
             <a:r>
-              <a:rPr lang="da-DK" sz="4800" b="1" dirty="0" smtClean="0">
+              <a:rPr lang="da-DK" sz="4800" b="1" dirty="0">
                 <a:ln w="25400">
                   <a:solidFill>
                     <a:schemeClr val="tx1"/>
@@ -16131,7 +15645,7 @@
               <a:t> </a:t>
             </a:r>
             <a:r>
-              <a:rPr lang="da-DK" sz="4800" b="1" dirty="0" err="1" smtClean="0">
+              <a:rPr lang="da-DK" sz="4800" b="1" dirty="0" err="1">
                 <a:ln w="25400">
                   <a:solidFill>
                     <a:schemeClr val="tx1"/>
@@ -16144,7 +15658,7 @@
               <a:t>you</a:t>
             </a:r>
             <a:r>
-              <a:rPr lang="da-DK" sz="4800" b="1" dirty="0" smtClean="0">
+              <a:rPr lang="da-DK" sz="4800" b="1" dirty="0">
                 <a:ln w="25400">
                   <a:solidFill>
                     <a:schemeClr val="tx1"/>
@@ -16157,7 +15671,7 @@
               <a:t> like or </a:t>
             </a:r>
             <a:r>
-              <a:rPr lang="da-DK" sz="4800" b="1" dirty="0" err="1" smtClean="0">
+              <a:rPr lang="da-DK" sz="4800" b="1" dirty="0" err="1">
                 <a:ln w="25400">
                   <a:solidFill>
                     <a:schemeClr val="tx1"/>
@@ -16170,7 +15684,7 @@
               <a:t>continue</a:t>
             </a:r>
             <a:r>
-              <a:rPr lang="da-DK" sz="4800" b="1" dirty="0" smtClean="0">
+              <a:rPr lang="da-DK" sz="4800" b="1" dirty="0">
                 <a:ln w="25400">
                   <a:solidFill>
                     <a:schemeClr val="tx1"/>
@@ -16183,7 +15697,7 @@
               <a:t> with the </a:t>
             </a:r>
             <a:r>
-              <a:rPr lang="da-DK" sz="4800" b="1" dirty="0" err="1" smtClean="0">
+              <a:rPr lang="da-DK" sz="4800" b="1" dirty="0" err="1">
                 <a:ln w="25400">
                   <a:solidFill>
                     <a:schemeClr val="tx1"/>
@@ -16196,7 +15710,7 @@
               <a:t>exercise</a:t>
             </a:r>
             <a:r>
-              <a:rPr lang="da-DK" sz="4800" b="1" dirty="0" smtClean="0">
+              <a:rPr lang="da-DK" sz="4800" b="1" dirty="0">
                 <a:ln w="25400">
                   <a:solidFill>
                     <a:schemeClr val="tx1"/>
@@ -16209,7 +15723,7 @@
               <a:t> from last </a:t>
             </a:r>
             <a:r>
-              <a:rPr lang="da-DK" sz="4800" b="1" dirty="0" err="1" smtClean="0">
+              <a:rPr lang="da-DK" sz="4800" b="1" dirty="0" err="1">
                 <a:ln w="25400">
                   <a:solidFill>
                     <a:schemeClr val="tx1"/>
@@ -16222,7 +15736,7 @@
               <a:t>week</a:t>
             </a:r>
             <a:r>
-              <a:rPr lang="da-DK" sz="4800" b="1" dirty="0" smtClean="0">
+              <a:rPr lang="da-DK" sz="4800" b="1" dirty="0">
                 <a:ln w="25400">
                   <a:solidFill>
                     <a:schemeClr val="tx1"/>
@@ -16234,16 +15748,6 @@
               </a:rPr>
               <a:t>)</a:t>
             </a:r>
-            <a:endParaRPr lang="da-DK" sz="4800" b="1" dirty="0">
-              <a:ln w="25400">
-                <a:solidFill>
-                  <a:schemeClr val="tx1"/>
-                </a:solidFill>
-              </a:ln>
-              <a:solidFill>
-                <a:schemeClr val="bg1"/>
-              </a:solidFill>
-            </a:endParaRPr>
           </a:p>
         </p:txBody>
       </p:sp>
@@ -16257,13 +15761,249 @@
   <p:clrMapOvr>
     <a:masterClrMapping/>
   </p:clrMapOvr>
-  <p:timing>
-    <p:tnLst>
-      <p:par>
-        <p:cTn id="1" dur="indefinite" restart="never" nodeType="tmRoot"/>
-      </p:par>
-    </p:tnLst>
-  </p:timing>
+</p:sld>
+</file>
+
+<file path=ppt/slides/slide3.xml><?xml version="1.0" encoding="utf-8"?>
+<p:sld xmlns:a="http://schemas.openxmlformats.org/drawingml/2006/main" xmlns:r="http://schemas.openxmlformats.org/officeDocument/2006/relationships" xmlns:p="http://schemas.openxmlformats.org/presentationml/2006/main">
+  <p:cSld>
+    <p:spTree>
+      <p:nvGrpSpPr>
+        <p:cNvPr id="1" name=""/>
+        <p:cNvGrpSpPr/>
+        <p:nvPr/>
+      </p:nvGrpSpPr>
+      <p:grpSpPr>
+        <a:xfrm>
+          <a:off x="0" y="0"/>
+          <a:ext cx="0" cy="0"/>
+          <a:chOff x="0" y="0"/>
+          <a:chExt cx="0" cy="0"/>
+        </a:xfrm>
+      </p:grpSpPr>
+      <p:sp>
+        <p:nvSpPr>
+          <p:cNvPr id="2" name="Title 1"/>
+          <p:cNvSpPr>
+            <a:spLocks noGrp="1"/>
+          </p:cNvSpPr>
+          <p:nvPr>
+            <p:ph type="title"/>
+          </p:nvPr>
+        </p:nvSpPr>
+        <p:spPr/>
+        <p:txBody>
+          <a:bodyPr/>
+          <a:lstStyle/>
+          <a:p>
+            <a:r>
+              <a:rPr lang="da-DK" dirty="0"/>
+              <a:t>Tyre </a:t>
+            </a:r>
+            <a:r>
+              <a:rPr lang="da-DK" dirty="0" err="1"/>
+              <a:t>Pressure</a:t>
+            </a:r>
+            <a:r>
+              <a:rPr lang="da-DK" dirty="0"/>
+              <a:t> Monitor System</a:t>
+            </a:r>
+          </a:p>
+        </p:txBody>
+      </p:sp>
+      <p:pic>
+        <p:nvPicPr>
+          <p:cNvPr id="4" name="Content Placeholder 3"/>
+          <p:cNvPicPr>
+            <a:picLocks noGrp="1" noChangeAspect="1"/>
+          </p:cNvPicPr>
+          <p:nvPr>
+            <p:ph idx="1"/>
+          </p:nvPr>
+        </p:nvPicPr>
+        <p:blipFill>
+          <a:blip r:embed="rId2">
+            <a:extLst>
+              <a:ext uri="{28A0092B-C50C-407E-A947-70E740481C1C}">
+                <a14:useLocalDpi xmlns:a14="http://schemas.microsoft.com/office/drawing/2010/main" val="0"/>
+              </a:ext>
+            </a:extLst>
+          </a:blip>
+          <a:stretch>
+            <a:fillRect/>
+          </a:stretch>
+        </p:blipFill>
+        <p:spPr>
+          <a:xfrm>
+            <a:off x="2049586" y="1943650"/>
+            <a:ext cx="8092828" cy="3600938"/>
+          </a:xfrm>
+        </p:spPr>
+      </p:pic>
+    </p:spTree>
+    <p:extLst>
+      <p:ext uri="{BB962C8B-B14F-4D97-AF65-F5344CB8AC3E}">
+        <p14:creationId xmlns:p14="http://schemas.microsoft.com/office/powerpoint/2010/main" val="1329187049"/>
+      </p:ext>
+    </p:extLst>
+  </p:cSld>
+  <p:clrMapOvr>
+    <a:masterClrMapping/>
+  </p:clrMapOvr>
+</p:sld>
+</file>
+
+<file path=ppt/slides/slide30.xml><?xml version="1.0" encoding="utf-8"?>
+<p:sld xmlns:a="http://schemas.openxmlformats.org/drawingml/2006/main" xmlns:r="http://schemas.openxmlformats.org/officeDocument/2006/relationships" xmlns:p="http://schemas.openxmlformats.org/presentationml/2006/main">
+  <p:cSld>
+    <p:spTree>
+      <p:nvGrpSpPr>
+        <p:cNvPr id="1" name=""/>
+        <p:cNvGrpSpPr/>
+        <p:nvPr/>
+      </p:nvGrpSpPr>
+      <p:grpSpPr>
+        <a:xfrm>
+          <a:off x="0" y="0"/>
+          <a:ext cx="0" cy="0"/>
+          <a:chOff x="0" y="0"/>
+          <a:chExt cx="0" cy="0"/>
+        </a:xfrm>
+      </p:grpSpPr>
+      <p:sp>
+        <p:nvSpPr>
+          <p:cNvPr id="3" name="Title 2"/>
+          <p:cNvSpPr>
+            <a:spLocks noGrp="1"/>
+          </p:cNvSpPr>
+          <p:nvPr>
+            <p:ph type="title"/>
+          </p:nvPr>
+        </p:nvSpPr>
+        <p:spPr/>
+        <p:txBody>
+          <a:bodyPr/>
+          <a:lstStyle/>
+          <a:p>
+            <a:r>
+              <a:rPr lang="da-DK" dirty="0"/>
+              <a:t>References and image </a:t>
+            </a:r>
+            <a:r>
+              <a:rPr lang="da-DK" dirty="0" err="1"/>
+              <a:t>sources</a:t>
+            </a:r>
+            <a:endParaRPr lang="da-DK" dirty="0"/>
+          </a:p>
+        </p:txBody>
+      </p:sp>
+      <p:sp>
+        <p:nvSpPr>
+          <p:cNvPr id="4" name="Content Placeholder 3"/>
+          <p:cNvSpPr>
+            <a:spLocks noGrp="1"/>
+          </p:cNvSpPr>
+          <p:nvPr>
+            <p:ph idx="1"/>
+          </p:nvPr>
+        </p:nvSpPr>
+        <p:spPr/>
+        <p:txBody>
+          <a:bodyPr>
+            <a:normAutofit/>
+          </a:bodyPr>
+          <a:lstStyle/>
+          <a:p>
+            <a:pPr marL="0" indent="0">
+              <a:buNone/>
+            </a:pPr>
+            <a:r>
+              <a:rPr lang="da-DK" sz="1800" dirty="0"/>
+              <a:t>Images:</a:t>
+            </a:r>
+          </a:p>
+          <a:p>
+            <a:pPr marL="0" indent="0">
+              <a:buNone/>
+            </a:pPr>
+            <a:r>
+              <a:rPr lang="da-DK" sz="1800" dirty="0"/>
+              <a:t>Printer: </a:t>
+            </a:r>
+            <a:r>
+              <a:rPr lang="da-DK" sz="1800" dirty="0">
+                <a:hlinkClick r:id="rId2"/>
+              </a:rPr>
+              <a:t>https://i5.walmartimages.com/asr/5bf8c70c-c0f4-46c8-8de2-d14417c3dcdb_2.a974142a063bb1f235f672f9a68eeb10.jpeg</a:t>
+            </a:r>
+            <a:endParaRPr lang="da-DK" sz="1800" dirty="0"/>
+          </a:p>
+          <a:p>
+            <a:pPr marL="0" indent="0">
+              <a:buNone/>
+            </a:pPr>
+            <a:r>
+              <a:rPr lang="da-DK" sz="1800" dirty="0"/>
+              <a:t>TPMS: </a:t>
+            </a:r>
+            <a:r>
+              <a:rPr lang="da-DK" sz="1800" dirty="0">
+                <a:hlinkClick r:id="rId3"/>
+              </a:rPr>
+              <a:t>http://www.rematiptop.com/tpms/img/TPMS-warning-light.jpg</a:t>
+            </a:r>
+            <a:endParaRPr lang="da-DK" sz="1800" dirty="0"/>
+          </a:p>
+          <a:p>
+            <a:pPr marL="0" indent="0">
+              <a:buNone/>
+            </a:pPr>
+            <a:r>
+              <a:rPr lang="da-DK" sz="1800" dirty="0"/>
+              <a:t>Computer keyboard: </a:t>
+            </a:r>
+            <a:r>
+              <a:rPr lang="da-DK" sz="1800" dirty="0">
+                <a:hlinkClick r:id="rId4"/>
+              </a:rPr>
+              <a:t>http://stockmedia.cc/computing_technology/slides/DSD_8790.jpg</a:t>
+            </a:r>
+            <a:endParaRPr lang="da-DK" sz="1800" dirty="0"/>
+          </a:p>
+          <a:p>
+            <a:pPr marL="0" indent="0">
+              <a:buNone/>
+            </a:pPr>
+            <a:r>
+              <a:rPr lang="da-DK" sz="1800" dirty="0"/>
+              <a:t>Bonus: </a:t>
+            </a:r>
+            <a:r>
+              <a:rPr lang="da-DK" sz="1800" dirty="0">
+                <a:hlinkClick r:id="rId5"/>
+              </a:rPr>
+              <a:t>http://wjreviews.com/reviews-cta/bonus.png</a:t>
+            </a:r>
+            <a:endParaRPr lang="da-DK" sz="1800" dirty="0"/>
+          </a:p>
+          <a:p>
+            <a:pPr marL="0" indent="0">
+              <a:buNone/>
+            </a:pPr>
+            <a:endParaRPr lang="da-DK" dirty="0"/>
+          </a:p>
+        </p:txBody>
+      </p:sp>
+    </p:spTree>
+    <p:extLst>
+      <p:ext uri="{BB962C8B-B14F-4D97-AF65-F5344CB8AC3E}">
+        <p14:creationId xmlns:p14="http://schemas.microsoft.com/office/powerpoint/2010/main" val="3336927857"/>
+      </p:ext>
+    </p:extLst>
+  </p:cSld>
+  <p:clrMapOvr>
+    <a:masterClrMapping/>
+  </p:clrMapOvr>
 </p:sld>
 </file>
 
@@ -16286,195 +16026,6 @@
       </p:grpSpPr>
       <p:sp>
         <p:nvSpPr>
-          <p:cNvPr id="3" name="Title 2"/>
-          <p:cNvSpPr>
-            <a:spLocks noGrp="1"/>
-          </p:cNvSpPr>
-          <p:nvPr>
-            <p:ph type="title"/>
-          </p:nvPr>
-        </p:nvSpPr>
-        <p:spPr/>
-        <p:txBody>
-          <a:bodyPr/>
-          <a:lstStyle/>
-          <a:p>
-            <a:r>
-              <a:rPr lang="da-DK" dirty="0" smtClean="0"/>
-              <a:t>References and image </a:t>
-            </a:r>
-            <a:r>
-              <a:rPr lang="da-DK" dirty="0" err="1" smtClean="0"/>
-              <a:t>sources</a:t>
-            </a:r>
-            <a:endParaRPr lang="da-DK" dirty="0"/>
-          </a:p>
-        </p:txBody>
-      </p:sp>
-      <p:sp>
-        <p:nvSpPr>
-          <p:cNvPr id="4" name="Content Placeholder 3"/>
-          <p:cNvSpPr>
-            <a:spLocks noGrp="1"/>
-          </p:cNvSpPr>
-          <p:nvPr>
-            <p:ph idx="1"/>
-          </p:nvPr>
-        </p:nvSpPr>
-        <p:spPr/>
-        <p:txBody>
-          <a:bodyPr>
-            <a:normAutofit/>
-          </a:bodyPr>
-          <a:lstStyle/>
-          <a:p>
-            <a:pPr marL="0" indent="0">
-              <a:buNone/>
-            </a:pPr>
-            <a:r>
-              <a:rPr lang="da-DK" sz="1800" dirty="0" smtClean="0"/>
-              <a:t>Images:</a:t>
-            </a:r>
-          </a:p>
-          <a:p>
-            <a:pPr marL="0" indent="0">
-              <a:buNone/>
-            </a:pPr>
-            <a:r>
-              <a:rPr lang="da-DK" sz="1800" dirty="0"/>
-              <a:t>Printer: </a:t>
-            </a:r>
-            <a:r>
-              <a:rPr lang="da-DK" sz="1800" dirty="0">
-                <a:hlinkClick r:id="rId2"/>
-              </a:rPr>
-              <a:t>https://</a:t>
-            </a:r>
-            <a:r>
-              <a:rPr lang="da-DK" sz="1800" dirty="0" smtClean="0">
-                <a:hlinkClick r:id="rId2"/>
-              </a:rPr>
-              <a:t>i5.walmartimages.com/asr/5bf8c70c-c0f4-46c8-8de2-d14417c3dcdb_2.a974142a063bb1f235f672f9a68eeb10.jpeg</a:t>
-            </a:r>
-            <a:endParaRPr lang="da-DK" sz="1800" dirty="0" smtClean="0"/>
-          </a:p>
-          <a:p>
-            <a:pPr marL="0" indent="0">
-              <a:buNone/>
-            </a:pPr>
-            <a:r>
-              <a:rPr lang="da-DK" sz="1800" dirty="0"/>
-              <a:t>TPMS: </a:t>
-            </a:r>
-            <a:r>
-              <a:rPr lang="da-DK" sz="1800" dirty="0">
-                <a:hlinkClick r:id="rId3"/>
-              </a:rPr>
-              <a:t>http://</a:t>
-            </a:r>
-            <a:r>
-              <a:rPr lang="da-DK" sz="1800" dirty="0" smtClean="0">
-                <a:hlinkClick r:id="rId3"/>
-              </a:rPr>
-              <a:t>www.rematiptop.com/tpms/img/TPMS-warning-light.jpg</a:t>
-            </a:r>
-            <a:endParaRPr lang="da-DK" sz="1800" dirty="0" smtClean="0"/>
-          </a:p>
-          <a:p>
-            <a:pPr marL="0" indent="0">
-              <a:buNone/>
-            </a:pPr>
-            <a:r>
-              <a:rPr lang="da-DK" sz="1800" dirty="0" smtClean="0"/>
-              <a:t>Computer </a:t>
-            </a:r>
-            <a:r>
-              <a:rPr lang="da-DK" sz="1800" dirty="0"/>
-              <a:t>keyboard: </a:t>
-            </a:r>
-            <a:r>
-              <a:rPr lang="da-DK" sz="1800" dirty="0">
-                <a:hlinkClick r:id="rId4"/>
-              </a:rPr>
-              <a:t>http://</a:t>
-            </a:r>
-            <a:r>
-              <a:rPr lang="da-DK" sz="1800" dirty="0" smtClean="0">
-                <a:hlinkClick r:id="rId4"/>
-              </a:rPr>
-              <a:t>stockmedia.cc/computing_technology/slides/DSD_8790.jpg</a:t>
-            </a:r>
-            <a:endParaRPr lang="da-DK" sz="1800" dirty="0" smtClean="0"/>
-          </a:p>
-          <a:p>
-            <a:pPr marL="0" indent="0">
-              <a:buNone/>
-            </a:pPr>
-            <a:r>
-              <a:rPr lang="da-DK" sz="1800" dirty="0"/>
-              <a:t>Bonus: </a:t>
-            </a:r>
-            <a:r>
-              <a:rPr lang="da-DK" sz="1800" dirty="0">
-                <a:hlinkClick r:id="rId5"/>
-              </a:rPr>
-              <a:t>http://</a:t>
-            </a:r>
-            <a:r>
-              <a:rPr lang="da-DK" sz="1800" dirty="0" smtClean="0">
-                <a:hlinkClick r:id="rId5"/>
-              </a:rPr>
-              <a:t>wjreviews.com/reviews-cta/bonus.png</a:t>
-            </a:r>
-            <a:endParaRPr lang="da-DK" sz="1800" dirty="0" smtClean="0"/>
-          </a:p>
-          <a:p>
-            <a:pPr marL="0" indent="0">
-              <a:buNone/>
-            </a:pPr>
-            <a:endParaRPr lang="da-DK" dirty="0"/>
-          </a:p>
-        </p:txBody>
-      </p:sp>
-    </p:spTree>
-    <p:extLst>
-      <p:ext uri="{BB962C8B-B14F-4D97-AF65-F5344CB8AC3E}">
-        <p14:creationId xmlns:p14="http://schemas.microsoft.com/office/powerpoint/2010/main" val="3336927857"/>
-      </p:ext>
-    </p:extLst>
-  </p:cSld>
-  <p:clrMapOvr>
-    <a:masterClrMapping/>
-  </p:clrMapOvr>
-  <p:timing>
-    <p:tnLst>
-      <p:par>
-        <p:cTn id="1" dur="indefinite" restart="never" nodeType="tmRoot"/>
-      </p:par>
-    </p:tnLst>
-  </p:timing>
-</p:sld>
-</file>
-
-<file path=ppt/slides/slide32.xml><?xml version="1.0" encoding="utf-8"?>
-<p:sld xmlns:a="http://schemas.openxmlformats.org/drawingml/2006/main" xmlns:r="http://schemas.openxmlformats.org/officeDocument/2006/relationships" xmlns:p="http://schemas.openxmlformats.org/presentationml/2006/main">
-  <p:cSld>
-    <p:spTree>
-      <p:nvGrpSpPr>
-        <p:cNvPr id="1" name=""/>
-        <p:cNvGrpSpPr/>
-        <p:nvPr/>
-      </p:nvGrpSpPr>
-      <p:grpSpPr>
-        <a:xfrm>
-          <a:off x="0" y="0"/>
-          <a:ext cx="0" cy="0"/>
-          <a:chOff x="0" y="0"/>
-          <a:chExt cx="0" cy="0"/>
-        </a:xfrm>
-      </p:grpSpPr>
-      <p:sp>
-        <p:nvSpPr>
           <p:cNvPr id="4" name="Title 3"/>
           <p:cNvSpPr>
             <a:spLocks noGrp="1"/>
@@ -16502,17 +16053,10 @@
   <p:clrMapOvr>
     <a:masterClrMapping/>
   </p:clrMapOvr>
-  <p:timing>
-    <p:tnLst>
-      <p:par>
-        <p:cTn id="1" dur="indefinite" restart="never" nodeType="tmRoot"/>
-      </p:par>
-    </p:tnLst>
-  </p:timing>
 </p:sld>
 </file>
 
-<file path=ppt/slides/slide33.xml><?xml version="1.0" encoding="utf-8"?>
+<file path=ppt/slides/slide32.xml><?xml version="1.0" encoding="utf-8"?>
 <p:sld xmlns:a="http://schemas.openxmlformats.org/drawingml/2006/main" xmlns:r="http://schemas.openxmlformats.org/officeDocument/2006/relationships" xmlns:p="http://schemas.openxmlformats.org/presentationml/2006/main" show="0">
   <p:cSld>
     <p:spTree>
@@ -16545,23 +16089,23 @@
           <a:lstStyle/>
           <a:p>
             <a:r>
-              <a:rPr lang="da-DK" dirty="0" err="1" smtClean="0"/>
+              <a:rPr lang="da-DK" dirty="0" err="1"/>
               <a:t>Communication</a:t>
             </a:r>
             <a:r>
-              <a:rPr lang="da-DK" dirty="0" smtClean="0"/>
+              <a:rPr lang="da-DK" dirty="0"/>
               <a:t> </a:t>
             </a:r>
             <a:r>
-              <a:rPr lang="da-DK" dirty="0" err="1" smtClean="0"/>
+              <a:rPr lang="da-DK" dirty="0" err="1"/>
               <a:t>between</a:t>
             </a:r>
             <a:r>
-              <a:rPr lang="da-DK" dirty="0" smtClean="0"/>
+              <a:rPr lang="da-DK" dirty="0"/>
               <a:t> </a:t>
             </a:r>
             <a:r>
-              <a:rPr lang="da-DK" dirty="0" err="1" smtClean="0"/>
+              <a:rPr lang="da-DK" dirty="0" err="1"/>
               <a:t>threads</a:t>
             </a:r>
             <a:endParaRPr lang="da-DK" dirty="0"/>
@@ -16594,55 +16138,55 @@
               <a:buNone/>
             </a:pPr>
             <a:r>
-              <a:rPr lang="da-DK" dirty="0" smtClean="0"/>
+              <a:rPr lang="da-DK" dirty="0"/>
               <a:t>Event handles </a:t>
             </a:r>
             <a:r>
-              <a:rPr lang="da-DK" dirty="0" err="1" smtClean="0"/>
+              <a:rPr lang="da-DK" dirty="0" err="1"/>
               <a:t>can</a:t>
             </a:r>
             <a:r>
-              <a:rPr lang="da-DK" dirty="0" smtClean="0"/>
+              <a:rPr lang="da-DK" dirty="0"/>
               <a:t> </a:t>
             </a:r>
             <a:r>
-              <a:rPr lang="da-DK" dirty="0" err="1" smtClean="0"/>
+              <a:rPr lang="da-DK" dirty="0" err="1"/>
               <a:t>be</a:t>
             </a:r>
             <a:r>
-              <a:rPr lang="da-DK" dirty="0" smtClean="0"/>
+              <a:rPr lang="da-DK" dirty="0"/>
               <a:t> </a:t>
             </a:r>
             <a:r>
-              <a:rPr lang="da-DK" dirty="0" err="1" smtClean="0"/>
+              <a:rPr lang="da-DK" dirty="0" err="1"/>
               <a:t>used</a:t>
             </a:r>
             <a:r>
-              <a:rPr lang="da-DK" dirty="0" smtClean="0"/>
+              <a:rPr lang="da-DK" dirty="0"/>
               <a:t> to signal from </a:t>
             </a:r>
             <a:r>
-              <a:rPr lang="da-DK" dirty="0" err="1" smtClean="0"/>
+              <a:rPr lang="da-DK" dirty="0" err="1"/>
               <a:t>one</a:t>
             </a:r>
             <a:r>
-              <a:rPr lang="da-DK" dirty="0" smtClean="0"/>
+              <a:rPr lang="da-DK" dirty="0"/>
               <a:t> </a:t>
             </a:r>
             <a:r>
-              <a:rPr lang="da-DK" dirty="0" err="1" smtClean="0"/>
+              <a:rPr lang="da-DK" dirty="0" err="1"/>
               <a:t>thread</a:t>
             </a:r>
             <a:r>
-              <a:rPr lang="da-DK" dirty="0" smtClean="0"/>
+              <a:rPr lang="da-DK" dirty="0"/>
               <a:t> to </a:t>
             </a:r>
             <a:r>
-              <a:rPr lang="da-DK" dirty="0" err="1" smtClean="0"/>
+              <a:rPr lang="da-DK" dirty="0" err="1"/>
               <a:t>another</a:t>
             </a:r>
             <a:r>
-              <a:rPr lang="da-DK" dirty="0" smtClean="0"/>
+              <a:rPr lang="da-DK" dirty="0"/>
               <a:t>.</a:t>
             </a:r>
           </a:p>
@@ -16672,7 +16216,6 @@
               <a:rPr lang="en-US" dirty="0"/>
               <a:t> automatically any time it activates a thread. </a:t>
             </a:r>
-            <a:endParaRPr lang="en-US" dirty="0" smtClean="0"/>
           </a:p>
           <a:p>
             <a:pPr marL="0" indent="0">
@@ -16685,16 +16228,12 @@
               <a:buNone/>
             </a:pPr>
             <a:r>
-              <a:rPr lang="en-US" b="1" i="1" dirty="0" err="1" smtClean="0"/>
+              <a:rPr lang="en-US" b="1" i="1" dirty="0" err="1"/>
               <a:t>ManualResetEvent</a:t>
             </a:r>
             <a:r>
-              <a:rPr lang="en-US" dirty="0" smtClean="0"/>
-              <a:t> </a:t>
-            </a:r>
-            <a:r>
               <a:rPr lang="en-US" dirty="0"/>
-              <a:t>allows any number of threads to be activated by its signaled state, and will only revert to an </a:t>
+              <a:t> allows any number of threads to be activated by its signaled state, and will only revert to an </a:t>
             </a:r>
             <a:r>
               <a:rPr lang="en-US" dirty="0" err="1"/>
@@ -17635,25 +17174,10 @@
   <p:clrMapOvr>
     <a:masterClrMapping/>
   </p:clrMapOvr>
-  <mc:AlternateContent xmlns:mc="http://schemas.openxmlformats.org/markup-compatibility/2006">
-    <mc:Choice xmlns:p14="http://schemas.microsoft.com/office/powerpoint/2010/main" Requires="p14">
-      <p:transition spd="slow" p14:dur="2000"/>
-    </mc:Choice>
-    <mc:Fallback>
-      <p:transition spd="slow"/>
-    </mc:Fallback>
-  </mc:AlternateContent>
-  <p:timing>
-    <p:tnLst>
-      <p:par>
-        <p:cTn id="1" dur="indefinite" restart="never" nodeType="tmRoot"/>
-      </p:par>
-    </p:tnLst>
-  </p:timing>
 </p:sld>
 </file>
 
-<file path=ppt/slides/slide34.xml><?xml version="1.0" encoding="utf-8"?>
+<file path=ppt/slides/slide33.xml><?xml version="1.0" encoding="utf-8"?>
 <p:sld xmlns:a="http://schemas.openxmlformats.org/drawingml/2006/main" xmlns:r="http://schemas.openxmlformats.org/officeDocument/2006/relationships" xmlns:p="http://schemas.openxmlformats.org/presentationml/2006/main" show="0">
   <p:cSld>
     <p:spTree>
@@ -17686,23 +17210,23 @@
           <a:lstStyle/>
           <a:p>
             <a:r>
-              <a:rPr lang="da-DK" dirty="0" err="1" smtClean="0"/>
+              <a:rPr lang="da-DK" dirty="0" err="1"/>
               <a:t>Communication</a:t>
             </a:r>
             <a:r>
-              <a:rPr lang="da-DK" dirty="0" smtClean="0"/>
+              <a:rPr lang="da-DK" dirty="0"/>
               <a:t> </a:t>
             </a:r>
             <a:r>
-              <a:rPr lang="da-DK" dirty="0" err="1" smtClean="0"/>
+              <a:rPr lang="da-DK" dirty="0" err="1"/>
               <a:t>between</a:t>
             </a:r>
             <a:r>
-              <a:rPr lang="da-DK" dirty="0" smtClean="0"/>
+              <a:rPr lang="da-DK" dirty="0"/>
               <a:t> </a:t>
             </a:r>
             <a:r>
-              <a:rPr lang="da-DK" dirty="0" err="1" smtClean="0"/>
+              <a:rPr lang="da-DK" dirty="0" err="1"/>
               <a:t>threads</a:t>
             </a:r>
             <a:endParaRPr lang="da-DK" dirty="0"/>
@@ -18103,25 +17627,10 @@
   <p:clrMapOvr>
     <a:masterClrMapping/>
   </p:clrMapOvr>
-  <mc:AlternateContent xmlns:mc="http://schemas.openxmlformats.org/markup-compatibility/2006">
-    <mc:Choice xmlns:p14="http://schemas.microsoft.com/office/powerpoint/2010/main" Requires="p14">
-      <p:transition spd="slow" p14:dur="2000"/>
-    </mc:Choice>
-    <mc:Fallback>
-      <p:transition spd="slow"/>
-    </mc:Fallback>
-  </mc:AlternateContent>
-  <p:timing>
-    <p:tnLst>
-      <p:par>
-        <p:cTn id="1" dur="indefinite" restart="never" nodeType="tmRoot"/>
-      </p:par>
-    </p:tnLst>
-  </p:timing>
 </p:sld>
 </file>
 
-<file path=ppt/slides/slide35.xml><?xml version="1.0" encoding="utf-8"?>
+<file path=ppt/slides/slide34.xml><?xml version="1.0" encoding="utf-8"?>
 <p:sld xmlns:a="http://schemas.openxmlformats.org/drawingml/2006/main" xmlns:r="http://schemas.openxmlformats.org/officeDocument/2006/relationships" xmlns:p="http://schemas.openxmlformats.org/presentationml/2006/main" show="0">
   <p:cSld>
     <p:spTree>
@@ -18154,23 +17663,23 @@
           <a:lstStyle/>
           <a:p>
             <a:r>
-              <a:rPr lang="da-DK" dirty="0" err="1" smtClean="0"/>
+              <a:rPr lang="da-DK" dirty="0" err="1"/>
               <a:t>Communication</a:t>
             </a:r>
             <a:r>
-              <a:rPr lang="da-DK" dirty="0" smtClean="0"/>
+              <a:rPr lang="da-DK" dirty="0"/>
               <a:t> </a:t>
             </a:r>
             <a:r>
-              <a:rPr lang="da-DK" dirty="0" err="1" smtClean="0"/>
+              <a:rPr lang="da-DK" dirty="0" err="1"/>
               <a:t>between</a:t>
             </a:r>
             <a:r>
-              <a:rPr lang="da-DK" dirty="0" smtClean="0"/>
+              <a:rPr lang="da-DK" dirty="0"/>
               <a:t> </a:t>
             </a:r>
             <a:r>
-              <a:rPr lang="da-DK" dirty="0" err="1" smtClean="0"/>
+              <a:rPr lang="da-DK" dirty="0" err="1"/>
               <a:t>threads</a:t>
             </a:r>
             <a:endParaRPr lang="da-DK" dirty="0"/>
@@ -19459,21 +18968,6 @@
   <p:clrMapOvr>
     <a:masterClrMapping/>
   </p:clrMapOvr>
-  <mc:AlternateContent xmlns:mc="http://schemas.openxmlformats.org/markup-compatibility/2006">
-    <mc:Choice xmlns:p14="http://schemas.microsoft.com/office/powerpoint/2010/main" Requires="p14">
-      <p:transition spd="slow" p14:dur="2000"/>
-    </mc:Choice>
-    <mc:Fallback>
-      <p:transition spd="slow"/>
-    </mc:Fallback>
-  </mc:AlternateContent>
-  <p:timing>
-    <p:tnLst>
-      <p:par>
-        <p:cTn id="1" dur="indefinite" restart="never" nodeType="tmRoot"/>
-      </p:par>
-    </p:tnLst>
-  </p:timing>
 </p:sld>
 </file>
 
@@ -19510,10 +19004,9 @@
           <a:lstStyle/>
           <a:p>
             <a:r>
-              <a:rPr lang="da-DK" dirty="0" smtClean="0"/>
+              <a:rPr lang="da-DK" dirty="0"/>
               <a:t>TPMS design</a:t>
             </a:r>
-            <a:endParaRPr lang="da-DK" dirty="0"/>
           </a:p>
         </p:txBody>
       </p:sp>
@@ -19541,27 +19034,27 @@
               <a:buNone/>
             </a:pPr>
             <a:r>
-              <a:rPr lang="da-DK" dirty="0" err="1" smtClean="0"/>
+              <a:rPr lang="da-DK" dirty="0" err="1"/>
               <a:t>TyrePressureMonitor</a:t>
             </a:r>
             <a:r>
-              <a:rPr lang="da-DK" dirty="0" smtClean="0"/>
+              <a:rPr lang="da-DK" dirty="0"/>
               <a:t> has </a:t>
             </a:r>
             <a:r>
-              <a:rPr lang="da-DK" dirty="0" err="1" smtClean="0"/>
+              <a:rPr lang="da-DK" dirty="0" err="1"/>
               <a:t>many</a:t>
             </a:r>
             <a:r>
-              <a:rPr lang="da-DK" dirty="0" smtClean="0"/>
+              <a:rPr lang="da-DK" dirty="0"/>
               <a:t> </a:t>
             </a:r>
             <a:r>
-              <a:rPr lang="da-DK" dirty="0" err="1" smtClean="0"/>
+              <a:rPr lang="da-DK" dirty="0" err="1"/>
               <a:t>responsibilities</a:t>
             </a:r>
             <a:r>
-              <a:rPr lang="da-DK" dirty="0" smtClean="0"/>
+              <a:rPr lang="da-DK" dirty="0"/>
               <a:t>:</a:t>
             </a:r>
           </a:p>
@@ -19569,94 +19062,94 @@
             <a:pPr marL="0" indent="0">
               <a:buNone/>
             </a:pPr>
-            <a:endParaRPr lang="da-DK" dirty="0" smtClean="0"/>
-          </a:p>
-          <a:p>
-            <a:r>
-              <a:rPr lang="da-DK" sz="2400" dirty="0" smtClean="0"/>
+            <a:endParaRPr lang="da-DK" dirty="0"/>
+          </a:p>
+          <a:p>
+            <a:r>
+              <a:rPr lang="da-DK" sz="2400" dirty="0"/>
               <a:t>Read the </a:t>
             </a:r>
             <a:r>
-              <a:rPr lang="da-DK" sz="2400" dirty="0" err="1" smtClean="0"/>
+              <a:rPr lang="da-DK" sz="2400" dirty="0" err="1"/>
               <a:t>pressure</a:t>
             </a:r>
             <a:r>
-              <a:rPr lang="da-DK" sz="2400" dirty="0" smtClean="0"/>
+              <a:rPr lang="da-DK" sz="2400" dirty="0"/>
               <a:t> </a:t>
             </a:r>
             <a:r>
-              <a:rPr lang="da-DK" sz="2400" dirty="0" err="1" smtClean="0"/>
+              <a:rPr lang="da-DK" sz="2400" dirty="0" err="1"/>
               <a:t>using</a:t>
             </a:r>
             <a:r>
-              <a:rPr lang="da-DK" sz="2400" dirty="0" smtClean="0"/>
+              <a:rPr lang="da-DK" sz="2400" dirty="0"/>
               <a:t> the </a:t>
             </a:r>
             <a:r>
-              <a:rPr lang="da-DK" sz="2400" dirty="0" err="1" smtClean="0"/>
+              <a:rPr lang="da-DK" sz="2400" dirty="0" err="1"/>
               <a:t>TyrePressureSensor</a:t>
             </a:r>
             <a:r>
-              <a:rPr lang="da-DK" sz="2400" dirty="0" smtClean="0"/>
+              <a:rPr lang="da-DK" sz="2400" dirty="0"/>
               <a:t>.</a:t>
             </a:r>
           </a:p>
           <a:p>
             <a:r>
-              <a:rPr lang="da-DK" sz="2400" dirty="0" err="1" smtClean="0"/>
+              <a:rPr lang="da-DK" sz="2400" dirty="0" err="1"/>
               <a:t>Determine</a:t>
             </a:r>
             <a:r>
-              <a:rPr lang="da-DK" sz="2400" dirty="0" smtClean="0"/>
+              <a:rPr lang="da-DK" sz="2400" dirty="0"/>
               <a:t> </a:t>
             </a:r>
             <a:r>
-              <a:rPr lang="da-DK" sz="2400" dirty="0" err="1" smtClean="0"/>
+              <a:rPr lang="da-DK" sz="2400" dirty="0" err="1"/>
               <a:t>if</a:t>
             </a:r>
             <a:r>
-              <a:rPr lang="da-DK" sz="2400" dirty="0" smtClean="0"/>
+              <a:rPr lang="da-DK" sz="2400" dirty="0"/>
               <a:t> the </a:t>
             </a:r>
             <a:r>
-              <a:rPr lang="da-DK" sz="2400" dirty="0" err="1" smtClean="0"/>
+              <a:rPr lang="da-DK" sz="2400" dirty="0" err="1"/>
               <a:t>pressure</a:t>
             </a:r>
             <a:r>
-              <a:rPr lang="da-DK" sz="2400" dirty="0" smtClean="0"/>
+              <a:rPr lang="da-DK" sz="2400" dirty="0"/>
               <a:t> is </a:t>
             </a:r>
             <a:r>
-              <a:rPr lang="da-DK" sz="2400" dirty="0" err="1" smtClean="0"/>
+              <a:rPr lang="da-DK" sz="2400" dirty="0" err="1"/>
               <a:t>too</a:t>
             </a:r>
             <a:r>
-              <a:rPr lang="da-DK" sz="2400" dirty="0" smtClean="0"/>
+              <a:rPr lang="da-DK" sz="2400" dirty="0"/>
               <a:t> low.</a:t>
             </a:r>
           </a:p>
           <a:p>
             <a:r>
-              <a:rPr lang="da-DK" sz="2400" dirty="0" err="1" smtClean="0"/>
+              <a:rPr lang="da-DK" sz="2400" dirty="0" err="1"/>
               <a:t>Turn</a:t>
             </a:r>
             <a:r>
-              <a:rPr lang="da-DK" sz="2400" dirty="0" smtClean="0"/>
+              <a:rPr lang="da-DK" sz="2400" dirty="0"/>
               <a:t> on/</a:t>
             </a:r>
             <a:r>
-              <a:rPr lang="da-DK" sz="2400" dirty="0" err="1" smtClean="0"/>
+              <a:rPr lang="da-DK" sz="2400" dirty="0" err="1"/>
               <a:t>off</a:t>
             </a:r>
             <a:r>
-              <a:rPr lang="da-DK" sz="2400" dirty="0" smtClean="0"/>
+              <a:rPr lang="da-DK" sz="2400" dirty="0"/>
               <a:t> the </a:t>
             </a:r>
             <a:r>
-              <a:rPr lang="da-DK" sz="2400" dirty="0" err="1" smtClean="0"/>
+              <a:rPr lang="da-DK" sz="2400" dirty="0" err="1"/>
               <a:t>PressureLowIndicator</a:t>
             </a:r>
-            <a:endParaRPr lang="da-DK" sz="2400" dirty="0" smtClean="0"/>
+            <a:endParaRPr lang="da-DK" sz="2400" dirty="0"/>
           </a:p>
           <a:p>
             <a:pPr marL="0" indent="0">
@@ -19700,13 +19193,6 @@
   <p:clrMapOvr>
     <a:masterClrMapping/>
   </p:clrMapOvr>
-  <p:timing>
-    <p:tnLst>
-      <p:par>
-        <p:cTn id="1" dur="indefinite" restart="never" nodeType="tmRoot"/>
-      </p:par>
-    </p:tnLst>
-  </p:timing>
 </p:sld>
 </file>
 
@@ -19750,19 +19236,19 @@
           <a:lstStyle/>
           <a:p>
             <a:r>
-              <a:rPr lang="da-DK" dirty="0" smtClean="0"/>
+              <a:rPr lang="da-DK" dirty="0"/>
               <a:t>Design </a:t>
             </a:r>
             <a:r>
-              <a:rPr lang="da-DK" dirty="0" err="1" smtClean="0"/>
+              <a:rPr lang="da-DK" dirty="0" err="1"/>
               <a:t>principle</a:t>
             </a:r>
             <a:r>
-              <a:rPr lang="da-DK" dirty="0" smtClean="0"/>
+              <a:rPr lang="da-DK" dirty="0"/>
               <a:t>: Single </a:t>
             </a:r>
             <a:r>
-              <a:rPr lang="da-DK" dirty="0" err="1" smtClean="0"/>
+              <a:rPr lang="da-DK" dirty="0" err="1"/>
               <a:t>Responsibility</a:t>
             </a:r>
             <a:endParaRPr lang="da-DK" dirty="0"/>
@@ -19789,7 +19275,7 @@
             <a:pPr marL="0" indent="0" algn="ctr">
               <a:buNone/>
             </a:pPr>
-            <a:endParaRPr lang="en-US" sz="3600" dirty="0" smtClean="0"/>
+            <a:endParaRPr lang="en-US" sz="3600" dirty="0"/>
           </a:p>
           <a:p>
             <a:pPr marL="0" indent="0" algn="ctr">
@@ -19802,40 +19288,26 @@
               <a:buNone/>
             </a:pPr>
             <a:r>
-              <a:rPr lang="en-US" sz="3600" dirty="0" smtClean="0"/>
-              <a:t>THERE </a:t>
-            </a:r>
-            <a:r>
               <a:rPr lang="en-US" sz="3600" dirty="0"/>
-              <a:t>SHOULD NEVER BE </a:t>
-            </a:r>
-            <a:endParaRPr lang="en-US" sz="3600" dirty="0" smtClean="0"/>
+              <a:t>THERE SHOULD NEVER BE </a:t>
+            </a:r>
           </a:p>
           <a:p>
             <a:pPr marL="0" indent="0" algn="ctr">
               <a:buNone/>
             </a:pPr>
             <a:r>
-              <a:rPr lang="en-US" sz="3600" dirty="0" smtClean="0"/>
-              <a:t>MORE </a:t>
-            </a:r>
-            <a:r>
               <a:rPr lang="en-US" sz="3600" dirty="0"/>
-              <a:t>THAN ONE REASON </a:t>
-            </a:r>
-            <a:endParaRPr lang="en-US" sz="3600" dirty="0" smtClean="0"/>
+              <a:t>MORE THAN ONE REASON </a:t>
+            </a:r>
           </a:p>
           <a:p>
             <a:pPr marL="0" indent="0" algn="ctr">
               <a:buNone/>
             </a:pPr>
             <a:r>
-              <a:rPr lang="en-US" sz="3600" dirty="0" smtClean="0"/>
-              <a:t>FOR A CLASS </a:t>
-            </a:r>
-            <a:r>
               <a:rPr lang="en-US" sz="3600" dirty="0"/>
-              <a:t>TO CHANGE</a:t>
+              <a:t>FOR A CLASS TO CHANGE</a:t>
             </a:r>
           </a:p>
           <a:p>
@@ -19865,12 +19337,8 @@
           <a:lstStyle/>
           <a:p>
             <a:r>
-              <a:rPr lang="da-DK" sz="1400" dirty="0" smtClean="0"/>
-              <a:t>Robert Martin: The </a:t>
-            </a:r>
-            <a:r>
               <a:rPr lang="da-DK" sz="1400" dirty="0"/>
-              <a:t>Single </a:t>
+              <a:t>Robert Martin: The Single </a:t>
             </a:r>
             <a:r>
               <a:rPr lang="da-DK" sz="1400" dirty="0" err="1"/>
@@ -19884,7 +19352,7 @@
               <a:rPr lang="da-DK" sz="1400" dirty="0" err="1"/>
               <a:t>Principle</a:t>
             </a:r>
-            <a:endParaRPr lang="da-DK" sz="1400" dirty="0" smtClean="0">
+            <a:endParaRPr lang="da-DK" sz="1400" dirty="0">
               <a:latin typeface="Gill Sans MT" panose="020B0502020104020203" pitchFamily="34" charset="0"/>
             </a:endParaRPr>
           </a:p>
@@ -19900,13 +19368,6 @@
   <p:clrMapOvr>
     <a:masterClrMapping/>
   </p:clrMapOvr>
-  <p:timing>
-    <p:tnLst>
-      <p:par>
-        <p:cTn id="1" dur="indefinite" restart="never" nodeType="tmRoot"/>
-      </p:par>
-    </p:tnLst>
-  </p:timing>
 </p:sld>
 </file>
 
@@ -19943,10 +19404,9 @@
           <a:lstStyle/>
           <a:p>
             <a:r>
-              <a:rPr lang="da-DK" dirty="0" smtClean="0"/>
+              <a:rPr lang="da-DK" dirty="0"/>
               <a:t>TPMS design</a:t>
             </a:r>
-            <a:endParaRPr lang="da-DK" dirty="0"/>
           </a:p>
         </p:txBody>
       </p:sp>
@@ -19974,27 +19434,27 @@
               <a:buNone/>
             </a:pPr>
             <a:r>
-              <a:rPr lang="da-DK" dirty="0" err="1" smtClean="0"/>
+              <a:rPr lang="da-DK" dirty="0" err="1"/>
               <a:t>TyrePressureMonitor</a:t>
             </a:r>
             <a:r>
-              <a:rPr lang="da-DK" dirty="0" smtClean="0"/>
+              <a:rPr lang="da-DK" dirty="0"/>
               <a:t> has </a:t>
             </a:r>
             <a:r>
-              <a:rPr lang="da-DK" dirty="0" err="1" smtClean="0"/>
+              <a:rPr lang="da-DK" dirty="0" err="1"/>
               <a:t>many</a:t>
             </a:r>
             <a:r>
-              <a:rPr lang="da-DK" dirty="0" smtClean="0"/>
+              <a:rPr lang="da-DK" dirty="0"/>
               <a:t> </a:t>
             </a:r>
             <a:r>
-              <a:rPr lang="da-DK" dirty="0" err="1" smtClean="0"/>
+              <a:rPr lang="da-DK" dirty="0" err="1"/>
               <a:t>responsibilities</a:t>
             </a:r>
             <a:r>
-              <a:rPr lang="da-DK" dirty="0" smtClean="0"/>
+              <a:rPr lang="da-DK" dirty="0"/>
               <a:t>:</a:t>
             </a:r>
           </a:p>
@@ -20002,94 +19462,94 @@
             <a:pPr marL="0" indent="0">
               <a:buNone/>
             </a:pPr>
-            <a:endParaRPr lang="da-DK" dirty="0" smtClean="0"/>
-          </a:p>
-          <a:p>
-            <a:r>
-              <a:rPr lang="da-DK" sz="2400" dirty="0" smtClean="0"/>
+            <a:endParaRPr lang="da-DK" dirty="0"/>
+          </a:p>
+          <a:p>
+            <a:r>
+              <a:rPr lang="da-DK" sz="2400" dirty="0"/>
               <a:t>Read the </a:t>
             </a:r>
             <a:r>
-              <a:rPr lang="da-DK" sz="2400" dirty="0" err="1" smtClean="0"/>
+              <a:rPr lang="da-DK" sz="2400" dirty="0" err="1"/>
               <a:t>pressure</a:t>
             </a:r>
             <a:r>
-              <a:rPr lang="da-DK" sz="2400" dirty="0" smtClean="0"/>
+              <a:rPr lang="da-DK" sz="2400" dirty="0"/>
               <a:t> </a:t>
             </a:r>
             <a:r>
-              <a:rPr lang="da-DK" sz="2400" dirty="0" err="1" smtClean="0"/>
+              <a:rPr lang="da-DK" sz="2400" dirty="0" err="1"/>
               <a:t>using</a:t>
             </a:r>
             <a:r>
-              <a:rPr lang="da-DK" sz="2400" dirty="0" smtClean="0"/>
+              <a:rPr lang="da-DK" sz="2400" dirty="0"/>
               <a:t> the </a:t>
             </a:r>
             <a:r>
-              <a:rPr lang="da-DK" sz="2400" dirty="0" err="1" smtClean="0"/>
+              <a:rPr lang="da-DK" sz="2400" dirty="0" err="1"/>
               <a:t>TyrePressureSensor</a:t>
             </a:r>
             <a:r>
-              <a:rPr lang="da-DK" sz="2400" dirty="0" smtClean="0"/>
+              <a:rPr lang="da-DK" sz="2400" dirty="0"/>
               <a:t>.</a:t>
             </a:r>
           </a:p>
           <a:p>
             <a:r>
-              <a:rPr lang="da-DK" sz="2400" dirty="0" err="1" smtClean="0"/>
+              <a:rPr lang="da-DK" sz="2400" dirty="0" err="1"/>
               <a:t>Determine</a:t>
             </a:r>
             <a:r>
-              <a:rPr lang="da-DK" sz="2400" dirty="0" smtClean="0"/>
+              <a:rPr lang="da-DK" sz="2400" dirty="0"/>
               <a:t> </a:t>
             </a:r>
             <a:r>
-              <a:rPr lang="da-DK" sz="2400" dirty="0" err="1" smtClean="0"/>
+              <a:rPr lang="da-DK" sz="2400" dirty="0" err="1"/>
               <a:t>if</a:t>
             </a:r>
             <a:r>
-              <a:rPr lang="da-DK" sz="2400" dirty="0" smtClean="0"/>
+              <a:rPr lang="da-DK" sz="2400" dirty="0"/>
               <a:t> the </a:t>
             </a:r>
             <a:r>
-              <a:rPr lang="da-DK" sz="2400" dirty="0" err="1" smtClean="0"/>
+              <a:rPr lang="da-DK" sz="2400" dirty="0" err="1"/>
               <a:t>pressure</a:t>
             </a:r>
             <a:r>
-              <a:rPr lang="da-DK" sz="2400" dirty="0" smtClean="0"/>
+              <a:rPr lang="da-DK" sz="2400" dirty="0"/>
               <a:t> is </a:t>
             </a:r>
             <a:r>
-              <a:rPr lang="da-DK" sz="2400" dirty="0" err="1" smtClean="0"/>
+              <a:rPr lang="da-DK" sz="2400" dirty="0" err="1"/>
               <a:t>too</a:t>
             </a:r>
             <a:r>
-              <a:rPr lang="da-DK" sz="2400" dirty="0" smtClean="0"/>
+              <a:rPr lang="da-DK" sz="2400" dirty="0"/>
               <a:t> low.</a:t>
             </a:r>
           </a:p>
           <a:p>
             <a:r>
-              <a:rPr lang="da-DK" sz="2400" dirty="0" err="1" smtClean="0"/>
+              <a:rPr lang="da-DK" sz="2400" dirty="0" err="1"/>
               <a:t>Turn</a:t>
             </a:r>
             <a:r>
-              <a:rPr lang="da-DK" sz="2400" dirty="0" smtClean="0"/>
+              <a:rPr lang="da-DK" sz="2400" dirty="0"/>
               <a:t> on/</a:t>
             </a:r>
             <a:r>
-              <a:rPr lang="da-DK" sz="2400" dirty="0" err="1" smtClean="0"/>
+              <a:rPr lang="da-DK" sz="2400" dirty="0" err="1"/>
               <a:t>off</a:t>
             </a:r>
             <a:r>
-              <a:rPr lang="da-DK" sz="2400" dirty="0" smtClean="0"/>
+              <a:rPr lang="da-DK" sz="2400" dirty="0"/>
               <a:t> the </a:t>
             </a:r>
             <a:r>
-              <a:rPr lang="da-DK" sz="2400" dirty="0" err="1" smtClean="0"/>
+              <a:rPr lang="da-DK" sz="2400" dirty="0" err="1"/>
               <a:t>PressureLowIndicator</a:t>
             </a:r>
-            <a:endParaRPr lang="da-DK" sz="2400" dirty="0" smtClean="0"/>
+            <a:endParaRPr lang="da-DK" sz="2400" dirty="0"/>
           </a:p>
           <a:p>
             <a:pPr marL="0" indent="0">
@@ -20133,13 +19593,6 @@
   <p:clrMapOvr>
     <a:masterClrMapping/>
   </p:clrMapOvr>
-  <p:timing>
-    <p:tnLst>
-      <p:par>
-        <p:cTn id="1" dur="indefinite" restart="never" nodeType="tmRoot"/>
-      </p:par>
-    </p:tnLst>
-  </p:timing>
 </p:sld>
 </file>
 
@@ -20203,31 +19656,31 @@
               <a:buNone/>
             </a:pPr>
             <a:r>
-              <a:rPr lang="da-DK" dirty="0" smtClean="0"/>
+              <a:rPr lang="da-DK" dirty="0"/>
               <a:t>Now, </a:t>
             </a:r>
             <a:r>
-              <a:rPr lang="da-DK" dirty="0" err="1" smtClean="0"/>
+              <a:rPr lang="da-DK" dirty="0" err="1"/>
               <a:t>reading</a:t>
             </a:r>
             <a:r>
-              <a:rPr lang="da-DK" dirty="0" smtClean="0"/>
+              <a:rPr lang="da-DK" dirty="0"/>
               <a:t> the </a:t>
             </a:r>
             <a:r>
-              <a:rPr lang="da-DK" dirty="0" err="1" smtClean="0"/>
+              <a:rPr lang="da-DK" dirty="0" err="1"/>
               <a:t>pressure</a:t>
             </a:r>
             <a:r>
-              <a:rPr lang="da-DK" dirty="0" smtClean="0"/>
+              <a:rPr lang="da-DK" dirty="0"/>
               <a:t> is </a:t>
             </a:r>
             <a:r>
-              <a:rPr lang="da-DK" dirty="0" err="1" smtClean="0"/>
+              <a:rPr lang="da-DK" dirty="0" err="1"/>
               <a:t>separated</a:t>
             </a:r>
             <a:r>
-              <a:rPr lang="da-DK" dirty="0" smtClean="0"/>
+              <a:rPr lang="da-DK" dirty="0"/>
               <a:t> out.</a:t>
             </a:r>
           </a:p>
@@ -20235,93 +19688,92 @@
             <a:pPr marL="0" indent="0">
               <a:buNone/>
             </a:pPr>
-            <a:endParaRPr lang="da-DK" dirty="0" smtClean="0"/>
+            <a:endParaRPr lang="da-DK" dirty="0"/>
           </a:p>
           <a:p>
             <a:pPr marL="0" indent="0">
               <a:buNone/>
             </a:pPr>
             <a:r>
-              <a:rPr lang="da-DK" dirty="0" err="1" smtClean="0"/>
+              <a:rPr lang="da-DK" dirty="0" err="1"/>
               <a:t>Wouldn’t</a:t>
             </a:r>
             <a:r>
-              <a:rPr lang="da-DK" dirty="0" smtClean="0"/>
+              <a:rPr lang="da-DK" dirty="0"/>
               <a:t> it </a:t>
             </a:r>
             <a:r>
-              <a:rPr lang="da-DK" dirty="0" err="1" smtClean="0"/>
+              <a:rPr lang="da-DK" dirty="0" err="1"/>
               <a:t>be</a:t>
             </a:r>
             <a:r>
-              <a:rPr lang="da-DK" dirty="0" smtClean="0"/>
+              <a:rPr lang="da-DK" dirty="0"/>
               <a:t> </a:t>
             </a:r>
             <a:r>
-              <a:rPr lang="da-DK" dirty="0" err="1" smtClean="0"/>
+              <a:rPr lang="da-DK" dirty="0" err="1"/>
               <a:t>nice</a:t>
             </a:r>
             <a:r>
-              <a:rPr lang="da-DK" dirty="0" smtClean="0"/>
+              <a:rPr lang="da-DK" dirty="0"/>
               <a:t>, </a:t>
             </a:r>
             <a:r>
-              <a:rPr lang="da-DK" dirty="0" err="1" smtClean="0"/>
+              <a:rPr lang="da-DK" dirty="0" err="1"/>
               <a:t>if</a:t>
             </a:r>
             <a:r>
-              <a:rPr lang="da-DK" dirty="0" smtClean="0"/>
+              <a:rPr lang="da-DK" dirty="0"/>
               <a:t> the </a:t>
             </a:r>
             <a:r>
-              <a:rPr lang="da-DK" dirty="0" err="1" smtClean="0"/>
+              <a:rPr lang="da-DK" dirty="0" err="1"/>
               <a:t>pressure</a:t>
             </a:r>
             <a:r>
-              <a:rPr lang="da-DK" dirty="0" smtClean="0"/>
+              <a:rPr lang="da-DK" dirty="0"/>
               <a:t> monitor did not have to </a:t>
             </a:r>
             <a:r>
-              <a:rPr lang="da-DK" dirty="0" err="1" smtClean="0"/>
+              <a:rPr lang="da-DK" dirty="0" err="1"/>
               <a:t>control</a:t>
             </a:r>
             <a:r>
-              <a:rPr lang="da-DK" dirty="0" smtClean="0"/>
+              <a:rPr lang="da-DK" dirty="0"/>
               <a:t> </a:t>
             </a:r>
             <a:r>
-              <a:rPr lang="da-DK" dirty="0" err="1" smtClean="0"/>
+              <a:rPr lang="da-DK" dirty="0" err="1"/>
               <a:t>when</a:t>
             </a:r>
             <a:r>
-              <a:rPr lang="da-DK" dirty="0" smtClean="0"/>
+              <a:rPr lang="da-DK" dirty="0"/>
               <a:t> the </a:t>
             </a:r>
             <a:r>
-              <a:rPr lang="da-DK" dirty="0" err="1" smtClean="0"/>
+              <a:rPr lang="da-DK" dirty="0" err="1"/>
               <a:t>pressure</a:t>
             </a:r>
             <a:r>
-              <a:rPr lang="da-DK" dirty="0" smtClean="0"/>
+              <a:rPr lang="da-DK" dirty="0"/>
               <a:t> </a:t>
             </a:r>
             <a:r>
-              <a:rPr lang="da-DK" dirty="0" err="1" smtClean="0"/>
+              <a:rPr lang="da-DK" dirty="0" err="1"/>
               <a:t>was</a:t>
             </a:r>
             <a:r>
-              <a:rPr lang="da-DK" dirty="0" smtClean="0"/>
+              <a:rPr lang="da-DK" dirty="0"/>
               <a:t> </a:t>
             </a:r>
             <a:r>
-              <a:rPr lang="da-DK" dirty="0" err="1" smtClean="0"/>
+              <a:rPr lang="da-DK" dirty="0" err="1"/>
               <a:t>read</a:t>
             </a:r>
             <a:r>
-              <a:rPr lang="da-DK" dirty="0" smtClean="0"/>
+              <a:rPr lang="da-DK" dirty="0"/>
               <a:t>?</a:t>
             </a:r>
-            <a:endParaRPr lang="da-DK" dirty="0"/>
           </a:p>
         </p:txBody>
       </p:sp>
@@ -20383,13 +19835,6 @@
   <p:clrMapOvr>
     <a:masterClrMapping/>
   </p:clrMapOvr>
-  <p:timing>
-    <p:tnLst>
-      <p:par>
-        <p:cTn id="1" dur="indefinite" restart="never" nodeType="tmRoot"/>
-      </p:par>
-    </p:tnLst>
-  </p:timing>
 </p:sld>
 </file>
 
@@ -20453,27 +19898,27 @@
               <a:buNone/>
             </a:pPr>
             <a:r>
-              <a:rPr lang="da-DK" dirty="0" err="1" smtClean="0"/>
+              <a:rPr lang="da-DK" dirty="0" err="1"/>
               <a:t>Let’s</a:t>
             </a:r>
             <a:r>
-              <a:rPr lang="da-DK" dirty="0" smtClean="0"/>
+              <a:rPr lang="da-DK" dirty="0"/>
               <a:t> put the </a:t>
             </a:r>
             <a:r>
-              <a:rPr lang="da-DK" dirty="0" err="1" smtClean="0"/>
+              <a:rPr lang="da-DK" dirty="0" err="1"/>
               <a:t>TyrePressureReader</a:t>
             </a:r>
             <a:r>
-              <a:rPr lang="da-DK" dirty="0" smtClean="0"/>
+              <a:rPr lang="da-DK" dirty="0"/>
               <a:t> on a separate </a:t>
             </a:r>
             <a:r>
-              <a:rPr lang="da-DK" dirty="0" err="1" smtClean="0"/>
+              <a:rPr lang="da-DK" dirty="0" err="1"/>
               <a:t>thread</a:t>
             </a:r>
             <a:r>
-              <a:rPr lang="da-DK" dirty="0" smtClean="0"/>
+              <a:rPr lang="da-DK" dirty="0"/>
               <a:t>.</a:t>
             </a:r>
           </a:p>
@@ -20488,66 +19933,65 @@
               <a:buNone/>
             </a:pPr>
             <a:r>
-              <a:rPr lang="da-DK" dirty="0" smtClean="0"/>
+              <a:rPr lang="da-DK" dirty="0"/>
               <a:t>How </a:t>
             </a:r>
             <a:r>
-              <a:rPr lang="da-DK" dirty="0" err="1" smtClean="0"/>
+              <a:rPr lang="da-DK" dirty="0" err="1"/>
               <a:t>does</a:t>
             </a:r>
             <a:r>
-              <a:rPr lang="da-DK" dirty="0" smtClean="0"/>
+              <a:rPr lang="da-DK" dirty="0"/>
               <a:t> the </a:t>
             </a:r>
             <a:r>
-              <a:rPr lang="da-DK" dirty="0" err="1" smtClean="0"/>
+              <a:rPr lang="da-DK" dirty="0" err="1"/>
               <a:t>TyrePressureMonitor</a:t>
             </a:r>
             <a:r>
-              <a:rPr lang="da-DK" dirty="0" smtClean="0"/>
+              <a:rPr lang="da-DK" dirty="0"/>
               <a:t> </a:t>
             </a:r>
             <a:r>
-              <a:rPr lang="da-DK" dirty="0" err="1" smtClean="0"/>
+              <a:rPr lang="da-DK" dirty="0" err="1"/>
               <a:t>know</a:t>
             </a:r>
             <a:r>
-              <a:rPr lang="da-DK" dirty="0" smtClean="0"/>
+              <a:rPr lang="da-DK" dirty="0"/>
               <a:t>, </a:t>
             </a:r>
             <a:r>
-              <a:rPr lang="da-DK" dirty="0" err="1" smtClean="0"/>
+              <a:rPr lang="da-DK" dirty="0" err="1"/>
               <a:t>when</a:t>
             </a:r>
             <a:r>
-              <a:rPr lang="da-DK" dirty="0" smtClean="0"/>
+              <a:rPr lang="da-DK" dirty="0"/>
               <a:t> a new </a:t>
             </a:r>
             <a:r>
-              <a:rPr lang="da-DK" dirty="0" err="1" smtClean="0"/>
+              <a:rPr lang="da-DK" dirty="0" err="1"/>
               <a:t>reading</a:t>
             </a:r>
             <a:r>
-              <a:rPr lang="da-DK" dirty="0" smtClean="0"/>
+              <a:rPr lang="da-DK" dirty="0"/>
               <a:t> has </a:t>
             </a:r>
             <a:r>
-              <a:rPr lang="da-DK" dirty="0" err="1" smtClean="0"/>
+              <a:rPr lang="da-DK" dirty="0" err="1"/>
               <a:t>taken</a:t>
             </a:r>
             <a:r>
-              <a:rPr lang="da-DK" dirty="0" smtClean="0"/>
+              <a:rPr lang="da-DK" dirty="0"/>
               <a:t> </a:t>
             </a:r>
             <a:r>
-              <a:rPr lang="da-DK" dirty="0" err="1" smtClean="0"/>
+              <a:rPr lang="da-DK" dirty="0" err="1"/>
               <a:t>place</a:t>
             </a:r>
             <a:r>
-              <a:rPr lang="da-DK" dirty="0" smtClean="0"/>
+              <a:rPr lang="da-DK" dirty="0"/>
               <a:t>?</a:t>
             </a:r>
-            <a:endParaRPr lang="da-DK" dirty="0"/>
           </a:p>
         </p:txBody>
       </p:sp>
@@ -20633,13 +20077,6 @@
   <p:clrMapOvr>
     <a:masterClrMapping/>
   </p:clrMapOvr>
-  <p:timing>
-    <p:tnLst>
-      <p:par>
-        <p:cTn id="1" dur="indefinite" restart="never" nodeType="tmRoot"/>
-      </p:par>
-    </p:tnLst>
-  </p:timing>
 </p:sld>
 </file>
 
@@ -20703,34 +20140,33 @@
               <a:buNone/>
             </a:pPr>
             <a:r>
-              <a:rPr lang="da-DK" dirty="0" smtClean="0"/>
+              <a:rPr lang="da-DK" dirty="0"/>
               <a:t>The Monitor </a:t>
             </a:r>
             <a:r>
-              <a:rPr lang="da-DK" dirty="0" err="1" smtClean="0"/>
+              <a:rPr lang="da-DK" dirty="0" err="1"/>
               <a:t>consumes</a:t>
             </a:r>
             <a:r>
-              <a:rPr lang="da-DK" dirty="0" smtClean="0"/>
+              <a:rPr lang="da-DK" dirty="0"/>
               <a:t> </a:t>
             </a:r>
             <a:r>
-              <a:rPr lang="da-DK" b="1" dirty="0" smtClean="0"/>
+              <a:rPr lang="da-DK" b="1" dirty="0"/>
               <a:t>data</a:t>
             </a:r>
             <a:r>
-              <a:rPr lang="da-DK" dirty="0" smtClean="0"/>
+              <a:rPr lang="da-DK" dirty="0"/>
               <a:t>, </a:t>
             </a:r>
             <a:r>
-              <a:rPr lang="da-DK" dirty="0" err="1" smtClean="0"/>
+              <a:rPr lang="da-DK" dirty="0" err="1"/>
               <a:t>which</a:t>
             </a:r>
             <a:r>
-              <a:rPr lang="da-DK" dirty="0" smtClean="0"/>
+              <a:rPr lang="da-DK" dirty="0"/>
               <a:t> the Reader provides.</a:t>
             </a:r>
-            <a:endParaRPr lang="da-DK" dirty="0"/>
           </a:p>
         </p:txBody>
       </p:sp>
@@ -20816,13 +20252,6 @@
   <p:clrMapOvr>
     <a:masterClrMapping/>
   </p:clrMapOvr>
-  <p:timing>
-    <p:tnLst>
-      <p:par>
-        <p:cTn id="1" dur="indefinite" restart="never" nodeType="tmRoot"/>
-      </p:par>
-    </p:tnLst>
-  </p:timing>
 </p:sld>
 </file>
 

--- a/07 Thread Synchronization 2/Thread Synchronization pt 2.pptx
+++ b/07 Thread Synchronization 2/Thread Synchronization pt 2.pptx
@@ -232,7 +232,7 @@
           <a:p>
             <a:fld id="{C3D45B35-5990-4A22-9246-3EAB55A12994}" type="datetimeFigureOut">
               <a:rPr lang="da-DK" smtClean="0"/>
-              <a:t>02-10-2023</a:t>
+              <a:t>04.10.2023</a:t>
             </a:fld>
             <a:endParaRPr lang="da-DK"/>
           </a:p>
@@ -618,7 +618,7 @@
             </a:r>
             <a:r>
               <a:rPr lang="da-DK" baseline="0" dirty="0" err="1"/>
-              <a:t>tranlated</a:t>
+              <a:t>translated</a:t>
             </a:r>
             <a:r>
               <a:rPr lang="da-DK" baseline="0" dirty="0"/>
@@ -1688,7 +1688,7 @@
           <a:lstStyle/>
           <a:p>
             <a:r>
-              <a:rPr lang="en-US" dirty="0" smtClean="0"/>
+              <a:rPr lang="en-US" dirty="0"/>
               <a:t>Let’s look at the part with the Events.</a:t>
             </a:r>
             <a:endParaRPr lang="da-DK" dirty="0"/>
@@ -6152,13 +6152,6 @@
   <p:clrMapOvr>
     <a:masterClrMapping/>
   </p:clrMapOvr>
-  <p:timing>
-    <p:tnLst>
-      <p:par>
-        <p:cTn id="1" dur="indefinite" restart="never" nodeType="tmRoot"/>
-      </p:par>
-    </p:tnLst>
-  </p:timing>
 </p:sld>
 </file>
 
@@ -6390,13 +6383,6 @@
   <p:clrMapOvr>
     <a:masterClrMapping/>
   </p:clrMapOvr>
-  <p:timing>
-    <p:tnLst>
-      <p:par>
-        <p:cTn id="1" dur="indefinite" restart="never" nodeType="tmRoot"/>
-      </p:par>
-    </p:tnLst>
-  </p:timing>
 </p:sld>
 </file>
 
@@ -6610,13 +6596,6 @@
   <p:clrMapOvr>
     <a:masterClrMapping/>
   </p:clrMapOvr>
-  <p:timing>
-    <p:tnLst>
-      <p:par>
-        <p:cTn id="1" dur="indefinite" restart="never" nodeType="tmRoot"/>
-      </p:par>
-    </p:tnLst>
-  </p:timing>
 </p:sld>
 </file>
 
@@ -7080,13 +7059,6 @@
   <p:clrMapOvr>
     <a:masterClrMapping/>
   </p:clrMapOvr>
-  <p:timing>
-    <p:tnLst>
-      <p:par>
-        <p:cTn id="1" dur="indefinite" restart="never" nodeType="tmRoot"/>
-      </p:par>
-    </p:tnLst>
-  </p:timing>
 </p:sld>
 </file>
 
@@ -7296,13 +7268,6 @@
   <p:clrMapOvr>
     <a:masterClrMapping/>
   </p:clrMapOvr>
-  <p:timing>
-    <p:tnLst>
-      <p:par>
-        <p:cTn id="1" dur="indefinite" restart="never" nodeType="tmRoot"/>
-      </p:par>
-    </p:tnLst>
-  </p:timing>
 </p:sld>
 </file>
 
@@ -7379,13 +7344,6 @@
   <p:clrMapOvr>
     <a:masterClrMapping/>
   </p:clrMapOvr>
-  <p:timing>
-    <p:tnLst>
-      <p:par>
-        <p:cTn id="1" dur="indefinite" restart="never" nodeType="tmRoot"/>
-      </p:par>
-    </p:tnLst>
-  </p:timing>
 </p:sld>
 </file>
 
@@ -7655,12 +7613,12 @@
           <a:lstStyle/>
           <a:p>
             <a:r>
-              <a:rPr lang="en-US" dirty="0" err="1" smtClean="0">
+              <a:rPr lang="en-US" dirty="0" err="1">
                 <a:latin typeface="Gill Sans MT" panose="020B0502020104020203" pitchFamily="34" charset="0"/>
               </a:rPr>
               <a:t>DataReadyEvent</a:t>
             </a:r>
-            <a:endParaRPr lang="da-DK" dirty="0" smtClean="0">
+            <a:endParaRPr lang="da-DK" dirty="0">
               <a:latin typeface="Gill Sans MT" panose="020B0502020104020203" pitchFamily="34" charset="0"/>
             </a:endParaRPr>
           </a:p>
@@ -7676,13 +7634,6 @@
   <p:clrMapOvr>
     <a:masterClrMapping/>
   </p:clrMapOvr>
-  <p:timing>
-    <p:tnLst>
-      <p:par>
-        <p:cTn id="1" dur="indefinite" restart="never" nodeType="tmRoot"/>
-      </p:par>
-    </p:tnLst>
-  </p:timing>
 </p:sld>
 </file>
 
@@ -7836,7 +7787,7 @@
               <a:t>value</a:t>
             </a:r>
             <a:r>
-              <a:rPr lang="da-DK" dirty="0" smtClean="0"/>
+              <a:rPr lang="da-DK" dirty="0"/>
               <a:t>.</a:t>
             </a:r>
           </a:p>
@@ -7851,7 +7802,7 @@
               <a:buNone/>
             </a:pPr>
             <a:r>
-              <a:rPr lang="en-US" dirty="0" smtClean="0"/>
+              <a:rPr lang="en-US" dirty="0"/>
               <a:t>We can signal this between threads with Events</a:t>
             </a:r>
             <a:endParaRPr lang="da-DK" dirty="0"/>
@@ -7944,12 +7895,12 @@
           <a:lstStyle/>
           <a:p>
             <a:r>
-              <a:rPr lang="en-US" dirty="0" err="1" smtClean="0">
+              <a:rPr lang="en-US" dirty="0" err="1">
                 <a:latin typeface="Gill Sans MT" panose="020B0502020104020203" pitchFamily="34" charset="0"/>
               </a:rPr>
               <a:t>DataConsumedEvent</a:t>
             </a:r>
-            <a:endParaRPr lang="da-DK" dirty="0" smtClean="0">
+            <a:endParaRPr lang="da-DK" dirty="0">
               <a:latin typeface="Gill Sans MT" panose="020B0502020104020203" pitchFamily="34" charset="0"/>
             </a:endParaRPr>
           </a:p>
@@ -7965,13 +7916,6 @@
   <p:clrMapOvr>
     <a:masterClrMapping/>
   </p:clrMapOvr>
-  <p:timing>
-    <p:tnLst>
-      <p:par>
-        <p:cTn id="1" dur="indefinite" restart="never" nodeType="tmRoot"/>
-      </p:par>
-    </p:tnLst>
-  </p:timing>
 </p:sld>
 </file>
 
@@ -8038,12 +7982,8 @@
               <a:buNone/>
             </a:pPr>
             <a:r>
-              <a:rPr lang="da-DK" dirty="0" smtClean="0"/>
-              <a:t>But</a:t>
-            </a:r>
-            <a:r>
-              <a:rPr lang="da-DK" dirty="0" smtClean="0"/>
-              <a:t> </a:t>
+              <a:rPr lang="da-DK" dirty="0"/>
+              <a:t>But </a:t>
             </a:r>
             <a:r>
               <a:rPr lang="da-DK" dirty="0" err="1"/>
@@ -8106,13 +8046,6 @@
   <p:clrMapOvr>
     <a:masterClrMapping/>
   </p:clrMapOvr>
-  <p:timing>
-    <p:tnLst>
-      <p:par>
-        <p:cTn id="1" dur="indefinite" restart="never" nodeType="tmRoot"/>
-      </p:par>
-    </p:tnLst>
-  </p:timing>
 </p:sld>
 </file>
 
@@ -8179,7 +8112,7 @@
               <a:buNone/>
             </a:pPr>
             <a:r>
-              <a:rPr lang="da-DK" dirty="0" smtClean="0"/>
+              <a:rPr lang="da-DK" dirty="0"/>
               <a:t>But </a:t>
             </a:r>
             <a:r>
@@ -8306,13 +8239,6 @@
   <p:clrMapOvr>
     <a:masterClrMapping/>
   </p:clrMapOvr>
-  <p:timing>
-    <p:tnLst>
-      <p:par>
-        <p:cTn id="1" dur="indefinite" restart="never" nodeType="tmRoot"/>
-      </p:par>
-    </p:tnLst>
-  </p:timing>
 </p:sld>
 </file>
 
@@ -8389,13 +8315,6 @@
   <p:clrMapOvr>
     <a:masterClrMapping/>
   </p:clrMapOvr>
-  <p:timing>
-    <p:tnLst>
-      <p:par>
-        <p:cTn id="1" dur="indefinite" restart="never" nodeType="tmRoot"/>
-      </p:par>
-    </p:tnLst>
-  </p:timing>
 </p:sld>
 </file>
 
@@ -8541,13 +8460,6 @@
   <p:clrMapOvr>
     <a:masterClrMapping/>
   </p:clrMapOvr>
-  <p:timing>
-    <p:tnLst>
-      <p:par>
-        <p:cTn id="1" dur="indefinite" restart="never" nodeType="tmRoot"/>
-      </p:par>
-    </p:tnLst>
-  </p:timing>
 </p:sld>
 </file>
 
@@ -8832,13 +8744,6 @@
   <p:clrMapOvr>
     <a:masterClrMapping/>
   </p:clrMapOvr>
-  <p:timing>
-    <p:tnLst>
-      <p:par>
-        <p:cTn id="1" dur="indefinite" restart="never" nodeType="tmRoot"/>
-      </p:par>
-    </p:tnLst>
-  </p:timing>
 </p:sld>
 </file>
 
@@ -10072,13 +9977,6 @@
   <p:clrMapOvr>
     <a:masterClrMapping/>
   </p:clrMapOvr>
-  <p:timing>
-    <p:tnLst>
-      <p:par>
-        <p:cTn id="1" dur="indefinite" restart="never" nodeType="tmRoot"/>
-      </p:par>
-    </p:tnLst>
-  </p:timing>
 </p:sld>
 </file>
 
@@ -10981,13 +10879,6 @@
   <p:clrMapOvr>
     <a:masterClrMapping/>
   </p:clrMapOvr>
-  <p:timing>
-    <p:tnLst>
-      <p:par>
-        <p:cTn id="1" dur="indefinite" restart="never" nodeType="tmRoot"/>
-      </p:par>
-    </p:tnLst>
-  </p:timing>
 </p:sld>
 </file>
 
@@ -11882,13 +11773,6 @@
   <p:clrMapOvr>
     <a:masterClrMapping/>
   </p:clrMapOvr>
-  <p:timing>
-    <p:tnLst>
-      <p:par>
-        <p:cTn id="1" dur="indefinite" restart="never" nodeType="tmRoot"/>
-      </p:par>
-    </p:tnLst>
-  </p:timing>
 </p:sld>
 </file>
 
@@ -12483,13 +12367,6 @@
   <p:clrMapOvr>
     <a:masterClrMapping/>
   </p:clrMapOvr>
-  <p:timing>
-    <p:tnLst>
-      <p:par>
-        <p:cTn id="1" dur="indefinite" restart="never" nodeType="tmRoot"/>
-      </p:par>
-    </p:tnLst>
-  </p:timing>
 </p:sld>
 </file>
 
@@ -12899,13 +12776,6 @@
   <p:clrMapOvr>
     <a:masterClrMapping/>
   </p:clrMapOvr>
-  <p:timing>
-    <p:tnLst>
-      <p:par>
-        <p:cTn id="1" dur="indefinite" restart="never" nodeType="tmRoot"/>
-      </p:par>
-    </p:tnLst>
-  </p:timing>
 </p:sld>
 </file>
 
@@ -13154,31 +13024,8 @@
                   <a:schemeClr val="bg1"/>
                 </a:solidFill>
               </a:rPr>
-              <a:t> 1, </a:t>
-            </a:r>
-            <a:r>
-              <a:rPr lang="da-DK" sz="6000" b="1" dirty="0" smtClean="0">
-                <a:ln w="25400">
-                  <a:solidFill>
-                    <a:schemeClr val="tx1"/>
-                  </a:solidFill>
-                </a:ln>
-                <a:solidFill>
-                  <a:schemeClr val="bg1"/>
-                </a:solidFill>
-              </a:rPr>
-              <a:t>2 and 3</a:t>
-            </a:r>
-            <a:endParaRPr lang="da-DK" sz="6000" b="1" dirty="0">
-              <a:ln w="25400">
-                <a:solidFill>
-                  <a:schemeClr val="tx1"/>
-                </a:solidFill>
-              </a:ln>
-              <a:solidFill>
-                <a:schemeClr val="bg1"/>
-              </a:solidFill>
-            </a:endParaRPr>
+              <a:t> 1, 2 and 3</a:t>
+            </a:r>
           </a:p>
           <a:p>
             <a:pPr marL="0" indent="0" algn="ctr">
@@ -13210,10 +13057,10 @@
                   <a:schemeClr val="bg1"/>
                 </a:solidFill>
               </a:rPr>
-              <a:t>(and </a:t>
-            </a:r>
-            <a:r>
-              <a:rPr lang="da-DK" sz="4800" b="1" dirty="0" smtClean="0">
+              <a:t>(and 4, 5 and 6 if </a:t>
+            </a:r>
+            <a:r>
+              <a:rPr lang="da-DK" sz="4800" b="1" dirty="0" err="1">
                 <a:ln w="25400">
                   <a:solidFill>
                     <a:schemeClr val="tx1"/>
@@ -13223,7 +13070,7 @@
                   <a:schemeClr val="bg1"/>
                 </a:solidFill>
               </a:rPr>
-              <a:t>4, 5</a:t>
+              <a:t>you</a:t>
             </a:r>
             <a:r>
               <a:rPr lang="da-DK" sz="4800" b="1" dirty="0">
@@ -13239,7 +13086,7 @@
               <a:t> </a:t>
             </a:r>
             <a:r>
-              <a:rPr lang="da-DK" sz="4800" b="1" dirty="0" smtClean="0">
+              <a:rPr lang="da-DK" sz="4800" b="1" dirty="0" err="1">
                 <a:ln w="25400">
                   <a:solidFill>
                     <a:schemeClr val="tx1"/>
@@ -13249,20 +13096,7 @@
                   <a:schemeClr val="bg1"/>
                 </a:solidFill>
               </a:rPr>
-              <a:t>and</a:t>
-            </a:r>
-            <a:r>
-              <a:rPr lang="da-DK" sz="4800" b="1" dirty="0" smtClean="0">
-                <a:ln w="25400">
-                  <a:solidFill>
-                    <a:schemeClr val="tx1"/>
-                  </a:solidFill>
-                </a:ln>
-                <a:solidFill>
-                  <a:schemeClr val="bg1"/>
-                </a:solidFill>
-              </a:rPr>
-              <a:t> </a:t>
+              <a:t>like</a:t>
             </a:r>
             <a:r>
               <a:rPr lang="da-DK" sz="4800" b="1" dirty="0">
@@ -13275,83 +13109,8 @@
                   <a:schemeClr val="bg1"/>
                 </a:solidFill>
               </a:rPr>
-              <a:t>6 </a:t>
-            </a:r>
-            <a:r>
-              <a:rPr lang="da-DK" sz="4800" b="1" dirty="0" smtClean="0">
-                <a:ln w="25400">
-                  <a:solidFill>
-                    <a:schemeClr val="tx1"/>
-                  </a:solidFill>
-                </a:ln>
-                <a:solidFill>
-                  <a:schemeClr val="bg1"/>
-                </a:solidFill>
-              </a:rPr>
-              <a:t>if </a:t>
-            </a:r>
-            <a:r>
-              <a:rPr lang="da-DK" sz="4800" b="1" dirty="0" err="1">
-                <a:ln w="25400">
-                  <a:solidFill>
-                    <a:schemeClr val="tx1"/>
-                  </a:solidFill>
-                </a:ln>
-                <a:solidFill>
-                  <a:schemeClr val="bg1"/>
-                </a:solidFill>
-              </a:rPr>
-              <a:t>you</a:t>
-            </a:r>
-            <a:r>
-              <a:rPr lang="da-DK" sz="4800" b="1" dirty="0">
-                <a:ln w="25400">
-                  <a:solidFill>
-                    <a:schemeClr val="tx1"/>
-                  </a:solidFill>
-                </a:ln>
-                <a:solidFill>
-                  <a:schemeClr val="bg1"/>
-                </a:solidFill>
-              </a:rPr>
-              <a:t> </a:t>
-            </a:r>
-            <a:r>
-              <a:rPr lang="da-DK" sz="4800" b="1" dirty="0" err="1" smtClean="0">
-                <a:ln w="25400">
-                  <a:solidFill>
-                    <a:schemeClr val="tx1"/>
-                  </a:solidFill>
-                </a:ln>
-                <a:solidFill>
-                  <a:schemeClr val="bg1"/>
-                </a:solidFill>
-              </a:rPr>
-              <a:t>like</a:t>
-            </a:r>
-            <a:r>
-              <a:rPr lang="da-DK" sz="4800" b="1" dirty="0" smtClean="0">
-                <a:ln w="25400">
-                  <a:solidFill>
-                    <a:schemeClr val="tx1"/>
-                  </a:solidFill>
-                </a:ln>
-                <a:solidFill>
-                  <a:schemeClr val="bg1"/>
-                </a:solidFill>
-              </a:rPr>
               <a:t>)</a:t>
             </a:r>
-            <a:endParaRPr lang="da-DK" sz="4800" b="1" dirty="0">
-              <a:ln w="25400">
-                <a:solidFill>
-                  <a:schemeClr val="tx1"/>
-                </a:solidFill>
-              </a:ln>
-              <a:solidFill>
-                <a:schemeClr val="bg1"/>
-              </a:solidFill>
-            </a:endParaRPr>
           </a:p>
         </p:txBody>
       </p:sp>
@@ -13365,13 +13124,6 @@
   <p:clrMapOvr>
     <a:masterClrMapping/>
   </p:clrMapOvr>
-  <p:timing>
-    <p:tnLst>
-      <p:par>
-        <p:cTn id="1" dur="indefinite" restart="never" nodeType="tmRoot"/>
-      </p:par>
-    </p:tnLst>
-  </p:timing>
 </p:sld>
 </file>
 
@@ -13408,7 +13160,7 @@
           <a:lstStyle/>
           <a:p>
             <a:r>
-              <a:rPr lang="en-US" dirty="0" smtClean="0"/>
+              <a:rPr lang="en-US" dirty="0"/>
               <a:t>Thread communication with Events</a:t>
             </a:r>
             <a:endParaRPr lang="da-DK" dirty="0"/>
@@ -13444,13 +13196,6 @@
   <p:clrMapOvr>
     <a:masterClrMapping/>
   </p:clrMapOvr>
-  <p:timing>
-    <p:tnLst>
-      <p:par>
-        <p:cTn id="1" dur="indefinite" restart="never" nodeType="tmRoot"/>
-      </p:par>
-    </p:tnLst>
-  </p:timing>
 </p:sld>
 </file>
 
@@ -13516,15 +13261,15 @@
               <a:buNone/>
             </a:pPr>
             <a:r>
-              <a:rPr lang="en-US" dirty="0" smtClean="0"/>
+              <a:rPr lang="en-US" dirty="0"/>
               <a:t>A </a:t>
             </a:r>
             <a:r>
-              <a:rPr lang="en-US" dirty="0" err="1" smtClean="0"/>
+              <a:rPr lang="en-US" dirty="0" err="1"/>
               <a:t>WaterLevelSensor</a:t>
             </a:r>
             <a:r>
-              <a:rPr lang="en-US" dirty="0" smtClean="0"/>
+              <a:rPr lang="en-US" dirty="0"/>
               <a:t> reads the water level.</a:t>
             </a:r>
           </a:p>
@@ -13539,18 +13284,17 @@
               <a:buNone/>
             </a:pPr>
             <a:r>
-              <a:rPr lang="en-US" dirty="0" smtClean="0"/>
+              <a:rPr lang="en-US" dirty="0"/>
               <a:t>The reading is sent to a </a:t>
             </a:r>
             <a:r>
-              <a:rPr lang="en-US" dirty="0" err="1" smtClean="0"/>
+              <a:rPr lang="en-US" dirty="0" err="1"/>
               <a:t>WaterLevelMonitor</a:t>
             </a:r>
             <a:r>
-              <a:rPr lang="en-US" dirty="0" smtClean="0"/>
+              <a:rPr lang="en-US" dirty="0"/>
               <a:t>.</a:t>
             </a:r>
-            <a:endParaRPr lang="en-US" dirty="0"/>
           </a:p>
           <a:p>
             <a:pPr marL="0" indent="0">
@@ -13558,18 +13302,14 @@
             </a:pPr>
             <a:r>
               <a:rPr lang="en-US" dirty="0"/>
-              <a:t>I</a:t>
-            </a:r>
-            <a:r>
-              <a:rPr lang="en-US" dirty="0" smtClean="0"/>
-              <a:t>f the water level is too high, it sends an event to a </a:t>
-            </a:r>
-            <a:r>
-              <a:rPr lang="en-US" dirty="0" err="1" smtClean="0"/>
+              <a:t>If the water level is too high, it sends an event to a </a:t>
+            </a:r>
+            <a:r>
+              <a:rPr lang="en-US" dirty="0" err="1"/>
               <a:t>PumpController</a:t>
             </a:r>
             <a:r>
-              <a:rPr lang="en-US" dirty="0" smtClean="0"/>
+              <a:rPr lang="en-US" dirty="0"/>
               <a:t>, which runs a pump for a given time.</a:t>
             </a:r>
           </a:p>
@@ -13609,13 +13349,6 @@
   <p:clrMapOvr>
     <a:masterClrMapping/>
   </p:clrMapOvr>
-  <p:timing>
-    <p:tnLst>
-      <p:par>
-        <p:cTn id="1" dur="indefinite" restart="never" nodeType="tmRoot"/>
-      </p:par>
-    </p:tnLst>
-  </p:timing>
 </p:sld>
 </file>
 
@@ -13681,15 +13414,15 @@
               <a:buNone/>
             </a:pPr>
             <a:r>
-              <a:rPr lang="en-US" dirty="0" smtClean="0"/>
+              <a:rPr lang="en-US" dirty="0"/>
               <a:t>A </a:t>
             </a:r>
             <a:r>
-              <a:rPr lang="en-US" dirty="0" err="1" smtClean="0"/>
+              <a:rPr lang="en-US" dirty="0" err="1"/>
               <a:t>WaterLevelSensor</a:t>
             </a:r>
             <a:r>
-              <a:rPr lang="en-US" dirty="0" smtClean="0"/>
+              <a:rPr lang="en-US" dirty="0"/>
               <a:t> reads the water level.</a:t>
             </a:r>
           </a:p>
@@ -13704,18 +13437,17 @@
               <a:buNone/>
             </a:pPr>
             <a:r>
-              <a:rPr lang="en-US" dirty="0" smtClean="0"/>
+              <a:rPr lang="en-US" dirty="0"/>
               <a:t>The reading is sent to a </a:t>
             </a:r>
             <a:r>
-              <a:rPr lang="en-US" dirty="0" err="1" smtClean="0"/>
+              <a:rPr lang="en-US" dirty="0" err="1"/>
               <a:t>WaterLevelMonitor</a:t>
             </a:r>
             <a:r>
-              <a:rPr lang="en-US" dirty="0" smtClean="0"/>
+              <a:rPr lang="en-US" dirty="0"/>
               <a:t>.</a:t>
             </a:r>
-            <a:endParaRPr lang="en-US" dirty="0"/>
           </a:p>
           <a:p>
             <a:pPr marL="0" indent="0">
@@ -13723,18 +13455,14 @@
             </a:pPr>
             <a:r>
               <a:rPr lang="en-US" dirty="0"/>
-              <a:t>I</a:t>
-            </a:r>
-            <a:r>
-              <a:rPr lang="en-US" dirty="0" smtClean="0"/>
-              <a:t>f the water level is too high, it sends an event to a </a:t>
-            </a:r>
-            <a:r>
-              <a:rPr lang="en-US" dirty="0" err="1" smtClean="0"/>
+              <a:t>If the water level is too high, it sends an event to a </a:t>
+            </a:r>
+            <a:r>
+              <a:rPr lang="en-US" dirty="0" err="1"/>
               <a:t>PumpController</a:t>
             </a:r>
             <a:r>
-              <a:rPr lang="en-US" dirty="0" smtClean="0"/>
+              <a:rPr lang="en-US" dirty="0"/>
               <a:t>, which runs a pump for a given time.</a:t>
             </a:r>
           </a:p>
@@ -13822,13 +13550,6 @@
   <p:clrMapOvr>
     <a:masterClrMapping/>
   </p:clrMapOvr>
-  <p:timing>
-    <p:tnLst>
-      <p:par>
-        <p:cTn id="1" dur="indefinite" restart="never" nodeType="tmRoot"/>
-      </p:par>
-    </p:tnLst>
-  </p:timing>
 </p:sld>
 </file>
 
@@ -13918,13 +13639,6 @@
   <p:clrMapOvr>
     <a:masterClrMapping/>
   </p:clrMapOvr>
-  <p:timing>
-    <p:tnLst>
-      <p:par>
-        <p:cTn id="1" dur="indefinite" restart="never" nodeType="tmRoot"/>
-      </p:par>
-    </p:tnLst>
-  </p:timing>
 </p:sld>
 </file>
 
@@ -14125,13 +13839,6 @@
   <p:clrMapOvr>
     <a:masterClrMapping/>
   </p:clrMapOvr>
-  <p:timing>
-    <p:tnLst>
-      <p:par>
-        <p:cTn id="1" dur="indefinite" restart="never" nodeType="tmRoot"/>
-      </p:par>
-    </p:tnLst>
-  </p:timing>
 </p:sld>
 </file>
 
@@ -14168,7 +13875,7 @@
           <a:lstStyle/>
           <a:p>
             <a:r>
-              <a:rPr lang="da-DK" dirty="0" err="1" smtClean="0"/>
+              <a:rPr lang="da-DK" dirty="0" err="1"/>
               <a:t>WaterLevelMonitor</a:t>
             </a:r>
             <a:endParaRPr lang="da-DK" dirty="0"/>
@@ -14201,31 +13908,31 @@
               <a:buNone/>
             </a:pPr>
             <a:r>
-              <a:rPr lang="en-US" dirty="0" smtClean="0"/>
+              <a:rPr lang="en-US" dirty="0"/>
               <a:t>The </a:t>
             </a:r>
             <a:r>
-              <a:rPr lang="en-US" dirty="0" err="1" smtClean="0"/>
+              <a:rPr lang="en-US" dirty="0" err="1"/>
               <a:t>WaterLevelMonitor</a:t>
             </a:r>
             <a:r>
-              <a:rPr lang="en-US" dirty="0" smtClean="0"/>
+              <a:rPr lang="en-US" dirty="0"/>
               <a:t> and </a:t>
             </a:r>
             <a:r>
-              <a:rPr lang="en-US" dirty="0" err="1" smtClean="0"/>
+              <a:rPr lang="en-US" dirty="0" err="1"/>
               <a:t>PumpController</a:t>
             </a:r>
             <a:r>
-              <a:rPr lang="en-US" dirty="0" smtClean="0"/>
+              <a:rPr lang="en-US" dirty="0"/>
               <a:t> share the same </a:t>
             </a:r>
             <a:r>
-              <a:rPr lang="en-US" dirty="0" err="1" smtClean="0"/>
+              <a:rPr lang="en-US" dirty="0" err="1"/>
               <a:t>AutoResetEvent</a:t>
             </a:r>
             <a:r>
-              <a:rPr lang="en-US" dirty="0" smtClean="0"/>
+              <a:rPr lang="en-US" dirty="0"/>
               <a:t>.</a:t>
             </a:r>
           </a:p>
@@ -14240,11 +13947,11 @@
               <a:buNone/>
             </a:pPr>
             <a:r>
-              <a:rPr lang="en-US" dirty="0" err="1" smtClean="0"/>
+              <a:rPr lang="en-US" dirty="0" err="1"/>
               <a:t>WaterLevelMonitor</a:t>
             </a:r>
             <a:r>
-              <a:rPr lang="en-US" dirty="0" smtClean="0"/>
+              <a:rPr lang="en-US" dirty="0"/>
               <a:t> set the event.</a:t>
             </a:r>
             <a:endParaRPr lang="da-DK" dirty="0"/>
@@ -14510,7 +14217,7 @@
           </a:p>
           <a:p>
             <a:r>
-              <a:rPr lang="da-DK" sz="1200" dirty="0" smtClean="0">
+              <a:rPr lang="da-DK" sz="1200" dirty="0">
                 <a:solidFill>
                   <a:srgbClr val="000000"/>
                 </a:solidFill>
@@ -14896,7 +14603,7 @@
               <a:t>, </a:t>
             </a:r>
             <a:r>
-              <a:rPr lang="en-US" sz="1200" dirty="0" err="1" smtClean="0">
+              <a:rPr lang="en-US" sz="1200" dirty="0" err="1">
                 <a:solidFill>
                   <a:srgbClr val="000000"/>
                 </a:solidFill>
@@ -15172,13 +14879,6 @@
   <p:clrMapOvr>
     <a:masterClrMapping/>
   </p:clrMapOvr>
-  <p:timing>
-    <p:tnLst>
-      <p:par>
-        <p:cTn id="1" dur="indefinite" restart="never" nodeType="tmRoot"/>
-      </p:par>
-    </p:tnLst>
-  </p:timing>
 </p:sld>
 </file>
 
@@ -15215,7 +14915,7 @@
           <a:lstStyle/>
           <a:p>
             <a:r>
-              <a:rPr lang="da-DK" dirty="0" err="1" smtClean="0"/>
+              <a:rPr lang="da-DK" dirty="0" err="1"/>
               <a:t>PumpController</a:t>
             </a:r>
             <a:endParaRPr lang="da-DK" dirty="0"/>
@@ -15280,22 +14980,22 @@
             <a:pPr marL="0" indent="0">
               <a:buNone/>
             </a:pPr>
-            <a:endParaRPr lang="en-US" dirty="0" smtClean="0"/>
+            <a:endParaRPr lang="en-US" dirty="0"/>
           </a:p>
           <a:p>
             <a:pPr marL="0" indent="0">
               <a:buNone/>
             </a:pPr>
             <a:r>
-              <a:rPr lang="en-US" dirty="0" smtClean="0"/>
+              <a:rPr lang="en-US" dirty="0"/>
               <a:t>The </a:t>
             </a:r>
             <a:r>
-              <a:rPr lang="en-US" dirty="0" err="1" smtClean="0"/>
+              <a:rPr lang="en-US" dirty="0" err="1"/>
               <a:t>PumpController</a:t>
             </a:r>
             <a:r>
-              <a:rPr lang="en-US" dirty="0" smtClean="0"/>
+              <a:rPr lang="en-US" dirty="0"/>
               <a:t> waits for the event.</a:t>
             </a:r>
           </a:p>
@@ -15310,7 +15010,7 @@
               <a:buNone/>
             </a:pPr>
             <a:r>
-              <a:rPr lang="en-US" dirty="0" smtClean="0"/>
+              <a:rPr lang="en-US" dirty="0"/>
               <a:t>A timeout is used to allow the thread to shut down properly and not wait forever, if the other thread stops sending events.</a:t>
             </a:r>
             <a:endParaRPr lang="da-DK" dirty="0"/>
@@ -15356,7 +15056,7 @@
           <a:lstStyle/>
           <a:p>
             <a:r>
-              <a:rPr lang="da-DK" sz="1200" dirty="0" smtClean="0">
+              <a:rPr lang="da-DK" sz="1200" dirty="0">
                 <a:solidFill>
                   <a:srgbClr val="0000FF"/>
                 </a:solidFill>
@@ -15365,7 +15065,7 @@
               <a:t>public</a:t>
             </a:r>
             <a:r>
-              <a:rPr lang="da-DK" sz="1200" dirty="0" smtClean="0">
+              <a:rPr lang="da-DK" sz="1200" dirty="0">
                 <a:solidFill>
                   <a:srgbClr val="000000"/>
                 </a:solidFill>
@@ -15605,22 +15305,13 @@
           </a:p>
           <a:p>
             <a:r>
-              <a:rPr lang="da-DK" sz="1200" dirty="0" smtClean="0">
-                <a:solidFill>
-                  <a:srgbClr val="000000"/>
-                </a:solidFill>
-                <a:latin typeface="Cascadia Mono" panose="020B0609020000020004" pitchFamily="49" charset="0"/>
-              </a:rPr>
-              <a:t>      </a:t>
-            </a:r>
-            <a:r>
               <a:rPr lang="da-DK" sz="1200" dirty="0">
                 <a:solidFill>
                   <a:srgbClr val="000000"/>
                 </a:solidFill>
                 <a:latin typeface="Cascadia Mono" panose="020B0609020000020004" pitchFamily="49" charset="0"/>
               </a:rPr>
-              <a:t>_</a:t>
+              <a:t>      _</a:t>
             </a:r>
             <a:r>
               <a:rPr lang="da-DK" sz="1200" dirty="0" err="1">
@@ -15802,16 +15493,7 @@
                 </a:solidFill>
                 <a:latin typeface="Cascadia Mono" panose="020B0609020000020004" pitchFamily="49" charset="0"/>
               </a:rPr>
-              <a:t>    </a:t>
-            </a:r>
-            <a:r>
-              <a:rPr lang="da-DK" sz="1200" dirty="0" smtClean="0">
-                <a:solidFill>
-                  <a:srgbClr val="000000"/>
-                </a:solidFill>
-                <a:latin typeface="Cascadia Mono" panose="020B0609020000020004" pitchFamily="49" charset="0"/>
-              </a:rPr>
-              <a:t>      </a:t>
+              <a:t>          </a:t>
             </a:r>
             <a:r>
               <a:rPr lang="da-DK" sz="1200" dirty="0" err="1">
@@ -15876,16 +15558,7 @@
                 </a:solidFill>
                 <a:latin typeface="Cascadia Mono" panose="020B0609020000020004" pitchFamily="49" charset="0"/>
               </a:rPr>
-              <a:t>    </a:t>
-            </a:r>
-            <a:r>
-              <a:rPr lang="da-DK" sz="1200" dirty="0" smtClean="0">
-                <a:solidFill>
-                  <a:srgbClr val="000000"/>
-                </a:solidFill>
-                <a:latin typeface="Cascadia Mono" panose="020B0609020000020004" pitchFamily="49" charset="0"/>
-              </a:rPr>
-              <a:t>      </a:t>
+              <a:t>          </a:t>
             </a:r>
             <a:r>
               <a:rPr lang="da-DK" sz="1200" dirty="0">
@@ -15932,17 +15605,57 @@
                 </a:solidFill>
                 <a:latin typeface="Cascadia Mono" panose="020B0609020000020004" pitchFamily="49" charset="0"/>
               </a:rPr>
-              <a:t>    </a:t>
-            </a:r>
-            <a:r>
-              <a:rPr lang="da-DK" sz="1200" dirty="0" smtClean="0">
-                <a:solidFill>
-                  <a:srgbClr val="000000"/>
-                </a:solidFill>
-                <a:latin typeface="Cascadia Mono" panose="020B0609020000020004" pitchFamily="49" charset="0"/>
-              </a:rPr>
-              <a:t>      </a:t>
-            </a:r>
+              <a:t>          {</a:t>
+            </a:r>
+          </a:p>
+          <a:p>
+            <a:r>
+              <a:rPr lang="en-US" sz="1200" dirty="0">
+                <a:solidFill>
+                  <a:srgbClr val="000000"/>
+                </a:solidFill>
+                <a:latin typeface="Cascadia Mono" panose="020B0609020000020004" pitchFamily="49" charset="0"/>
+              </a:rPr>
+              <a:t>            </a:t>
+            </a:r>
+            <a:r>
+              <a:rPr lang="en-US" sz="1200" dirty="0" err="1">
+                <a:solidFill>
+                  <a:srgbClr val="000000"/>
+                </a:solidFill>
+                <a:latin typeface="Cascadia Mono" panose="020B0609020000020004" pitchFamily="49" charset="0"/>
+              </a:rPr>
+              <a:t>Console.WriteLine</a:t>
+            </a:r>
+            <a:r>
+              <a:rPr lang="en-US" sz="1200" dirty="0">
+                <a:solidFill>
+                  <a:srgbClr val="000000"/>
+                </a:solidFill>
+                <a:latin typeface="Cascadia Mono" panose="020B0609020000020004" pitchFamily="49" charset="0"/>
+              </a:rPr>
+              <a:t>(</a:t>
+            </a:r>
+            <a:r>
+              <a:rPr lang="en-US" sz="1200" dirty="0">
+                <a:solidFill>
+                  <a:srgbClr val="A31515"/>
+                </a:solidFill>
+                <a:latin typeface="Cascadia Mono" panose="020B0609020000020004" pitchFamily="49" charset="0"/>
+              </a:rPr>
+              <a:t>"Event was set - Water level high."</a:t>
+            </a:r>
+            <a:r>
+              <a:rPr lang="en-US" sz="1200" dirty="0">
+                <a:solidFill>
+                  <a:srgbClr val="000000"/>
+                </a:solidFill>
+                <a:latin typeface="Cascadia Mono" panose="020B0609020000020004" pitchFamily="49" charset="0"/>
+              </a:rPr>
+              <a:t>);</a:t>
+            </a:r>
+          </a:p>
+          <a:p>
             <a:r>
               <a:rPr lang="da-DK" sz="1200" dirty="0">
                 <a:solidFill>
@@ -15950,21 +15663,10 @@
                 </a:solidFill>
                 <a:latin typeface="Cascadia Mono" panose="020B0609020000020004" pitchFamily="49" charset="0"/>
               </a:rPr>
-              <a:t>{</a:t>
-            </a:r>
-          </a:p>
-          <a:p>
-            <a:r>
-              <a:rPr lang="en-US" sz="1200" dirty="0" smtClean="0">
-                <a:solidFill>
-                  <a:srgbClr val="000000"/>
-                </a:solidFill>
-                <a:latin typeface="Cascadia Mono" panose="020B0609020000020004" pitchFamily="49" charset="0"/>
-              </a:rPr>
               <a:t>            </a:t>
             </a:r>
             <a:r>
-              <a:rPr lang="en-US" sz="1200" dirty="0" err="1">
+              <a:rPr lang="da-DK" sz="1200" dirty="0" err="1">
                 <a:solidFill>
                   <a:srgbClr val="000000"/>
                 </a:solidFill>
@@ -15973,7 +15675,7 @@
               <a:t>Console.WriteLine</a:t>
             </a:r>
             <a:r>
-              <a:rPr lang="en-US" sz="1200" dirty="0">
+              <a:rPr lang="da-DK" sz="1200" dirty="0">
                 <a:solidFill>
                   <a:srgbClr val="000000"/>
                 </a:solidFill>
@@ -15982,16 +15684,52 @@
               <a:t>(</a:t>
             </a:r>
             <a:r>
-              <a:rPr lang="en-US" sz="1200" dirty="0">
+              <a:rPr lang="da-DK" sz="1200" dirty="0">
                 <a:solidFill>
                   <a:srgbClr val="A31515"/>
                 </a:solidFill>
                 <a:latin typeface="Cascadia Mono" panose="020B0609020000020004" pitchFamily="49" charset="0"/>
               </a:rPr>
-              <a:t>"Event was set - Water level high."</a:t>
-            </a:r>
-            <a:r>
-              <a:rPr lang="en-US" sz="1200" dirty="0">
+              <a:t>"</a:t>
+            </a:r>
+            <a:r>
+              <a:rPr lang="da-DK" sz="1200" dirty="0" err="1">
+                <a:solidFill>
+                  <a:srgbClr val="A31515"/>
+                </a:solidFill>
+                <a:latin typeface="Cascadia Mono" panose="020B0609020000020004" pitchFamily="49" charset="0"/>
+              </a:rPr>
+              <a:t>Running</a:t>
+            </a:r>
+            <a:r>
+              <a:rPr lang="da-DK" sz="1200" dirty="0">
+                <a:solidFill>
+                  <a:srgbClr val="A31515"/>
+                </a:solidFill>
+                <a:latin typeface="Cascadia Mono" panose="020B0609020000020004" pitchFamily="49" charset="0"/>
+              </a:rPr>
+              <a:t> pump for 2 </a:t>
+            </a:r>
+            <a:r>
+              <a:rPr lang="da-DK" sz="1200" dirty="0" err="1">
+                <a:solidFill>
+                  <a:srgbClr val="A31515"/>
+                </a:solidFill>
+                <a:latin typeface="Cascadia Mono" panose="020B0609020000020004" pitchFamily="49" charset="0"/>
+              </a:rPr>
+              <a:t>seconds</a:t>
+            </a:r>
+            <a:r>
+              <a:rPr lang="da-DK" sz="1200" dirty="0">
+                <a:solidFill>
+                  <a:srgbClr val="A31515"/>
+                </a:solidFill>
+                <a:latin typeface="Cascadia Mono" panose="020B0609020000020004" pitchFamily="49" charset="0"/>
+              </a:rPr>
+              <a:t>."</a:t>
+            </a:r>
+            <a:r>
+              <a:rPr lang="da-DK" sz="1200" dirty="0">
                 <a:solidFill>
                   <a:srgbClr val="000000"/>
                 </a:solidFill>
@@ -16002,134 +15740,24 @@
           </a:p>
           <a:p>
             <a:r>
-              <a:rPr lang="da-DK" sz="1200" dirty="0" smtClean="0">
-                <a:solidFill>
-                  <a:srgbClr val="000000"/>
-                </a:solidFill>
-                <a:latin typeface="Cascadia Mono" panose="020B0609020000020004" pitchFamily="49" charset="0"/>
-              </a:rPr>
-              <a:t>            </a:t>
-            </a:r>
-            <a:r>
-              <a:rPr lang="da-DK" sz="1200" dirty="0" err="1">
-                <a:solidFill>
-                  <a:srgbClr val="000000"/>
-                </a:solidFill>
-                <a:latin typeface="Cascadia Mono" panose="020B0609020000020004" pitchFamily="49" charset="0"/>
-              </a:rPr>
-              <a:t>Console.WriteLine</a:t>
-            </a:r>
-            <a:r>
               <a:rPr lang="da-DK" sz="1200" dirty="0">
                 <a:solidFill>
                   <a:srgbClr val="000000"/>
                 </a:solidFill>
                 <a:latin typeface="Cascadia Mono" panose="020B0609020000020004" pitchFamily="49" charset="0"/>
               </a:rPr>
-              <a:t>(</a:t>
-            </a:r>
+              <a:t>          }</a:t>
+            </a:r>
+          </a:p>
+          <a:p>
             <a:r>
               <a:rPr lang="da-DK" sz="1200" dirty="0">
                 <a:solidFill>
-                  <a:srgbClr val="A31515"/>
-                </a:solidFill>
-                <a:latin typeface="Cascadia Mono" panose="020B0609020000020004" pitchFamily="49" charset="0"/>
-              </a:rPr>
-              <a:t>"</a:t>
-            </a:r>
-            <a:r>
-              <a:rPr lang="da-DK" sz="1200" dirty="0" err="1">
-                <a:solidFill>
-                  <a:srgbClr val="A31515"/>
-                </a:solidFill>
-                <a:latin typeface="Cascadia Mono" panose="020B0609020000020004" pitchFamily="49" charset="0"/>
-              </a:rPr>
-              <a:t>Running</a:t>
-            </a:r>
-            <a:r>
-              <a:rPr lang="da-DK" sz="1200" dirty="0">
-                <a:solidFill>
-                  <a:srgbClr val="A31515"/>
-                </a:solidFill>
-                <a:latin typeface="Cascadia Mono" panose="020B0609020000020004" pitchFamily="49" charset="0"/>
-              </a:rPr>
-              <a:t> pump for 2 </a:t>
-            </a:r>
-            <a:r>
-              <a:rPr lang="da-DK" sz="1200" dirty="0" err="1">
-                <a:solidFill>
-                  <a:srgbClr val="A31515"/>
-                </a:solidFill>
-                <a:latin typeface="Cascadia Mono" panose="020B0609020000020004" pitchFamily="49" charset="0"/>
-              </a:rPr>
-              <a:t>seconds</a:t>
-            </a:r>
-            <a:r>
-              <a:rPr lang="da-DK" sz="1200" dirty="0">
-                <a:solidFill>
-                  <a:srgbClr val="A31515"/>
-                </a:solidFill>
-                <a:latin typeface="Cascadia Mono" panose="020B0609020000020004" pitchFamily="49" charset="0"/>
-              </a:rPr>
-              <a:t>."</a:t>
-            </a:r>
-            <a:r>
-              <a:rPr lang="da-DK" sz="1200" dirty="0">
-                <a:solidFill>
-                  <a:srgbClr val="000000"/>
-                </a:solidFill>
-                <a:latin typeface="Cascadia Mono" panose="020B0609020000020004" pitchFamily="49" charset="0"/>
-              </a:rPr>
-              <a:t>);</a:t>
-            </a:r>
-          </a:p>
-          <a:p>
-            <a:r>
-              <a:rPr lang="da-DK" sz="1200" dirty="0">
-                <a:solidFill>
-                  <a:srgbClr val="000000"/>
-                </a:solidFill>
-                <a:latin typeface="Cascadia Mono" panose="020B0609020000020004" pitchFamily="49" charset="0"/>
-              </a:rPr>
-              <a:t>    </a:t>
-            </a:r>
-            <a:r>
-              <a:rPr lang="da-DK" sz="1200" dirty="0" smtClean="0">
-                <a:solidFill>
-                  <a:srgbClr val="000000"/>
-                </a:solidFill>
-                <a:latin typeface="Cascadia Mono" panose="020B0609020000020004" pitchFamily="49" charset="0"/>
-              </a:rPr>
-              <a:t>      </a:t>
-            </a:r>
-            <a:r>
-              <a:rPr lang="da-DK" sz="1200" dirty="0">
-                <a:solidFill>
-                  <a:srgbClr val="000000"/>
-                </a:solidFill>
-                <a:latin typeface="Cascadia Mono" panose="020B0609020000020004" pitchFamily="49" charset="0"/>
-              </a:rPr>
-              <a:t>}</a:t>
-            </a:r>
-          </a:p>
-          <a:p>
-            <a:r>
-              <a:rPr lang="da-DK" sz="1200" dirty="0">
-                <a:solidFill>
-                  <a:srgbClr val="000000"/>
-                </a:solidFill>
-                <a:latin typeface="Cascadia Mono" panose="020B0609020000020004" pitchFamily="49" charset="0"/>
-              </a:rPr>
-              <a:t>    </a:t>
-            </a:r>
-            <a:r>
-              <a:rPr lang="da-DK" sz="1200" dirty="0" smtClean="0">
-                <a:solidFill>
-                  <a:srgbClr val="000000"/>
-                </a:solidFill>
-                <a:latin typeface="Cascadia Mono" panose="020B0609020000020004" pitchFamily="49" charset="0"/>
-              </a:rPr>
-              <a:t>      </a:t>
+                  <a:srgbClr val="000000"/>
+                </a:solidFill>
+                <a:latin typeface="Cascadia Mono" panose="020B0609020000020004" pitchFamily="49" charset="0"/>
+              </a:rPr>
+              <a:t>          </a:t>
             </a:r>
             <a:r>
               <a:rPr lang="da-DK" sz="1200" dirty="0" err="1">
@@ -16155,17 +15783,10 @@
                 </a:solidFill>
                 <a:latin typeface="Cascadia Mono" panose="020B0609020000020004" pitchFamily="49" charset="0"/>
               </a:rPr>
-              <a:t>    </a:t>
-            </a:r>
-            <a:r>
-              <a:rPr lang="da-DK" sz="1200" dirty="0" smtClean="0">
-                <a:solidFill>
-                  <a:srgbClr val="000000"/>
-                </a:solidFill>
-                <a:latin typeface="Cascadia Mono" panose="020B0609020000020004" pitchFamily="49" charset="0"/>
-              </a:rPr>
-              <a:t>      </a:t>
-            </a:r>
+              <a:t>          {</a:t>
+            </a:r>
+          </a:p>
+          <a:p>
             <a:r>
               <a:rPr lang="da-DK" sz="1200" dirty="0">
                 <a:solidFill>
@@ -16173,17 +15794,6 @@
                 </a:solidFill>
                 <a:latin typeface="Cascadia Mono" panose="020B0609020000020004" pitchFamily="49" charset="0"/>
               </a:rPr>
-              <a:t>{</a:t>
-            </a:r>
-          </a:p>
-          <a:p>
-            <a:r>
-              <a:rPr lang="da-DK" sz="1200" dirty="0" smtClean="0">
-                <a:solidFill>
-                  <a:srgbClr val="000000"/>
-                </a:solidFill>
-                <a:latin typeface="Cascadia Mono" panose="020B0609020000020004" pitchFamily="49" charset="0"/>
-              </a:rPr>
               <a:t>            </a:t>
             </a:r>
             <a:r>
@@ -16249,17 +15859,10 @@
                 </a:solidFill>
                 <a:latin typeface="Cascadia Mono" panose="020B0609020000020004" pitchFamily="49" charset="0"/>
               </a:rPr>
-              <a:t>    </a:t>
-            </a:r>
-            <a:r>
-              <a:rPr lang="da-DK" sz="1200" dirty="0" smtClean="0">
-                <a:solidFill>
-                  <a:srgbClr val="000000"/>
-                </a:solidFill>
-                <a:latin typeface="Cascadia Mono" panose="020B0609020000020004" pitchFamily="49" charset="0"/>
-              </a:rPr>
-              <a:t>      </a:t>
-            </a:r>
+              <a:t>          }</a:t>
+            </a:r>
+          </a:p>
+          <a:p>
             <a:r>
               <a:rPr lang="da-DK" sz="1200" dirty="0">
                 <a:solidFill>
@@ -16267,36 +15870,7 @@
                 </a:solidFill>
                 <a:latin typeface="Cascadia Mono" panose="020B0609020000020004" pitchFamily="49" charset="0"/>
               </a:rPr>
-              <a:t>}</a:t>
-            </a:r>
-          </a:p>
-          <a:p>
-            <a:r>
-              <a:rPr lang="da-DK" sz="1200" dirty="0">
-                <a:solidFill>
-                  <a:srgbClr val="000000"/>
-                </a:solidFill>
-                <a:latin typeface="Cascadia Mono" panose="020B0609020000020004" pitchFamily="49" charset="0"/>
-              </a:rPr>
-              <a:t>    </a:t>
-            </a:r>
-            <a:r>
-              <a:rPr lang="da-DK" sz="1200" dirty="0" smtClean="0">
-                <a:solidFill>
-                  <a:srgbClr val="000000"/>
-                </a:solidFill>
-                <a:latin typeface="Cascadia Mono" panose="020B0609020000020004" pitchFamily="49" charset="0"/>
-              </a:rPr>
-              <a:t>   </a:t>
-            </a:r>
-            <a:r>
-              <a:rPr lang="da-DK" sz="1200" dirty="0">
-                <a:solidFill>
-                  <a:srgbClr val="000000"/>
-                </a:solidFill>
-                <a:latin typeface="Cascadia Mono" panose="020B0609020000020004" pitchFamily="49" charset="0"/>
-              </a:rPr>
-              <a:t>}</a:t>
+              <a:t>       }</a:t>
             </a:r>
           </a:p>
           <a:p>
@@ -16448,13 +16022,6 @@
   <p:clrMapOvr>
     <a:masterClrMapping/>
   </p:clrMapOvr>
-  <p:timing>
-    <p:tnLst>
-      <p:par>
-        <p:cTn id="1" dur="indefinite" restart="never" nodeType="tmRoot"/>
-      </p:par>
-    </p:tnLst>
-  </p:timing>
 </p:sld>
 </file>
 
@@ -16491,10 +16058,9 @@
           <a:lstStyle/>
           <a:p>
             <a:r>
-              <a:rPr lang="da-DK" dirty="0" smtClean="0"/>
+              <a:rPr lang="da-DK" dirty="0"/>
               <a:t>Program</a:t>
             </a:r>
-            <a:endParaRPr lang="da-DK" dirty="0"/>
           </a:p>
         </p:txBody>
       </p:sp>
@@ -16524,35 +16090,31 @@
               <a:buNone/>
             </a:pPr>
             <a:r>
-              <a:rPr lang="en-US" dirty="0" smtClean="0"/>
+              <a:rPr lang="en-US" dirty="0"/>
               <a:t>Main creates the </a:t>
             </a:r>
             <a:r>
-              <a:rPr lang="en-US" dirty="0" err="1" smtClean="0"/>
+              <a:rPr lang="en-US" dirty="0" err="1"/>
               <a:t>WaterLevelMonitor</a:t>
             </a:r>
             <a:r>
-              <a:rPr lang="en-US" dirty="0" smtClean="0"/>
-              <a:t>, the </a:t>
-            </a:r>
-            <a:r>
-              <a:rPr lang="en-US" dirty="0" smtClean="0"/>
-              <a:t> </a:t>
-            </a:r>
-            <a:r>
-              <a:rPr lang="en-US" dirty="0" err="1" smtClean="0"/>
+              <a:rPr lang="en-US" dirty="0"/>
+              <a:t>, the  </a:t>
+            </a:r>
+            <a:r>
+              <a:rPr lang="en-US" dirty="0" err="1"/>
               <a:t>PumpController</a:t>
             </a:r>
             <a:r>
-              <a:rPr lang="en-US" dirty="0" smtClean="0"/>
+              <a:rPr lang="en-US" dirty="0"/>
               <a:t> and the shared </a:t>
             </a:r>
             <a:r>
-              <a:rPr lang="en-US" dirty="0" err="1" smtClean="0"/>
+              <a:rPr lang="en-US" dirty="0" err="1"/>
               <a:t>AutoResetEvent</a:t>
             </a:r>
             <a:r>
-              <a:rPr lang="en-US" dirty="0" smtClean="0"/>
+              <a:rPr lang="en-US" dirty="0"/>
               <a:t>.</a:t>
             </a:r>
           </a:p>
@@ -16722,7 +16284,7 @@
           </a:p>
           <a:p>
             <a:r>
-              <a:rPr lang="da-DK" sz="1200" dirty="0" smtClean="0">
+              <a:rPr lang="da-DK" sz="1200" dirty="0">
                 <a:solidFill>
                   <a:srgbClr val="000000"/>
                 </a:solidFill>
@@ -16805,27 +16367,18 @@
           </a:p>
           <a:p>
             <a:r>
-              <a:rPr lang="da-DK" sz="1200" dirty="0" smtClean="0">
-                <a:solidFill>
-                  <a:srgbClr val="000000"/>
-                </a:solidFill>
-                <a:latin typeface="Cascadia Mono" panose="020B0609020000020004" pitchFamily="49" charset="0"/>
-              </a:rPr>
-              <a:t>      </a:t>
-            </a:r>
-            <a:r>
               <a:rPr lang="da-DK" sz="1200" dirty="0">
                 <a:solidFill>
                   <a:srgbClr val="000000"/>
                 </a:solidFill>
                 <a:latin typeface="Cascadia Mono" panose="020B0609020000020004" pitchFamily="49" charset="0"/>
               </a:rPr>
-              <a:t>{</a:t>
-            </a:r>
-          </a:p>
-          <a:p>
-            <a:r>
-              <a:rPr lang="da-DK" sz="1200" dirty="0" smtClean="0">
+              <a:t>      {</a:t>
+            </a:r>
+          </a:p>
+          <a:p>
+            <a:r>
+              <a:rPr lang="da-DK" sz="1200" dirty="0">
                 <a:solidFill>
                   <a:srgbClr val="000000"/>
                 </a:solidFill>
@@ -16834,7 +16387,7 @@
               <a:t>        </a:t>
             </a:r>
             <a:r>
-              <a:rPr lang="da-DK" sz="1200" dirty="0" err="1" smtClean="0">
+              <a:rPr lang="da-DK" sz="1200" dirty="0" err="1">
                 <a:solidFill>
                   <a:srgbClr val="000000"/>
                 </a:solidFill>
@@ -16843,7 +16396,7 @@
               <a:t>AutoResetEvent</a:t>
             </a:r>
             <a:r>
-              <a:rPr lang="da-DK" sz="1200" dirty="0" smtClean="0">
+              <a:rPr lang="da-DK" sz="1200" dirty="0">
                 <a:solidFill>
                   <a:srgbClr val="000000"/>
                 </a:solidFill>
@@ -16852,7 +16405,7 @@
               <a:t> </a:t>
             </a:r>
             <a:r>
-              <a:rPr lang="da-DK" sz="1200" dirty="0" err="1" smtClean="0">
+              <a:rPr lang="da-DK" sz="1200" dirty="0" err="1">
                 <a:solidFill>
                   <a:srgbClr val="000000"/>
                 </a:solidFill>
@@ -16861,7 +16414,7 @@
               <a:t>dataReadyAutoResetEvent</a:t>
             </a:r>
             <a:r>
-              <a:rPr lang="da-DK" sz="1200" dirty="0" smtClean="0">
+              <a:rPr lang="da-DK" sz="1200" dirty="0">
                 <a:solidFill>
                   <a:srgbClr val="000000"/>
                 </a:solidFill>
@@ -16870,7 +16423,7 @@
               <a:t> = </a:t>
             </a:r>
             <a:r>
-              <a:rPr lang="da-DK" sz="1200" dirty="0" smtClean="0">
+              <a:rPr lang="da-DK" sz="1200" dirty="0">
                 <a:solidFill>
                   <a:srgbClr val="0000FF"/>
                 </a:solidFill>
@@ -16879,7 +16432,7 @@
               <a:t>new</a:t>
             </a:r>
             <a:r>
-              <a:rPr lang="da-DK" sz="1200" dirty="0" smtClean="0">
+              <a:rPr lang="da-DK" sz="1200" dirty="0">
                 <a:solidFill>
                   <a:srgbClr val="000000"/>
                 </a:solidFill>
@@ -16888,7 +16441,7 @@
               <a:t> </a:t>
             </a:r>
             <a:r>
-              <a:rPr lang="da-DK" sz="1200" dirty="0" err="1" smtClean="0">
+              <a:rPr lang="da-DK" sz="1200" dirty="0" err="1">
                 <a:solidFill>
                   <a:srgbClr val="000000"/>
                 </a:solidFill>
@@ -16897,7 +16450,7 @@
               <a:t>AutoResetEvent</a:t>
             </a:r>
             <a:r>
-              <a:rPr lang="da-DK" sz="1200" dirty="0" smtClean="0">
+              <a:rPr lang="da-DK" sz="1200" dirty="0">
                 <a:solidFill>
                   <a:srgbClr val="000000"/>
                 </a:solidFill>
@@ -16906,283 +16459,13 @@
               <a:t>(</a:t>
             </a:r>
             <a:r>
-              <a:rPr lang="da-DK" sz="1200" dirty="0" smtClean="0">
+              <a:rPr lang="da-DK" sz="1200" dirty="0">
                 <a:solidFill>
                   <a:srgbClr val="0000FF"/>
                 </a:solidFill>
                 <a:latin typeface="Cascadia Mono" panose="020B0609020000020004" pitchFamily="49" charset="0"/>
               </a:rPr>
               <a:t>false</a:t>
-            </a:r>
-            <a:r>
-              <a:rPr lang="da-DK" sz="1200" dirty="0" smtClean="0">
-                <a:solidFill>
-                  <a:srgbClr val="000000"/>
-                </a:solidFill>
-                <a:latin typeface="Cascadia Mono" panose="020B0609020000020004" pitchFamily="49" charset="0"/>
-              </a:rPr>
-              <a:t>);</a:t>
-            </a:r>
-          </a:p>
-          <a:p>
-            <a:endParaRPr lang="da-DK" sz="1200" dirty="0" smtClean="0">
-              <a:solidFill>
-                <a:srgbClr val="000000"/>
-              </a:solidFill>
-              <a:latin typeface="Cascadia Mono" panose="020B0609020000020004" pitchFamily="49" charset="0"/>
-            </a:endParaRPr>
-          </a:p>
-          <a:p>
-            <a:r>
-              <a:rPr lang="da-DK" sz="1200" dirty="0" smtClean="0">
-                <a:solidFill>
-                  <a:srgbClr val="000000"/>
-                </a:solidFill>
-                <a:latin typeface="Cascadia Mono" panose="020B0609020000020004" pitchFamily="49" charset="0"/>
-              </a:rPr>
-              <a:t>        </a:t>
-            </a:r>
-            <a:r>
-              <a:rPr lang="da-DK" sz="1200" dirty="0" err="1" smtClean="0">
-                <a:solidFill>
-                  <a:srgbClr val="000000"/>
-                </a:solidFill>
-                <a:latin typeface="Cascadia Mono" panose="020B0609020000020004" pitchFamily="49" charset="0"/>
-              </a:rPr>
-              <a:t>WaterLevelMonitor</a:t>
-            </a:r>
-            <a:r>
-              <a:rPr lang="da-DK" sz="1200" dirty="0" smtClean="0">
-                <a:solidFill>
-                  <a:srgbClr val="000000"/>
-                </a:solidFill>
-                <a:latin typeface="Cascadia Mono" panose="020B0609020000020004" pitchFamily="49" charset="0"/>
-              </a:rPr>
-              <a:t> </a:t>
-            </a:r>
-            <a:r>
-              <a:rPr lang="da-DK" sz="1200" dirty="0" err="1">
-                <a:solidFill>
-                  <a:srgbClr val="000000"/>
-                </a:solidFill>
-                <a:latin typeface="Cascadia Mono" panose="020B0609020000020004" pitchFamily="49" charset="0"/>
-              </a:rPr>
-              <a:t>waterLevelMonitor</a:t>
-            </a:r>
-            <a:r>
-              <a:rPr lang="da-DK" sz="1200" dirty="0">
-                <a:solidFill>
-                  <a:srgbClr val="000000"/>
-                </a:solidFill>
-                <a:latin typeface="Cascadia Mono" panose="020B0609020000020004" pitchFamily="49" charset="0"/>
-              </a:rPr>
-              <a:t> = </a:t>
-            </a:r>
-            <a:endParaRPr lang="da-DK" sz="1200" dirty="0" smtClean="0">
-              <a:solidFill>
-                <a:srgbClr val="000000"/>
-              </a:solidFill>
-              <a:latin typeface="Cascadia Mono" panose="020B0609020000020004" pitchFamily="49" charset="0"/>
-            </a:endParaRPr>
-          </a:p>
-          <a:p>
-            <a:r>
-              <a:rPr lang="da-DK" sz="1200" dirty="0">
-                <a:solidFill>
-                  <a:srgbClr val="000000"/>
-                </a:solidFill>
-                <a:latin typeface="Cascadia Mono" panose="020B0609020000020004" pitchFamily="49" charset="0"/>
-              </a:rPr>
-              <a:t> </a:t>
-            </a:r>
-            <a:r>
-              <a:rPr lang="da-DK" sz="1200" dirty="0" smtClean="0">
-                <a:solidFill>
-                  <a:srgbClr val="000000"/>
-                </a:solidFill>
-                <a:latin typeface="Cascadia Mono" panose="020B0609020000020004" pitchFamily="49" charset="0"/>
-              </a:rPr>
-              <a:t>           </a:t>
-            </a:r>
-            <a:r>
-              <a:rPr lang="da-DK" sz="1200" dirty="0" smtClean="0">
-                <a:solidFill>
-                  <a:srgbClr val="0000FF"/>
-                </a:solidFill>
-                <a:latin typeface="Cascadia Mono" panose="020B0609020000020004" pitchFamily="49" charset="0"/>
-              </a:rPr>
-              <a:t>new</a:t>
-            </a:r>
-            <a:r>
-              <a:rPr lang="da-DK" sz="1200" dirty="0" smtClean="0">
-                <a:solidFill>
-                  <a:srgbClr val="000000"/>
-                </a:solidFill>
-                <a:latin typeface="Cascadia Mono" panose="020B0609020000020004" pitchFamily="49" charset="0"/>
-              </a:rPr>
-              <a:t> </a:t>
-            </a:r>
-            <a:r>
-              <a:rPr lang="da-DK" sz="1200" dirty="0" err="1" smtClean="0">
-                <a:solidFill>
-                  <a:srgbClr val="000000"/>
-                </a:solidFill>
-                <a:latin typeface="Cascadia Mono" panose="020B0609020000020004" pitchFamily="49" charset="0"/>
-              </a:rPr>
-              <a:t>WaterLevelMonitor</a:t>
-            </a:r>
-            <a:r>
-              <a:rPr lang="da-DK" sz="1200" dirty="0" smtClean="0">
-                <a:solidFill>
-                  <a:srgbClr val="000000"/>
-                </a:solidFill>
-                <a:latin typeface="Cascadia Mono" panose="020B0609020000020004" pitchFamily="49" charset="0"/>
-              </a:rPr>
-              <a:t>(</a:t>
-            </a:r>
-            <a:r>
-              <a:rPr lang="da-DK" sz="1200" dirty="0" err="1" smtClean="0">
-                <a:solidFill>
-                  <a:srgbClr val="000000"/>
-                </a:solidFill>
-                <a:latin typeface="Cascadia Mono" panose="020B0609020000020004" pitchFamily="49" charset="0"/>
-              </a:rPr>
-              <a:t>dataReadyAutoResetEvent</a:t>
-            </a:r>
-            <a:r>
-              <a:rPr lang="da-DK" sz="1200" dirty="0">
-                <a:solidFill>
-                  <a:srgbClr val="000000"/>
-                </a:solidFill>
-                <a:latin typeface="Cascadia Mono" panose="020B0609020000020004" pitchFamily="49" charset="0"/>
-              </a:rPr>
-              <a:t>);</a:t>
-            </a:r>
-          </a:p>
-          <a:p>
-            <a:endParaRPr lang="da-DK" sz="1200" dirty="0" smtClean="0">
-              <a:solidFill>
-                <a:srgbClr val="000000"/>
-              </a:solidFill>
-              <a:latin typeface="Cascadia Mono" panose="020B0609020000020004" pitchFamily="49" charset="0"/>
-            </a:endParaRPr>
-          </a:p>
-          <a:p>
-            <a:r>
-              <a:rPr lang="da-DK" sz="1200" dirty="0" smtClean="0">
-                <a:solidFill>
-                  <a:srgbClr val="000000"/>
-                </a:solidFill>
-                <a:latin typeface="Cascadia Mono" panose="020B0609020000020004" pitchFamily="49" charset="0"/>
-              </a:rPr>
-              <a:t>        </a:t>
-            </a:r>
-            <a:r>
-              <a:rPr lang="da-DK" sz="1200" dirty="0" err="1">
-                <a:solidFill>
-                  <a:srgbClr val="000000"/>
-                </a:solidFill>
-                <a:latin typeface="Cascadia Mono" panose="020B0609020000020004" pitchFamily="49" charset="0"/>
-              </a:rPr>
-              <a:t>PumpController</a:t>
-            </a:r>
-            <a:r>
-              <a:rPr lang="da-DK" sz="1200" dirty="0">
-                <a:solidFill>
-                  <a:srgbClr val="000000"/>
-                </a:solidFill>
-                <a:latin typeface="Cascadia Mono" panose="020B0609020000020004" pitchFamily="49" charset="0"/>
-              </a:rPr>
-              <a:t> </a:t>
-            </a:r>
-            <a:r>
-              <a:rPr lang="da-DK" sz="1200" dirty="0" err="1">
-                <a:solidFill>
-                  <a:srgbClr val="000000"/>
-                </a:solidFill>
-                <a:latin typeface="Cascadia Mono" panose="020B0609020000020004" pitchFamily="49" charset="0"/>
-              </a:rPr>
-              <a:t>pumpController</a:t>
-            </a:r>
-            <a:r>
-              <a:rPr lang="da-DK" sz="1200" dirty="0">
-                <a:solidFill>
-                  <a:srgbClr val="000000"/>
-                </a:solidFill>
-                <a:latin typeface="Cascadia Mono" panose="020B0609020000020004" pitchFamily="49" charset="0"/>
-              </a:rPr>
-              <a:t> = </a:t>
-            </a:r>
-            <a:endParaRPr lang="da-DK" sz="1200" dirty="0" smtClean="0">
-              <a:solidFill>
-                <a:srgbClr val="000000"/>
-              </a:solidFill>
-              <a:latin typeface="Cascadia Mono" panose="020B0609020000020004" pitchFamily="49" charset="0"/>
-            </a:endParaRPr>
-          </a:p>
-          <a:p>
-            <a:r>
-              <a:rPr lang="da-DK" sz="1200" dirty="0">
-                <a:solidFill>
-                  <a:srgbClr val="000000"/>
-                </a:solidFill>
-                <a:latin typeface="Cascadia Mono" panose="020B0609020000020004" pitchFamily="49" charset="0"/>
-              </a:rPr>
-              <a:t> </a:t>
-            </a:r>
-            <a:r>
-              <a:rPr lang="da-DK" sz="1200" dirty="0" smtClean="0">
-                <a:solidFill>
-                  <a:srgbClr val="000000"/>
-                </a:solidFill>
-                <a:latin typeface="Cascadia Mono" panose="020B0609020000020004" pitchFamily="49" charset="0"/>
-              </a:rPr>
-              <a:t>           </a:t>
-            </a:r>
-            <a:r>
-              <a:rPr lang="da-DK" sz="1200" dirty="0" smtClean="0">
-                <a:solidFill>
-                  <a:srgbClr val="0000FF"/>
-                </a:solidFill>
-                <a:latin typeface="Cascadia Mono" panose="020B0609020000020004" pitchFamily="49" charset="0"/>
-              </a:rPr>
-              <a:t>new</a:t>
-            </a:r>
-            <a:r>
-              <a:rPr lang="da-DK" sz="1200" dirty="0" smtClean="0">
-                <a:solidFill>
-                  <a:srgbClr val="000000"/>
-                </a:solidFill>
-                <a:latin typeface="Cascadia Mono" panose="020B0609020000020004" pitchFamily="49" charset="0"/>
-              </a:rPr>
-              <a:t> </a:t>
-            </a:r>
-            <a:r>
-              <a:rPr lang="da-DK" sz="1200" dirty="0" err="1">
-                <a:solidFill>
-                  <a:srgbClr val="000000"/>
-                </a:solidFill>
-                <a:latin typeface="Cascadia Mono" panose="020B0609020000020004" pitchFamily="49" charset="0"/>
-              </a:rPr>
-              <a:t>PumpController</a:t>
-            </a:r>
-            <a:r>
-              <a:rPr lang="da-DK" sz="1200" dirty="0">
-                <a:solidFill>
-                  <a:srgbClr val="000000"/>
-                </a:solidFill>
-                <a:latin typeface="Cascadia Mono" panose="020B0609020000020004" pitchFamily="49" charset="0"/>
-              </a:rPr>
-              <a:t>(</a:t>
-            </a:r>
-            <a:r>
-              <a:rPr lang="da-DK" sz="1200" dirty="0" err="1">
-                <a:solidFill>
-                  <a:srgbClr val="000000"/>
-                </a:solidFill>
-                <a:latin typeface="Cascadia Mono" panose="020B0609020000020004" pitchFamily="49" charset="0"/>
-              </a:rPr>
-              <a:t>dataReadyAutoResetEvent</a:t>
             </a:r>
             <a:r>
               <a:rPr lang="da-DK" sz="1200" dirty="0">
@@ -17204,7 +16487,7 @@
           </a:p>
           <a:p>
             <a:r>
-              <a:rPr lang="da-DK" sz="1200" dirty="0" smtClean="0">
+              <a:rPr lang="da-DK" sz="1200" dirty="0">
                 <a:solidFill>
                   <a:srgbClr val="000000"/>
                 </a:solidFill>
@@ -17213,13 +16496,22 @@
               <a:t>        </a:t>
             </a:r>
             <a:r>
+              <a:rPr lang="da-DK" sz="1200" dirty="0" err="1">
+                <a:solidFill>
+                  <a:srgbClr val="000000"/>
+                </a:solidFill>
+                <a:latin typeface="Cascadia Mono" panose="020B0609020000020004" pitchFamily="49" charset="0"/>
+              </a:rPr>
+              <a:t>WaterLevelMonitor</a:t>
+            </a:r>
+            <a:r>
               <a:rPr lang="da-DK" sz="1200" dirty="0">
                 <a:solidFill>
                   <a:srgbClr val="000000"/>
                 </a:solidFill>
                 <a:latin typeface="Cascadia Mono" panose="020B0609020000020004" pitchFamily="49" charset="0"/>
               </a:rPr>
-              <a:t>Thread </a:t>
+              <a:t> </a:t>
             </a:r>
             <a:r>
               <a:rPr lang="da-DK" sz="1200" dirty="0" err="1">
@@ -17228,7 +16520,7 @@
                 </a:solidFill>
                 <a:latin typeface="Cascadia Mono" panose="020B0609020000020004" pitchFamily="49" charset="0"/>
               </a:rPr>
-              <a:t>producerThread</a:t>
+              <a:t>waterLevelMonitor</a:t>
             </a:r>
             <a:r>
               <a:rPr lang="da-DK" sz="1200" dirty="0">
@@ -17239,9 +16531,20 @@
               </a:rPr>
               <a:t> = </a:t>
             </a:r>
+          </a:p>
+          <a:p>
             <a:r>
               <a:rPr lang="da-DK" sz="1200" dirty="0">
                 <a:solidFill>
+                  <a:srgbClr val="000000"/>
+                </a:solidFill>
+                <a:latin typeface="Cascadia Mono" panose="020B0609020000020004" pitchFamily="49" charset="0"/>
+              </a:rPr>
+              <a:t>            </a:t>
+            </a:r>
+            <a:r>
+              <a:rPr lang="da-DK" sz="1200" dirty="0">
+                <a:solidFill>
                   <a:srgbClr val="0000FF"/>
                 </a:solidFill>
                 <a:latin typeface="Cascadia Mono" panose="020B0609020000020004" pitchFamily="49" charset="0"/>
@@ -17255,7 +16558,7 @@
                 </a:solidFill>
                 <a:latin typeface="Cascadia Mono" panose="020B0609020000020004" pitchFamily="49" charset="0"/>
               </a:rPr>
-              <a:t> Thread(</a:t>
+              <a:t> </a:t>
             </a:r>
             <a:r>
               <a:rPr lang="da-DK" sz="1200" dirty="0" err="1">
@@ -17264,7 +16567,7 @@
                 </a:solidFill>
                 <a:latin typeface="Cascadia Mono" panose="020B0609020000020004" pitchFamily="49" charset="0"/>
               </a:rPr>
-              <a:t>waterLevelMonitor.Run</a:t>
+              <a:t>WaterLevelMonitor</a:t>
             </a:r>
             <a:r>
               <a:rPr lang="da-DK" sz="1200" dirty="0">
@@ -17273,184 +16576,25 @@
                 </a:solidFill>
                 <a:latin typeface="Cascadia Mono" panose="020B0609020000020004" pitchFamily="49" charset="0"/>
               </a:rPr>
+              <a:t>(</a:t>
+            </a:r>
+            <a:r>
+              <a:rPr lang="da-DK" sz="1200" dirty="0" err="1">
+                <a:solidFill>
+                  <a:srgbClr val="000000"/>
+                </a:solidFill>
+                <a:latin typeface="Cascadia Mono" panose="020B0609020000020004" pitchFamily="49" charset="0"/>
+              </a:rPr>
+              <a:t>dataReadyAutoResetEvent</a:t>
+            </a:r>
+            <a:r>
+              <a:rPr lang="da-DK" sz="1200" dirty="0">
+                <a:solidFill>
+                  <a:srgbClr val="000000"/>
+                </a:solidFill>
+                <a:latin typeface="Cascadia Mono" panose="020B0609020000020004" pitchFamily="49" charset="0"/>
+              </a:rPr>
               <a:t>);</a:t>
-            </a:r>
-          </a:p>
-          <a:p>
-            <a:r>
-              <a:rPr lang="da-DK" sz="1200" dirty="0" smtClean="0">
-                <a:solidFill>
-                  <a:srgbClr val="000000"/>
-                </a:solidFill>
-                <a:latin typeface="Cascadia Mono" panose="020B0609020000020004" pitchFamily="49" charset="0"/>
-              </a:rPr>
-              <a:t>        </a:t>
-            </a:r>
-            <a:r>
-              <a:rPr lang="da-DK" sz="1200" dirty="0">
-                <a:solidFill>
-                  <a:srgbClr val="000000"/>
-                </a:solidFill>
-                <a:latin typeface="Cascadia Mono" panose="020B0609020000020004" pitchFamily="49" charset="0"/>
-              </a:rPr>
-              <a:t>Thread </a:t>
-            </a:r>
-            <a:r>
-              <a:rPr lang="da-DK" sz="1200" dirty="0" err="1">
-                <a:solidFill>
-                  <a:srgbClr val="000000"/>
-                </a:solidFill>
-                <a:latin typeface="Cascadia Mono" panose="020B0609020000020004" pitchFamily="49" charset="0"/>
-              </a:rPr>
-              <a:t>consumerThread</a:t>
-            </a:r>
-            <a:r>
-              <a:rPr lang="da-DK" sz="1200" dirty="0">
-                <a:solidFill>
-                  <a:srgbClr val="000000"/>
-                </a:solidFill>
-                <a:latin typeface="Cascadia Mono" panose="020B0609020000020004" pitchFamily="49" charset="0"/>
-              </a:rPr>
-              <a:t> = </a:t>
-            </a:r>
-            <a:r>
-              <a:rPr lang="da-DK" sz="1200" dirty="0">
-                <a:solidFill>
-                  <a:srgbClr val="0000FF"/>
-                </a:solidFill>
-                <a:latin typeface="Cascadia Mono" panose="020B0609020000020004" pitchFamily="49" charset="0"/>
-              </a:rPr>
-              <a:t>new</a:t>
-            </a:r>
-            <a:r>
-              <a:rPr lang="da-DK" sz="1200" dirty="0">
-                <a:solidFill>
-                  <a:srgbClr val="000000"/>
-                </a:solidFill>
-                <a:latin typeface="Cascadia Mono" panose="020B0609020000020004" pitchFamily="49" charset="0"/>
-              </a:rPr>
-              <a:t> Thread(</a:t>
-            </a:r>
-            <a:r>
-              <a:rPr lang="da-DK" sz="1200" dirty="0" err="1">
-                <a:solidFill>
-                  <a:srgbClr val="000000"/>
-                </a:solidFill>
-                <a:latin typeface="Cascadia Mono" panose="020B0609020000020004" pitchFamily="49" charset="0"/>
-              </a:rPr>
-              <a:t>pumpController.Run</a:t>
-            </a:r>
-            <a:r>
-              <a:rPr lang="da-DK" sz="1200" dirty="0">
-                <a:solidFill>
-                  <a:srgbClr val="000000"/>
-                </a:solidFill>
-                <a:latin typeface="Cascadia Mono" panose="020B0609020000020004" pitchFamily="49" charset="0"/>
-              </a:rPr>
-              <a:t>);</a:t>
-            </a:r>
-          </a:p>
-          <a:p>
-            <a:endParaRPr lang="da-DK" sz="1200" dirty="0" smtClean="0">
-              <a:solidFill>
-                <a:srgbClr val="000000"/>
-              </a:solidFill>
-              <a:latin typeface="Cascadia Mono" panose="020B0609020000020004" pitchFamily="49" charset="0"/>
-            </a:endParaRPr>
-          </a:p>
-          <a:p>
-            <a:r>
-              <a:rPr lang="da-DK" sz="1200" dirty="0" smtClean="0">
-                <a:solidFill>
-                  <a:srgbClr val="000000"/>
-                </a:solidFill>
-                <a:latin typeface="Cascadia Mono" panose="020B0609020000020004" pitchFamily="49" charset="0"/>
-              </a:rPr>
-              <a:t>        </a:t>
-            </a:r>
-            <a:r>
-              <a:rPr lang="da-DK" sz="1200" dirty="0" err="1">
-                <a:solidFill>
-                  <a:srgbClr val="000000"/>
-                </a:solidFill>
-                <a:latin typeface="Cascadia Mono" panose="020B0609020000020004" pitchFamily="49" charset="0"/>
-              </a:rPr>
-              <a:t>producerThread.Start</a:t>
-            </a:r>
-            <a:r>
-              <a:rPr lang="da-DK" sz="1200" dirty="0">
-                <a:solidFill>
-                  <a:srgbClr val="000000"/>
-                </a:solidFill>
-                <a:latin typeface="Cascadia Mono" panose="020B0609020000020004" pitchFamily="49" charset="0"/>
-              </a:rPr>
-              <a:t>();</a:t>
-            </a:r>
-          </a:p>
-          <a:p>
-            <a:r>
-              <a:rPr lang="da-DK" sz="1200" dirty="0" smtClean="0">
-                <a:solidFill>
-                  <a:srgbClr val="000000"/>
-                </a:solidFill>
-                <a:latin typeface="Cascadia Mono" panose="020B0609020000020004" pitchFamily="49" charset="0"/>
-              </a:rPr>
-              <a:t>        </a:t>
-            </a:r>
-            <a:r>
-              <a:rPr lang="da-DK" sz="1200" dirty="0" err="1">
-                <a:solidFill>
-                  <a:srgbClr val="000000"/>
-                </a:solidFill>
-                <a:latin typeface="Cascadia Mono" panose="020B0609020000020004" pitchFamily="49" charset="0"/>
-              </a:rPr>
-              <a:t>consumerThread.Start</a:t>
-            </a:r>
-            <a:r>
-              <a:rPr lang="da-DK" sz="1200" dirty="0">
-                <a:solidFill>
-                  <a:srgbClr val="000000"/>
-                </a:solidFill>
-                <a:latin typeface="Cascadia Mono" panose="020B0609020000020004" pitchFamily="49" charset="0"/>
-              </a:rPr>
-              <a:t>();</a:t>
-            </a:r>
-          </a:p>
-          <a:p>
-            <a:endParaRPr lang="da-DK" sz="1200" dirty="0" smtClean="0">
-              <a:solidFill>
-                <a:srgbClr val="000000"/>
-              </a:solidFill>
-              <a:latin typeface="Cascadia Mono" panose="020B0609020000020004" pitchFamily="49" charset="0"/>
-            </a:endParaRPr>
-          </a:p>
-          <a:p>
-            <a:r>
-              <a:rPr lang="da-DK" sz="1200" dirty="0" smtClean="0">
-                <a:solidFill>
-                  <a:srgbClr val="000000"/>
-                </a:solidFill>
-                <a:latin typeface="Cascadia Mono" panose="020B0609020000020004" pitchFamily="49" charset="0"/>
-              </a:rPr>
-              <a:t>        </a:t>
-            </a:r>
-            <a:r>
-              <a:rPr lang="da-DK" sz="1200" dirty="0" err="1">
-                <a:solidFill>
-                  <a:srgbClr val="000000"/>
-                </a:solidFill>
-                <a:latin typeface="Cascadia Mono" panose="020B0609020000020004" pitchFamily="49" charset="0"/>
-              </a:rPr>
-              <a:t>producerThread.Join</a:t>
-            </a:r>
-            <a:r>
-              <a:rPr lang="da-DK" sz="1200" dirty="0">
-                <a:solidFill>
-                  <a:srgbClr val="000000"/>
-                </a:solidFill>
-                <a:latin typeface="Cascadia Mono" panose="020B0609020000020004" pitchFamily="49" charset="0"/>
-              </a:rPr>
-              <a:t>();</a:t>
             </a:r>
           </a:p>
           <a:p>
@@ -17463,7 +16607,7 @@
           </a:p>
           <a:p>
             <a:r>
-              <a:rPr lang="da-DK" sz="1200" dirty="0" smtClean="0">
+              <a:rPr lang="da-DK" sz="1200" dirty="0">
                 <a:solidFill>
                   <a:srgbClr val="000000"/>
                 </a:solidFill>
@@ -17478,6 +16622,367 @@
                 </a:solidFill>
                 <a:latin typeface="Cascadia Mono" panose="020B0609020000020004" pitchFamily="49" charset="0"/>
               </a:rPr>
+              <a:t>PumpController</a:t>
+            </a:r>
+            <a:r>
+              <a:rPr lang="da-DK" sz="1200" dirty="0">
+                <a:solidFill>
+                  <a:srgbClr val="000000"/>
+                </a:solidFill>
+                <a:latin typeface="Cascadia Mono" panose="020B0609020000020004" pitchFamily="49" charset="0"/>
+              </a:rPr>
+              <a:t> </a:t>
+            </a:r>
+            <a:r>
+              <a:rPr lang="da-DK" sz="1200" dirty="0" err="1">
+                <a:solidFill>
+                  <a:srgbClr val="000000"/>
+                </a:solidFill>
+                <a:latin typeface="Cascadia Mono" panose="020B0609020000020004" pitchFamily="49" charset="0"/>
+              </a:rPr>
+              <a:t>pumpController</a:t>
+            </a:r>
+            <a:r>
+              <a:rPr lang="da-DK" sz="1200" dirty="0">
+                <a:solidFill>
+                  <a:srgbClr val="000000"/>
+                </a:solidFill>
+                <a:latin typeface="Cascadia Mono" panose="020B0609020000020004" pitchFamily="49" charset="0"/>
+              </a:rPr>
+              <a:t> = </a:t>
+            </a:r>
+          </a:p>
+          <a:p>
+            <a:r>
+              <a:rPr lang="da-DK" sz="1200" dirty="0">
+                <a:solidFill>
+                  <a:srgbClr val="000000"/>
+                </a:solidFill>
+                <a:latin typeface="Cascadia Mono" panose="020B0609020000020004" pitchFamily="49" charset="0"/>
+              </a:rPr>
+              <a:t>            </a:t>
+            </a:r>
+            <a:r>
+              <a:rPr lang="da-DK" sz="1200" dirty="0">
+                <a:solidFill>
+                  <a:srgbClr val="0000FF"/>
+                </a:solidFill>
+                <a:latin typeface="Cascadia Mono" panose="020B0609020000020004" pitchFamily="49" charset="0"/>
+              </a:rPr>
+              <a:t>new</a:t>
+            </a:r>
+            <a:r>
+              <a:rPr lang="da-DK" sz="1200" dirty="0">
+                <a:solidFill>
+                  <a:srgbClr val="000000"/>
+                </a:solidFill>
+                <a:latin typeface="Cascadia Mono" panose="020B0609020000020004" pitchFamily="49" charset="0"/>
+              </a:rPr>
+              <a:t> </a:t>
+            </a:r>
+            <a:r>
+              <a:rPr lang="da-DK" sz="1200" dirty="0" err="1">
+                <a:solidFill>
+                  <a:srgbClr val="000000"/>
+                </a:solidFill>
+                <a:latin typeface="Cascadia Mono" panose="020B0609020000020004" pitchFamily="49" charset="0"/>
+              </a:rPr>
+              <a:t>PumpController</a:t>
+            </a:r>
+            <a:r>
+              <a:rPr lang="da-DK" sz="1200" dirty="0">
+                <a:solidFill>
+                  <a:srgbClr val="000000"/>
+                </a:solidFill>
+                <a:latin typeface="Cascadia Mono" panose="020B0609020000020004" pitchFamily="49" charset="0"/>
+              </a:rPr>
+              <a:t>(</a:t>
+            </a:r>
+            <a:r>
+              <a:rPr lang="da-DK" sz="1200" dirty="0" err="1">
+                <a:solidFill>
+                  <a:srgbClr val="000000"/>
+                </a:solidFill>
+                <a:latin typeface="Cascadia Mono" panose="020B0609020000020004" pitchFamily="49" charset="0"/>
+              </a:rPr>
+              <a:t>dataReadyAutoResetEvent</a:t>
+            </a:r>
+            <a:r>
+              <a:rPr lang="da-DK" sz="1200" dirty="0">
+                <a:solidFill>
+                  <a:srgbClr val="000000"/>
+                </a:solidFill>
+                <a:latin typeface="Cascadia Mono" panose="020B0609020000020004" pitchFamily="49" charset="0"/>
+              </a:rPr>
+              <a:t>);</a:t>
+            </a:r>
+          </a:p>
+          <a:p>
+            <a:endParaRPr lang="da-DK" sz="1200" dirty="0">
+              <a:solidFill>
+                <a:srgbClr val="000000"/>
+              </a:solidFill>
+              <a:latin typeface="Cascadia Mono" panose="020B0609020000020004" pitchFamily="49" charset="0"/>
+            </a:endParaRPr>
+          </a:p>
+          <a:p>
+            <a:r>
+              <a:rPr lang="da-DK" sz="1200" dirty="0">
+                <a:solidFill>
+                  <a:srgbClr val="000000"/>
+                </a:solidFill>
+                <a:latin typeface="Cascadia Mono" panose="020B0609020000020004" pitchFamily="49" charset="0"/>
+              </a:rPr>
+              <a:t>        Thread </a:t>
+            </a:r>
+            <a:r>
+              <a:rPr lang="da-DK" sz="1200" dirty="0" err="1">
+                <a:solidFill>
+                  <a:srgbClr val="000000"/>
+                </a:solidFill>
+                <a:latin typeface="Cascadia Mono" panose="020B0609020000020004" pitchFamily="49" charset="0"/>
+              </a:rPr>
+              <a:t>producerThread</a:t>
+            </a:r>
+            <a:r>
+              <a:rPr lang="da-DK" sz="1200" dirty="0">
+                <a:solidFill>
+                  <a:srgbClr val="000000"/>
+                </a:solidFill>
+                <a:latin typeface="Cascadia Mono" panose="020B0609020000020004" pitchFamily="49" charset="0"/>
+              </a:rPr>
+              <a:t> = </a:t>
+            </a:r>
+            <a:r>
+              <a:rPr lang="da-DK" sz="1200" dirty="0">
+                <a:solidFill>
+                  <a:srgbClr val="0000FF"/>
+                </a:solidFill>
+                <a:latin typeface="Cascadia Mono" panose="020B0609020000020004" pitchFamily="49" charset="0"/>
+              </a:rPr>
+              <a:t>new</a:t>
+            </a:r>
+            <a:r>
+              <a:rPr lang="da-DK" sz="1200" dirty="0">
+                <a:solidFill>
+                  <a:srgbClr val="000000"/>
+                </a:solidFill>
+                <a:latin typeface="Cascadia Mono" panose="020B0609020000020004" pitchFamily="49" charset="0"/>
+              </a:rPr>
+              <a:t> Thread(</a:t>
+            </a:r>
+            <a:r>
+              <a:rPr lang="da-DK" sz="1200" dirty="0" err="1">
+                <a:solidFill>
+                  <a:srgbClr val="000000"/>
+                </a:solidFill>
+                <a:latin typeface="Cascadia Mono" panose="020B0609020000020004" pitchFamily="49" charset="0"/>
+              </a:rPr>
+              <a:t>waterLevelMonitor.Run</a:t>
+            </a:r>
+            <a:r>
+              <a:rPr lang="da-DK" sz="1200" dirty="0">
+                <a:solidFill>
+                  <a:srgbClr val="000000"/>
+                </a:solidFill>
+                <a:latin typeface="Cascadia Mono" panose="020B0609020000020004" pitchFamily="49" charset="0"/>
+              </a:rPr>
+              <a:t>);</a:t>
+            </a:r>
+          </a:p>
+          <a:p>
+            <a:r>
+              <a:rPr lang="da-DK" sz="1200" dirty="0">
+                <a:solidFill>
+                  <a:srgbClr val="000000"/>
+                </a:solidFill>
+                <a:latin typeface="Cascadia Mono" panose="020B0609020000020004" pitchFamily="49" charset="0"/>
+              </a:rPr>
+              <a:t>        Thread </a:t>
+            </a:r>
+            <a:r>
+              <a:rPr lang="da-DK" sz="1200" dirty="0" err="1">
+                <a:solidFill>
+                  <a:srgbClr val="000000"/>
+                </a:solidFill>
+                <a:latin typeface="Cascadia Mono" panose="020B0609020000020004" pitchFamily="49" charset="0"/>
+              </a:rPr>
+              <a:t>consumerThread</a:t>
+            </a:r>
+            <a:r>
+              <a:rPr lang="da-DK" sz="1200" dirty="0">
+                <a:solidFill>
+                  <a:srgbClr val="000000"/>
+                </a:solidFill>
+                <a:latin typeface="Cascadia Mono" panose="020B0609020000020004" pitchFamily="49" charset="0"/>
+              </a:rPr>
+              <a:t> = </a:t>
+            </a:r>
+            <a:r>
+              <a:rPr lang="da-DK" sz="1200" dirty="0">
+                <a:solidFill>
+                  <a:srgbClr val="0000FF"/>
+                </a:solidFill>
+                <a:latin typeface="Cascadia Mono" panose="020B0609020000020004" pitchFamily="49" charset="0"/>
+              </a:rPr>
+              <a:t>new</a:t>
+            </a:r>
+            <a:r>
+              <a:rPr lang="da-DK" sz="1200" dirty="0">
+                <a:solidFill>
+                  <a:srgbClr val="000000"/>
+                </a:solidFill>
+                <a:latin typeface="Cascadia Mono" panose="020B0609020000020004" pitchFamily="49" charset="0"/>
+              </a:rPr>
+              <a:t> Thread(</a:t>
+            </a:r>
+            <a:r>
+              <a:rPr lang="da-DK" sz="1200" dirty="0" err="1">
+                <a:solidFill>
+                  <a:srgbClr val="000000"/>
+                </a:solidFill>
+                <a:latin typeface="Cascadia Mono" panose="020B0609020000020004" pitchFamily="49" charset="0"/>
+              </a:rPr>
+              <a:t>pumpController.Run</a:t>
+            </a:r>
+            <a:r>
+              <a:rPr lang="da-DK" sz="1200" dirty="0">
+                <a:solidFill>
+                  <a:srgbClr val="000000"/>
+                </a:solidFill>
+                <a:latin typeface="Cascadia Mono" panose="020B0609020000020004" pitchFamily="49" charset="0"/>
+              </a:rPr>
+              <a:t>);</a:t>
+            </a:r>
+          </a:p>
+          <a:p>
+            <a:endParaRPr lang="da-DK" sz="1200" dirty="0">
+              <a:solidFill>
+                <a:srgbClr val="000000"/>
+              </a:solidFill>
+              <a:latin typeface="Cascadia Mono" panose="020B0609020000020004" pitchFamily="49" charset="0"/>
+            </a:endParaRPr>
+          </a:p>
+          <a:p>
+            <a:r>
+              <a:rPr lang="da-DK" sz="1200" dirty="0">
+                <a:solidFill>
+                  <a:srgbClr val="000000"/>
+                </a:solidFill>
+                <a:latin typeface="Cascadia Mono" panose="020B0609020000020004" pitchFamily="49" charset="0"/>
+              </a:rPr>
+              <a:t>        </a:t>
+            </a:r>
+            <a:r>
+              <a:rPr lang="da-DK" sz="1200" dirty="0" err="1">
+                <a:solidFill>
+                  <a:srgbClr val="000000"/>
+                </a:solidFill>
+                <a:latin typeface="Cascadia Mono" panose="020B0609020000020004" pitchFamily="49" charset="0"/>
+              </a:rPr>
+              <a:t>producerThread.Start</a:t>
+            </a:r>
+            <a:r>
+              <a:rPr lang="da-DK" sz="1200" dirty="0">
+                <a:solidFill>
+                  <a:srgbClr val="000000"/>
+                </a:solidFill>
+                <a:latin typeface="Cascadia Mono" panose="020B0609020000020004" pitchFamily="49" charset="0"/>
+              </a:rPr>
+              <a:t>();</a:t>
+            </a:r>
+          </a:p>
+          <a:p>
+            <a:r>
+              <a:rPr lang="da-DK" sz="1200" dirty="0">
+                <a:solidFill>
+                  <a:srgbClr val="000000"/>
+                </a:solidFill>
+                <a:latin typeface="Cascadia Mono" panose="020B0609020000020004" pitchFamily="49" charset="0"/>
+              </a:rPr>
+              <a:t>        </a:t>
+            </a:r>
+            <a:r>
+              <a:rPr lang="da-DK" sz="1200" dirty="0" err="1">
+                <a:solidFill>
+                  <a:srgbClr val="000000"/>
+                </a:solidFill>
+                <a:latin typeface="Cascadia Mono" panose="020B0609020000020004" pitchFamily="49" charset="0"/>
+              </a:rPr>
+              <a:t>consumerThread.Start</a:t>
+            </a:r>
+            <a:r>
+              <a:rPr lang="da-DK" sz="1200" dirty="0">
+                <a:solidFill>
+                  <a:srgbClr val="000000"/>
+                </a:solidFill>
+                <a:latin typeface="Cascadia Mono" panose="020B0609020000020004" pitchFamily="49" charset="0"/>
+              </a:rPr>
+              <a:t>();</a:t>
+            </a:r>
+          </a:p>
+          <a:p>
+            <a:endParaRPr lang="da-DK" sz="1200" dirty="0">
+              <a:solidFill>
+                <a:srgbClr val="000000"/>
+              </a:solidFill>
+              <a:latin typeface="Cascadia Mono" panose="020B0609020000020004" pitchFamily="49" charset="0"/>
+            </a:endParaRPr>
+          </a:p>
+          <a:p>
+            <a:r>
+              <a:rPr lang="da-DK" sz="1200" dirty="0">
+                <a:solidFill>
+                  <a:srgbClr val="000000"/>
+                </a:solidFill>
+                <a:latin typeface="Cascadia Mono" panose="020B0609020000020004" pitchFamily="49" charset="0"/>
+              </a:rPr>
+              <a:t>        </a:t>
+            </a:r>
+            <a:r>
+              <a:rPr lang="da-DK" sz="1200" dirty="0" err="1">
+                <a:solidFill>
+                  <a:srgbClr val="000000"/>
+                </a:solidFill>
+                <a:latin typeface="Cascadia Mono" panose="020B0609020000020004" pitchFamily="49" charset="0"/>
+              </a:rPr>
+              <a:t>producerThread.Join</a:t>
+            </a:r>
+            <a:r>
+              <a:rPr lang="da-DK" sz="1200" dirty="0">
+                <a:solidFill>
+                  <a:srgbClr val="000000"/>
+                </a:solidFill>
+                <a:latin typeface="Cascadia Mono" panose="020B0609020000020004" pitchFamily="49" charset="0"/>
+              </a:rPr>
+              <a:t>();</a:t>
+            </a:r>
+          </a:p>
+          <a:p>
+            <a:endParaRPr lang="da-DK" sz="1200" dirty="0">
+              <a:solidFill>
+                <a:srgbClr val="000000"/>
+              </a:solidFill>
+              <a:latin typeface="Cascadia Mono" panose="020B0609020000020004" pitchFamily="49" charset="0"/>
+            </a:endParaRPr>
+          </a:p>
+          <a:p>
+            <a:r>
+              <a:rPr lang="da-DK" sz="1200" dirty="0">
+                <a:solidFill>
+                  <a:srgbClr val="000000"/>
+                </a:solidFill>
+                <a:latin typeface="Cascadia Mono" panose="020B0609020000020004" pitchFamily="49" charset="0"/>
+              </a:rPr>
+              <a:t>        </a:t>
+            </a:r>
+            <a:r>
+              <a:rPr lang="da-DK" sz="1200" dirty="0" err="1">
+                <a:solidFill>
+                  <a:srgbClr val="000000"/>
+                </a:solidFill>
+                <a:latin typeface="Cascadia Mono" panose="020B0609020000020004" pitchFamily="49" charset="0"/>
+              </a:rPr>
               <a:t>pumpController.ShallStop</a:t>
             </a:r>
             <a:r>
@@ -17510,7 +17015,7 @@
           </a:p>
           <a:p>
             <a:r>
-              <a:rPr lang="da-DK" sz="1200" dirty="0" smtClean="0">
+              <a:rPr lang="da-DK" sz="1200" dirty="0">
                 <a:solidFill>
                   <a:srgbClr val="000000"/>
                 </a:solidFill>
@@ -17539,34 +17044,16 @@
           </a:p>
           <a:p>
             <a:r>
-              <a:rPr lang="da-DK" sz="1200" dirty="0" smtClean="0">
-                <a:solidFill>
-                  <a:srgbClr val="000000"/>
-                </a:solidFill>
-                <a:latin typeface="Cascadia Mono" panose="020B0609020000020004" pitchFamily="49" charset="0"/>
-              </a:rPr>
-              <a:t>      </a:t>
-            </a:r>
-            <a:r>
               <a:rPr lang="da-DK" sz="1200" dirty="0">
                 <a:solidFill>
                   <a:srgbClr val="000000"/>
                 </a:solidFill>
                 <a:latin typeface="Cascadia Mono" panose="020B0609020000020004" pitchFamily="49" charset="0"/>
               </a:rPr>
-              <a:t>}</a:t>
-            </a:r>
-          </a:p>
-          <a:p>
-            <a:r>
-              <a:rPr lang="da-DK" sz="1200" dirty="0" smtClean="0">
-                <a:solidFill>
-                  <a:srgbClr val="000000"/>
-                </a:solidFill>
-                <a:latin typeface="Cascadia Mono" panose="020B0609020000020004" pitchFamily="49" charset="0"/>
-              </a:rPr>
-              <a:t>    </a:t>
-            </a:r>
+              <a:t>      }</a:t>
+            </a:r>
+          </a:p>
+          <a:p>
             <a:r>
               <a:rPr lang="da-DK" sz="1200" dirty="0">
                 <a:solidFill>
@@ -17574,7 +17061,7 @@
                 </a:solidFill>
                 <a:latin typeface="Cascadia Mono" panose="020B0609020000020004" pitchFamily="49" charset="0"/>
               </a:rPr>
-              <a:t>}</a:t>
+              <a:t>    }</a:t>
             </a:r>
           </a:p>
           <a:p>
@@ -17606,13 +17093,6 @@
   <p:clrMapOvr>
     <a:masterClrMapping/>
   </p:clrMapOvr>
-  <p:timing>
-    <p:tnLst>
-      <p:par>
-        <p:cTn id="1" dur="indefinite" restart="never" nodeType="tmRoot"/>
-      </p:par>
-    </p:tnLst>
-  </p:timing>
 </p:sld>
 </file>
 
@@ -17812,7 +17292,7 @@
               <a:buNone/>
             </a:pPr>
             <a:r>
-              <a:rPr lang="da-DK" sz="6000" b="1" dirty="0" err="1" smtClean="0">
+              <a:rPr lang="da-DK" sz="6000" b="1" dirty="0" err="1">
                 <a:ln w="25400">
                   <a:solidFill>
                     <a:schemeClr val="tx1"/>
@@ -17825,7 +17305,7 @@
               <a:t>Continue</a:t>
             </a:r>
             <a:r>
-              <a:rPr lang="da-DK" sz="6000" b="1" dirty="0" smtClean="0">
+              <a:rPr lang="da-DK" sz="6000" b="1" dirty="0">
                 <a:ln w="25400">
                   <a:solidFill>
                     <a:schemeClr val="tx1"/>
@@ -17838,7 +17318,7 @@
               <a:t> with the </a:t>
             </a:r>
             <a:r>
-              <a:rPr lang="da-DK" sz="6000" b="1" dirty="0" err="1" smtClean="0">
+              <a:rPr lang="da-DK" sz="6000" b="1" dirty="0" err="1">
                 <a:ln w="25400">
                   <a:solidFill>
                     <a:schemeClr val="tx1"/>
@@ -17873,13 +17353,6 @@
   <p:clrMapOvr>
     <a:masterClrMapping/>
   </p:clrMapOvr>
-  <p:timing>
-    <p:tnLst>
-      <p:par>
-        <p:cTn id="1" dur="indefinite" restart="never" nodeType="tmRoot"/>
-      </p:par>
-    </p:tnLst>
-  </p:timing>
 </p:sld>
 </file>
 
@@ -18034,13 +17507,6 @@
   <p:clrMapOvr>
     <a:masterClrMapping/>
   </p:clrMapOvr>
-  <p:timing>
-    <p:tnLst>
-      <p:par>
-        <p:cTn id="1" dur="indefinite" restart="never" nodeType="tmRoot"/>
-      </p:par>
-    </p:tnLst>
-  </p:timing>
 </p:sld>
 </file>
 
@@ -18090,13 +17556,6 @@
   <p:clrMapOvr>
     <a:masterClrMapping/>
   </p:clrMapOvr>
-  <p:timing>
-    <p:tnLst>
-      <p:par>
-        <p:cTn id="1" dur="indefinite" restart="never" nodeType="tmRoot"/>
-      </p:par>
-    </p:tnLst>
-  </p:timing>
 </p:sld>
 </file>
 
@@ -18322,13 +17781,6 @@
   <p:clrMapOvr>
     <a:masterClrMapping/>
   </p:clrMapOvr>
-  <p:timing>
-    <p:tnLst>
-      <p:par>
-        <p:cTn id="1" dur="indefinite" restart="never" nodeType="tmRoot"/>
-      </p:par>
-    </p:tnLst>
-  </p:timing>
 </p:sld>
 </file>
 
@@ -18504,13 +17956,6 @@
   <p:clrMapOvr>
     <a:masterClrMapping/>
   </p:clrMapOvr>
-  <p:timing>
-    <p:tnLst>
-      <p:par>
-        <p:cTn id="1" dur="indefinite" restart="never" nodeType="tmRoot"/>
-      </p:par>
-    </p:tnLst>
-  </p:timing>
 </p:sld>
 </file>
 
@@ -18736,13 +18181,6 @@
   <p:clrMapOvr>
     <a:masterClrMapping/>
   </p:clrMapOvr>
-  <p:timing>
-    <p:tnLst>
-      <p:par>
-        <p:cTn id="1" dur="indefinite" restart="never" nodeType="tmRoot"/>
-      </p:par>
-    </p:tnLst>
-  </p:timing>
 </p:sld>
 </file>
 
@@ -18985,13 +18423,6 @@
   <p:clrMapOvr>
     <a:masterClrMapping/>
   </p:clrMapOvr>
-  <p:timing>
-    <p:tnLst>
-      <p:par>
-        <p:cTn id="1" dur="indefinite" restart="never" nodeType="tmRoot"/>
-      </p:par>
-    </p:tnLst>
-  </p:timing>
 </p:sld>
 </file>
 
@@ -19234,13 +18665,6 @@
   <p:clrMapOvr>
     <a:masterClrMapping/>
   </p:clrMapOvr>
-  <p:timing>
-    <p:tnLst>
-      <p:par>
-        <p:cTn id="1" dur="indefinite" restart="never" nodeType="tmRoot"/>
-      </p:par>
-    </p:tnLst>
-  </p:timing>
 </p:sld>
 </file>
 
@@ -19416,13 +18840,6 @@
   <p:clrMapOvr>
     <a:masterClrMapping/>
   </p:clrMapOvr>
-  <p:timing>
-    <p:tnLst>
-      <p:par>
-        <p:cTn id="1" dur="indefinite" restart="never" nodeType="tmRoot"/>
-      </p:par>
-    </p:tnLst>
-  </p:timing>
 </p:sld>
 </file>
 

--- a/07 Thread Synchronization 2/Thread Synchronization pt 2.pptx
+++ b/07 Thread Synchronization 2/Thread Synchronization pt 2.pptx
@@ -5,7 +5,7 @@
     <p:sldMasterId id="2147483648" r:id="rId1"/>
   </p:sldMasterIdLst>
   <p:notesMasterIdLst>
-    <p:notesMasterId r:id="rId38"/>
+    <p:notesMasterId r:id="rId43"/>
   </p:notesMasterIdLst>
   <p:sldIdLst>
     <p:sldId id="256" r:id="rId2"/>
@@ -41,9 +41,14 @@
     <p:sldId id="367" r:id="rId32"/>
     <p:sldId id="368" r:id="rId33"/>
     <p:sldId id="369" r:id="rId34"/>
-    <p:sldId id="371" r:id="rId35"/>
-    <p:sldId id="259" r:id="rId36"/>
-    <p:sldId id="257" r:id="rId37"/>
+    <p:sldId id="372" r:id="rId35"/>
+    <p:sldId id="373" r:id="rId36"/>
+    <p:sldId id="374" r:id="rId37"/>
+    <p:sldId id="375" r:id="rId38"/>
+    <p:sldId id="376" r:id="rId39"/>
+    <p:sldId id="371" r:id="rId40"/>
+    <p:sldId id="259" r:id="rId41"/>
+    <p:sldId id="257" r:id="rId42"/>
   </p:sldIdLst>
   <p:sldSz cx="12192000" cy="6858000"/>
   <p:notesSz cx="6858000" cy="9144000"/>
@@ -232,7 +237,7 @@
           <a:p>
             <a:fld id="{C3D45B35-5990-4A22-9246-3EAB55A12994}" type="datetimeFigureOut">
               <a:rPr lang="da-DK" smtClean="0"/>
-              <a:t>04.10.2023</a:t>
+              <a:t>04-10-2023</a:t>
             </a:fld>
             <a:endParaRPr lang="da-DK"/>
           </a:p>
@@ -2195,6 +2200,10 @@
           <a:bodyPr/>
           <a:lstStyle/>
           <a:p>
+            <a:r>
+              <a:rPr lang="en-US" dirty="0"/>
+              <a:t>Let’s look at the part with the Events.</a:t>
+            </a:r>
             <a:endParaRPr lang="da-DK" dirty="0"/>
           </a:p>
         </p:txBody>
@@ -2216,7 +2225,347 @@
           <a:p>
             <a:fld id="{E41AB761-37ED-4EFA-99FC-D346B55B115C}" type="slidenum">
               <a:rPr lang="da-DK" smtClean="0"/>
-              <a:t>34</a:t>
+              <a:t>35</a:t>
+            </a:fld>
+            <a:endParaRPr lang="da-DK"/>
+          </a:p>
+        </p:txBody>
+      </p:sp>
+    </p:spTree>
+    <p:extLst>
+      <p:ext uri="{BB962C8B-B14F-4D97-AF65-F5344CB8AC3E}">
+        <p14:creationId xmlns:p14="http://schemas.microsoft.com/office/powerpoint/2010/main" val="2735257723"/>
+      </p:ext>
+    </p:extLst>
+  </p:cSld>
+  <p:clrMapOvr>
+    <a:masterClrMapping/>
+  </p:clrMapOvr>
+</p:notes>
+</file>
+
+<file path=ppt/notesSlides/notesSlide25.xml><?xml version="1.0" encoding="utf-8"?>
+<p:notes xmlns:a="http://schemas.openxmlformats.org/drawingml/2006/main" xmlns:r="http://schemas.openxmlformats.org/officeDocument/2006/relationships" xmlns:p="http://schemas.openxmlformats.org/presentationml/2006/main">
+  <p:cSld>
+    <p:spTree>
+      <p:nvGrpSpPr>
+        <p:cNvPr id="1" name=""/>
+        <p:cNvGrpSpPr/>
+        <p:nvPr/>
+      </p:nvGrpSpPr>
+      <p:grpSpPr>
+        <a:xfrm>
+          <a:off x="0" y="0"/>
+          <a:ext cx="0" cy="0"/>
+          <a:chOff x="0" y="0"/>
+          <a:chExt cx="0" cy="0"/>
+        </a:xfrm>
+      </p:grpSpPr>
+      <p:sp>
+        <p:nvSpPr>
+          <p:cNvPr id="2" name="Slide Image Placeholder 1"/>
+          <p:cNvSpPr>
+            <a:spLocks noGrp="1" noRot="1" noChangeAspect="1"/>
+          </p:cNvSpPr>
+          <p:nvPr>
+            <p:ph type="sldImg"/>
+          </p:nvPr>
+        </p:nvSpPr>
+        <p:spPr/>
+      </p:sp>
+      <p:sp>
+        <p:nvSpPr>
+          <p:cNvPr id="3" name="Notes Placeholder 2"/>
+          <p:cNvSpPr>
+            <a:spLocks noGrp="1"/>
+          </p:cNvSpPr>
+          <p:nvPr>
+            <p:ph type="body" idx="1"/>
+          </p:nvPr>
+        </p:nvSpPr>
+        <p:spPr/>
+        <p:txBody>
+          <a:bodyPr/>
+          <a:lstStyle/>
+          <a:p>
+            <a:r>
+              <a:rPr lang="en-US" dirty="0"/>
+              <a:t>Let’s look at the part with the Events.</a:t>
+            </a:r>
+            <a:endParaRPr lang="da-DK" dirty="0"/>
+          </a:p>
+        </p:txBody>
+      </p:sp>
+      <p:sp>
+        <p:nvSpPr>
+          <p:cNvPr id="4" name="Slide Number Placeholder 3"/>
+          <p:cNvSpPr>
+            <a:spLocks noGrp="1"/>
+          </p:cNvSpPr>
+          <p:nvPr>
+            <p:ph type="sldNum" sz="quarter" idx="10"/>
+          </p:nvPr>
+        </p:nvSpPr>
+        <p:spPr/>
+        <p:txBody>
+          <a:bodyPr/>
+          <a:lstStyle/>
+          <a:p>
+            <a:fld id="{E41AB761-37ED-4EFA-99FC-D346B55B115C}" type="slidenum">
+              <a:rPr lang="da-DK" smtClean="0"/>
+              <a:t>36</a:t>
+            </a:fld>
+            <a:endParaRPr lang="da-DK"/>
+          </a:p>
+        </p:txBody>
+      </p:sp>
+    </p:spTree>
+    <p:extLst>
+      <p:ext uri="{BB962C8B-B14F-4D97-AF65-F5344CB8AC3E}">
+        <p14:creationId xmlns:p14="http://schemas.microsoft.com/office/powerpoint/2010/main" val="1055777336"/>
+      </p:ext>
+    </p:extLst>
+  </p:cSld>
+  <p:clrMapOvr>
+    <a:masterClrMapping/>
+  </p:clrMapOvr>
+</p:notes>
+</file>
+
+<file path=ppt/notesSlides/notesSlide26.xml><?xml version="1.0" encoding="utf-8"?>
+<p:notes xmlns:a="http://schemas.openxmlformats.org/drawingml/2006/main" xmlns:r="http://schemas.openxmlformats.org/officeDocument/2006/relationships" xmlns:p="http://schemas.openxmlformats.org/presentationml/2006/main">
+  <p:cSld>
+    <p:spTree>
+      <p:nvGrpSpPr>
+        <p:cNvPr id="1" name=""/>
+        <p:cNvGrpSpPr/>
+        <p:nvPr/>
+      </p:nvGrpSpPr>
+      <p:grpSpPr>
+        <a:xfrm>
+          <a:off x="0" y="0"/>
+          <a:ext cx="0" cy="0"/>
+          <a:chOff x="0" y="0"/>
+          <a:chExt cx="0" cy="0"/>
+        </a:xfrm>
+      </p:grpSpPr>
+      <p:sp>
+        <p:nvSpPr>
+          <p:cNvPr id="2" name="Slide Image Placeholder 1"/>
+          <p:cNvSpPr>
+            <a:spLocks noGrp="1" noRot="1" noChangeAspect="1"/>
+          </p:cNvSpPr>
+          <p:nvPr>
+            <p:ph type="sldImg"/>
+          </p:nvPr>
+        </p:nvSpPr>
+        <p:spPr/>
+      </p:sp>
+      <p:sp>
+        <p:nvSpPr>
+          <p:cNvPr id="3" name="Notes Placeholder 2"/>
+          <p:cNvSpPr>
+            <a:spLocks noGrp="1"/>
+          </p:cNvSpPr>
+          <p:nvPr>
+            <p:ph type="body" idx="1"/>
+          </p:nvPr>
+        </p:nvSpPr>
+        <p:spPr/>
+        <p:txBody>
+          <a:bodyPr/>
+          <a:lstStyle/>
+          <a:p>
+            <a:endParaRPr lang="da-DK" dirty="0"/>
+          </a:p>
+        </p:txBody>
+      </p:sp>
+      <p:sp>
+        <p:nvSpPr>
+          <p:cNvPr id="4" name="Slide Number Placeholder 3"/>
+          <p:cNvSpPr>
+            <a:spLocks noGrp="1"/>
+          </p:cNvSpPr>
+          <p:nvPr>
+            <p:ph type="sldNum" sz="quarter" idx="10"/>
+          </p:nvPr>
+        </p:nvSpPr>
+        <p:spPr/>
+        <p:txBody>
+          <a:bodyPr/>
+          <a:lstStyle/>
+          <a:p>
+            <a:fld id="{E41AB761-37ED-4EFA-99FC-D346B55B115C}" type="slidenum">
+              <a:rPr lang="da-DK" smtClean="0"/>
+              <a:t>37</a:t>
+            </a:fld>
+            <a:endParaRPr lang="da-DK"/>
+          </a:p>
+        </p:txBody>
+      </p:sp>
+    </p:spTree>
+    <p:extLst>
+      <p:ext uri="{BB962C8B-B14F-4D97-AF65-F5344CB8AC3E}">
+        <p14:creationId xmlns:p14="http://schemas.microsoft.com/office/powerpoint/2010/main" val="3614846624"/>
+      </p:ext>
+    </p:extLst>
+  </p:cSld>
+  <p:clrMapOvr>
+    <a:masterClrMapping/>
+  </p:clrMapOvr>
+</p:notes>
+</file>
+
+<file path=ppt/notesSlides/notesSlide27.xml><?xml version="1.0" encoding="utf-8"?>
+<p:notes xmlns:a="http://schemas.openxmlformats.org/drawingml/2006/main" xmlns:r="http://schemas.openxmlformats.org/officeDocument/2006/relationships" xmlns:p="http://schemas.openxmlformats.org/presentationml/2006/main">
+  <p:cSld>
+    <p:spTree>
+      <p:nvGrpSpPr>
+        <p:cNvPr id="1" name=""/>
+        <p:cNvGrpSpPr/>
+        <p:nvPr/>
+      </p:nvGrpSpPr>
+      <p:grpSpPr>
+        <a:xfrm>
+          <a:off x="0" y="0"/>
+          <a:ext cx="0" cy="0"/>
+          <a:chOff x="0" y="0"/>
+          <a:chExt cx="0" cy="0"/>
+        </a:xfrm>
+      </p:grpSpPr>
+      <p:sp>
+        <p:nvSpPr>
+          <p:cNvPr id="2" name="Slide Image Placeholder 1"/>
+          <p:cNvSpPr>
+            <a:spLocks noGrp="1" noRot="1" noChangeAspect="1"/>
+          </p:cNvSpPr>
+          <p:nvPr>
+            <p:ph type="sldImg"/>
+          </p:nvPr>
+        </p:nvSpPr>
+        <p:spPr/>
+      </p:sp>
+      <p:sp>
+        <p:nvSpPr>
+          <p:cNvPr id="3" name="Notes Placeholder 2"/>
+          <p:cNvSpPr>
+            <a:spLocks noGrp="1"/>
+          </p:cNvSpPr>
+          <p:nvPr>
+            <p:ph type="body" idx="1"/>
+          </p:nvPr>
+        </p:nvSpPr>
+        <p:spPr/>
+        <p:txBody>
+          <a:bodyPr/>
+          <a:lstStyle/>
+          <a:p>
+            <a:endParaRPr lang="da-DK" dirty="0"/>
+          </a:p>
+        </p:txBody>
+      </p:sp>
+      <p:sp>
+        <p:nvSpPr>
+          <p:cNvPr id="4" name="Slide Number Placeholder 3"/>
+          <p:cNvSpPr>
+            <a:spLocks noGrp="1"/>
+          </p:cNvSpPr>
+          <p:nvPr>
+            <p:ph type="sldNum" sz="quarter" idx="10"/>
+          </p:nvPr>
+        </p:nvSpPr>
+        <p:spPr/>
+        <p:txBody>
+          <a:bodyPr/>
+          <a:lstStyle/>
+          <a:p>
+            <a:fld id="{E41AB761-37ED-4EFA-99FC-D346B55B115C}" type="slidenum">
+              <a:rPr lang="da-DK" smtClean="0"/>
+              <a:t>38</a:t>
+            </a:fld>
+            <a:endParaRPr lang="da-DK"/>
+          </a:p>
+        </p:txBody>
+      </p:sp>
+    </p:spTree>
+    <p:extLst>
+      <p:ext uri="{BB962C8B-B14F-4D97-AF65-F5344CB8AC3E}">
+        <p14:creationId xmlns:p14="http://schemas.microsoft.com/office/powerpoint/2010/main" val="441969886"/>
+      </p:ext>
+    </p:extLst>
+  </p:cSld>
+  <p:clrMapOvr>
+    <a:masterClrMapping/>
+  </p:clrMapOvr>
+</p:notes>
+</file>
+
+<file path=ppt/notesSlides/notesSlide28.xml><?xml version="1.0" encoding="utf-8"?>
+<p:notes xmlns:a="http://schemas.openxmlformats.org/drawingml/2006/main" xmlns:r="http://schemas.openxmlformats.org/officeDocument/2006/relationships" xmlns:p="http://schemas.openxmlformats.org/presentationml/2006/main">
+  <p:cSld>
+    <p:spTree>
+      <p:nvGrpSpPr>
+        <p:cNvPr id="1" name=""/>
+        <p:cNvGrpSpPr/>
+        <p:nvPr/>
+      </p:nvGrpSpPr>
+      <p:grpSpPr>
+        <a:xfrm>
+          <a:off x="0" y="0"/>
+          <a:ext cx="0" cy="0"/>
+          <a:chOff x="0" y="0"/>
+          <a:chExt cx="0" cy="0"/>
+        </a:xfrm>
+      </p:grpSpPr>
+      <p:sp>
+        <p:nvSpPr>
+          <p:cNvPr id="2" name="Slide Image Placeholder 1"/>
+          <p:cNvSpPr>
+            <a:spLocks noGrp="1" noRot="1" noChangeAspect="1"/>
+          </p:cNvSpPr>
+          <p:nvPr>
+            <p:ph type="sldImg"/>
+          </p:nvPr>
+        </p:nvSpPr>
+        <p:spPr/>
+      </p:sp>
+      <p:sp>
+        <p:nvSpPr>
+          <p:cNvPr id="3" name="Notes Placeholder 2"/>
+          <p:cNvSpPr>
+            <a:spLocks noGrp="1"/>
+          </p:cNvSpPr>
+          <p:nvPr>
+            <p:ph type="body" idx="1"/>
+          </p:nvPr>
+        </p:nvSpPr>
+        <p:spPr/>
+        <p:txBody>
+          <a:bodyPr/>
+          <a:lstStyle/>
+          <a:p>
+            <a:endParaRPr lang="da-DK" dirty="0"/>
+          </a:p>
+        </p:txBody>
+      </p:sp>
+      <p:sp>
+        <p:nvSpPr>
+          <p:cNvPr id="4" name="Slide Number Placeholder 3"/>
+          <p:cNvSpPr>
+            <a:spLocks noGrp="1"/>
+          </p:cNvSpPr>
+          <p:nvPr>
+            <p:ph type="sldNum" sz="quarter" idx="10"/>
+          </p:nvPr>
+        </p:nvSpPr>
+        <p:spPr/>
+        <p:txBody>
+          <a:bodyPr/>
+          <a:lstStyle/>
+          <a:p>
+            <a:fld id="{E41AB761-37ED-4EFA-99FC-D346B55B115C}" type="slidenum">
+              <a:rPr lang="da-DK" smtClean="0"/>
+              <a:t>39</a:t>
             </a:fld>
             <a:endParaRPr lang="da-DK"/>
           </a:p>
@@ -6152,6 +6501,13 @@
   <p:clrMapOvr>
     <a:masterClrMapping/>
   </p:clrMapOvr>
+  <p:timing>
+    <p:tnLst>
+      <p:par>
+        <p:cTn id="1" dur="indefinite" restart="never" nodeType="tmRoot"/>
+      </p:par>
+    </p:tnLst>
+  </p:timing>
 </p:sld>
 </file>
 
@@ -6383,6 +6739,13 @@
   <p:clrMapOvr>
     <a:masterClrMapping/>
   </p:clrMapOvr>
+  <p:timing>
+    <p:tnLst>
+      <p:par>
+        <p:cTn id="1" dur="indefinite" restart="never" nodeType="tmRoot"/>
+      </p:par>
+    </p:tnLst>
+  </p:timing>
 </p:sld>
 </file>
 
@@ -6596,6 +6959,13 @@
   <p:clrMapOvr>
     <a:masterClrMapping/>
   </p:clrMapOvr>
+  <p:timing>
+    <p:tnLst>
+      <p:par>
+        <p:cTn id="1" dur="indefinite" restart="never" nodeType="tmRoot"/>
+      </p:par>
+    </p:tnLst>
+  </p:timing>
 </p:sld>
 </file>
 
@@ -7059,6 +7429,13 @@
   <p:clrMapOvr>
     <a:masterClrMapping/>
   </p:clrMapOvr>
+  <p:timing>
+    <p:tnLst>
+      <p:par>
+        <p:cTn id="1" dur="indefinite" restart="never" nodeType="tmRoot"/>
+      </p:par>
+    </p:tnLst>
+  </p:timing>
 </p:sld>
 </file>
 
@@ -7268,6 +7645,13 @@
   <p:clrMapOvr>
     <a:masterClrMapping/>
   </p:clrMapOvr>
+  <p:timing>
+    <p:tnLst>
+      <p:par>
+        <p:cTn id="1" dur="indefinite" restart="never" nodeType="tmRoot"/>
+      </p:par>
+    </p:tnLst>
+  </p:timing>
 </p:sld>
 </file>
 
@@ -7344,6 +7728,13 @@
   <p:clrMapOvr>
     <a:masterClrMapping/>
   </p:clrMapOvr>
+  <p:timing>
+    <p:tnLst>
+      <p:par>
+        <p:cTn id="1" dur="indefinite" restart="never" nodeType="tmRoot"/>
+      </p:par>
+    </p:tnLst>
+  </p:timing>
 </p:sld>
 </file>
 
@@ -7634,6 +8025,13 @@
   <p:clrMapOvr>
     <a:masterClrMapping/>
   </p:clrMapOvr>
+  <p:timing>
+    <p:tnLst>
+      <p:par>
+        <p:cTn id="1" dur="indefinite" restart="never" nodeType="tmRoot"/>
+      </p:par>
+    </p:tnLst>
+  </p:timing>
 </p:sld>
 </file>
 
@@ -7916,6 +8314,13 @@
   <p:clrMapOvr>
     <a:masterClrMapping/>
   </p:clrMapOvr>
+  <p:timing>
+    <p:tnLst>
+      <p:par>
+        <p:cTn id="1" dur="indefinite" restart="never" nodeType="tmRoot"/>
+      </p:par>
+    </p:tnLst>
+  </p:timing>
 </p:sld>
 </file>
 
@@ -8046,6 +8451,13 @@
   <p:clrMapOvr>
     <a:masterClrMapping/>
   </p:clrMapOvr>
+  <p:timing>
+    <p:tnLst>
+      <p:par>
+        <p:cTn id="1" dur="indefinite" restart="never" nodeType="tmRoot"/>
+      </p:par>
+    </p:tnLst>
+  </p:timing>
 </p:sld>
 </file>
 
@@ -8239,6 +8651,13 @@
   <p:clrMapOvr>
     <a:masterClrMapping/>
   </p:clrMapOvr>
+  <p:timing>
+    <p:tnLst>
+      <p:par>
+        <p:cTn id="1" dur="indefinite" restart="never" nodeType="tmRoot"/>
+      </p:par>
+    </p:tnLst>
+  </p:timing>
 </p:sld>
 </file>
 
@@ -8315,6 +8734,13 @@
   <p:clrMapOvr>
     <a:masterClrMapping/>
   </p:clrMapOvr>
+  <p:timing>
+    <p:tnLst>
+      <p:par>
+        <p:cTn id="1" dur="indefinite" restart="never" nodeType="tmRoot"/>
+      </p:par>
+    </p:tnLst>
+  </p:timing>
 </p:sld>
 </file>
 
@@ -8460,6 +8886,13 @@
   <p:clrMapOvr>
     <a:masterClrMapping/>
   </p:clrMapOvr>
+  <p:timing>
+    <p:tnLst>
+      <p:par>
+        <p:cTn id="1" dur="indefinite" restart="never" nodeType="tmRoot"/>
+      </p:par>
+    </p:tnLst>
+  </p:timing>
 </p:sld>
 </file>
 
@@ -8744,6 +9177,13 @@
   <p:clrMapOvr>
     <a:masterClrMapping/>
   </p:clrMapOvr>
+  <p:timing>
+    <p:tnLst>
+      <p:par>
+        <p:cTn id="1" dur="indefinite" restart="never" nodeType="tmRoot"/>
+      </p:par>
+    </p:tnLst>
+  </p:timing>
 </p:sld>
 </file>
 
@@ -9977,6 +10417,13 @@
   <p:clrMapOvr>
     <a:masterClrMapping/>
   </p:clrMapOvr>
+  <p:timing>
+    <p:tnLst>
+      <p:par>
+        <p:cTn id="1" dur="indefinite" restart="never" nodeType="tmRoot"/>
+      </p:par>
+    </p:tnLst>
+  </p:timing>
 </p:sld>
 </file>
 
@@ -10879,6 +11326,13 @@
   <p:clrMapOvr>
     <a:masterClrMapping/>
   </p:clrMapOvr>
+  <p:timing>
+    <p:tnLst>
+      <p:par>
+        <p:cTn id="1" dur="indefinite" restart="never" nodeType="tmRoot"/>
+      </p:par>
+    </p:tnLst>
+  </p:timing>
 </p:sld>
 </file>
 
@@ -11773,6 +12227,13 @@
   <p:clrMapOvr>
     <a:masterClrMapping/>
   </p:clrMapOvr>
+  <p:timing>
+    <p:tnLst>
+      <p:par>
+        <p:cTn id="1" dur="indefinite" restart="never" nodeType="tmRoot"/>
+      </p:par>
+    </p:tnLst>
+  </p:timing>
 </p:sld>
 </file>
 
@@ -12367,6 +12828,13 @@
   <p:clrMapOvr>
     <a:masterClrMapping/>
   </p:clrMapOvr>
+  <p:timing>
+    <p:tnLst>
+      <p:par>
+        <p:cTn id="1" dur="indefinite" restart="never" nodeType="tmRoot"/>
+      </p:par>
+    </p:tnLst>
+  </p:timing>
 </p:sld>
 </file>
 
@@ -12776,6 +13244,13 @@
   <p:clrMapOvr>
     <a:masterClrMapping/>
   </p:clrMapOvr>
+  <p:timing>
+    <p:tnLst>
+      <p:par>
+        <p:cTn id="1" dur="indefinite" restart="never" nodeType="tmRoot"/>
+      </p:par>
+    </p:tnLst>
+  </p:timing>
 </p:sld>
 </file>
 
@@ -13124,6 +13599,13 @@
   <p:clrMapOvr>
     <a:masterClrMapping/>
   </p:clrMapOvr>
+  <p:timing>
+    <p:tnLst>
+      <p:par>
+        <p:cTn id="1" dur="indefinite" restart="never" nodeType="tmRoot"/>
+      </p:par>
+    </p:tnLst>
+  </p:timing>
 </p:sld>
 </file>
 
@@ -13196,6 +13678,13 @@
   <p:clrMapOvr>
     <a:masterClrMapping/>
   </p:clrMapOvr>
+  <p:timing>
+    <p:tnLst>
+      <p:par>
+        <p:cTn id="1" dur="indefinite" restart="never" nodeType="tmRoot"/>
+      </p:par>
+    </p:tnLst>
+  </p:timing>
 </p:sld>
 </file>
 
@@ -13349,6 +13838,13 @@
   <p:clrMapOvr>
     <a:masterClrMapping/>
   </p:clrMapOvr>
+  <p:timing>
+    <p:tnLst>
+      <p:par>
+        <p:cTn id="1" dur="indefinite" restart="never" nodeType="tmRoot"/>
+      </p:par>
+    </p:tnLst>
+  </p:timing>
 </p:sld>
 </file>
 
@@ -13550,6 +14046,13 @@
   <p:clrMapOvr>
     <a:masterClrMapping/>
   </p:clrMapOvr>
+  <p:timing>
+    <p:tnLst>
+      <p:par>
+        <p:cTn id="1" dur="indefinite" restart="never" nodeType="tmRoot"/>
+      </p:par>
+    </p:tnLst>
+  </p:timing>
 </p:sld>
 </file>
 
@@ -13639,6 +14142,13 @@
   <p:clrMapOvr>
     <a:masterClrMapping/>
   </p:clrMapOvr>
+  <p:timing>
+    <p:tnLst>
+      <p:par>
+        <p:cTn id="1" dur="indefinite" restart="never" nodeType="tmRoot"/>
+      </p:par>
+    </p:tnLst>
+  </p:timing>
 </p:sld>
 </file>
 
@@ -13839,6 +14349,13 @@
   <p:clrMapOvr>
     <a:masterClrMapping/>
   </p:clrMapOvr>
+  <p:timing>
+    <p:tnLst>
+      <p:par>
+        <p:cTn id="1" dur="indefinite" restart="never" nodeType="tmRoot"/>
+      </p:par>
+    </p:tnLst>
+  </p:timing>
 </p:sld>
 </file>
 
@@ -14879,6 +15396,13 @@
   <p:clrMapOvr>
     <a:masterClrMapping/>
   </p:clrMapOvr>
+  <p:timing>
+    <p:tnLst>
+      <p:par>
+        <p:cTn id="1" dur="indefinite" restart="never" nodeType="tmRoot"/>
+      </p:par>
+    </p:tnLst>
+  </p:timing>
 </p:sld>
 </file>
 
@@ -16012,6 +16536,129 @@
           </a:p>
         </p:txBody>
       </p:sp>
+      <p:sp>
+        <p:nvSpPr>
+          <p:cNvPr id="5" name="Down Arrow 4"/>
+          <p:cNvSpPr/>
+          <p:nvPr/>
+        </p:nvSpPr>
+        <p:spPr>
+          <a:xfrm rot="6589927">
+            <a:off x="7053734" y="3517908"/>
+            <a:ext cx="220980" cy="1810268"/>
+          </a:xfrm>
+          <a:prstGeom prst="downArrow">
+            <a:avLst>
+              <a:gd name="adj1" fmla="val 57019"/>
+              <a:gd name="adj2" fmla="val 50000"/>
+            </a:avLst>
+          </a:prstGeom>
+        </p:spPr>
+        <p:style>
+          <a:lnRef idx="2">
+            <a:schemeClr val="accent1">
+              <a:shade val="50000"/>
+            </a:schemeClr>
+          </a:lnRef>
+          <a:fillRef idx="1">
+            <a:schemeClr val="accent1"/>
+          </a:fillRef>
+          <a:effectRef idx="0">
+            <a:schemeClr val="accent1"/>
+          </a:effectRef>
+          <a:fontRef idx="minor">
+            <a:schemeClr val="lt1"/>
+          </a:fontRef>
+        </p:style>
+        <p:txBody>
+          <a:bodyPr rtlCol="0" anchor="ctr"/>
+          <a:lstStyle/>
+          <a:p>
+            <a:pPr algn="ctr"/>
+            <a:endParaRPr lang="da-DK"/>
+          </a:p>
+        </p:txBody>
+      </p:sp>
+      <p:sp>
+        <p:nvSpPr>
+          <p:cNvPr id="6" name="Down Arrow 5"/>
+          <p:cNvSpPr/>
+          <p:nvPr/>
+        </p:nvSpPr>
+        <p:spPr>
+          <a:xfrm rot="5005834">
+            <a:off x="7322274" y="3033698"/>
+            <a:ext cx="220980" cy="1521656"/>
+          </a:xfrm>
+          <a:prstGeom prst="downArrow">
+            <a:avLst/>
+          </a:prstGeom>
+        </p:spPr>
+        <p:style>
+          <a:lnRef idx="2">
+            <a:schemeClr val="accent1">
+              <a:shade val="50000"/>
+            </a:schemeClr>
+          </a:lnRef>
+          <a:fillRef idx="1">
+            <a:schemeClr val="accent1"/>
+          </a:fillRef>
+          <a:effectRef idx="0">
+            <a:schemeClr val="accent1"/>
+          </a:effectRef>
+          <a:fontRef idx="minor">
+            <a:schemeClr val="lt1"/>
+          </a:fontRef>
+        </p:style>
+        <p:txBody>
+          <a:bodyPr rtlCol="0" anchor="ctr"/>
+          <a:lstStyle/>
+          <a:p>
+            <a:pPr algn="ctr"/>
+            <a:endParaRPr lang="da-DK"/>
+          </a:p>
+        </p:txBody>
+      </p:sp>
+      <p:sp>
+        <p:nvSpPr>
+          <p:cNvPr id="7" name="Down Arrow 6"/>
+          <p:cNvSpPr/>
+          <p:nvPr/>
+        </p:nvSpPr>
+        <p:spPr>
+          <a:xfrm rot="4110891">
+            <a:off x="7336419" y="1127234"/>
+            <a:ext cx="220980" cy="1534338"/>
+          </a:xfrm>
+          <a:prstGeom prst="downArrow">
+            <a:avLst/>
+          </a:prstGeom>
+        </p:spPr>
+        <p:style>
+          <a:lnRef idx="2">
+            <a:schemeClr val="accent1">
+              <a:shade val="50000"/>
+            </a:schemeClr>
+          </a:lnRef>
+          <a:fillRef idx="1">
+            <a:schemeClr val="accent1"/>
+          </a:fillRef>
+          <a:effectRef idx="0">
+            <a:schemeClr val="accent1"/>
+          </a:effectRef>
+          <a:fontRef idx="minor">
+            <a:schemeClr val="lt1"/>
+          </a:fontRef>
+        </p:style>
+        <p:txBody>
+          <a:bodyPr rtlCol="0" anchor="ctr"/>
+          <a:lstStyle/>
+          <a:p>
+            <a:pPr algn="ctr"/>
+            <a:endParaRPr lang="da-DK"/>
+          </a:p>
+        </p:txBody>
+      </p:sp>
     </p:spTree>
     <p:extLst>
       <p:ext uri="{BB962C8B-B14F-4D97-AF65-F5344CB8AC3E}">
@@ -16022,6 +16669,13 @@
   <p:clrMapOvr>
     <a:masterClrMapping/>
   </p:clrMapOvr>
+  <p:timing>
+    <p:tnLst>
+      <p:par>
+        <p:cTn id="1" dur="indefinite" restart="never" nodeType="tmRoot"/>
+      </p:par>
+    </p:tnLst>
+  </p:timing>
 </p:sld>
 </file>
 
@@ -16114,7 +16768,7 @@
               <a:t>AutoResetEvent</a:t>
             </a:r>
             <a:r>
-              <a:rPr lang="en-US" dirty="0"/>
+              <a:rPr lang="en-US" dirty="0" smtClean="0"/>
               <a:t>.</a:t>
             </a:r>
           </a:p>
@@ -16122,7 +16776,31 @@
             <a:pPr marL="0" indent="0">
               <a:buNone/>
             </a:pPr>
-            <a:endParaRPr lang="en-US"/>
+            <a:endParaRPr lang="en-US" dirty="0" smtClean="0"/>
+          </a:p>
+          <a:p>
+            <a:pPr marL="0" indent="0">
+              <a:buNone/>
+            </a:pPr>
+            <a:r>
+              <a:rPr lang="en-US" dirty="0" smtClean="0"/>
+              <a:t>The </a:t>
+            </a:r>
+            <a:r>
+              <a:rPr lang="en-US" dirty="0" err="1" smtClean="0"/>
+              <a:t>AutoResetEvent</a:t>
+            </a:r>
+            <a:r>
+              <a:rPr lang="en-US" dirty="0" smtClean="0"/>
+              <a:t> is ‘not set’ when created.</a:t>
+            </a:r>
+            <a:endParaRPr lang="en-US" dirty="0"/>
+          </a:p>
+          <a:p>
+            <a:pPr marL="0" indent="0">
+              <a:buNone/>
+            </a:pPr>
+            <a:endParaRPr lang="en-US" dirty="0"/>
           </a:p>
         </p:txBody>
       </p:sp>
@@ -17083,6 +17761,49 @@
           </a:p>
         </p:txBody>
       </p:sp>
+      <p:sp>
+        <p:nvSpPr>
+          <p:cNvPr id="5" name="Down Arrow 4"/>
+          <p:cNvSpPr/>
+          <p:nvPr/>
+        </p:nvSpPr>
+        <p:spPr>
+          <a:xfrm rot="7468438">
+            <a:off x="7453622" y="2583489"/>
+            <a:ext cx="220980" cy="1488489"/>
+          </a:xfrm>
+          <a:prstGeom prst="downArrow">
+            <a:avLst>
+              <a:gd name="adj1" fmla="val 54665"/>
+              <a:gd name="adj2" fmla="val 50000"/>
+            </a:avLst>
+          </a:prstGeom>
+        </p:spPr>
+        <p:style>
+          <a:lnRef idx="2">
+            <a:schemeClr val="accent1">
+              <a:shade val="50000"/>
+            </a:schemeClr>
+          </a:lnRef>
+          <a:fillRef idx="1">
+            <a:schemeClr val="accent1"/>
+          </a:fillRef>
+          <a:effectRef idx="0">
+            <a:schemeClr val="accent1"/>
+          </a:effectRef>
+          <a:fontRef idx="minor">
+            <a:schemeClr val="lt1"/>
+          </a:fontRef>
+        </p:style>
+        <p:txBody>
+          <a:bodyPr rtlCol="0" anchor="ctr"/>
+          <a:lstStyle/>
+          <a:p>
+            <a:pPr algn="ctr"/>
+            <a:endParaRPr lang="da-DK"/>
+          </a:p>
+        </p:txBody>
+      </p:sp>
     </p:spTree>
     <p:extLst>
       <p:ext uri="{BB962C8B-B14F-4D97-AF65-F5344CB8AC3E}">
@@ -17093,10 +17814,2574 @@
   <p:clrMapOvr>
     <a:masterClrMapping/>
   </p:clrMapOvr>
+  <p:timing>
+    <p:tnLst>
+      <p:par>
+        <p:cTn id="1" dur="indefinite" restart="never" nodeType="tmRoot"/>
+      </p:par>
+    </p:tnLst>
+  </p:timing>
 </p:sld>
 </file>
 
 <file path=ppt/slides/slide34.xml><?xml version="1.0" encoding="utf-8"?>
+<p:sld xmlns:a="http://schemas.openxmlformats.org/drawingml/2006/main" xmlns:r="http://schemas.openxmlformats.org/officeDocument/2006/relationships" xmlns:p="http://schemas.openxmlformats.org/presentationml/2006/main">
+  <p:cSld>
+    <p:spTree>
+      <p:nvGrpSpPr>
+        <p:cNvPr id="1" name=""/>
+        <p:cNvGrpSpPr/>
+        <p:nvPr/>
+      </p:nvGrpSpPr>
+      <p:grpSpPr>
+        <a:xfrm>
+          <a:off x="0" y="0"/>
+          <a:ext cx="0" cy="0"/>
+          <a:chOff x="0" y="0"/>
+          <a:chExt cx="0" cy="0"/>
+        </a:xfrm>
+      </p:grpSpPr>
+      <p:sp>
+        <p:nvSpPr>
+          <p:cNvPr id="4" name="Title 3"/>
+          <p:cNvSpPr>
+            <a:spLocks noGrp="1"/>
+          </p:cNvSpPr>
+          <p:nvPr>
+            <p:ph type="title"/>
+          </p:nvPr>
+        </p:nvSpPr>
+        <p:spPr/>
+        <p:txBody>
+          <a:bodyPr/>
+          <a:lstStyle/>
+          <a:p>
+            <a:r>
+              <a:rPr lang="en-US" dirty="0" err="1" smtClean="0"/>
+              <a:t>GoF</a:t>
+            </a:r>
+            <a:r>
+              <a:rPr lang="en-US" dirty="0" smtClean="0"/>
+              <a:t> Observer with threads</a:t>
+            </a:r>
+            <a:endParaRPr lang="da-DK" dirty="0"/>
+          </a:p>
+        </p:txBody>
+      </p:sp>
+      <p:sp>
+        <p:nvSpPr>
+          <p:cNvPr id="5" name="Text Placeholder 4"/>
+          <p:cNvSpPr>
+            <a:spLocks noGrp="1"/>
+          </p:cNvSpPr>
+          <p:nvPr>
+            <p:ph type="body" idx="1"/>
+          </p:nvPr>
+        </p:nvSpPr>
+        <p:spPr/>
+        <p:txBody>
+          <a:bodyPr/>
+          <a:lstStyle/>
+          <a:p>
+            <a:endParaRPr lang="da-DK" dirty="0"/>
+          </a:p>
+        </p:txBody>
+      </p:sp>
+    </p:spTree>
+    <p:extLst>
+      <p:ext uri="{BB962C8B-B14F-4D97-AF65-F5344CB8AC3E}">
+        <p14:creationId xmlns:p14="http://schemas.microsoft.com/office/powerpoint/2010/main" val="2637468862"/>
+      </p:ext>
+    </p:extLst>
+  </p:cSld>
+  <p:clrMapOvr>
+    <a:masterClrMapping/>
+  </p:clrMapOvr>
+  <p:timing>
+    <p:tnLst>
+      <p:par>
+        <p:cTn id="1" dur="indefinite" restart="never" nodeType="tmRoot"/>
+      </p:par>
+    </p:tnLst>
+  </p:timing>
+</p:sld>
+</file>
+
+<file path=ppt/slides/slide35.xml><?xml version="1.0" encoding="utf-8"?>
+<p:sld xmlns:a="http://schemas.openxmlformats.org/drawingml/2006/main" xmlns:r="http://schemas.openxmlformats.org/officeDocument/2006/relationships" xmlns:p="http://schemas.openxmlformats.org/presentationml/2006/main">
+  <p:cSld>
+    <p:spTree>
+      <p:nvGrpSpPr>
+        <p:cNvPr id="1" name=""/>
+        <p:cNvGrpSpPr/>
+        <p:nvPr/>
+      </p:nvGrpSpPr>
+      <p:grpSpPr>
+        <a:xfrm>
+          <a:off x="0" y="0"/>
+          <a:ext cx="0" cy="0"/>
+          <a:chOff x="0" y="0"/>
+          <a:chExt cx="0" cy="0"/>
+        </a:xfrm>
+      </p:grpSpPr>
+      <p:sp>
+        <p:nvSpPr>
+          <p:cNvPr id="4" name="Title 3"/>
+          <p:cNvSpPr>
+            <a:spLocks noGrp="1"/>
+          </p:cNvSpPr>
+          <p:nvPr>
+            <p:ph type="title"/>
+          </p:nvPr>
+        </p:nvSpPr>
+        <p:spPr/>
+        <p:txBody>
+          <a:bodyPr/>
+          <a:lstStyle/>
+          <a:p>
+            <a:endParaRPr lang="da-DK"/>
+          </a:p>
+        </p:txBody>
+      </p:sp>
+      <p:sp>
+        <p:nvSpPr>
+          <p:cNvPr id="5" name="Content Placeholder 4"/>
+          <p:cNvSpPr>
+            <a:spLocks noGrp="1"/>
+          </p:cNvSpPr>
+          <p:nvPr>
+            <p:ph idx="1"/>
+          </p:nvPr>
+        </p:nvSpPr>
+        <p:spPr>
+          <a:xfrm>
+            <a:off x="7467600" y="1356706"/>
+            <a:ext cx="3886200" cy="4860960"/>
+          </a:xfrm>
+        </p:spPr>
+        <p:txBody>
+          <a:bodyPr>
+            <a:normAutofit/>
+          </a:bodyPr>
+          <a:lstStyle/>
+          <a:p>
+            <a:pPr marL="0" indent="0">
+              <a:buNone/>
+            </a:pPr>
+            <a:r>
+              <a:rPr lang="en-US" dirty="0" smtClean="0"/>
+              <a:t>What to do, if we want to decouple the </a:t>
+            </a:r>
+            <a:r>
+              <a:rPr lang="en-US" dirty="0" err="1" smtClean="0"/>
+              <a:t>WaterLevelMonitor</a:t>
+            </a:r>
+            <a:r>
+              <a:rPr lang="en-US" dirty="0" smtClean="0"/>
+              <a:t> from the </a:t>
+            </a:r>
+            <a:r>
+              <a:rPr lang="en-US" dirty="0" err="1" smtClean="0"/>
+              <a:t>PumpController</a:t>
+            </a:r>
+            <a:r>
+              <a:rPr lang="en-US" dirty="0" smtClean="0"/>
+              <a:t> using the </a:t>
+            </a:r>
+            <a:r>
+              <a:rPr lang="en-US" dirty="0" err="1" smtClean="0"/>
+              <a:t>GoF</a:t>
+            </a:r>
+            <a:r>
+              <a:rPr lang="en-US" dirty="0" smtClean="0"/>
+              <a:t> Observer pattern?</a:t>
+            </a:r>
+            <a:endParaRPr lang="en-US" dirty="0"/>
+          </a:p>
+        </p:txBody>
+      </p:sp>
+      <p:pic>
+        <p:nvPicPr>
+          <p:cNvPr id="6" name="Picture 5"/>
+          <p:cNvPicPr>
+            <a:picLocks noChangeAspect="1"/>
+          </p:cNvPicPr>
+          <p:nvPr/>
+        </p:nvPicPr>
+        <p:blipFill>
+          <a:blip r:embed="rId3"/>
+          <a:stretch>
+            <a:fillRect/>
+          </a:stretch>
+        </p:blipFill>
+        <p:spPr>
+          <a:xfrm>
+            <a:off x="1085913" y="1600546"/>
+            <a:ext cx="4954266" cy="3565469"/>
+          </a:xfrm>
+          <a:prstGeom prst="rect">
+            <a:avLst/>
+          </a:prstGeom>
+        </p:spPr>
+      </p:pic>
+    </p:spTree>
+    <p:extLst>
+      <p:ext uri="{BB962C8B-B14F-4D97-AF65-F5344CB8AC3E}">
+        <p14:creationId xmlns:p14="http://schemas.microsoft.com/office/powerpoint/2010/main" val="878619283"/>
+      </p:ext>
+    </p:extLst>
+  </p:cSld>
+  <p:clrMapOvr>
+    <a:masterClrMapping/>
+  </p:clrMapOvr>
+  <p:timing>
+    <p:tnLst>
+      <p:par>
+        <p:cTn id="1" dur="indefinite" restart="never" nodeType="tmRoot"/>
+      </p:par>
+    </p:tnLst>
+  </p:timing>
+</p:sld>
+</file>
+
+<file path=ppt/slides/slide36.xml><?xml version="1.0" encoding="utf-8"?>
+<p:sld xmlns:a="http://schemas.openxmlformats.org/drawingml/2006/main" xmlns:r="http://schemas.openxmlformats.org/officeDocument/2006/relationships" xmlns:p="http://schemas.openxmlformats.org/presentationml/2006/main">
+  <p:cSld>
+    <p:spTree>
+      <p:nvGrpSpPr>
+        <p:cNvPr id="1" name=""/>
+        <p:cNvGrpSpPr/>
+        <p:nvPr/>
+      </p:nvGrpSpPr>
+      <p:grpSpPr>
+        <a:xfrm>
+          <a:off x="0" y="0"/>
+          <a:ext cx="0" cy="0"/>
+          <a:chOff x="0" y="0"/>
+          <a:chExt cx="0" cy="0"/>
+        </a:xfrm>
+      </p:grpSpPr>
+      <p:sp>
+        <p:nvSpPr>
+          <p:cNvPr id="4" name="Title 3"/>
+          <p:cNvSpPr>
+            <a:spLocks noGrp="1"/>
+          </p:cNvSpPr>
+          <p:nvPr>
+            <p:ph type="title"/>
+          </p:nvPr>
+        </p:nvSpPr>
+        <p:spPr/>
+        <p:txBody>
+          <a:bodyPr/>
+          <a:lstStyle/>
+          <a:p>
+            <a:endParaRPr lang="da-DK"/>
+          </a:p>
+        </p:txBody>
+      </p:sp>
+      <p:pic>
+        <p:nvPicPr>
+          <p:cNvPr id="7" name="Picture 6"/>
+          <p:cNvPicPr>
+            <a:picLocks noChangeAspect="1"/>
+          </p:cNvPicPr>
+          <p:nvPr/>
+        </p:nvPicPr>
+        <p:blipFill>
+          <a:blip r:embed="rId3"/>
+          <a:stretch>
+            <a:fillRect/>
+          </a:stretch>
+        </p:blipFill>
+        <p:spPr>
+          <a:xfrm>
+            <a:off x="838200" y="2507312"/>
+            <a:ext cx="7963731" cy="3896886"/>
+          </a:xfrm>
+          <a:prstGeom prst="rect">
+            <a:avLst/>
+          </a:prstGeom>
+        </p:spPr>
+      </p:pic>
+      <p:sp>
+        <p:nvSpPr>
+          <p:cNvPr id="12" name="Content Placeholder 4"/>
+          <p:cNvSpPr txBox="1">
+            <a:spLocks/>
+          </p:cNvSpPr>
+          <p:nvPr/>
+        </p:nvSpPr>
+        <p:spPr>
+          <a:xfrm>
+            <a:off x="7467600" y="1356706"/>
+            <a:ext cx="3886200" cy="4860960"/>
+          </a:xfrm>
+          <a:prstGeom prst="rect">
+            <a:avLst/>
+          </a:prstGeom>
+        </p:spPr>
+        <p:txBody>
+          <a:bodyPr vert="horz" lIns="91440" tIns="45720" rIns="91440" bIns="45720" rtlCol="0">
+            <a:normAutofit/>
+          </a:bodyPr>
+          <a:lstStyle>
+            <a:lvl1pPr marL="228600" indent="-228600" algn="l" defTabSz="914400" rtl="0" eaLnBrk="1" latinLnBrk="0" hangingPunct="1">
+              <a:lnSpc>
+                <a:spcPct val="90000"/>
+              </a:lnSpc>
+              <a:spcBef>
+                <a:spcPts val="1000"/>
+              </a:spcBef>
+              <a:buFont typeface="Arial" panose="020B0604020202020204" pitchFamily="34" charset="0"/>
+              <a:buChar char="•"/>
+              <a:defRPr sz="2800" kern="1200">
+                <a:solidFill>
+                  <a:schemeClr val="tx1"/>
+                </a:solidFill>
+                <a:latin typeface="Gill Sans MT" panose="020B0502020104020203" pitchFamily="34" charset="0"/>
+                <a:ea typeface="+mn-ea"/>
+                <a:cs typeface="+mn-cs"/>
+              </a:defRPr>
+            </a:lvl1pPr>
+            <a:lvl2pPr marL="685800" indent="-228600" algn="l" defTabSz="914400" rtl="0" eaLnBrk="1" latinLnBrk="0" hangingPunct="1">
+              <a:lnSpc>
+                <a:spcPct val="90000"/>
+              </a:lnSpc>
+              <a:spcBef>
+                <a:spcPts val="500"/>
+              </a:spcBef>
+              <a:buFont typeface="Arial" panose="020B0604020202020204" pitchFamily="34" charset="0"/>
+              <a:buChar char="•"/>
+              <a:defRPr sz="2400" kern="1200">
+                <a:solidFill>
+                  <a:schemeClr val="tx1"/>
+                </a:solidFill>
+                <a:latin typeface="Gill Sans MT" panose="020B0502020104020203" pitchFamily="34" charset="0"/>
+                <a:ea typeface="+mn-ea"/>
+                <a:cs typeface="+mn-cs"/>
+              </a:defRPr>
+            </a:lvl2pPr>
+            <a:lvl3pPr marL="1143000" indent="-228600" algn="l" defTabSz="914400" rtl="0" eaLnBrk="1" latinLnBrk="0" hangingPunct="1">
+              <a:lnSpc>
+                <a:spcPct val="90000"/>
+              </a:lnSpc>
+              <a:spcBef>
+                <a:spcPts val="500"/>
+              </a:spcBef>
+              <a:buFont typeface="Arial" panose="020B0604020202020204" pitchFamily="34" charset="0"/>
+              <a:buChar char="•"/>
+              <a:defRPr sz="2000" kern="1200">
+                <a:solidFill>
+                  <a:schemeClr val="tx1"/>
+                </a:solidFill>
+                <a:latin typeface="Gill Sans MT" panose="020B0502020104020203" pitchFamily="34" charset="0"/>
+                <a:ea typeface="+mn-ea"/>
+                <a:cs typeface="+mn-cs"/>
+              </a:defRPr>
+            </a:lvl3pPr>
+            <a:lvl4pPr marL="1600200" indent="-228600" algn="l" defTabSz="914400" rtl="0" eaLnBrk="1" latinLnBrk="0" hangingPunct="1">
+              <a:lnSpc>
+                <a:spcPct val="90000"/>
+              </a:lnSpc>
+              <a:spcBef>
+                <a:spcPts val="500"/>
+              </a:spcBef>
+              <a:buFont typeface="Arial" panose="020B0604020202020204" pitchFamily="34" charset="0"/>
+              <a:buChar char="•"/>
+              <a:defRPr sz="1800" kern="1200">
+                <a:solidFill>
+                  <a:schemeClr val="tx1"/>
+                </a:solidFill>
+                <a:latin typeface="Gill Sans MT" panose="020B0502020104020203" pitchFamily="34" charset="0"/>
+                <a:ea typeface="+mn-ea"/>
+                <a:cs typeface="+mn-cs"/>
+              </a:defRPr>
+            </a:lvl4pPr>
+            <a:lvl5pPr marL="2057400" indent="-228600" algn="l" defTabSz="914400" rtl="0" eaLnBrk="1" latinLnBrk="0" hangingPunct="1">
+              <a:lnSpc>
+                <a:spcPct val="90000"/>
+              </a:lnSpc>
+              <a:spcBef>
+                <a:spcPts val="500"/>
+              </a:spcBef>
+              <a:buFont typeface="Arial" panose="020B0604020202020204" pitchFamily="34" charset="0"/>
+              <a:buChar char="•"/>
+              <a:defRPr sz="1800" kern="1200">
+                <a:solidFill>
+                  <a:schemeClr val="tx1"/>
+                </a:solidFill>
+                <a:latin typeface="Gill Sans MT" panose="020B0502020104020203" pitchFamily="34" charset="0"/>
+                <a:ea typeface="+mn-ea"/>
+                <a:cs typeface="+mn-cs"/>
+              </a:defRPr>
+            </a:lvl5pPr>
+            <a:lvl6pPr marL="2514600" indent="-228600" algn="l" defTabSz="914400" rtl="0" eaLnBrk="1" latinLnBrk="0" hangingPunct="1">
+              <a:lnSpc>
+                <a:spcPct val="90000"/>
+              </a:lnSpc>
+              <a:spcBef>
+                <a:spcPts val="500"/>
+              </a:spcBef>
+              <a:buFont typeface="Arial" panose="020B0604020202020204" pitchFamily="34" charset="0"/>
+              <a:buChar char="•"/>
+              <a:defRPr sz="1800" kern="1200">
+                <a:solidFill>
+                  <a:schemeClr val="tx1"/>
+                </a:solidFill>
+                <a:latin typeface="+mn-lt"/>
+                <a:ea typeface="+mn-ea"/>
+                <a:cs typeface="+mn-cs"/>
+              </a:defRPr>
+            </a:lvl6pPr>
+            <a:lvl7pPr marL="2971800" indent="-228600" algn="l" defTabSz="914400" rtl="0" eaLnBrk="1" latinLnBrk="0" hangingPunct="1">
+              <a:lnSpc>
+                <a:spcPct val="90000"/>
+              </a:lnSpc>
+              <a:spcBef>
+                <a:spcPts val="500"/>
+              </a:spcBef>
+              <a:buFont typeface="Arial" panose="020B0604020202020204" pitchFamily="34" charset="0"/>
+              <a:buChar char="•"/>
+              <a:defRPr sz="1800" kern="1200">
+                <a:solidFill>
+                  <a:schemeClr val="tx1"/>
+                </a:solidFill>
+                <a:latin typeface="+mn-lt"/>
+                <a:ea typeface="+mn-ea"/>
+                <a:cs typeface="+mn-cs"/>
+              </a:defRPr>
+            </a:lvl7pPr>
+            <a:lvl8pPr marL="3429000" indent="-228600" algn="l" defTabSz="914400" rtl="0" eaLnBrk="1" latinLnBrk="0" hangingPunct="1">
+              <a:lnSpc>
+                <a:spcPct val="90000"/>
+              </a:lnSpc>
+              <a:spcBef>
+                <a:spcPts val="500"/>
+              </a:spcBef>
+              <a:buFont typeface="Arial" panose="020B0604020202020204" pitchFamily="34" charset="0"/>
+              <a:buChar char="•"/>
+              <a:defRPr sz="1800" kern="1200">
+                <a:solidFill>
+                  <a:schemeClr val="tx1"/>
+                </a:solidFill>
+                <a:latin typeface="+mn-lt"/>
+                <a:ea typeface="+mn-ea"/>
+                <a:cs typeface="+mn-cs"/>
+              </a:defRPr>
+            </a:lvl8pPr>
+            <a:lvl9pPr marL="3886200" indent="-228600" algn="l" defTabSz="914400" rtl="0" eaLnBrk="1" latinLnBrk="0" hangingPunct="1">
+              <a:lnSpc>
+                <a:spcPct val="90000"/>
+              </a:lnSpc>
+              <a:spcBef>
+                <a:spcPts val="500"/>
+              </a:spcBef>
+              <a:buFont typeface="Arial" panose="020B0604020202020204" pitchFamily="34" charset="0"/>
+              <a:buChar char="•"/>
+              <a:defRPr sz="1800" kern="1200">
+                <a:solidFill>
+                  <a:schemeClr val="tx1"/>
+                </a:solidFill>
+                <a:latin typeface="+mn-lt"/>
+                <a:ea typeface="+mn-ea"/>
+                <a:cs typeface="+mn-cs"/>
+              </a:defRPr>
+            </a:lvl9pPr>
+          </a:lstStyle>
+          <a:p>
+            <a:pPr marL="0" indent="0">
+              <a:buFont typeface="Arial" panose="020B0604020202020204" pitchFamily="34" charset="0"/>
+              <a:buNone/>
+            </a:pPr>
+            <a:r>
+              <a:rPr lang="en-US" smtClean="0"/>
+              <a:t>What to do, if we want to decouple the WaterLevelMonitor from the PumpController using the GoF Observer pattern?</a:t>
+            </a:r>
+            <a:endParaRPr lang="en-US" dirty="0"/>
+          </a:p>
+        </p:txBody>
+      </p:sp>
+    </p:spTree>
+    <p:extLst>
+      <p:ext uri="{BB962C8B-B14F-4D97-AF65-F5344CB8AC3E}">
+        <p14:creationId xmlns:p14="http://schemas.microsoft.com/office/powerpoint/2010/main" val="371992738"/>
+      </p:ext>
+    </p:extLst>
+  </p:cSld>
+  <p:clrMapOvr>
+    <a:masterClrMapping/>
+  </p:clrMapOvr>
+  <p:timing>
+    <p:tnLst>
+      <p:par>
+        <p:cTn id="1" dur="indefinite" restart="never" nodeType="tmRoot"/>
+      </p:par>
+    </p:tnLst>
+  </p:timing>
+</p:sld>
+</file>
+
+<file path=ppt/slides/slide37.xml><?xml version="1.0" encoding="utf-8"?>
+<p:sld xmlns:a="http://schemas.openxmlformats.org/drawingml/2006/main" xmlns:r="http://schemas.openxmlformats.org/officeDocument/2006/relationships" xmlns:p="http://schemas.openxmlformats.org/presentationml/2006/main">
+  <p:cSld>
+    <p:spTree>
+      <p:nvGrpSpPr>
+        <p:cNvPr id="1" name=""/>
+        <p:cNvGrpSpPr/>
+        <p:nvPr/>
+      </p:nvGrpSpPr>
+      <p:grpSpPr>
+        <a:xfrm>
+          <a:off x="0" y="0"/>
+          <a:ext cx="0" cy="0"/>
+          <a:chOff x="0" y="0"/>
+          <a:chExt cx="0" cy="0"/>
+        </a:xfrm>
+      </p:grpSpPr>
+      <p:sp>
+        <p:nvSpPr>
+          <p:cNvPr id="2" name="Title 1"/>
+          <p:cNvSpPr>
+            <a:spLocks noGrp="1"/>
+          </p:cNvSpPr>
+          <p:nvPr>
+            <p:ph type="title"/>
+          </p:nvPr>
+        </p:nvSpPr>
+        <p:spPr/>
+        <p:txBody>
+          <a:bodyPr/>
+          <a:lstStyle/>
+          <a:p>
+            <a:r>
+              <a:rPr lang="da-DK" dirty="0" err="1" smtClean="0"/>
+              <a:t>PumpController</a:t>
+            </a:r>
+            <a:r>
+              <a:rPr lang="da-DK" dirty="0" smtClean="0"/>
+              <a:t> as Observer</a:t>
+            </a:r>
+            <a:endParaRPr lang="da-DK" dirty="0"/>
+          </a:p>
+        </p:txBody>
+      </p:sp>
+      <p:sp>
+        <p:nvSpPr>
+          <p:cNvPr id="4" name="Rectangle 3"/>
+          <p:cNvSpPr/>
+          <p:nvPr/>
+        </p:nvSpPr>
+        <p:spPr>
+          <a:xfrm>
+            <a:off x="152400" y="1311965"/>
+            <a:ext cx="5631180" cy="5400120"/>
+          </a:xfrm>
+          <a:prstGeom prst="rect">
+            <a:avLst/>
+          </a:prstGeom>
+          <a:solidFill>
+            <a:schemeClr val="bg2"/>
+          </a:solidFill>
+        </p:spPr>
+        <p:style>
+          <a:lnRef idx="2">
+            <a:schemeClr val="accent1">
+              <a:shade val="50000"/>
+            </a:schemeClr>
+          </a:lnRef>
+          <a:fillRef idx="1">
+            <a:schemeClr val="accent1"/>
+          </a:fillRef>
+          <a:effectRef idx="0">
+            <a:schemeClr val="accent1"/>
+          </a:effectRef>
+          <a:fontRef idx="minor">
+            <a:schemeClr val="lt1"/>
+          </a:fontRef>
+        </p:style>
+        <p:txBody>
+          <a:bodyPr rtlCol="0" anchor="ctr"/>
+          <a:lstStyle/>
+          <a:p>
+            <a:r>
+              <a:rPr lang="da-DK" sz="1200" dirty="0">
+                <a:solidFill>
+                  <a:srgbClr val="0000FF"/>
+                </a:solidFill>
+                <a:latin typeface="Cascadia Mono" panose="020B0609020000020004" pitchFamily="49" charset="0"/>
+              </a:rPr>
+              <a:t>public</a:t>
+            </a:r>
+            <a:r>
+              <a:rPr lang="da-DK" sz="1200" dirty="0">
+                <a:solidFill>
+                  <a:srgbClr val="000000"/>
+                </a:solidFill>
+                <a:latin typeface="Cascadia Mono" panose="020B0609020000020004" pitchFamily="49" charset="0"/>
+              </a:rPr>
+              <a:t> </a:t>
+            </a:r>
+            <a:r>
+              <a:rPr lang="da-DK" sz="1200" dirty="0" err="1">
+                <a:solidFill>
+                  <a:srgbClr val="0000FF"/>
+                </a:solidFill>
+                <a:latin typeface="Cascadia Mono" panose="020B0609020000020004" pitchFamily="49" charset="0"/>
+              </a:rPr>
+              <a:t>class</a:t>
+            </a:r>
+            <a:r>
+              <a:rPr lang="da-DK" sz="1200" dirty="0">
+                <a:solidFill>
+                  <a:srgbClr val="000000"/>
+                </a:solidFill>
+                <a:latin typeface="Cascadia Mono" panose="020B0609020000020004" pitchFamily="49" charset="0"/>
+              </a:rPr>
+              <a:t> </a:t>
+            </a:r>
+            <a:r>
+              <a:rPr lang="da-DK" sz="1200" dirty="0" err="1">
+                <a:solidFill>
+                  <a:srgbClr val="2B91AF"/>
+                </a:solidFill>
+                <a:latin typeface="Cascadia Mono" panose="020B0609020000020004" pitchFamily="49" charset="0"/>
+              </a:rPr>
+              <a:t>PumpController</a:t>
+            </a:r>
+            <a:r>
+              <a:rPr lang="da-DK" sz="1200" dirty="0">
+                <a:solidFill>
+                  <a:srgbClr val="000000"/>
+                </a:solidFill>
+                <a:latin typeface="Cascadia Mono" panose="020B0609020000020004" pitchFamily="49" charset="0"/>
+              </a:rPr>
+              <a:t> : </a:t>
+            </a:r>
+            <a:r>
+              <a:rPr lang="da-DK" sz="1200" dirty="0" err="1">
+                <a:solidFill>
+                  <a:srgbClr val="000000"/>
+                </a:solidFill>
+                <a:latin typeface="Cascadia Mono" panose="020B0609020000020004" pitchFamily="49" charset="0"/>
+              </a:rPr>
+              <a:t>IWaterLevelObserver</a:t>
+            </a:r>
+            <a:endParaRPr lang="da-DK" sz="1200" dirty="0">
+              <a:solidFill>
+                <a:srgbClr val="000000"/>
+              </a:solidFill>
+              <a:latin typeface="Cascadia Mono" panose="020B0609020000020004" pitchFamily="49" charset="0"/>
+            </a:endParaRPr>
+          </a:p>
+          <a:p>
+            <a:r>
+              <a:rPr lang="da-DK" sz="1200" dirty="0">
+                <a:solidFill>
+                  <a:srgbClr val="000000"/>
+                </a:solidFill>
+                <a:latin typeface="Cascadia Mono" panose="020B0609020000020004" pitchFamily="49" charset="0"/>
+              </a:rPr>
+              <a:t>{</a:t>
+            </a:r>
+          </a:p>
+          <a:p>
+            <a:r>
+              <a:rPr lang="da-DK" sz="1200" dirty="0">
+                <a:solidFill>
+                  <a:srgbClr val="000000"/>
+                </a:solidFill>
+                <a:latin typeface="Cascadia Mono" panose="020B0609020000020004" pitchFamily="49" charset="0"/>
+              </a:rPr>
+              <a:t>    </a:t>
+            </a:r>
+            <a:r>
+              <a:rPr lang="da-DK" sz="1200" dirty="0">
+                <a:solidFill>
+                  <a:srgbClr val="0000FF"/>
+                </a:solidFill>
+                <a:latin typeface="Cascadia Mono" panose="020B0609020000020004" pitchFamily="49" charset="0"/>
+              </a:rPr>
+              <a:t>private</a:t>
+            </a:r>
+            <a:r>
+              <a:rPr lang="da-DK" sz="1200" dirty="0">
+                <a:solidFill>
+                  <a:srgbClr val="000000"/>
+                </a:solidFill>
+                <a:latin typeface="Cascadia Mono" panose="020B0609020000020004" pitchFamily="49" charset="0"/>
+              </a:rPr>
+              <a:t> </a:t>
+            </a:r>
+            <a:r>
+              <a:rPr lang="da-DK" sz="1200" dirty="0" err="1">
+                <a:solidFill>
+                  <a:srgbClr val="0000FF"/>
+                </a:solidFill>
+                <a:latin typeface="Cascadia Mono" panose="020B0609020000020004" pitchFamily="49" charset="0"/>
+              </a:rPr>
+              <a:t>readonly</a:t>
+            </a:r>
+            <a:r>
+              <a:rPr lang="da-DK" sz="1200" dirty="0">
+                <a:solidFill>
+                  <a:srgbClr val="000000"/>
+                </a:solidFill>
+                <a:latin typeface="Cascadia Mono" panose="020B0609020000020004" pitchFamily="49" charset="0"/>
+              </a:rPr>
+              <a:t> </a:t>
+            </a:r>
+            <a:r>
+              <a:rPr lang="da-DK" sz="1200" dirty="0" err="1">
+                <a:solidFill>
+                  <a:srgbClr val="000000"/>
+                </a:solidFill>
+                <a:latin typeface="Cascadia Mono" panose="020B0609020000020004" pitchFamily="49" charset="0"/>
+              </a:rPr>
+              <a:t>AutoResetEvent</a:t>
+            </a:r>
+            <a:r>
+              <a:rPr lang="da-DK" sz="1200" dirty="0">
+                <a:solidFill>
+                  <a:srgbClr val="000000"/>
+                </a:solidFill>
+                <a:latin typeface="Cascadia Mono" panose="020B0609020000020004" pitchFamily="49" charset="0"/>
+              </a:rPr>
+              <a:t> _</a:t>
+            </a:r>
+            <a:r>
+              <a:rPr lang="da-DK" sz="1200" dirty="0" err="1">
+                <a:solidFill>
+                  <a:srgbClr val="000000"/>
+                </a:solidFill>
+                <a:latin typeface="Cascadia Mono" panose="020B0609020000020004" pitchFamily="49" charset="0"/>
+              </a:rPr>
+              <a:t>waterLevelHighAutoResetEvent</a:t>
+            </a:r>
+            <a:r>
+              <a:rPr lang="da-DK" sz="1200" dirty="0">
+                <a:solidFill>
+                  <a:srgbClr val="000000"/>
+                </a:solidFill>
+                <a:latin typeface="Cascadia Mono" panose="020B0609020000020004" pitchFamily="49" charset="0"/>
+              </a:rPr>
+              <a:t> = </a:t>
+            </a:r>
+            <a:r>
+              <a:rPr lang="da-DK" sz="1200" dirty="0" smtClean="0">
+                <a:solidFill>
+                  <a:srgbClr val="0000FF"/>
+                </a:solidFill>
+                <a:latin typeface="Cascadia Mono" panose="020B0609020000020004" pitchFamily="49" charset="0"/>
+              </a:rPr>
+              <a:t>new</a:t>
+            </a:r>
+            <a:r>
+              <a:rPr lang="da-DK" sz="1200" dirty="0" smtClean="0">
+                <a:solidFill>
+                  <a:srgbClr val="000000"/>
+                </a:solidFill>
+                <a:latin typeface="Cascadia Mono" panose="020B0609020000020004" pitchFamily="49" charset="0"/>
+              </a:rPr>
+              <a:t> </a:t>
+            </a:r>
+            <a:r>
+              <a:rPr lang="da-DK" sz="1200" dirty="0" err="1">
+                <a:solidFill>
+                  <a:srgbClr val="000000"/>
+                </a:solidFill>
+                <a:latin typeface="Cascadia Mono" panose="020B0609020000020004" pitchFamily="49" charset="0"/>
+              </a:rPr>
+              <a:t>AutoResetEvent</a:t>
+            </a:r>
+            <a:r>
+              <a:rPr lang="da-DK" sz="1200" dirty="0">
+                <a:solidFill>
+                  <a:srgbClr val="000000"/>
+                </a:solidFill>
+                <a:latin typeface="Cascadia Mono" panose="020B0609020000020004" pitchFamily="49" charset="0"/>
+              </a:rPr>
+              <a:t>(</a:t>
+            </a:r>
+            <a:r>
+              <a:rPr lang="da-DK" sz="1200" dirty="0">
+                <a:solidFill>
+                  <a:srgbClr val="0000FF"/>
+                </a:solidFill>
+                <a:latin typeface="Cascadia Mono" panose="020B0609020000020004" pitchFamily="49" charset="0"/>
+              </a:rPr>
+              <a:t>false</a:t>
+            </a:r>
+            <a:r>
+              <a:rPr lang="da-DK" sz="1200" dirty="0">
+                <a:solidFill>
+                  <a:srgbClr val="000000"/>
+                </a:solidFill>
+                <a:latin typeface="Cascadia Mono" panose="020B0609020000020004" pitchFamily="49" charset="0"/>
+              </a:rPr>
+              <a:t>);</a:t>
+            </a:r>
+          </a:p>
+          <a:p>
+            <a:r>
+              <a:rPr lang="da-DK" sz="1200" dirty="0">
+                <a:solidFill>
+                  <a:srgbClr val="000000"/>
+                </a:solidFill>
+                <a:latin typeface="Cascadia Mono" panose="020B0609020000020004" pitchFamily="49" charset="0"/>
+              </a:rPr>
+              <a:t>    </a:t>
+            </a:r>
+            <a:r>
+              <a:rPr lang="da-DK" sz="1200" dirty="0">
+                <a:solidFill>
+                  <a:srgbClr val="0000FF"/>
+                </a:solidFill>
+                <a:latin typeface="Cascadia Mono" panose="020B0609020000020004" pitchFamily="49" charset="0"/>
+              </a:rPr>
+              <a:t>private</a:t>
+            </a:r>
+            <a:r>
+              <a:rPr lang="da-DK" sz="1200" dirty="0">
+                <a:solidFill>
+                  <a:srgbClr val="000000"/>
+                </a:solidFill>
+                <a:latin typeface="Cascadia Mono" panose="020B0609020000020004" pitchFamily="49" charset="0"/>
+              </a:rPr>
+              <a:t> </a:t>
+            </a:r>
+            <a:r>
+              <a:rPr lang="da-DK" sz="1200" dirty="0" err="1">
+                <a:solidFill>
+                  <a:srgbClr val="0000FF"/>
+                </a:solidFill>
+                <a:latin typeface="Cascadia Mono" panose="020B0609020000020004" pitchFamily="49" charset="0"/>
+              </a:rPr>
+              <a:t>int</a:t>
+            </a:r>
+            <a:r>
+              <a:rPr lang="da-DK" sz="1200" dirty="0">
+                <a:solidFill>
+                  <a:srgbClr val="000000"/>
+                </a:solidFill>
+                <a:latin typeface="Cascadia Mono" panose="020B0609020000020004" pitchFamily="49" charset="0"/>
+              </a:rPr>
+              <a:t> _</a:t>
+            </a:r>
+            <a:r>
+              <a:rPr lang="da-DK" sz="1200" dirty="0" err="1">
+                <a:solidFill>
+                  <a:srgbClr val="000000"/>
+                </a:solidFill>
+                <a:latin typeface="Cascadia Mono" panose="020B0609020000020004" pitchFamily="49" charset="0"/>
+              </a:rPr>
+              <a:t>waterLevel</a:t>
+            </a:r>
+            <a:r>
+              <a:rPr lang="da-DK" sz="1200" dirty="0">
+                <a:solidFill>
+                  <a:srgbClr val="000000"/>
+                </a:solidFill>
+                <a:latin typeface="Cascadia Mono" panose="020B0609020000020004" pitchFamily="49" charset="0"/>
+              </a:rPr>
+              <a:t>;</a:t>
+            </a:r>
+          </a:p>
+          <a:p>
+            <a:r>
+              <a:rPr lang="en-US" sz="1200" dirty="0">
+                <a:solidFill>
+                  <a:srgbClr val="000000"/>
+                </a:solidFill>
+                <a:latin typeface="Cascadia Mono" panose="020B0609020000020004" pitchFamily="49" charset="0"/>
+              </a:rPr>
+              <a:t>    </a:t>
+            </a:r>
+            <a:r>
+              <a:rPr lang="en-US" sz="1200" dirty="0">
+                <a:solidFill>
+                  <a:srgbClr val="0000FF"/>
+                </a:solidFill>
+                <a:latin typeface="Cascadia Mono" panose="020B0609020000020004" pitchFamily="49" charset="0"/>
+              </a:rPr>
+              <a:t>private</a:t>
+            </a:r>
+            <a:r>
+              <a:rPr lang="en-US" sz="1200" dirty="0">
+                <a:solidFill>
+                  <a:srgbClr val="000000"/>
+                </a:solidFill>
+                <a:latin typeface="Cascadia Mono" panose="020B0609020000020004" pitchFamily="49" charset="0"/>
+              </a:rPr>
+              <a:t> </a:t>
+            </a:r>
+            <a:r>
+              <a:rPr lang="en-US" sz="1200" dirty="0" err="1">
+                <a:solidFill>
+                  <a:srgbClr val="0000FF"/>
+                </a:solidFill>
+                <a:latin typeface="Cascadia Mono" panose="020B0609020000020004" pitchFamily="49" charset="0"/>
+              </a:rPr>
+              <a:t>readonly</a:t>
+            </a:r>
+            <a:r>
+              <a:rPr lang="en-US" sz="1200" dirty="0">
+                <a:solidFill>
+                  <a:srgbClr val="000000"/>
+                </a:solidFill>
+                <a:latin typeface="Cascadia Mono" panose="020B0609020000020004" pitchFamily="49" charset="0"/>
+              </a:rPr>
+              <a:t> </a:t>
+            </a:r>
+            <a:r>
+              <a:rPr lang="en-US" sz="1200" dirty="0">
+                <a:solidFill>
+                  <a:srgbClr val="0000FF"/>
+                </a:solidFill>
+                <a:latin typeface="Cascadia Mono" panose="020B0609020000020004" pitchFamily="49" charset="0"/>
+              </a:rPr>
+              <a:t>object</a:t>
+            </a:r>
+            <a:r>
+              <a:rPr lang="en-US" sz="1200" dirty="0">
+                <a:solidFill>
+                  <a:srgbClr val="000000"/>
+                </a:solidFill>
+                <a:latin typeface="Cascadia Mono" panose="020B0609020000020004" pitchFamily="49" charset="0"/>
+              </a:rPr>
+              <a:t> _</a:t>
+            </a:r>
+            <a:r>
+              <a:rPr lang="en-US" sz="1200" dirty="0" err="1">
+                <a:solidFill>
+                  <a:srgbClr val="000000"/>
+                </a:solidFill>
+                <a:latin typeface="Cascadia Mono" panose="020B0609020000020004" pitchFamily="49" charset="0"/>
+              </a:rPr>
+              <a:t>waterLevelLockObject</a:t>
+            </a:r>
+            <a:r>
+              <a:rPr lang="en-US" sz="1200" dirty="0">
+                <a:solidFill>
+                  <a:srgbClr val="000000"/>
+                </a:solidFill>
+                <a:latin typeface="Cascadia Mono" panose="020B0609020000020004" pitchFamily="49" charset="0"/>
+              </a:rPr>
+              <a:t> = </a:t>
+            </a:r>
+            <a:endParaRPr lang="en-US" sz="1200" dirty="0" smtClean="0">
+              <a:solidFill>
+                <a:srgbClr val="000000"/>
+              </a:solidFill>
+              <a:latin typeface="Cascadia Mono" panose="020B0609020000020004" pitchFamily="49" charset="0"/>
+            </a:endParaRPr>
+          </a:p>
+          <a:p>
+            <a:r>
+              <a:rPr lang="en-US" sz="1200" dirty="0">
+                <a:solidFill>
+                  <a:srgbClr val="000000"/>
+                </a:solidFill>
+                <a:latin typeface="Cascadia Mono" panose="020B0609020000020004" pitchFamily="49" charset="0"/>
+              </a:rPr>
+              <a:t> </a:t>
+            </a:r>
+            <a:r>
+              <a:rPr lang="en-US" sz="1200" dirty="0" smtClean="0">
+                <a:solidFill>
+                  <a:srgbClr val="000000"/>
+                </a:solidFill>
+                <a:latin typeface="Cascadia Mono" panose="020B0609020000020004" pitchFamily="49" charset="0"/>
+              </a:rPr>
+              <a:t>       </a:t>
+            </a:r>
+            <a:r>
+              <a:rPr lang="en-US" sz="1200" dirty="0" smtClean="0">
+                <a:solidFill>
+                  <a:srgbClr val="0000FF"/>
+                </a:solidFill>
+                <a:latin typeface="Cascadia Mono" panose="020B0609020000020004" pitchFamily="49" charset="0"/>
+              </a:rPr>
+              <a:t>new</a:t>
+            </a:r>
+            <a:r>
+              <a:rPr lang="en-US" sz="1200" dirty="0" smtClean="0">
+                <a:solidFill>
+                  <a:srgbClr val="000000"/>
+                </a:solidFill>
+                <a:latin typeface="Cascadia Mono" panose="020B0609020000020004" pitchFamily="49" charset="0"/>
+              </a:rPr>
+              <a:t> </a:t>
+            </a:r>
+            <a:r>
+              <a:rPr lang="en-US" sz="1200" dirty="0">
+                <a:solidFill>
+                  <a:srgbClr val="0000FF"/>
+                </a:solidFill>
+                <a:latin typeface="Cascadia Mono" panose="020B0609020000020004" pitchFamily="49" charset="0"/>
+              </a:rPr>
+              <a:t>object</a:t>
+            </a:r>
+            <a:r>
+              <a:rPr lang="en-US" sz="1200" dirty="0">
+                <a:solidFill>
+                  <a:srgbClr val="000000"/>
+                </a:solidFill>
+                <a:latin typeface="Cascadia Mono" panose="020B0609020000020004" pitchFamily="49" charset="0"/>
+              </a:rPr>
+              <a:t>();</a:t>
+            </a:r>
+          </a:p>
+          <a:p>
+            <a:endParaRPr lang="da-DK" sz="1200" dirty="0">
+              <a:solidFill>
+                <a:srgbClr val="000000"/>
+              </a:solidFill>
+              <a:latin typeface="Cascadia Mono" panose="020B0609020000020004" pitchFamily="49" charset="0"/>
+            </a:endParaRPr>
+          </a:p>
+          <a:p>
+            <a:r>
+              <a:rPr lang="da-DK" sz="1200" dirty="0">
+                <a:solidFill>
+                  <a:srgbClr val="000000"/>
+                </a:solidFill>
+                <a:latin typeface="Cascadia Mono" panose="020B0609020000020004" pitchFamily="49" charset="0"/>
+              </a:rPr>
+              <a:t>    </a:t>
+            </a:r>
+            <a:r>
+              <a:rPr lang="da-DK" sz="1200" dirty="0">
+                <a:solidFill>
+                  <a:srgbClr val="0000FF"/>
+                </a:solidFill>
+                <a:latin typeface="Cascadia Mono" panose="020B0609020000020004" pitchFamily="49" charset="0"/>
+              </a:rPr>
+              <a:t>public</a:t>
+            </a:r>
+            <a:r>
+              <a:rPr lang="da-DK" sz="1200" dirty="0">
+                <a:solidFill>
+                  <a:srgbClr val="000000"/>
+                </a:solidFill>
+                <a:latin typeface="Cascadia Mono" panose="020B0609020000020004" pitchFamily="49" charset="0"/>
+              </a:rPr>
+              <a:t> </a:t>
+            </a:r>
+            <a:r>
+              <a:rPr lang="da-DK" sz="1200" dirty="0" err="1">
+                <a:solidFill>
+                  <a:srgbClr val="2B91AF"/>
+                </a:solidFill>
+                <a:latin typeface="Cascadia Mono" panose="020B0609020000020004" pitchFamily="49" charset="0"/>
+              </a:rPr>
+              <a:t>PumpController</a:t>
+            </a:r>
+            <a:r>
+              <a:rPr lang="da-DK" sz="1200" dirty="0">
+                <a:solidFill>
+                  <a:srgbClr val="000000"/>
+                </a:solidFill>
+                <a:latin typeface="Cascadia Mono" panose="020B0609020000020004" pitchFamily="49" charset="0"/>
+              </a:rPr>
+              <a:t>(</a:t>
+            </a:r>
+            <a:r>
+              <a:rPr lang="da-DK" sz="1200" dirty="0" err="1">
+                <a:solidFill>
+                  <a:srgbClr val="000000"/>
+                </a:solidFill>
+                <a:latin typeface="Cascadia Mono" panose="020B0609020000020004" pitchFamily="49" charset="0"/>
+              </a:rPr>
+              <a:t>WaterLevelSubject</a:t>
+            </a:r>
+            <a:r>
+              <a:rPr lang="da-DK" sz="1200" dirty="0">
+                <a:solidFill>
+                  <a:srgbClr val="000000"/>
+                </a:solidFill>
+                <a:latin typeface="Cascadia Mono" panose="020B0609020000020004" pitchFamily="49" charset="0"/>
+              </a:rPr>
+              <a:t> </a:t>
+            </a:r>
+            <a:r>
+              <a:rPr lang="da-DK" sz="1200" dirty="0" err="1">
+                <a:solidFill>
+                  <a:srgbClr val="000000"/>
+                </a:solidFill>
+                <a:latin typeface="Cascadia Mono" panose="020B0609020000020004" pitchFamily="49" charset="0"/>
+              </a:rPr>
+              <a:t>subject</a:t>
+            </a:r>
+            <a:r>
+              <a:rPr lang="da-DK" sz="1200" dirty="0">
+                <a:solidFill>
+                  <a:srgbClr val="000000"/>
+                </a:solidFill>
+                <a:latin typeface="Cascadia Mono" panose="020B0609020000020004" pitchFamily="49" charset="0"/>
+              </a:rPr>
+              <a:t>)</a:t>
+            </a:r>
+          </a:p>
+          <a:p>
+            <a:r>
+              <a:rPr lang="da-DK" sz="1200" dirty="0">
+                <a:solidFill>
+                  <a:srgbClr val="000000"/>
+                </a:solidFill>
+                <a:latin typeface="Cascadia Mono" panose="020B0609020000020004" pitchFamily="49" charset="0"/>
+              </a:rPr>
+              <a:t>    {</a:t>
+            </a:r>
+          </a:p>
+          <a:p>
+            <a:r>
+              <a:rPr lang="da-DK" sz="1200" dirty="0">
+                <a:solidFill>
+                  <a:srgbClr val="000000"/>
+                </a:solidFill>
+                <a:latin typeface="Cascadia Mono" panose="020B0609020000020004" pitchFamily="49" charset="0"/>
+              </a:rPr>
+              <a:t>        </a:t>
+            </a:r>
+            <a:r>
+              <a:rPr lang="da-DK" sz="1200" dirty="0" err="1">
+                <a:solidFill>
+                  <a:srgbClr val="000000"/>
+                </a:solidFill>
+                <a:latin typeface="Cascadia Mono" panose="020B0609020000020004" pitchFamily="49" charset="0"/>
+              </a:rPr>
+              <a:t>subject.Attach</a:t>
+            </a:r>
+            <a:r>
+              <a:rPr lang="da-DK" sz="1200" dirty="0">
+                <a:solidFill>
+                  <a:srgbClr val="000000"/>
+                </a:solidFill>
+                <a:latin typeface="Cascadia Mono" panose="020B0609020000020004" pitchFamily="49" charset="0"/>
+              </a:rPr>
+              <a:t>(</a:t>
+            </a:r>
+            <a:r>
+              <a:rPr lang="da-DK" sz="1200" dirty="0" err="1">
+                <a:solidFill>
+                  <a:srgbClr val="0000FF"/>
+                </a:solidFill>
+                <a:latin typeface="Cascadia Mono" panose="020B0609020000020004" pitchFamily="49" charset="0"/>
+              </a:rPr>
+              <a:t>this</a:t>
+            </a:r>
+            <a:r>
+              <a:rPr lang="da-DK" sz="1200" dirty="0">
+                <a:solidFill>
+                  <a:srgbClr val="000000"/>
+                </a:solidFill>
+                <a:latin typeface="Cascadia Mono" panose="020B0609020000020004" pitchFamily="49" charset="0"/>
+              </a:rPr>
+              <a:t>);</a:t>
+            </a:r>
+          </a:p>
+          <a:p>
+            <a:r>
+              <a:rPr lang="da-DK" sz="1200" dirty="0">
+                <a:solidFill>
+                  <a:srgbClr val="000000"/>
+                </a:solidFill>
+                <a:latin typeface="Cascadia Mono" panose="020B0609020000020004" pitchFamily="49" charset="0"/>
+              </a:rPr>
+              <a:t>    }</a:t>
+            </a:r>
+          </a:p>
+          <a:p>
+            <a:endParaRPr lang="da-DK" sz="1200" dirty="0">
+              <a:solidFill>
+                <a:srgbClr val="000000"/>
+              </a:solidFill>
+              <a:latin typeface="Cascadia Mono" panose="020B0609020000020004" pitchFamily="49" charset="0"/>
+            </a:endParaRPr>
+          </a:p>
+          <a:p>
+            <a:r>
+              <a:rPr lang="da-DK" sz="1200" dirty="0">
+                <a:solidFill>
+                  <a:srgbClr val="000000"/>
+                </a:solidFill>
+                <a:latin typeface="Cascadia Mono" panose="020B0609020000020004" pitchFamily="49" charset="0"/>
+              </a:rPr>
+              <a:t>    </a:t>
+            </a:r>
+            <a:r>
+              <a:rPr lang="da-DK" sz="1200" dirty="0">
+                <a:solidFill>
+                  <a:srgbClr val="0000FF"/>
+                </a:solidFill>
+                <a:latin typeface="Cascadia Mono" panose="020B0609020000020004" pitchFamily="49" charset="0"/>
+              </a:rPr>
+              <a:t>public</a:t>
+            </a:r>
+            <a:r>
+              <a:rPr lang="da-DK" sz="1200" dirty="0">
+                <a:solidFill>
+                  <a:srgbClr val="000000"/>
+                </a:solidFill>
+                <a:latin typeface="Cascadia Mono" panose="020B0609020000020004" pitchFamily="49" charset="0"/>
+              </a:rPr>
+              <a:t> </a:t>
+            </a:r>
+            <a:r>
+              <a:rPr lang="da-DK" sz="1200" dirty="0" err="1">
+                <a:solidFill>
+                  <a:srgbClr val="0000FF"/>
+                </a:solidFill>
+                <a:latin typeface="Cascadia Mono" panose="020B0609020000020004" pitchFamily="49" charset="0"/>
+              </a:rPr>
+              <a:t>void</a:t>
+            </a:r>
+            <a:r>
+              <a:rPr lang="da-DK" sz="1200" dirty="0">
+                <a:solidFill>
+                  <a:srgbClr val="000000"/>
+                </a:solidFill>
+                <a:latin typeface="Cascadia Mono" panose="020B0609020000020004" pitchFamily="49" charset="0"/>
+              </a:rPr>
+              <a:t> Update(</a:t>
+            </a:r>
+            <a:r>
+              <a:rPr lang="da-DK" sz="1200" dirty="0" err="1">
+                <a:solidFill>
+                  <a:srgbClr val="0000FF"/>
+                </a:solidFill>
+                <a:latin typeface="Cascadia Mono" panose="020B0609020000020004" pitchFamily="49" charset="0"/>
+              </a:rPr>
+              <a:t>int</a:t>
+            </a:r>
+            <a:r>
+              <a:rPr lang="da-DK" sz="1200" dirty="0">
+                <a:solidFill>
+                  <a:srgbClr val="000000"/>
+                </a:solidFill>
+                <a:latin typeface="Cascadia Mono" panose="020B0609020000020004" pitchFamily="49" charset="0"/>
+              </a:rPr>
+              <a:t> </a:t>
+            </a:r>
+            <a:r>
+              <a:rPr lang="da-DK" sz="1200" dirty="0" err="1">
+                <a:solidFill>
+                  <a:srgbClr val="000000"/>
+                </a:solidFill>
+                <a:latin typeface="Cascadia Mono" panose="020B0609020000020004" pitchFamily="49" charset="0"/>
+              </a:rPr>
+              <a:t>waterLevel</a:t>
+            </a:r>
+            <a:r>
+              <a:rPr lang="da-DK" sz="1200" dirty="0">
+                <a:solidFill>
+                  <a:srgbClr val="000000"/>
+                </a:solidFill>
+                <a:latin typeface="Cascadia Mono" panose="020B0609020000020004" pitchFamily="49" charset="0"/>
+              </a:rPr>
+              <a:t>)</a:t>
+            </a:r>
+          </a:p>
+          <a:p>
+            <a:r>
+              <a:rPr lang="da-DK" sz="1200" dirty="0">
+                <a:solidFill>
+                  <a:srgbClr val="000000"/>
+                </a:solidFill>
+                <a:latin typeface="Cascadia Mono" panose="020B0609020000020004" pitchFamily="49" charset="0"/>
+              </a:rPr>
+              <a:t>    {</a:t>
+            </a:r>
+          </a:p>
+          <a:p>
+            <a:r>
+              <a:rPr lang="da-DK" sz="1200" dirty="0">
+                <a:solidFill>
+                  <a:srgbClr val="000000"/>
+                </a:solidFill>
+                <a:latin typeface="Cascadia Mono" panose="020B0609020000020004" pitchFamily="49" charset="0"/>
+              </a:rPr>
+              <a:t>        </a:t>
+            </a:r>
+            <a:r>
+              <a:rPr lang="da-DK" sz="1200" dirty="0" err="1">
+                <a:solidFill>
+                  <a:srgbClr val="000000"/>
+                </a:solidFill>
+                <a:latin typeface="Cascadia Mono" panose="020B0609020000020004" pitchFamily="49" charset="0"/>
+              </a:rPr>
+              <a:t>WaterLevel</a:t>
+            </a:r>
+            <a:r>
+              <a:rPr lang="da-DK" sz="1200" dirty="0">
+                <a:solidFill>
+                  <a:srgbClr val="000000"/>
+                </a:solidFill>
+                <a:latin typeface="Cascadia Mono" panose="020B0609020000020004" pitchFamily="49" charset="0"/>
+              </a:rPr>
+              <a:t> = </a:t>
+            </a:r>
+            <a:r>
+              <a:rPr lang="da-DK" sz="1200" dirty="0" err="1">
+                <a:solidFill>
+                  <a:srgbClr val="000000"/>
+                </a:solidFill>
+                <a:latin typeface="Cascadia Mono" panose="020B0609020000020004" pitchFamily="49" charset="0"/>
+              </a:rPr>
+              <a:t>waterLevel</a:t>
+            </a:r>
+            <a:r>
+              <a:rPr lang="da-DK" sz="1200" dirty="0">
+                <a:solidFill>
+                  <a:srgbClr val="000000"/>
+                </a:solidFill>
+                <a:latin typeface="Cascadia Mono" panose="020B0609020000020004" pitchFamily="49" charset="0"/>
+              </a:rPr>
+              <a:t>;</a:t>
+            </a:r>
+          </a:p>
+          <a:p>
+            <a:r>
+              <a:rPr lang="da-DK" sz="1200" dirty="0">
+                <a:solidFill>
+                  <a:srgbClr val="000000"/>
+                </a:solidFill>
+                <a:latin typeface="Cascadia Mono" panose="020B0609020000020004" pitchFamily="49" charset="0"/>
+              </a:rPr>
+              <a:t>        _</a:t>
+            </a:r>
+            <a:r>
+              <a:rPr lang="da-DK" sz="1200" dirty="0" err="1">
+                <a:solidFill>
+                  <a:srgbClr val="000000"/>
+                </a:solidFill>
+                <a:latin typeface="Cascadia Mono" panose="020B0609020000020004" pitchFamily="49" charset="0"/>
+              </a:rPr>
+              <a:t>waterLevelHighAutoResetEvent.Set</a:t>
+            </a:r>
+            <a:r>
+              <a:rPr lang="da-DK" sz="1200" dirty="0">
+                <a:solidFill>
+                  <a:srgbClr val="000000"/>
+                </a:solidFill>
+                <a:latin typeface="Cascadia Mono" panose="020B0609020000020004" pitchFamily="49" charset="0"/>
+              </a:rPr>
+              <a:t>();</a:t>
+            </a:r>
+          </a:p>
+          <a:p>
+            <a:r>
+              <a:rPr lang="da-DK" sz="1200" dirty="0">
+                <a:solidFill>
+                  <a:srgbClr val="000000"/>
+                </a:solidFill>
+                <a:latin typeface="Cascadia Mono" panose="020B0609020000020004" pitchFamily="49" charset="0"/>
+              </a:rPr>
+              <a:t>    }</a:t>
+            </a:r>
+          </a:p>
+        </p:txBody>
+      </p:sp>
+      <p:sp>
+        <p:nvSpPr>
+          <p:cNvPr id="7" name="Rectangle 6"/>
+          <p:cNvSpPr/>
+          <p:nvPr/>
+        </p:nvSpPr>
+        <p:spPr>
+          <a:xfrm>
+            <a:off x="5928804" y="1311965"/>
+            <a:ext cx="6019356" cy="5400120"/>
+          </a:xfrm>
+          <a:prstGeom prst="rect">
+            <a:avLst/>
+          </a:prstGeom>
+          <a:solidFill>
+            <a:schemeClr val="bg2"/>
+          </a:solidFill>
+        </p:spPr>
+        <p:style>
+          <a:lnRef idx="2">
+            <a:schemeClr val="accent1">
+              <a:shade val="50000"/>
+            </a:schemeClr>
+          </a:lnRef>
+          <a:fillRef idx="1">
+            <a:schemeClr val="accent1"/>
+          </a:fillRef>
+          <a:effectRef idx="0">
+            <a:schemeClr val="accent1"/>
+          </a:effectRef>
+          <a:fontRef idx="minor">
+            <a:schemeClr val="lt1"/>
+          </a:fontRef>
+        </p:style>
+        <p:txBody>
+          <a:bodyPr rtlCol="0" anchor="ctr"/>
+          <a:lstStyle/>
+          <a:p>
+            <a:r>
+              <a:rPr lang="da-DK" sz="1200" dirty="0" smtClean="0">
+                <a:solidFill>
+                  <a:srgbClr val="0000FF"/>
+                </a:solidFill>
+                <a:latin typeface="Cascadia Mono" panose="020B0609020000020004" pitchFamily="49" charset="0"/>
+              </a:rPr>
+              <a:t>public</a:t>
+            </a:r>
+            <a:r>
+              <a:rPr lang="da-DK" sz="1200" dirty="0" smtClean="0">
+                <a:solidFill>
+                  <a:srgbClr val="000000"/>
+                </a:solidFill>
+                <a:latin typeface="Cascadia Mono" panose="020B0609020000020004" pitchFamily="49" charset="0"/>
+              </a:rPr>
+              <a:t> </a:t>
+            </a:r>
+            <a:r>
+              <a:rPr lang="da-DK" sz="1200" dirty="0" err="1">
+                <a:solidFill>
+                  <a:srgbClr val="0000FF"/>
+                </a:solidFill>
+                <a:latin typeface="Cascadia Mono" panose="020B0609020000020004" pitchFamily="49" charset="0"/>
+              </a:rPr>
+              <a:t>void</a:t>
+            </a:r>
+            <a:r>
+              <a:rPr lang="da-DK" sz="1200" dirty="0">
+                <a:solidFill>
+                  <a:srgbClr val="000000"/>
+                </a:solidFill>
+                <a:latin typeface="Cascadia Mono" panose="020B0609020000020004" pitchFamily="49" charset="0"/>
+              </a:rPr>
+              <a:t> Run()</a:t>
+            </a:r>
+          </a:p>
+          <a:p>
+            <a:r>
+              <a:rPr lang="da-DK" sz="1200" dirty="0" smtClean="0">
+                <a:solidFill>
+                  <a:srgbClr val="000000"/>
+                </a:solidFill>
+                <a:latin typeface="Cascadia Mono" panose="020B0609020000020004" pitchFamily="49" charset="0"/>
+              </a:rPr>
+              <a:t>{</a:t>
+            </a:r>
+            <a:endParaRPr lang="da-DK" sz="1200" dirty="0">
+              <a:solidFill>
+                <a:srgbClr val="000000"/>
+              </a:solidFill>
+              <a:latin typeface="Cascadia Mono" panose="020B0609020000020004" pitchFamily="49" charset="0"/>
+            </a:endParaRPr>
+          </a:p>
+          <a:p>
+            <a:r>
+              <a:rPr lang="da-DK" sz="1200" dirty="0" smtClean="0">
+                <a:solidFill>
+                  <a:srgbClr val="000000"/>
+                </a:solidFill>
+                <a:latin typeface="Cascadia Mono" panose="020B0609020000020004" pitchFamily="49" charset="0"/>
+              </a:rPr>
+              <a:t>  </a:t>
+            </a:r>
+            <a:r>
+              <a:rPr lang="da-DK" sz="1200" dirty="0" err="1">
+                <a:solidFill>
+                  <a:srgbClr val="0000FF"/>
+                </a:solidFill>
+                <a:latin typeface="Cascadia Mono" panose="020B0609020000020004" pitchFamily="49" charset="0"/>
+              </a:rPr>
+              <a:t>while</a:t>
+            </a:r>
+            <a:r>
+              <a:rPr lang="da-DK" sz="1200" dirty="0">
+                <a:solidFill>
+                  <a:srgbClr val="000000"/>
+                </a:solidFill>
+                <a:latin typeface="Cascadia Mono" panose="020B0609020000020004" pitchFamily="49" charset="0"/>
+              </a:rPr>
+              <a:t> (!</a:t>
+            </a:r>
+            <a:r>
+              <a:rPr lang="da-DK" sz="1200" dirty="0" err="1">
+                <a:solidFill>
+                  <a:srgbClr val="000000"/>
+                </a:solidFill>
+                <a:latin typeface="Cascadia Mono" panose="020B0609020000020004" pitchFamily="49" charset="0"/>
+              </a:rPr>
+              <a:t>ShallStop</a:t>
+            </a:r>
+            <a:r>
+              <a:rPr lang="da-DK" sz="1200" dirty="0">
+                <a:solidFill>
+                  <a:srgbClr val="000000"/>
+                </a:solidFill>
+                <a:latin typeface="Cascadia Mono" panose="020B0609020000020004" pitchFamily="49" charset="0"/>
+              </a:rPr>
+              <a:t>)</a:t>
+            </a:r>
+          </a:p>
+          <a:p>
+            <a:r>
+              <a:rPr lang="da-DK" sz="1200" dirty="0" smtClean="0">
+                <a:solidFill>
+                  <a:srgbClr val="000000"/>
+                </a:solidFill>
+                <a:latin typeface="Cascadia Mono" panose="020B0609020000020004" pitchFamily="49" charset="0"/>
+              </a:rPr>
+              <a:t>  </a:t>
+            </a:r>
+            <a:r>
+              <a:rPr lang="da-DK" sz="1200" dirty="0">
+                <a:solidFill>
+                  <a:srgbClr val="000000"/>
+                </a:solidFill>
+                <a:latin typeface="Cascadia Mono" panose="020B0609020000020004" pitchFamily="49" charset="0"/>
+              </a:rPr>
+              <a:t>{</a:t>
+            </a:r>
+          </a:p>
+          <a:p>
+            <a:r>
+              <a:rPr lang="da-DK" sz="1200" dirty="0" smtClean="0">
+                <a:solidFill>
+                  <a:srgbClr val="000000"/>
+                </a:solidFill>
+                <a:latin typeface="Cascadia Mono" panose="020B0609020000020004" pitchFamily="49" charset="0"/>
+              </a:rPr>
+              <a:t>      </a:t>
+            </a:r>
+            <a:r>
+              <a:rPr lang="da-DK" sz="1200" dirty="0" err="1">
+                <a:solidFill>
+                  <a:srgbClr val="0000FF"/>
+                </a:solidFill>
+                <a:latin typeface="Cascadia Mono" panose="020B0609020000020004" pitchFamily="49" charset="0"/>
+              </a:rPr>
+              <a:t>bool</a:t>
+            </a:r>
+            <a:r>
+              <a:rPr lang="da-DK" sz="1200" dirty="0">
+                <a:solidFill>
+                  <a:srgbClr val="000000"/>
+                </a:solidFill>
+                <a:latin typeface="Cascadia Mono" panose="020B0609020000020004" pitchFamily="49" charset="0"/>
+              </a:rPr>
+              <a:t> </a:t>
+            </a:r>
+            <a:r>
+              <a:rPr lang="da-DK" sz="1200" dirty="0" err="1">
+                <a:solidFill>
+                  <a:srgbClr val="000000"/>
+                </a:solidFill>
+                <a:latin typeface="Cascadia Mono" panose="020B0609020000020004" pitchFamily="49" charset="0"/>
+              </a:rPr>
+              <a:t>wasSet</a:t>
+            </a:r>
+            <a:r>
+              <a:rPr lang="da-DK" sz="1200" dirty="0">
+                <a:solidFill>
+                  <a:srgbClr val="000000"/>
+                </a:solidFill>
+                <a:latin typeface="Cascadia Mono" panose="020B0609020000020004" pitchFamily="49" charset="0"/>
+              </a:rPr>
+              <a:t> = </a:t>
+            </a:r>
+            <a:r>
+              <a:rPr lang="da-DK" sz="1200" dirty="0" smtClean="0">
+                <a:solidFill>
+                  <a:srgbClr val="000000"/>
+                </a:solidFill>
+                <a:latin typeface="Cascadia Mono" panose="020B0609020000020004" pitchFamily="49" charset="0"/>
+              </a:rPr>
+              <a:t>_</a:t>
+            </a:r>
+            <a:r>
+              <a:rPr lang="da-DK" sz="1200" dirty="0" err="1" smtClean="0">
+                <a:solidFill>
+                  <a:srgbClr val="000000"/>
+                </a:solidFill>
+                <a:latin typeface="Cascadia Mono" panose="020B0609020000020004" pitchFamily="49" charset="0"/>
+              </a:rPr>
+              <a:t>waterLevelHighAutoResetEvent.WaitOne</a:t>
+            </a:r>
+            <a:r>
+              <a:rPr lang="da-DK" sz="1200" dirty="0" smtClean="0">
+                <a:solidFill>
+                  <a:srgbClr val="000000"/>
+                </a:solidFill>
+                <a:latin typeface="Cascadia Mono" panose="020B0609020000020004" pitchFamily="49" charset="0"/>
+              </a:rPr>
+              <a:t>(5000</a:t>
+            </a:r>
+            <a:r>
+              <a:rPr lang="da-DK" sz="1200" dirty="0">
+                <a:solidFill>
+                  <a:srgbClr val="000000"/>
+                </a:solidFill>
+                <a:latin typeface="Cascadia Mono" panose="020B0609020000020004" pitchFamily="49" charset="0"/>
+              </a:rPr>
+              <a:t>);</a:t>
+            </a:r>
+          </a:p>
+          <a:p>
+            <a:r>
+              <a:rPr lang="da-DK" sz="1200" dirty="0" smtClean="0">
+                <a:solidFill>
+                  <a:srgbClr val="000000"/>
+                </a:solidFill>
+                <a:latin typeface="Cascadia Mono" panose="020B0609020000020004" pitchFamily="49" charset="0"/>
+              </a:rPr>
+              <a:t>      </a:t>
+            </a:r>
+            <a:r>
+              <a:rPr lang="da-DK" sz="1200" dirty="0">
+                <a:solidFill>
+                  <a:srgbClr val="0000FF"/>
+                </a:solidFill>
+                <a:latin typeface="Cascadia Mono" panose="020B0609020000020004" pitchFamily="49" charset="0"/>
+              </a:rPr>
+              <a:t>if</a:t>
+            </a:r>
+            <a:r>
+              <a:rPr lang="da-DK" sz="1200" dirty="0">
+                <a:solidFill>
+                  <a:srgbClr val="000000"/>
+                </a:solidFill>
+                <a:latin typeface="Cascadia Mono" panose="020B0609020000020004" pitchFamily="49" charset="0"/>
+              </a:rPr>
+              <a:t> (</a:t>
+            </a:r>
+            <a:r>
+              <a:rPr lang="da-DK" sz="1200" dirty="0" err="1">
+                <a:solidFill>
+                  <a:srgbClr val="000000"/>
+                </a:solidFill>
+                <a:latin typeface="Cascadia Mono" panose="020B0609020000020004" pitchFamily="49" charset="0"/>
+              </a:rPr>
+              <a:t>wasSet</a:t>
+            </a:r>
+            <a:r>
+              <a:rPr lang="da-DK" sz="1200" dirty="0">
+                <a:solidFill>
+                  <a:srgbClr val="000000"/>
+                </a:solidFill>
+                <a:latin typeface="Cascadia Mono" panose="020B0609020000020004" pitchFamily="49" charset="0"/>
+              </a:rPr>
+              <a:t>)</a:t>
+            </a:r>
+          </a:p>
+          <a:p>
+            <a:r>
+              <a:rPr lang="da-DK" sz="1200" dirty="0" smtClean="0">
+                <a:solidFill>
+                  <a:srgbClr val="000000"/>
+                </a:solidFill>
+                <a:latin typeface="Cascadia Mono" panose="020B0609020000020004" pitchFamily="49" charset="0"/>
+              </a:rPr>
+              <a:t>      </a:t>
+            </a:r>
+            <a:r>
+              <a:rPr lang="da-DK" sz="1200" dirty="0">
+                <a:solidFill>
+                  <a:srgbClr val="000000"/>
+                </a:solidFill>
+                <a:latin typeface="Cascadia Mono" panose="020B0609020000020004" pitchFamily="49" charset="0"/>
+              </a:rPr>
+              <a:t>{</a:t>
+            </a:r>
+          </a:p>
+          <a:p>
+            <a:r>
+              <a:rPr lang="en-US" sz="1200" dirty="0" smtClean="0">
+                <a:solidFill>
+                  <a:srgbClr val="000000"/>
+                </a:solidFill>
+                <a:latin typeface="Cascadia Mono" panose="020B0609020000020004" pitchFamily="49" charset="0"/>
+              </a:rPr>
+              <a:t>          </a:t>
+            </a:r>
+            <a:r>
+              <a:rPr lang="en-US" sz="1200" dirty="0" err="1">
+                <a:solidFill>
+                  <a:srgbClr val="000000"/>
+                </a:solidFill>
+                <a:latin typeface="Cascadia Mono" panose="020B0609020000020004" pitchFamily="49" charset="0"/>
+              </a:rPr>
+              <a:t>Console.WriteLine</a:t>
+            </a:r>
+            <a:r>
+              <a:rPr lang="en-US" sz="1200" dirty="0">
+                <a:solidFill>
+                  <a:srgbClr val="000000"/>
+                </a:solidFill>
+                <a:latin typeface="Cascadia Mono" panose="020B0609020000020004" pitchFamily="49" charset="0"/>
+              </a:rPr>
+              <a:t>(</a:t>
+            </a:r>
+            <a:r>
+              <a:rPr lang="en-US" sz="1200" dirty="0">
+                <a:solidFill>
+                  <a:srgbClr val="A31515"/>
+                </a:solidFill>
+                <a:latin typeface="Cascadia Mono" panose="020B0609020000020004" pitchFamily="49" charset="0"/>
+              </a:rPr>
+              <a:t>"Event was set - Water level: "</a:t>
+            </a:r>
+            <a:r>
+              <a:rPr lang="en-US" sz="1200" dirty="0">
+                <a:solidFill>
+                  <a:srgbClr val="000000"/>
+                </a:solidFill>
+                <a:latin typeface="Cascadia Mono" panose="020B0609020000020004" pitchFamily="49" charset="0"/>
+              </a:rPr>
+              <a:t> + </a:t>
+            </a:r>
+            <a:r>
+              <a:rPr lang="en-US" sz="1200" dirty="0" err="1">
+                <a:solidFill>
+                  <a:srgbClr val="000000"/>
+                </a:solidFill>
+                <a:latin typeface="Cascadia Mono" panose="020B0609020000020004" pitchFamily="49" charset="0"/>
+              </a:rPr>
+              <a:t>WaterLevel</a:t>
+            </a:r>
+            <a:r>
+              <a:rPr lang="en-US" sz="1200" dirty="0">
+                <a:solidFill>
+                  <a:srgbClr val="000000"/>
+                </a:solidFill>
+                <a:latin typeface="Cascadia Mono" panose="020B0609020000020004" pitchFamily="49" charset="0"/>
+              </a:rPr>
+              <a:t>);</a:t>
+            </a:r>
+          </a:p>
+          <a:p>
+            <a:r>
+              <a:rPr lang="da-DK" sz="1200" dirty="0" smtClean="0">
+                <a:solidFill>
+                  <a:srgbClr val="000000"/>
+                </a:solidFill>
+                <a:latin typeface="Cascadia Mono" panose="020B0609020000020004" pitchFamily="49" charset="0"/>
+              </a:rPr>
+              <a:t>          </a:t>
+            </a:r>
+            <a:r>
+              <a:rPr lang="da-DK" sz="1200" dirty="0" err="1">
+                <a:solidFill>
+                  <a:srgbClr val="000000"/>
+                </a:solidFill>
+                <a:latin typeface="Cascadia Mono" panose="020B0609020000020004" pitchFamily="49" charset="0"/>
+              </a:rPr>
+              <a:t>Console.WriteLine</a:t>
+            </a:r>
+            <a:r>
+              <a:rPr lang="da-DK" sz="1200" dirty="0">
+                <a:solidFill>
+                  <a:srgbClr val="000000"/>
+                </a:solidFill>
+                <a:latin typeface="Cascadia Mono" panose="020B0609020000020004" pitchFamily="49" charset="0"/>
+              </a:rPr>
+              <a:t>(</a:t>
+            </a:r>
+            <a:r>
+              <a:rPr lang="da-DK" sz="1200" dirty="0">
+                <a:solidFill>
+                  <a:srgbClr val="A31515"/>
+                </a:solidFill>
+                <a:latin typeface="Cascadia Mono" panose="020B0609020000020004" pitchFamily="49" charset="0"/>
+              </a:rPr>
+              <a:t>"</a:t>
+            </a:r>
+            <a:r>
+              <a:rPr lang="da-DK" sz="1200" dirty="0" err="1">
+                <a:solidFill>
+                  <a:srgbClr val="A31515"/>
+                </a:solidFill>
+                <a:latin typeface="Cascadia Mono" panose="020B0609020000020004" pitchFamily="49" charset="0"/>
+              </a:rPr>
+              <a:t>Running</a:t>
+            </a:r>
+            <a:r>
+              <a:rPr lang="da-DK" sz="1200" dirty="0">
+                <a:solidFill>
+                  <a:srgbClr val="A31515"/>
+                </a:solidFill>
+                <a:latin typeface="Cascadia Mono" panose="020B0609020000020004" pitchFamily="49" charset="0"/>
+              </a:rPr>
+              <a:t> pump for 2 </a:t>
+            </a:r>
+            <a:r>
+              <a:rPr lang="da-DK" sz="1200" dirty="0" err="1">
+                <a:solidFill>
+                  <a:srgbClr val="A31515"/>
+                </a:solidFill>
+                <a:latin typeface="Cascadia Mono" panose="020B0609020000020004" pitchFamily="49" charset="0"/>
+              </a:rPr>
+              <a:t>seconds</a:t>
+            </a:r>
+            <a:r>
+              <a:rPr lang="da-DK" sz="1200" dirty="0">
+                <a:solidFill>
+                  <a:srgbClr val="A31515"/>
+                </a:solidFill>
+                <a:latin typeface="Cascadia Mono" panose="020B0609020000020004" pitchFamily="49" charset="0"/>
+              </a:rPr>
+              <a:t>."</a:t>
+            </a:r>
+            <a:r>
+              <a:rPr lang="da-DK" sz="1200" dirty="0">
+                <a:solidFill>
+                  <a:srgbClr val="000000"/>
+                </a:solidFill>
+                <a:latin typeface="Cascadia Mono" panose="020B0609020000020004" pitchFamily="49" charset="0"/>
+              </a:rPr>
+              <a:t>);</a:t>
+            </a:r>
+          </a:p>
+          <a:p>
+            <a:r>
+              <a:rPr lang="da-DK" sz="1200" dirty="0" smtClean="0">
+                <a:solidFill>
+                  <a:srgbClr val="000000"/>
+                </a:solidFill>
+                <a:latin typeface="Cascadia Mono" panose="020B0609020000020004" pitchFamily="49" charset="0"/>
+              </a:rPr>
+              <a:t>      </a:t>
+            </a:r>
+            <a:r>
+              <a:rPr lang="da-DK" sz="1200" dirty="0">
+                <a:solidFill>
+                  <a:srgbClr val="000000"/>
+                </a:solidFill>
+                <a:latin typeface="Cascadia Mono" panose="020B0609020000020004" pitchFamily="49" charset="0"/>
+              </a:rPr>
+              <a:t>}</a:t>
+            </a:r>
+          </a:p>
+          <a:p>
+            <a:r>
+              <a:rPr lang="da-DK" sz="1200" dirty="0" smtClean="0">
+                <a:solidFill>
+                  <a:srgbClr val="000000"/>
+                </a:solidFill>
+                <a:latin typeface="Cascadia Mono" panose="020B0609020000020004" pitchFamily="49" charset="0"/>
+              </a:rPr>
+              <a:t>      </a:t>
+            </a:r>
+            <a:r>
+              <a:rPr lang="da-DK" sz="1200" dirty="0" err="1">
+                <a:solidFill>
+                  <a:srgbClr val="0000FF"/>
+                </a:solidFill>
+                <a:latin typeface="Cascadia Mono" panose="020B0609020000020004" pitchFamily="49" charset="0"/>
+              </a:rPr>
+              <a:t>else</a:t>
+            </a:r>
+            <a:endParaRPr lang="da-DK" sz="1200" dirty="0">
+              <a:solidFill>
+                <a:srgbClr val="000000"/>
+              </a:solidFill>
+              <a:latin typeface="Cascadia Mono" panose="020B0609020000020004" pitchFamily="49" charset="0"/>
+            </a:endParaRPr>
+          </a:p>
+          <a:p>
+            <a:r>
+              <a:rPr lang="da-DK" sz="1200" dirty="0" smtClean="0">
+                <a:solidFill>
+                  <a:srgbClr val="000000"/>
+                </a:solidFill>
+                <a:latin typeface="Cascadia Mono" panose="020B0609020000020004" pitchFamily="49" charset="0"/>
+              </a:rPr>
+              <a:t>      </a:t>
+            </a:r>
+            <a:r>
+              <a:rPr lang="da-DK" sz="1200" dirty="0">
+                <a:solidFill>
+                  <a:srgbClr val="000000"/>
+                </a:solidFill>
+                <a:latin typeface="Cascadia Mono" panose="020B0609020000020004" pitchFamily="49" charset="0"/>
+              </a:rPr>
+              <a:t>{</a:t>
+            </a:r>
+          </a:p>
+          <a:p>
+            <a:r>
+              <a:rPr lang="da-DK" sz="1200" dirty="0" smtClean="0">
+                <a:solidFill>
+                  <a:srgbClr val="000000"/>
+                </a:solidFill>
+                <a:latin typeface="Cascadia Mono" panose="020B0609020000020004" pitchFamily="49" charset="0"/>
+              </a:rPr>
+              <a:t>          </a:t>
+            </a:r>
+            <a:r>
+              <a:rPr lang="da-DK" sz="1200" dirty="0" err="1">
+                <a:solidFill>
+                  <a:srgbClr val="000000"/>
+                </a:solidFill>
+                <a:latin typeface="Cascadia Mono" panose="020B0609020000020004" pitchFamily="49" charset="0"/>
+              </a:rPr>
+              <a:t>Console.WriteLine</a:t>
+            </a:r>
+            <a:r>
+              <a:rPr lang="da-DK" sz="1200" dirty="0">
+                <a:solidFill>
+                  <a:srgbClr val="000000"/>
+                </a:solidFill>
+                <a:latin typeface="Cascadia Mono" panose="020B0609020000020004" pitchFamily="49" charset="0"/>
+              </a:rPr>
+              <a:t>(</a:t>
+            </a:r>
+            <a:r>
+              <a:rPr lang="da-DK" sz="1200" dirty="0">
+                <a:solidFill>
+                  <a:srgbClr val="A31515"/>
+                </a:solidFill>
+                <a:latin typeface="Cascadia Mono" panose="020B0609020000020004" pitchFamily="49" charset="0"/>
+              </a:rPr>
+              <a:t>"Waiting </a:t>
+            </a:r>
+            <a:r>
+              <a:rPr lang="da-DK" sz="1200" dirty="0" err="1">
+                <a:solidFill>
+                  <a:srgbClr val="A31515"/>
+                </a:solidFill>
+                <a:latin typeface="Cascadia Mono" panose="020B0609020000020004" pitchFamily="49" charset="0"/>
+              </a:rPr>
+              <a:t>timed</a:t>
+            </a:r>
+            <a:r>
+              <a:rPr lang="da-DK" sz="1200" dirty="0">
+                <a:solidFill>
+                  <a:srgbClr val="A31515"/>
+                </a:solidFill>
+                <a:latin typeface="Cascadia Mono" panose="020B0609020000020004" pitchFamily="49" charset="0"/>
+              </a:rPr>
+              <a:t> out"</a:t>
+            </a:r>
+            <a:r>
+              <a:rPr lang="da-DK" sz="1200" dirty="0">
+                <a:solidFill>
+                  <a:srgbClr val="000000"/>
+                </a:solidFill>
+                <a:latin typeface="Cascadia Mono" panose="020B0609020000020004" pitchFamily="49" charset="0"/>
+              </a:rPr>
+              <a:t>);</a:t>
+            </a:r>
+          </a:p>
+          <a:p>
+            <a:r>
+              <a:rPr lang="da-DK" sz="1200" dirty="0" smtClean="0">
+                <a:solidFill>
+                  <a:srgbClr val="000000"/>
+                </a:solidFill>
+                <a:latin typeface="Cascadia Mono" panose="020B0609020000020004" pitchFamily="49" charset="0"/>
+              </a:rPr>
+              <a:t>      </a:t>
+            </a:r>
+            <a:r>
+              <a:rPr lang="da-DK" sz="1200" dirty="0">
+                <a:solidFill>
+                  <a:srgbClr val="000000"/>
+                </a:solidFill>
+                <a:latin typeface="Cascadia Mono" panose="020B0609020000020004" pitchFamily="49" charset="0"/>
+              </a:rPr>
+              <a:t>}</a:t>
+            </a:r>
+          </a:p>
+          <a:p>
+            <a:r>
+              <a:rPr lang="da-DK" sz="1200" dirty="0" smtClean="0">
+                <a:solidFill>
+                  <a:srgbClr val="000000"/>
+                </a:solidFill>
+                <a:latin typeface="Cascadia Mono" panose="020B0609020000020004" pitchFamily="49" charset="0"/>
+              </a:rPr>
+              <a:t>  </a:t>
+            </a:r>
+            <a:r>
+              <a:rPr lang="da-DK" sz="1200" dirty="0">
+                <a:solidFill>
+                  <a:srgbClr val="000000"/>
+                </a:solidFill>
+                <a:latin typeface="Cascadia Mono" panose="020B0609020000020004" pitchFamily="49" charset="0"/>
+              </a:rPr>
+              <a:t>}</a:t>
+            </a:r>
+          </a:p>
+          <a:p>
+            <a:r>
+              <a:rPr lang="da-DK" sz="1200" dirty="0" smtClean="0">
+                <a:solidFill>
+                  <a:srgbClr val="000000"/>
+                </a:solidFill>
+                <a:latin typeface="Cascadia Mono" panose="020B0609020000020004" pitchFamily="49" charset="0"/>
+              </a:rPr>
+              <a:t>}</a:t>
+            </a:r>
+            <a:endParaRPr lang="da-DK" sz="1200" dirty="0">
+              <a:solidFill>
+                <a:srgbClr val="000000"/>
+              </a:solidFill>
+              <a:latin typeface="Cascadia Mono" panose="020B0609020000020004" pitchFamily="49" charset="0"/>
+            </a:endParaRPr>
+          </a:p>
+          <a:p>
+            <a:endParaRPr lang="da-DK" sz="1200" dirty="0">
+              <a:solidFill>
+                <a:srgbClr val="000000"/>
+              </a:solidFill>
+              <a:latin typeface="Cascadia Mono" panose="020B0609020000020004" pitchFamily="49" charset="0"/>
+            </a:endParaRPr>
+          </a:p>
+          <a:p>
+            <a:r>
+              <a:rPr lang="en-US" sz="1200" dirty="0" smtClean="0">
+                <a:solidFill>
+                  <a:srgbClr val="000000"/>
+                </a:solidFill>
+                <a:latin typeface="Cascadia Mono" panose="020B0609020000020004" pitchFamily="49" charset="0"/>
+              </a:rPr>
+              <a:t> </a:t>
+            </a:r>
+            <a:r>
+              <a:rPr lang="en-US" sz="1200" dirty="0" smtClean="0">
+                <a:solidFill>
+                  <a:srgbClr val="0000FF"/>
+                </a:solidFill>
+                <a:latin typeface="Cascadia Mono" panose="020B0609020000020004" pitchFamily="49" charset="0"/>
+              </a:rPr>
+              <a:t>public</a:t>
+            </a:r>
+            <a:r>
+              <a:rPr lang="en-US" sz="1200" dirty="0" smtClean="0">
+                <a:solidFill>
+                  <a:srgbClr val="000000"/>
+                </a:solidFill>
+                <a:latin typeface="Cascadia Mono" panose="020B0609020000020004" pitchFamily="49" charset="0"/>
+              </a:rPr>
+              <a:t> </a:t>
+            </a:r>
+            <a:r>
+              <a:rPr lang="en-US" sz="1200" dirty="0">
+                <a:solidFill>
+                  <a:srgbClr val="0000FF"/>
+                </a:solidFill>
+                <a:latin typeface="Cascadia Mono" panose="020B0609020000020004" pitchFamily="49" charset="0"/>
+              </a:rPr>
+              <a:t>bool</a:t>
+            </a:r>
+            <a:r>
+              <a:rPr lang="en-US" sz="1200" dirty="0">
+                <a:solidFill>
+                  <a:srgbClr val="000000"/>
+                </a:solidFill>
+                <a:latin typeface="Cascadia Mono" panose="020B0609020000020004" pitchFamily="49" charset="0"/>
+              </a:rPr>
+              <a:t> </a:t>
+            </a:r>
+            <a:r>
+              <a:rPr lang="en-US" sz="1200" dirty="0" err="1">
+                <a:solidFill>
+                  <a:srgbClr val="000000"/>
+                </a:solidFill>
+                <a:latin typeface="Cascadia Mono" panose="020B0609020000020004" pitchFamily="49" charset="0"/>
+              </a:rPr>
+              <a:t>ShallStop</a:t>
+            </a:r>
+            <a:r>
+              <a:rPr lang="en-US" sz="1200" dirty="0">
+                <a:solidFill>
+                  <a:srgbClr val="000000"/>
+                </a:solidFill>
+                <a:latin typeface="Cascadia Mono" panose="020B0609020000020004" pitchFamily="49" charset="0"/>
+              </a:rPr>
+              <a:t> { </a:t>
+            </a:r>
+            <a:r>
+              <a:rPr lang="en-US" sz="1200" dirty="0">
+                <a:solidFill>
+                  <a:srgbClr val="0000FF"/>
+                </a:solidFill>
+                <a:latin typeface="Cascadia Mono" panose="020B0609020000020004" pitchFamily="49" charset="0"/>
+              </a:rPr>
+              <a:t>get</a:t>
+            </a:r>
+            <a:r>
+              <a:rPr lang="en-US" sz="1200" dirty="0">
+                <a:solidFill>
+                  <a:srgbClr val="000000"/>
+                </a:solidFill>
+                <a:latin typeface="Cascadia Mono" panose="020B0609020000020004" pitchFamily="49" charset="0"/>
+              </a:rPr>
+              <a:t>; </a:t>
+            </a:r>
+            <a:r>
+              <a:rPr lang="en-US" sz="1200" dirty="0">
+                <a:solidFill>
+                  <a:srgbClr val="0000FF"/>
+                </a:solidFill>
+                <a:latin typeface="Cascadia Mono" panose="020B0609020000020004" pitchFamily="49" charset="0"/>
+              </a:rPr>
+              <a:t>set</a:t>
+            </a:r>
+            <a:r>
+              <a:rPr lang="en-US" sz="1200" dirty="0">
+                <a:solidFill>
+                  <a:srgbClr val="000000"/>
+                </a:solidFill>
+                <a:latin typeface="Cascadia Mono" panose="020B0609020000020004" pitchFamily="49" charset="0"/>
+              </a:rPr>
+              <a:t>; }</a:t>
+            </a:r>
+            <a:endParaRPr lang="da-DK" sz="1200" dirty="0">
+              <a:solidFill>
+                <a:srgbClr val="000000"/>
+              </a:solidFill>
+              <a:latin typeface="Cascadia Mono" panose="020B0609020000020004" pitchFamily="49" charset="0"/>
+            </a:endParaRPr>
+          </a:p>
+        </p:txBody>
+      </p:sp>
+    </p:spTree>
+    <p:extLst>
+      <p:ext uri="{BB962C8B-B14F-4D97-AF65-F5344CB8AC3E}">
+        <p14:creationId xmlns:p14="http://schemas.microsoft.com/office/powerpoint/2010/main" val="982922957"/>
+      </p:ext>
+    </p:extLst>
+  </p:cSld>
+  <p:clrMapOvr>
+    <a:masterClrMapping/>
+  </p:clrMapOvr>
+  <p:timing>
+    <p:tnLst>
+      <p:par>
+        <p:cTn id="1" dur="indefinite" restart="never" nodeType="tmRoot"/>
+      </p:par>
+    </p:tnLst>
+  </p:timing>
+</p:sld>
+</file>
+
+<file path=ppt/slides/slide38.xml><?xml version="1.0" encoding="utf-8"?>
+<p:sld xmlns:a="http://schemas.openxmlformats.org/drawingml/2006/main" xmlns:r="http://schemas.openxmlformats.org/officeDocument/2006/relationships" xmlns:p="http://schemas.openxmlformats.org/presentationml/2006/main">
+  <p:cSld>
+    <p:spTree>
+      <p:nvGrpSpPr>
+        <p:cNvPr id="1" name=""/>
+        <p:cNvGrpSpPr/>
+        <p:nvPr/>
+      </p:nvGrpSpPr>
+      <p:grpSpPr>
+        <a:xfrm>
+          <a:off x="0" y="0"/>
+          <a:ext cx="0" cy="0"/>
+          <a:chOff x="0" y="0"/>
+          <a:chExt cx="0" cy="0"/>
+        </a:xfrm>
+      </p:grpSpPr>
+      <p:sp>
+        <p:nvSpPr>
+          <p:cNvPr id="2" name="Title 1"/>
+          <p:cNvSpPr>
+            <a:spLocks noGrp="1"/>
+          </p:cNvSpPr>
+          <p:nvPr>
+            <p:ph type="title"/>
+          </p:nvPr>
+        </p:nvSpPr>
+        <p:spPr/>
+        <p:txBody>
+          <a:bodyPr/>
+          <a:lstStyle/>
+          <a:p>
+            <a:r>
+              <a:rPr lang="da-DK" dirty="0" err="1" smtClean="0"/>
+              <a:t>PumpController</a:t>
+            </a:r>
+            <a:r>
+              <a:rPr lang="da-DK" dirty="0" smtClean="0"/>
+              <a:t> as Observer</a:t>
+            </a:r>
+            <a:endParaRPr lang="da-DK" dirty="0"/>
+          </a:p>
+        </p:txBody>
+      </p:sp>
+      <p:sp>
+        <p:nvSpPr>
+          <p:cNvPr id="4" name="Rectangle 3"/>
+          <p:cNvSpPr/>
+          <p:nvPr/>
+        </p:nvSpPr>
+        <p:spPr>
+          <a:xfrm>
+            <a:off x="152400" y="1311965"/>
+            <a:ext cx="5631180" cy="5400120"/>
+          </a:xfrm>
+          <a:prstGeom prst="rect">
+            <a:avLst/>
+          </a:prstGeom>
+          <a:solidFill>
+            <a:schemeClr val="bg2"/>
+          </a:solidFill>
+        </p:spPr>
+        <p:style>
+          <a:lnRef idx="2">
+            <a:schemeClr val="accent1">
+              <a:shade val="50000"/>
+            </a:schemeClr>
+          </a:lnRef>
+          <a:fillRef idx="1">
+            <a:schemeClr val="accent1"/>
+          </a:fillRef>
+          <a:effectRef idx="0">
+            <a:schemeClr val="accent1"/>
+          </a:effectRef>
+          <a:fontRef idx="minor">
+            <a:schemeClr val="lt1"/>
+          </a:fontRef>
+        </p:style>
+        <p:txBody>
+          <a:bodyPr rtlCol="0" anchor="ctr"/>
+          <a:lstStyle/>
+          <a:p>
+            <a:r>
+              <a:rPr lang="da-DK" sz="1200">
+                <a:solidFill>
+                  <a:srgbClr val="000000"/>
+                </a:solidFill>
+                <a:latin typeface="Cascadia Mono" panose="020B0609020000020004" pitchFamily="49" charset="0"/>
+              </a:rPr>
+              <a:t> </a:t>
+            </a:r>
+            <a:r>
+              <a:rPr lang="da-DK" sz="1200">
+                <a:solidFill>
+                  <a:srgbClr val="0000FF"/>
+                </a:solidFill>
+                <a:latin typeface="Cascadia Mono" panose="020B0609020000020004" pitchFamily="49" charset="0"/>
+              </a:rPr>
+              <a:t>public</a:t>
+            </a:r>
+            <a:r>
+              <a:rPr lang="da-DK" sz="1200">
+                <a:solidFill>
+                  <a:srgbClr val="000000"/>
+                </a:solidFill>
+                <a:latin typeface="Cascadia Mono" panose="020B0609020000020004" pitchFamily="49" charset="0"/>
+              </a:rPr>
+              <a:t> </a:t>
+            </a:r>
+            <a:r>
+              <a:rPr lang="da-DK" sz="1200">
+                <a:solidFill>
+                  <a:srgbClr val="0000FF"/>
+                </a:solidFill>
+                <a:latin typeface="Cascadia Mono" panose="020B0609020000020004" pitchFamily="49" charset="0"/>
+              </a:rPr>
+              <a:t>int</a:t>
+            </a:r>
+            <a:r>
+              <a:rPr lang="da-DK" sz="1200">
+                <a:solidFill>
+                  <a:srgbClr val="000000"/>
+                </a:solidFill>
+                <a:latin typeface="Cascadia Mono" panose="020B0609020000020004" pitchFamily="49" charset="0"/>
+              </a:rPr>
+              <a:t> WaterLevel</a:t>
+            </a:r>
+          </a:p>
+          <a:p>
+            <a:r>
+              <a:rPr lang="da-DK" sz="1200">
+                <a:solidFill>
+                  <a:srgbClr val="000000"/>
+                </a:solidFill>
+                <a:latin typeface="Cascadia Mono" panose="020B0609020000020004" pitchFamily="49" charset="0"/>
+              </a:rPr>
+              <a:t>    {</a:t>
+            </a:r>
+          </a:p>
+          <a:p>
+            <a:r>
+              <a:rPr lang="da-DK" sz="1200">
+                <a:solidFill>
+                  <a:srgbClr val="000000"/>
+                </a:solidFill>
+                <a:latin typeface="Cascadia Mono" panose="020B0609020000020004" pitchFamily="49" charset="0"/>
+              </a:rPr>
+              <a:t>        </a:t>
+            </a:r>
+            <a:r>
+              <a:rPr lang="da-DK" sz="1200">
+                <a:solidFill>
+                  <a:srgbClr val="0000FF"/>
+                </a:solidFill>
+                <a:latin typeface="Cascadia Mono" panose="020B0609020000020004" pitchFamily="49" charset="0"/>
+              </a:rPr>
+              <a:t>get</a:t>
+            </a:r>
+            <a:endParaRPr lang="da-DK" sz="1200">
+              <a:solidFill>
+                <a:srgbClr val="000000"/>
+              </a:solidFill>
+              <a:latin typeface="Cascadia Mono" panose="020B0609020000020004" pitchFamily="49" charset="0"/>
+            </a:endParaRPr>
+          </a:p>
+          <a:p>
+            <a:r>
+              <a:rPr lang="da-DK" sz="1200">
+                <a:solidFill>
+                  <a:srgbClr val="000000"/>
+                </a:solidFill>
+                <a:latin typeface="Cascadia Mono" panose="020B0609020000020004" pitchFamily="49" charset="0"/>
+              </a:rPr>
+              <a:t>        {</a:t>
+            </a:r>
+          </a:p>
+          <a:p>
+            <a:r>
+              <a:rPr lang="da-DK" sz="1200">
+                <a:solidFill>
+                  <a:srgbClr val="000000"/>
+                </a:solidFill>
+                <a:latin typeface="Cascadia Mono" panose="020B0609020000020004" pitchFamily="49" charset="0"/>
+              </a:rPr>
+              <a:t>            </a:t>
+            </a:r>
+            <a:r>
+              <a:rPr lang="da-DK" sz="1200">
+                <a:solidFill>
+                  <a:srgbClr val="0000FF"/>
+                </a:solidFill>
+                <a:latin typeface="Cascadia Mono" panose="020B0609020000020004" pitchFamily="49" charset="0"/>
+              </a:rPr>
+              <a:t>lock</a:t>
+            </a:r>
+            <a:r>
+              <a:rPr lang="da-DK" sz="1200">
+                <a:solidFill>
+                  <a:srgbClr val="000000"/>
+                </a:solidFill>
+                <a:latin typeface="Cascadia Mono" panose="020B0609020000020004" pitchFamily="49" charset="0"/>
+              </a:rPr>
+              <a:t> (_waterLevelLockObject)</a:t>
+            </a:r>
+          </a:p>
+          <a:p>
+            <a:r>
+              <a:rPr lang="da-DK" sz="1200">
+                <a:solidFill>
+                  <a:srgbClr val="000000"/>
+                </a:solidFill>
+                <a:latin typeface="Cascadia Mono" panose="020B0609020000020004" pitchFamily="49" charset="0"/>
+              </a:rPr>
+              <a:t>            {</a:t>
+            </a:r>
+          </a:p>
+          <a:p>
+            <a:r>
+              <a:rPr lang="da-DK" sz="1200">
+                <a:solidFill>
+                  <a:srgbClr val="000000"/>
+                </a:solidFill>
+                <a:latin typeface="Cascadia Mono" panose="020B0609020000020004" pitchFamily="49" charset="0"/>
+              </a:rPr>
+              <a:t>                </a:t>
+            </a:r>
+            <a:r>
+              <a:rPr lang="da-DK" sz="1200">
+                <a:solidFill>
+                  <a:srgbClr val="0000FF"/>
+                </a:solidFill>
+                <a:latin typeface="Cascadia Mono" panose="020B0609020000020004" pitchFamily="49" charset="0"/>
+              </a:rPr>
+              <a:t>return</a:t>
+            </a:r>
+            <a:r>
+              <a:rPr lang="da-DK" sz="1200">
+                <a:solidFill>
+                  <a:srgbClr val="000000"/>
+                </a:solidFill>
+                <a:latin typeface="Cascadia Mono" panose="020B0609020000020004" pitchFamily="49" charset="0"/>
+              </a:rPr>
+              <a:t> _waterLevel;</a:t>
+            </a:r>
+          </a:p>
+          <a:p>
+            <a:r>
+              <a:rPr lang="da-DK" sz="1200">
+                <a:solidFill>
+                  <a:srgbClr val="000000"/>
+                </a:solidFill>
+                <a:latin typeface="Cascadia Mono" panose="020B0609020000020004" pitchFamily="49" charset="0"/>
+              </a:rPr>
+              <a:t>            }</a:t>
+            </a:r>
+          </a:p>
+          <a:p>
+            <a:r>
+              <a:rPr lang="da-DK" sz="1200">
+                <a:solidFill>
+                  <a:srgbClr val="000000"/>
+                </a:solidFill>
+                <a:latin typeface="Cascadia Mono" panose="020B0609020000020004" pitchFamily="49" charset="0"/>
+              </a:rPr>
+              <a:t>        }</a:t>
+            </a:r>
+          </a:p>
+          <a:p>
+            <a:r>
+              <a:rPr lang="da-DK" sz="1200">
+                <a:solidFill>
+                  <a:srgbClr val="000000"/>
+                </a:solidFill>
+                <a:latin typeface="Cascadia Mono" panose="020B0609020000020004" pitchFamily="49" charset="0"/>
+              </a:rPr>
+              <a:t>        </a:t>
+            </a:r>
+            <a:r>
+              <a:rPr lang="da-DK" sz="1200">
+                <a:solidFill>
+                  <a:srgbClr val="0000FF"/>
+                </a:solidFill>
+                <a:latin typeface="Cascadia Mono" panose="020B0609020000020004" pitchFamily="49" charset="0"/>
+              </a:rPr>
+              <a:t>set</a:t>
+            </a:r>
+            <a:endParaRPr lang="da-DK" sz="1200">
+              <a:solidFill>
+                <a:srgbClr val="000000"/>
+              </a:solidFill>
+              <a:latin typeface="Cascadia Mono" panose="020B0609020000020004" pitchFamily="49" charset="0"/>
+            </a:endParaRPr>
+          </a:p>
+          <a:p>
+            <a:r>
+              <a:rPr lang="da-DK" sz="1200">
+                <a:solidFill>
+                  <a:srgbClr val="000000"/>
+                </a:solidFill>
+                <a:latin typeface="Cascadia Mono" panose="020B0609020000020004" pitchFamily="49" charset="0"/>
+              </a:rPr>
+              <a:t>        {</a:t>
+            </a:r>
+          </a:p>
+          <a:p>
+            <a:r>
+              <a:rPr lang="da-DK" sz="1200">
+                <a:solidFill>
+                  <a:srgbClr val="000000"/>
+                </a:solidFill>
+                <a:latin typeface="Cascadia Mono" panose="020B0609020000020004" pitchFamily="49" charset="0"/>
+              </a:rPr>
+              <a:t>            </a:t>
+            </a:r>
+            <a:r>
+              <a:rPr lang="da-DK" sz="1200">
+                <a:solidFill>
+                  <a:srgbClr val="0000FF"/>
+                </a:solidFill>
+                <a:latin typeface="Cascadia Mono" panose="020B0609020000020004" pitchFamily="49" charset="0"/>
+              </a:rPr>
+              <a:t>lock</a:t>
+            </a:r>
+            <a:r>
+              <a:rPr lang="da-DK" sz="1200">
+                <a:solidFill>
+                  <a:srgbClr val="000000"/>
+                </a:solidFill>
+                <a:latin typeface="Cascadia Mono" panose="020B0609020000020004" pitchFamily="49" charset="0"/>
+              </a:rPr>
+              <a:t> (_waterLevelLockObject)</a:t>
+            </a:r>
+          </a:p>
+          <a:p>
+            <a:r>
+              <a:rPr lang="da-DK" sz="1200">
+                <a:solidFill>
+                  <a:srgbClr val="000000"/>
+                </a:solidFill>
+                <a:latin typeface="Cascadia Mono" panose="020B0609020000020004" pitchFamily="49" charset="0"/>
+              </a:rPr>
+              <a:t>            {</a:t>
+            </a:r>
+          </a:p>
+          <a:p>
+            <a:r>
+              <a:rPr lang="da-DK" sz="1200">
+                <a:solidFill>
+                  <a:srgbClr val="000000"/>
+                </a:solidFill>
+                <a:latin typeface="Cascadia Mono" panose="020B0609020000020004" pitchFamily="49" charset="0"/>
+              </a:rPr>
+              <a:t>                _waterLevel = value;</a:t>
+            </a:r>
+          </a:p>
+          <a:p>
+            <a:r>
+              <a:rPr lang="da-DK" sz="1200">
+                <a:solidFill>
+                  <a:srgbClr val="000000"/>
+                </a:solidFill>
+                <a:latin typeface="Cascadia Mono" panose="020B0609020000020004" pitchFamily="49" charset="0"/>
+              </a:rPr>
+              <a:t>            }</a:t>
+            </a:r>
+          </a:p>
+          <a:p>
+            <a:r>
+              <a:rPr lang="da-DK" sz="1200">
+                <a:solidFill>
+                  <a:srgbClr val="000000"/>
+                </a:solidFill>
+                <a:latin typeface="Cascadia Mono" panose="020B0609020000020004" pitchFamily="49" charset="0"/>
+              </a:rPr>
+              <a:t>        }</a:t>
+            </a:r>
+          </a:p>
+          <a:p>
+            <a:r>
+              <a:rPr lang="da-DK" sz="1200">
+                <a:solidFill>
+                  <a:srgbClr val="000000"/>
+                </a:solidFill>
+                <a:latin typeface="Cascadia Mono" panose="020B0609020000020004" pitchFamily="49" charset="0"/>
+              </a:rPr>
+              <a:t>    }</a:t>
+            </a:r>
+            <a:endParaRPr lang="da-DK" sz="1200" dirty="0">
+              <a:solidFill>
+                <a:srgbClr val="000000"/>
+              </a:solidFill>
+              <a:latin typeface="Cascadia Mono" panose="020B0609020000020004" pitchFamily="49" charset="0"/>
+            </a:endParaRPr>
+          </a:p>
+        </p:txBody>
+      </p:sp>
+    </p:spTree>
+    <p:extLst>
+      <p:ext uri="{BB962C8B-B14F-4D97-AF65-F5344CB8AC3E}">
+        <p14:creationId xmlns:p14="http://schemas.microsoft.com/office/powerpoint/2010/main" val="3511407509"/>
+      </p:ext>
+    </p:extLst>
+  </p:cSld>
+  <p:clrMapOvr>
+    <a:masterClrMapping/>
+  </p:clrMapOvr>
+  <p:timing>
+    <p:tnLst>
+      <p:par>
+        <p:cTn id="1" dur="indefinite" restart="never" nodeType="tmRoot"/>
+      </p:par>
+    </p:tnLst>
+  </p:timing>
+</p:sld>
+</file>
+
+<file path=ppt/slides/slide39.xml><?xml version="1.0" encoding="utf-8"?>
 <p:sld xmlns:a="http://schemas.openxmlformats.org/drawingml/2006/main" xmlns:r="http://schemas.openxmlformats.org/officeDocument/2006/relationships" xmlns:p="http://schemas.openxmlformats.org/presentationml/2006/main">
   <p:cSld>
     <p:spTree>
@@ -17356,209 +20641,6 @@
 </p:sld>
 </file>
 
-<file path=ppt/slides/slide35.xml><?xml version="1.0" encoding="utf-8"?>
-<p:sld xmlns:a="http://schemas.openxmlformats.org/drawingml/2006/main" xmlns:r="http://schemas.openxmlformats.org/officeDocument/2006/relationships" xmlns:p="http://schemas.openxmlformats.org/presentationml/2006/main">
-  <p:cSld>
-    <p:spTree>
-      <p:nvGrpSpPr>
-        <p:cNvPr id="1" name=""/>
-        <p:cNvGrpSpPr/>
-        <p:nvPr/>
-      </p:nvGrpSpPr>
-      <p:grpSpPr>
-        <a:xfrm>
-          <a:off x="0" y="0"/>
-          <a:ext cx="0" cy="0"/>
-          <a:chOff x="0" y="0"/>
-          <a:chExt cx="0" cy="0"/>
-        </a:xfrm>
-      </p:grpSpPr>
-      <p:sp>
-        <p:nvSpPr>
-          <p:cNvPr id="3" name="Title 2"/>
-          <p:cNvSpPr>
-            <a:spLocks noGrp="1"/>
-          </p:cNvSpPr>
-          <p:nvPr>
-            <p:ph type="title"/>
-          </p:nvPr>
-        </p:nvSpPr>
-        <p:spPr/>
-        <p:txBody>
-          <a:bodyPr/>
-          <a:lstStyle/>
-          <a:p>
-            <a:r>
-              <a:rPr lang="da-DK" dirty="0"/>
-              <a:t>References and image </a:t>
-            </a:r>
-            <a:r>
-              <a:rPr lang="da-DK" dirty="0" err="1"/>
-              <a:t>sources</a:t>
-            </a:r>
-            <a:endParaRPr lang="da-DK" dirty="0"/>
-          </a:p>
-        </p:txBody>
-      </p:sp>
-      <p:sp>
-        <p:nvSpPr>
-          <p:cNvPr id="4" name="Content Placeholder 3"/>
-          <p:cNvSpPr>
-            <a:spLocks noGrp="1"/>
-          </p:cNvSpPr>
-          <p:nvPr>
-            <p:ph idx="1"/>
-          </p:nvPr>
-        </p:nvSpPr>
-        <p:spPr/>
-        <p:txBody>
-          <a:bodyPr>
-            <a:normAutofit/>
-          </a:bodyPr>
-          <a:lstStyle/>
-          <a:p>
-            <a:pPr marL="0" indent="0">
-              <a:buNone/>
-            </a:pPr>
-            <a:r>
-              <a:rPr lang="da-DK" sz="1800" dirty="0"/>
-              <a:t>Images:</a:t>
-            </a:r>
-          </a:p>
-          <a:p>
-            <a:pPr marL="0" indent="0">
-              <a:buNone/>
-            </a:pPr>
-            <a:r>
-              <a:rPr lang="da-DK" sz="1800" dirty="0"/>
-              <a:t>Printer: </a:t>
-            </a:r>
-            <a:r>
-              <a:rPr lang="da-DK" sz="1800" dirty="0">
-                <a:hlinkClick r:id="rId2"/>
-              </a:rPr>
-              <a:t>https://i5.walmartimages.com/asr/5bf8c70c-c0f4-46c8-8de2-d14417c3dcdb_2.a974142a063bb1f235f672f9a68eeb10.jpeg</a:t>
-            </a:r>
-            <a:endParaRPr lang="da-DK" sz="1800" dirty="0"/>
-          </a:p>
-          <a:p>
-            <a:pPr marL="0" indent="0">
-              <a:buNone/>
-            </a:pPr>
-            <a:r>
-              <a:rPr lang="da-DK" sz="1800" dirty="0"/>
-              <a:t>TPMS: </a:t>
-            </a:r>
-            <a:r>
-              <a:rPr lang="da-DK" sz="1800" dirty="0">
-                <a:hlinkClick r:id="rId3"/>
-              </a:rPr>
-              <a:t>http://www.rematiptop.com/tpms/img/TPMS-warning-light.jpg</a:t>
-            </a:r>
-            <a:endParaRPr lang="da-DK" sz="1800" dirty="0"/>
-          </a:p>
-          <a:p>
-            <a:pPr marL="0" indent="0">
-              <a:buNone/>
-            </a:pPr>
-            <a:r>
-              <a:rPr lang="da-DK" sz="1800" dirty="0"/>
-              <a:t>Computer keyboard: </a:t>
-            </a:r>
-            <a:r>
-              <a:rPr lang="da-DK" sz="1800" dirty="0">
-                <a:hlinkClick r:id="rId4"/>
-              </a:rPr>
-              <a:t>http://stockmedia.cc/computing_technology/slides/DSD_8790.jpg</a:t>
-            </a:r>
-            <a:endParaRPr lang="da-DK" sz="1800" dirty="0"/>
-          </a:p>
-          <a:p>
-            <a:pPr marL="0" indent="0">
-              <a:buNone/>
-            </a:pPr>
-            <a:r>
-              <a:rPr lang="da-DK" sz="1800" dirty="0"/>
-              <a:t>Bonus: </a:t>
-            </a:r>
-            <a:r>
-              <a:rPr lang="da-DK" sz="1800" dirty="0">
-                <a:hlinkClick r:id="rId5"/>
-              </a:rPr>
-              <a:t>http://wjreviews.com/reviews-cta/bonus.png</a:t>
-            </a:r>
-            <a:endParaRPr lang="da-DK" sz="1800" dirty="0"/>
-          </a:p>
-          <a:p>
-            <a:pPr marL="0" indent="0">
-              <a:buNone/>
-            </a:pPr>
-            <a:endParaRPr lang="da-DK" dirty="0"/>
-          </a:p>
-        </p:txBody>
-      </p:sp>
-    </p:spTree>
-    <p:extLst>
-      <p:ext uri="{BB962C8B-B14F-4D97-AF65-F5344CB8AC3E}">
-        <p14:creationId xmlns:p14="http://schemas.microsoft.com/office/powerpoint/2010/main" val="3336927857"/>
-      </p:ext>
-    </p:extLst>
-  </p:cSld>
-  <p:clrMapOvr>
-    <a:masterClrMapping/>
-  </p:clrMapOvr>
-</p:sld>
-</file>
-
-<file path=ppt/slides/slide36.xml><?xml version="1.0" encoding="utf-8"?>
-<p:sld xmlns:a="http://schemas.openxmlformats.org/drawingml/2006/main" xmlns:r="http://schemas.openxmlformats.org/officeDocument/2006/relationships" xmlns:p="http://schemas.openxmlformats.org/presentationml/2006/main">
-  <p:cSld>
-    <p:spTree>
-      <p:nvGrpSpPr>
-        <p:cNvPr id="1" name=""/>
-        <p:cNvGrpSpPr/>
-        <p:nvPr/>
-      </p:nvGrpSpPr>
-      <p:grpSpPr>
-        <a:xfrm>
-          <a:off x="0" y="0"/>
-          <a:ext cx="0" cy="0"/>
-          <a:chOff x="0" y="0"/>
-          <a:chExt cx="0" cy="0"/>
-        </a:xfrm>
-      </p:grpSpPr>
-      <p:sp>
-        <p:nvSpPr>
-          <p:cNvPr id="4" name="Title 3"/>
-          <p:cNvSpPr>
-            <a:spLocks noGrp="1"/>
-          </p:cNvSpPr>
-          <p:nvPr>
-            <p:ph type="title"/>
-          </p:nvPr>
-        </p:nvSpPr>
-        <p:spPr/>
-        <p:txBody>
-          <a:bodyPr/>
-          <a:lstStyle/>
-          <a:p>
-            <a:endParaRPr lang="da-DK"/>
-          </a:p>
-        </p:txBody>
-      </p:sp>
-    </p:spTree>
-    <p:extLst>
-      <p:ext uri="{BB962C8B-B14F-4D97-AF65-F5344CB8AC3E}">
-        <p14:creationId xmlns:p14="http://schemas.microsoft.com/office/powerpoint/2010/main" val="3808375499"/>
-      </p:ext>
-    </p:extLst>
-  </p:cSld>
-  <p:clrMapOvr>
-    <a:masterClrMapping/>
-  </p:clrMapOvr>
-</p:sld>
-</file>
-
 <file path=ppt/slides/slide4.xml><?xml version="1.0" encoding="utf-8"?>
 <p:sld xmlns:a="http://schemas.openxmlformats.org/drawingml/2006/main" xmlns:r="http://schemas.openxmlformats.org/officeDocument/2006/relationships" xmlns:p="http://schemas.openxmlformats.org/presentationml/2006/main">
   <p:cSld>
@@ -17781,6 +20863,216 @@
   <p:clrMapOvr>
     <a:masterClrMapping/>
   </p:clrMapOvr>
+  <p:timing>
+    <p:tnLst>
+      <p:par>
+        <p:cTn id="1" dur="indefinite" restart="never" nodeType="tmRoot"/>
+      </p:par>
+    </p:tnLst>
+  </p:timing>
+</p:sld>
+</file>
+
+<file path=ppt/slides/slide40.xml><?xml version="1.0" encoding="utf-8"?>
+<p:sld xmlns:a="http://schemas.openxmlformats.org/drawingml/2006/main" xmlns:r="http://schemas.openxmlformats.org/officeDocument/2006/relationships" xmlns:p="http://schemas.openxmlformats.org/presentationml/2006/main">
+  <p:cSld>
+    <p:spTree>
+      <p:nvGrpSpPr>
+        <p:cNvPr id="1" name=""/>
+        <p:cNvGrpSpPr/>
+        <p:nvPr/>
+      </p:nvGrpSpPr>
+      <p:grpSpPr>
+        <a:xfrm>
+          <a:off x="0" y="0"/>
+          <a:ext cx="0" cy="0"/>
+          <a:chOff x="0" y="0"/>
+          <a:chExt cx="0" cy="0"/>
+        </a:xfrm>
+      </p:grpSpPr>
+      <p:sp>
+        <p:nvSpPr>
+          <p:cNvPr id="3" name="Title 2"/>
+          <p:cNvSpPr>
+            <a:spLocks noGrp="1"/>
+          </p:cNvSpPr>
+          <p:nvPr>
+            <p:ph type="title"/>
+          </p:nvPr>
+        </p:nvSpPr>
+        <p:spPr/>
+        <p:txBody>
+          <a:bodyPr/>
+          <a:lstStyle/>
+          <a:p>
+            <a:r>
+              <a:rPr lang="da-DK" dirty="0"/>
+              <a:t>References and image </a:t>
+            </a:r>
+            <a:r>
+              <a:rPr lang="da-DK" dirty="0" err="1"/>
+              <a:t>sources</a:t>
+            </a:r>
+            <a:endParaRPr lang="da-DK" dirty="0"/>
+          </a:p>
+        </p:txBody>
+      </p:sp>
+      <p:sp>
+        <p:nvSpPr>
+          <p:cNvPr id="4" name="Content Placeholder 3"/>
+          <p:cNvSpPr>
+            <a:spLocks noGrp="1"/>
+          </p:cNvSpPr>
+          <p:nvPr>
+            <p:ph idx="1"/>
+          </p:nvPr>
+        </p:nvSpPr>
+        <p:spPr/>
+        <p:txBody>
+          <a:bodyPr>
+            <a:normAutofit/>
+          </a:bodyPr>
+          <a:lstStyle/>
+          <a:p>
+            <a:pPr marL="0" indent="0">
+              <a:buNone/>
+            </a:pPr>
+            <a:r>
+              <a:rPr lang="da-DK" sz="1800" dirty="0"/>
+              <a:t>Images:</a:t>
+            </a:r>
+          </a:p>
+          <a:p>
+            <a:pPr marL="0" indent="0">
+              <a:buNone/>
+            </a:pPr>
+            <a:r>
+              <a:rPr lang="da-DK" sz="1800" dirty="0"/>
+              <a:t>Printer: </a:t>
+            </a:r>
+            <a:r>
+              <a:rPr lang="da-DK" sz="1800" dirty="0">
+                <a:hlinkClick r:id="rId2"/>
+              </a:rPr>
+              <a:t>https://i5.walmartimages.com/asr/5bf8c70c-c0f4-46c8-8de2-d14417c3dcdb_2.a974142a063bb1f235f672f9a68eeb10.jpeg</a:t>
+            </a:r>
+            <a:endParaRPr lang="da-DK" sz="1800" dirty="0"/>
+          </a:p>
+          <a:p>
+            <a:pPr marL="0" indent="0">
+              <a:buNone/>
+            </a:pPr>
+            <a:r>
+              <a:rPr lang="da-DK" sz="1800" dirty="0"/>
+              <a:t>TPMS: </a:t>
+            </a:r>
+            <a:r>
+              <a:rPr lang="da-DK" sz="1800" dirty="0">
+                <a:hlinkClick r:id="rId3"/>
+              </a:rPr>
+              <a:t>http://www.rematiptop.com/tpms/img/TPMS-warning-light.jpg</a:t>
+            </a:r>
+            <a:endParaRPr lang="da-DK" sz="1800" dirty="0"/>
+          </a:p>
+          <a:p>
+            <a:pPr marL="0" indent="0">
+              <a:buNone/>
+            </a:pPr>
+            <a:r>
+              <a:rPr lang="da-DK" sz="1800" dirty="0"/>
+              <a:t>Computer keyboard: </a:t>
+            </a:r>
+            <a:r>
+              <a:rPr lang="da-DK" sz="1800" dirty="0">
+                <a:hlinkClick r:id="rId4"/>
+              </a:rPr>
+              <a:t>http://stockmedia.cc/computing_technology/slides/DSD_8790.jpg</a:t>
+            </a:r>
+            <a:endParaRPr lang="da-DK" sz="1800" dirty="0"/>
+          </a:p>
+          <a:p>
+            <a:pPr marL="0" indent="0">
+              <a:buNone/>
+            </a:pPr>
+            <a:r>
+              <a:rPr lang="da-DK" sz="1800" dirty="0"/>
+              <a:t>Bonus: </a:t>
+            </a:r>
+            <a:r>
+              <a:rPr lang="da-DK" sz="1800" dirty="0">
+                <a:hlinkClick r:id="rId5"/>
+              </a:rPr>
+              <a:t>http://wjreviews.com/reviews-cta/bonus.png</a:t>
+            </a:r>
+            <a:endParaRPr lang="da-DK" sz="1800" dirty="0"/>
+          </a:p>
+          <a:p>
+            <a:pPr marL="0" indent="0">
+              <a:buNone/>
+            </a:pPr>
+            <a:endParaRPr lang="da-DK" dirty="0"/>
+          </a:p>
+        </p:txBody>
+      </p:sp>
+    </p:spTree>
+    <p:extLst>
+      <p:ext uri="{BB962C8B-B14F-4D97-AF65-F5344CB8AC3E}">
+        <p14:creationId xmlns:p14="http://schemas.microsoft.com/office/powerpoint/2010/main" val="3336927857"/>
+      </p:ext>
+    </p:extLst>
+  </p:cSld>
+  <p:clrMapOvr>
+    <a:masterClrMapping/>
+  </p:clrMapOvr>
+</p:sld>
+</file>
+
+<file path=ppt/slides/slide41.xml><?xml version="1.0" encoding="utf-8"?>
+<p:sld xmlns:a="http://schemas.openxmlformats.org/drawingml/2006/main" xmlns:r="http://schemas.openxmlformats.org/officeDocument/2006/relationships" xmlns:p="http://schemas.openxmlformats.org/presentationml/2006/main">
+  <p:cSld>
+    <p:spTree>
+      <p:nvGrpSpPr>
+        <p:cNvPr id="1" name=""/>
+        <p:cNvGrpSpPr/>
+        <p:nvPr/>
+      </p:nvGrpSpPr>
+      <p:grpSpPr>
+        <a:xfrm>
+          <a:off x="0" y="0"/>
+          <a:ext cx="0" cy="0"/>
+          <a:chOff x="0" y="0"/>
+          <a:chExt cx="0" cy="0"/>
+        </a:xfrm>
+      </p:grpSpPr>
+      <p:sp>
+        <p:nvSpPr>
+          <p:cNvPr id="4" name="Title 3"/>
+          <p:cNvSpPr>
+            <a:spLocks noGrp="1"/>
+          </p:cNvSpPr>
+          <p:nvPr>
+            <p:ph type="title"/>
+          </p:nvPr>
+        </p:nvSpPr>
+        <p:spPr/>
+        <p:txBody>
+          <a:bodyPr/>
+          <a:lstStyle/>
+          <a:p>
+            <a:endParaRPr lang="da-DK"/>
+          </a:p>
+        </p:txBody>
+      </p:sp>
+    </p:spTree>
+    <p:extLst>
+      <p:ext uri="{BB962C8B-B14F-4D97-AF65-F5344CB8AC3E}">
+        <p14:creationId xmlns:p14="http://schemas.microsoft.com/office/powerpoint/2010/main" val="3808375499"/>
+      </p:ext>
+    </p:extLst>
+  </p:cSld>
+  <p:clrMapOvr>
+    <a:masterClrMapping/>
+  </p:clrMapOvr>
 </p:sld>
 </file>
 
@@ -17956,6 +21248,13 @@
   <p:clrMapOvr>
     <a:masterClrMapping/>
   </p:clrMapOvr>
+  <p:timing>
+    <p:tnLst>
+      <p:par>
+        <p:cTn id="1" dur="indefinite" restart="never" nodeType="tmRoot"/>
+      </p:par>
+    </p:tnLst>
+  </p:timing>
 </p:sld>
 </file>
 
@@ -18181,6 +21480,13 @@
   <p:clrMapOvr>
     <a:masterClrMapping/>
   </p:clrMapOvr>
+  <p:timing>
+    <p:tnLst>
+      <p:par>
+        <p:cTn id="1" dur="indefinite" restart="never" nodeType="tmRoot"/>
+      </p:par>
+    </p:tnLst>
+  </p:timing>
 </p:sld>
 </file>
 
@@ -18423,6 +21729,13 @@
   <p:clrMapOvr>
     <a:masterClrMapping/>
   </p:clrMapOvr>
+  <p:timing>
+    <p:tnLst>
+      <p:par>
+        <p:cTn id="1" dur="indefinite" restart="never" nodeType="tmRoot"/>
+      </p:par>
+    </p:tnLst>
+  </p:timing>
 </p:sld>
 </file>
 
@@ -18665,6 +21978,13 @@
   <p:clrMapOvr>
     <a:masterClrMapping/>
   </p:clrMapOvr>
+  <p:timing>
+    <p:tnLst>
+      <p:par>
+        <p:cTn id="1" dur="indefinite" restart="never" nodeType="tmRoot"/>
+      </p:par>
+    </p:tnLst>
+  </p:timing>
 </p:sld>
 </file>
 
@@ -18840,6 +22160,13 @@
   <p:clrMapOvr>
     <a:masterClrMapping/>
   </p:clrMapOvr>
+  <p:timing>
+    <p:tnLst>
+      <p:par>
+        <p:cTn id="1" dur="indefinite" restart="never" nodeType="tmRoot"/>
+      </p:par>
+    </p:tnLst>
+  </p:timing>
 </p:sld>
 </file>
 
